--- a/consolidated_answers.pptx
+++ b/consolidated_answers.pptx
@@ -6833,7 +6833,7 @@
           <a:p>
             <a:fld id="{5B59738F-BA60-493E-818C-8226DE26E785}" type="datetimeFigureOut">
               <a:rPr lang="en-MY" smtClean="0"/>
-              <a:t>24/8/2020</a:t>
+              <a:t>29/8/2020</a:t>
             </a:fld>
             <a:endParaRPr lang="en-MY"/>
           </a:p>
@@ -7033,7 +7033,7 @@
           <a:p>
             <a:fld id="{5B59738F-BA60-493E-818C-8226DE26E785}" type="datetimeFigureOut">
               <a:rPr lang="en-MY" smtClean="0"/>
-              <a:t>24/8/2020</a:t>
+              <a:t>29/8/2020</a:t>
             </a:fld>
             <a:endParaRPr lang="en-MY"/>
           </a:p>
@@ -7243,7 +7243,7 @@
           <a:p>
             <a:fld id="{5B59738F-BA60-493E-818C-8226DE26E785}" type="datetimeFigureOut">
               <a:rPr lang="en-MY" smtClean="0"/>
-              <a:t>24/8/2020</a:t>
+              <a:t>29/8/2020</a:t>
             </a:fld>
             <a:endParaRPr lang="en-MY"/>
           </a:p>
@@ -7443,7 +7443,7 @@
           <a:p>
             <a:fld id="{5B59738F-BA60-493E-818C-8226DE26E785}" type="datetimeFigureOut">
               <a:rPr lang="en-MY" smtClean="0"/>
-              <a:t>24/8/2020</a:t>
+              <a:t>29/8/2020</a:t>
             </a:fld>
             <a:endParaRPr lang="en-MY"/>
           </a:p>
@@ -7719,7 +7719,7 @@
           <a:p>
             <a:fld id="{5B59738F-BA60-493E-818C-8226DE26E785}" type="datetimeFigureOut">
               <a:rPr lang="en-MY" smtClean="0"/>
-              <a:t>24/8/2020</a:t>
+              <a:t>29/8/2020</a:t>
             </a:fld>
             <a:endParaRPr lang="en-MY"/>
           </a:p>
@@ -7987,7 +7987,7 @@
           <a:p>
             <a:fld id="{5B59738F-BA60-493E-818C-8226DE26E785}" type="datetimeFigureOut">
               <a:rPr lang="en-MY" smtClean="0"/>
-              <a:t>24/8/2020</a:t>
+              <a:t>29/8/2020</a:t>
             </a:fld>
             <a:endParaRPr lang="en-MY"/>
           </a:p>
@@ -8402,7 +8402,7 @@
           <a:p>
             <a:fld id="{5B59738F-BA60-493E-818C-8226DE26E785}" type="datetimeFigureOut">
               <a:rPr lang="en-MY" smtClean="0"/>
-              <a:t>24/8/2020</a:t>
+              <a:t>29/8/2020</a:t>
             </a:fld>
             <a:endParaRPr lang="en-MY"/>
           </a:p>
@@ -8544,7 +8544,7 @@
           <a:p>
             <a:fld id="{5B59738F-BA60-493E-818C-8226DE26E785}" type="datetimeFigureOut">
               <a:rPr lang="en-MY" smtClean="0"/>
-              <a:t>24/8/2020</a:t>
+              <a:t>29/8/2020</a:t>
             </a:fld>
             <a:endParaRPr lang="en-MY"/>
           </a:p>
@@ -8657,7 +8657,7 @@
           <a:p>
             <a:fld id="{5B59738F-BA60-493E-818C-8226DE26E785}" type="datetimeFigureOut">
               <a:rPr lang="en-MY" smtClean="0"/>
-              <a:t>24/8/2020</a:t>
+              <a:t>29/8/2020</a:t>
             </a:fld>
             <a:endParaRPr lang="en-MY"/>
           </a:p>
@@ -8970,7 +8970,7 @@
           <a:p>
             <a:fld id="{5B59738F-BA60-493E-818C-8226DE26E785}" type="datetimeFigureOut">
               <a:rPr lang="en-MY" smtClean="0"/>
-              <a:t>24/8/2020</a:t>
+              <a:t>29/8/2020</a:t>
             </a:fld>
             <a:endParaRPr lang="en-MY"/>
           </a:p>
@@ -9259,7 +9259,7 @@
           <a:p>
             <a:fld id="{5B59738F-BA60-493E-818C-8226DE26E785}" type="datetimeFigureOut">
               <a:rPr lang="en-MY" smtClean="0"/>
-              <a:t>24/8/2020</a:t>
+              <a:t>29/8/2020</a:t>
             </a:fld>
             <a:endParaRPr lang="en-MY"/>
           </a:p>
@@ -9502,7 +9502,7 @@
           <a:p>
             <a:fld id="{5B59738F-BA60-493E-818C-8226DE26E785}" type="datetimeFigureOut">
               <a:rPr lang="en-MY" smtClean="0"/>
-              <a:t>24/8/2020</a:t>
+              <a:t>29/8/2020</a:t>
             </a:fld>
             <a:endParaRPr lang="en-MY"/>
           </a:p>
@@ -11753,14 +11753,14 @@
           <p:nvPr>
             <p:extLst>
               <p:ext uri="{D42A27DB-BD31-4B8C-83A1-F6EECF244321}">
-                <p14:modId xmlns:p14="http://schemas.microsoft.com/office/powerpoint/2010/main" val="3074673616"/>
+                <p14:modId xmlns:p14="http://schemas.microsoft.com/office/powerpoint/2010/main" val="3111433550"/>
               </p:ext>
             </p:extLst>
           </p:nvPr>
         </p:nvGraphicFramePr>
         <p:xfrm>
-          <a:off x="4297133" y="509560"/>
-          <a:ext cx="7764375" cy="2675969"/>
+          <a:off x="4297133" y="423986"/>
+          <a:ext cx="7764375" cy="3099047"/>
         </p:xfrm>
         <a:graphic>
           <a:graphicData uri="http://schemas.openxmlformats.org/drawingml/2006/table">
@@ -12763,7 +12763,7 @@
                     <a:p>
                       <a:pPr algn="l" fontAlgn="b"/>
                       <a:r>
-                        <a:rPr lang="en-MY" sz="900" b="1" i="0" u="none" strike="noStrike">
+                        <a:rPr lang="en-MY" sz="900" b="1" i="0" u="none" strike="noStrike" dirty="0" err="1">
                           <a:solidFill>
                             <a:srgbClr val="000000"/>
                           </a:solidFill>
@@ -12772,6 +12772,13 @@
                         </a:rPr>
                         <a:t>RandomForest</a:t>
                       </a:r>
+                      <a:endParaRPr lang="en-MY" sz="900" b="1" i="0" u="none" strike="noStrike" dirty="0">
+                        <a:solidFill>
+                          <a:srgbClr val="000000"/>
+                        </a:solidFill>
+                        <a:effectLst/>
+                        <a:latin typeface="Calibri" panose="020F0502020204030204" pitchFamily="34" charset="0"/>
+                      </a:endParaRPr>
                     </a:p>
                   </a:txBody>
                   <a:tcPr marL="9525" marR="9525" marT="9525" marB="0" anchor="b">
@@ -13507,7 +13514,7 @@
                     <a:p>
                       <a:pPr algn="r" fontAlgn="b"/>
                       <a:r>
-                        <a:rPr lang="en-MY" sz="900" b="0" i="0" u="none" strike="noStrike" dirty="0">
+                        <a:rPr lang="en-MY" sz="900" b="0" i="0" u="none" strike="noStrike">
                           <a:solidFill>
                             <a:srgbClr val="000000"/>
                           </a:solidFill>
@@ -13571,7 +13578,7 @@
                     <a:p>
                       <a:pPr algn="l" fontAlgn="b"/>
                       <a:r>
-                        <a:rPr lang="en-MY" sz="900" b="1" i="0" u="none" strike="noStrike">
+                        <a:rPr lang="en-MY" sz="900" b="1" i="0" u="none" strike="noStrike" dirty="0" err="1">
                           <a:solidFill>
                             <a:srgbClr val="000000"/>
                           </a:solidFill>
@@ -13580,6 +13587,13 @@
                         </a:rPr>
                         <a:t>XGBoost</a:t>
                       </a:r>
+                      <a:endParaRPr lang="en-MY" sz="900" b="1" i="0" u="none" strike="noStrike" dirty="0">
+                        <a:solidFill>
+                          <a:srgbClr val="000000"/>
+                        </a:solidFill>
+                        <a:effectLst/>
+                        <a:latin typeface="Calibri" panose="020F0502020204030204" pitchFamily="34" charset="0"/>
+                      </a:endParaRPr>
                     </a:p>
                   </a:txBody>
                   <a:tcPr marL="9525" marR="9525" marT="9525" marB="0" anchor="b">
@@ -14379,7 +14393,822 @@
                     <a:p>
                       <a:pPr algn="l" fontAlgn="b"/>
                       <a:r>
-                        <a:rPr lang="en-MY" sz="900" b="1" i="0" u="none" strike="noStrike">
+                        <a:rPr lang="en-MY" sz="900" b="1" i="0" u="none" strike="noStrike" dirty="0" err="1">
+                          <a:solidFill>
+                            <a:srgbClr val="000000"/>
+                          </a:solidFill>
+                          <a:effectLst/>
+                          <a:latin typeface="Calibri" panose="020F0502020204030204" pitchFamily="34" charset="0"/>
+                        </a:rPr>
+                        <a:t>CatBoost</a:t>
+                      </a:r>
+                      <a:endParaRPr lang="en-MY" sz="900" b="1" i="0" u="none" strike="noStrike" dirty="0">
+                        <a:solidFill>
+                          <a:srgbClr val="000000"/>
+                        </a:solidFill>
+                        <a:effectLst/>
+                        <a:latin typeface="Calibri" panose="020F0502020204030204" pitchFamily="34" charset="0"/>
+                      </a:endParaRPr>
+                    </a:p>
+                  </a:txBody>
+                  <a:tcPr marL="9525" marR="9525" marT="9525" marB="0" anchor="b">
+                    <a:lnL w="12700" cap="flat" cmpd="sng" algn="ctr">
+                      <a:solidFill>
+                        <a:schemeClr val="tx1"/>
+                      </a:solidFill>
+                      <a:prstDash val="solid"/>
+                      <a:round/>
+                      <a:headEnd type="none" w="med" len="med"/>
+                      <a:tailEnd type="none" w="med" len="med"/>
+                    </a:lnL>
+                    <a:lnR w="12700" cap="flat" cmpd="sng" algn="ctr">
+                      <a:solidFill>
+                        <a:schemeClr val="tx1"/>
+                      </a:solidFill>
+                      <a:prstDash val="solid"/>
+                      <a:round/>
+                      <a:headEnd type="none" w="med" len="med"/>
+                      <a:tailEnd type="none" w="med" len="med"/>
+                    </a:lnR>
+                    <a:lnT w="12700" cap="flat" cmpd="sng" algn="ctr">
+                      <a:solidFill>
+                        <a:schemeClr val="tx1"/>
+                      </a:solidFill>
+                      <a:prstDash val="solid"/>
+                      <a:round/>
+                      <a:headEnd type="none" w="med" len="med"/>
+                      <a:tailEnd type="none" w="med" len="med"/>
+                    </a:lnT>
+                    <a:lnB w="12700" cap="flat" cmpd="sng" algn="ctr">
+                      <a:solidFill>
+                        <a:schemeClr val="tx1"/>
+                      </a:solidFill>
+                      <a:prstDash val="solid"/>
+                      <a:round/>
+                      <a:headEnd type="none" w="med" len="med"/>
+                      <a:tailEnd type="none" w="med" len="med"/>
+                    </a:lnB>
+                    <a:solidFill>
+                      <a:schemeClr val="accent4"/>
+                    </a:solidFill>
+                  </a:tcPr>
+                </a:tc>
+                <a:tc>
+                  <a:txBody>
+                    <a:bodyPr/>
+                    <a:lstStyle/>
+                    <a:p>
+                      <a:pPr algn="r" fontAlgn="b"/>
+                      <a:r>
+                        <a:rPr lang="en-MY" sz="900" b="0" i="0" u="none" strike="noStrike" dirty="0">
+                          <a:solidFill>
+                            <a:srgbClr val="000000"/>
+                          </a:solidFill>
+                          <a:effectLst/>
+                          <a:latin typeface="Calibri" panose="020F0502020204030204" pitchFamily="34" charset="0"/>
+                        </a:rPr>
+                        <a:t>0.972973</a:t>
+                      </a:r>
+                    </a:p>
+                  </a:txBody>
+                  <a:tcPr marL="9525" marR="9525" marT="9525" marB="0" anchor="b">
+                    <a:lnL w="12700" cap="flat" cmpd="sng" algn="ctr">
+                      <a:solidFill>
+                        <a:schemeClr val="tx1"/>
+                      </a:solidFill>
+                      <a:prstDash val="solid"/>
+                      <a:round/>
+                      <a:headEnd type="none" w="med" len="med"/>
+                      <a:tailEnd type="none" w="med" len="med"/>
+                    </a:lnL>
+                    <a:lnR w="12700" cap="flat" cmpd="sng" algn="ctr">
+                      <a:solidFill>
+                        <a:schemeClr val="tx1"/>
+                      </a:solidFill>
+                      <a:prstDash val="solid"/>
+                      <a:round/>
+                      <a:headEnd type="none" w="med" len="med"/>
+                      <a:tailEnd type="none" w="med" len="med"/>
+                    </a:lnR>
+                    <a:lnT w="12700" cap="flat" cmpd="sng" algn="ctr">
+                      <a:solidFill>
+                        <a:schemeClr val="tx1"/>
+                      </a:solidFill>
+                      <a:prstDash val="solid"/>
+                      <a:round/>
+                      <a:headEnd type="none" w="med" len="med"/>
+                      <a:tailEnd type="none" w="med" len="med"/>
+                    </a:lnT>
+                    <a:lnB w="12700" cap="flat" cmpd="sng" algn="ctr">
+                      <a:solidFill>
+                        <a:schemeClr val="tx1"/>
+                      </a:solidFill>
+                      <a:prstDash val="solid"/>
+                      <a:round/>
+                      <a:headEnd type="none" w="med" len="med"/>
+                      <a:tailEnd type="none" w="med" len="med"/>
+                    </a:lnB>
+                  </a:tcPr>
+                </a:tc>
+                <a:tc>
+                  <a:txBody>
+                    <a:bodyPr/>
+                    <a:lstStyle/>
+                    <a:p>
+                      <a:pPr algn="r" fontAlgn="b"/>
+                      <a:r>
+                        <a:rPr lang="en-MY" sz="900" b="0" i="0" u="none" strike="noStrike" dirty="0">
+                          <a:solidFill>
+                            <a:srgbClr val="000000"/>
+                          </a:solidFill>
+                          <a:effectLst/>
+                          <a:latin typeface="Calibri" panose="020F0502020204030204" pitchFamily="34" charset="0"/>
+                        </a:rPr>
+                        <a:t>0.893808</a:t>
+                      </a:r>
+                    </a:p>
+                  </a:txBody>
+                  <a:tcPr marL="9525" marR="9525" marT="9525" marB="0" anchor="b">
+                    <a:lnL w="12700" cap="flat" cmpd="sng" algn="ctr">
+                      <a:solidFill>
+                        <a:schemeClr val="tx1"/>
+                      </a:solidFill>
+                      <a:prstDash val="solid"/>
+                      <a:round/>
+                      <a:headEnd type="none" w="med" len="med"/>
+                      <a:tailEnd type="none" w="med" len="med"/>
+                    </a:lnL>
+                    <a:lnR w="12700" cap="flat" cmpd="sng" algn="ctr">
+                      <a:solidFill>
+                        <a:schemeClr val="tx1"/>
+                      </a:solidFill>
+                      <a:prstDash val="solid"/>
+                      <a:round/>
+                      <a:headEnd type="none" w="med" len="med"/>
+                      <a:tailEnd type="none" w="med" len="med"/>
+                    </a:lnR>
+                    <a:lnT w="12700" cap="flat" cmpd="sng" algn="ctr">
+                      <a:solidFill>
+                        <a:schemeClr val="tx1"/>
+                      </a:solidFill>
+                      <a:prstDash val="solid"/>
+                      <a:round/>
+                      <a:headEnd type="none" w="med" len="med"/>
+                      <a:tailEnd type="none" w="med" len="med"/>
+                    </a:lnT>
+                    <a:lnB w="12700" cap="flat" cmpd="sng" algn="ctr">
+                      <a:solidFill>
+                        <a:schemeClr val="tx1"/>
+                      </a:solidFill>
+                      <a:prstDash val="solid"/>
+                      <a:round/>
+                      <a:headEnd type="none" w="med" len="med"/>
+                      <a:tailEnd type="none" w="med" len="med"/>
+                    </a:lnB>
+                  </a:tcPr>
+                </a:tc>
+                <a:tc>
+                  <a:txBody>
+                    <a:bodyPr/>
+                    <a:lstStyle/>
+                    <a:p>
+                      <a:pPr algn="r" fontAlgn="b"/>
+                      <a:r>
+                        <a:rPr lang="en-MY" sz="900" b="0" i="0" u="none" strike="noStrike">
+                          <a:solidFill>
+                            <a:srgbClr val="000000"/>
+                          </a:solidFill>
+                          <a:effectLst/>
+                          <a:latin typeface="Calibri" panose="020F0502020204030204" pitchFamily="34" charset="0"/>
+                        </a:rPr>
+                        <a:t>0.972973</a:t>
+                      </a:r>
+                    </a:p>
+                  </a:txBody>
+                  <a:tcPr marL="9525" marR="9525" marT="9525" marB="0" anchor="b">
+                    <a:lnL w="12700" cap="flat" cmpd="sng" algn="ctr">
+                      <a:solidFill>
+                        <a:schemeClr val="tx1"/>
+                      </a:solidFill>
+                      <a:prstDash val="solid"/>
+                      <a:round/>
+                      <a:headEnd type="none" w="med" len="med"/>
+                      <a:tailEnd type="none" w="med" len="med"/>
+                    </a:lnL>
+                    <a:lnR w="12700" cap="flat" cmpd="sng" algn="ctr">
+                      <a:solidFill>
+                        <a:schemeClr val="tx1"/>
+                      </a:solidFill>
+                      <a:prstDash val="solid"/>
+                      <a:round/>
+                      <a:headEnd type="none" w="med" len="med"/>
+                      <a:tailEnd type="none" w="med" len="med"/>
+                    </a:lnR>
+                    <a:lnT w="12700" cap="flat" cmpd="sng" algn="ctr">
+                      <a:solidFill>
+                        <a:schemeClr val="tx1"/>
+                      </a:solidFill>
+                      <a:prstDash val="solid"/>
+                      <a:round/>
+                      <a:headEnd type="none" w="med" len="med"/>
+                      <a:tailEnd type="none" w="med" len="med"/>
+                    </a:lnT>
+                    <a:lnB w="12700" cap="flat" cmpd="sng" algn="ctr">
+                      <a:solidFill>
+                        <a:schemeClr val="tx1"/>
+                      </a:solidFill>
+                      <a:prstDash val="solid"/>
+                      <a:round/>
+                      <a:headEnd type="none" w="med" len="med"/>
+                      <a:tailEnd type="none" w="med" len="med"/>
+                    </a:lnB>
+                  </a:tcPr>
+                </a:tc>
+                <a:tc>
+                  <a:txBody>
+                    <a:bodyPr/>
+                    <a:lstStyle/>
+                    <a:p>
+                      <a:pPr algn="r" fontAlgn="b"/>
+                      <a:r>
+                        <a:rPr lang="en-MY" sz="900" b="0" i="0" u="none" strike="noStrike">
+                          <a:solidFill>
+                            <a:srgbClr val="000000"/>
+                          </a:solidFill>
+                          <a:effectLst/>
+                          <a:latin typeface="Calibri" panose="020F0502020204030204" pitchFamily="34" charset="0"/>
+                        </a:rPr>
+                        <a:t>0.955513</a:t>
+                      </a:r>
+                    </a:p>
+                  </a:txBody>
+                  <a:tcPr marL="9525" marR="9525" marT="9525" marB="0" anchor="b">
+                    <a:lnL w="12700" cap="flat" cmpd="sng" algn="ctr">
+                      <a:solidFill>
+                        <a:schemeClr val="tx1"/>
+                      </a:solidFill>
+                      <a:prstDash val="solid"/>
+                      <a:round/>
+                      <a:headEnd type="none" w="med" len="med"/>
+                      <a:tailEnd type="none" w="med" len="med"/>
+                    </a:lnL>
+                    <a:lnR w="12700" cap="flat" cmpd="sng" algn="ctr">
+                      <a:solidFill>
+                        <a:schemeClr val="tx1"/>
+                      </a:solidFill>
+                      <a:prstDash val="solid"/>
+                      <a:round/>
+                      <a:headEnd type="none" w="med" len="med"/>
+                      <a:tailEnd type="none" w="med" len="med"/>
+                    </a:lnR>
+                    <a:lnT w="12700" cap="flat" cmpd="sng" algn="ctr">
+                      <a:solidFill>
+                        <a:schemeClr val="tx1"/>
+                      </a:solidFill>
+                      <a:prstDash val="solid"/>
+                      <a:round/>
+                      <a:headEnd type="none" w="med" len="med"/>
+                      <a:tailEnd type="none" w="med" len="med"/>
+                    </a:lnT>
+                    <a:lnB w="12700" cap="flat" cmpd="sng" algn="ctr">
+                      <a:solidFill>
+                        <a:schemeClr val="tx1"/>
+                      </a:solidFill>
+                      <a:prstDash val="solid"/>
+                      <a:round/>
+                      <a:headEnd type="none" w="med" len="med"/>
+                      <a:tailEnd type="none" w="med" len="med"/>
+                    </a:lnB>
+                  </a:tcPr>
+                </a:tc>
+                <a:tc>
+                  <a:txBody>
+                    <a:bodyPr/>
+                    <a:lstStyle/>
+                    <a:p>
+                      <a:pPr algn="r" fontAlgn="b"/>
+                      <a:r>
+                        <a:rPr lang="en-MY" sz="900" b="0" i="0" u="none" strike="noStrike">
+                          <a:solidFill>
+                            <a:srgbClr val="000000"/>
+                          </a:solidFill>
+                          <a:effectLst/>
+                          <a:latin typeface="Calibri" panose="020F0502020204030204" pitchFamily="34" charset="0"/>
+                        </a:rPr>
+                        <a:t>0.946006</a:t>
+                      </a:r>
+                    </a:p>
+                  </a:txBody>
+                  <a:tcPr marL="9525" marR="9525" marT="9525" marB="0" anchor="b">
+                    <a:lnL w="12700" cap="flat" cmpd="sng" algn="ctr">
+                      <a:solidFill>
+                        <a:schemeClr val="tx1"/>
+                      </a:solidFill>
+                      <a:prstDash val="solid"/>
+                      <a:round/>
+                      <a:headEnd type="none" w="med" len="med"/>
+                      <a:tailEnd type="none" w="med" len="med"/>
+                    </a:lnL>
+                    <a:lnR w="12700" cap="flat" cmpd="sng" algn="ctr">
+                      <a:solidFill>
+                        <a:schemeClr val="tx1"/>
+                      </a:solidFill>
+                      <a:prstDash val="solid"/>
+                      <a:round/>
+                      <a:headEnd type="none" w="med" len="med"/>
+                      <a:tailEnd type="none" w="med" len="med"/>
+                    </a:lnR>
+                    <a:lnT w="12700" cap="flat" cmpd="sng" algn="ctr">
+                      <a:solidFill>
+                        <a:schemeClr val="tx1"/>
+                      </a:solidFill>
+                      <a:prstDash val="solid"/>
+                      <a:round/>
+                      <a:headEnd type="none" w="med" len="med"/>
+                      <a:tailEnd type="none" w="med" len="med"/>
+                    </a:lnT>
+                    <a:lnB w="12700" cap="flat" cmpd="sng" algn="ctr">
+                      <a:solidFill>
+                        <a:schemeClr val="tx1"/>
+                      </a:solidFill>
+                      <a:prstDash val="solid"/>
+                      <a:round/>
+                      <a:headEnd type="none" w="med" len="med"/>
+                      <a:tailEnd type="none" w="med" len="med"/>
+                    </a:lnB>
+                  </a:tcPr>
+                </a:tc>
+                <a:tc>
+                  <a:txBody>
+                    <a:bodyPr/>
+                    <a:lstStyle/>
+                    <a:p>
+                      <a:pPr algn="r" fontAlgn="b"/>
+                      <a:r>
+                        <a:rPr lang="en-MY" sz="900" b="0" i="0" u="none" strike="noStrike">
+                          <a:solidFill>
+                            <a:srgbClr val="000000"/>
+                          </a:solidFill>
+                          <a:effectLst/>
+                          <a:latin typeface="Calibri" panose="020F0502020204030204" pitchFamily="34" charset="0"/>
+                        </a:rPr>
+                        <a:t>0.735218</a:t>
+                      </a:r>
+                    </a:p>
+                  </a:txBody>
+                  <a:tcPr marL="9525" marR="9525" marT="9525" marB="0" anchor="b">
+                    <a:lnL w="12700" cap="flat" cmpd="sng" algn="ctr">
+                      <a:solidFill>
+                        <a:schemeClr val="tx1"/>
+                      </a:solidFill>
+                      <a:prstDash val="solid"/>
+                      <a:round/>
+                      <a:headEnd type="none" w="med" len="med"/>
+                      <a:tailEnd type="none" w="med" len="med"/>
+                    </a:lnL>
+                    <a:lnR w="12700" cap="flat" cmpd="sng" algn="ctr">
+                      <a:solidFill>
+                        <a:schemeClr val="tx1"/>
+                      </a:solidFill>
+                      <a:prstDash val="solid"/>
+                      <a:round/>
+                      <a:headEnd type="none" w="med" len="med"/>
+                      <a:tailEnd type="none" w="med" len="med"/>
+                    </a:lnR>
+                    <a:lnT w="12700" cap="flat" cmpd="sng" algn="ctr">
+                      <a:solidFill>
+                        <a:schemeClr val="tx1"/>
+                      </a:solidFill>
+                      <a:prstDash val="solid"/>
+                      <a:round/>
+                      <a:headEnd type="none" w="med" len="med"/>
+                      <a:tailEnd type="none" w="med" len="med"/>
+                    </a:lnT>
+                    <a:lnB w="12700" cap="flat" cmpd="sng" algn="ctr">
+                      <a:solidFill>
+                        <a:schemeClr val="tx1"/>
+                      </a:solidFill>
+                      <a:prstDash val="solid"/>
+                      <a:round/>
+                      <a:headEnd type="none" w="med" len="med"/>
+                      <a:tailEnd type="none" w="med" len="med"/>
+                    </a:lnB>
+                  </a:tcPr>
+                </a:tc>
+                <a:tc>
+                  <a:txBody>
+                    <a:bodyPr/>
+                    <a:lstStyle/>
+                    <a:p>
+                      <a:pPr algn="r" fontAlgn="b"/>
+                      <a:r>
+                        <a:rPr lang="en-MY" sz="900" b="0" i="0" u="none" strike="noStrike">
+                          <a:solidFill>
+                            <a:srgbClr val="000000"/>
+                          </a:solidFill>
+                          <a:effectLst/>
+                          <a:latin typeface="Calibri" panose="020F0502020204030204" pitchFamily="34" charset="0"/>
+                        </a:rPr>
+                        <a:t>0.97282</a:t>
+                      </a:r>
+                    </a:p>
+                  </a:txBody>
+                  <a:tcPr marL="9525" marR="9525" marT="9525" marB="0" anchor="b">
+                    <a:lnL w="12700" cap="flat" cmpd="sng" algn="ctr">
+                      <a:solidFill>
+                        <a:schemeClr val="tx1"/>
+                      </a:solidFill>
+                      <a:prstDash val="solid"/>
+                      <a:round/>
+                      <a:headEnd type="none" w="med" len="med"/>
+                      <a:tailEnd type="none" w="med" len="med"/>
+                    </a:lnL>
+                    <a:lnR w="12700" cap="flat" cmpd="sng" algn="ctr">
+                      <a:solidFill>
+                        <a:schemeClr val="tx1"/>
+                      </a:solidFill>
+                      <a:prstDash val="solid"/>
+                      <a:round/>
+                      <a:headEnd type="none" w="med" len="med"/>
+                      <a:tailEnd type="none" w="med" len="med"/>
+                    </a:lnR>
+                    <a:lnT w="12700" cap="flat" cmpd="sng" algn="ctr">
+                      <a:solidFill>
+                        <a:schemeClr val="tx1"/>
+                      </a:solidFill>
+                      <a:prstDash val="solid"/>
+                      <a:round/>
+                      <a:headEnd type="none" w="med" len="med"/>
+                      <a:tailEnd type="none" w="med" len="med"/>
+                    </a:lnT>
+                    <a:lnB w="12700" cap="flat" cmpd="sng" algn="ctr">
+                      <a:solidFill>
+                        <a:schemeClr val="tx1"/>
+                      </a:solidFill>
+                      <a:prstDash val="solid"/>
+                      <a:round/>
+                      <a:headEnd type="none" w="med" len="med"/>
+                      <a:tailEnd type="none" w="med" len="med"/>
+                    </a:lnB>
+                  </a:tcPr>
+                </a:tc>
+                <a:tc>
+                  <a:txBody>
+                    <a:bodyPr/>
+                    <a:lstStyle/>
+                    <a:p>
+                      <a:pPr algn="r" fontAlgn="b"/>
+                      <a:r>
+                        <a:rPr lang="en-MY" sz="900" b="0" i="0" u="none" strike="noStrike">
+                          <a:solidFill>
+                            <a:srgbClr val="000000"/>
+                          </a:solidFill>
+                          <a:effectLst/>
+                          <a:latin typeface="Calibri" panose="020F0502020204030204" pitchFamily="34" charset="0"/>
+                        </a:rPr>
+                        <a:t>0.756944</a:t>
+                      </a:r>
+                    </a:p>
+                  </a:txBody>
+                  <a:tcPr marL="9525" marR="9525" marT="9525" marB="0" anchor="b">
+                    <a:lnL w="12700" cap="flat" cmpd="sng" algn="ctr">
+                      <a:solidFill>
+                        <a:schemeClr val="tx1"/>
+                      </a:solidFill>
+                      <a:prstDash val="solid"/>
+                      <a:round/>
+                      <a:headEnd type="none" w="med" len="med"/>
+                      <a:tailEnd type="none" w="med" len="med"/>
+                    </a:lnL>
+                    <a:lnR w="12700" cap="flat" cmpd="sng" algn="ctr">
+                      <a:solidFill>
+                        <a:schemeClr val="tx1"/>
+                      </a:solidFill>
+                      <a:prstDash val="solid"/>
+                      <a:round/>
+                      <a:headEnd type="none" w="med" len="med"/>
+                      <a:tailEnd type="none" w="med" len="med"/>
+                    </a:lnR>
+                    <a:lnT w="12700" cap="flat" cmpd="sng" algn="ctr">
+                      <a:solidFill>
+                        <a:schemeClr val="tx1"/>
+                      </a:solidFill>
+                      <a:prstDash val="solid"/>
+                      <a:round/>
+                      <a:headEnd type="none" w="med" len="med"/>
+                      <a:tailEnd type="none" w="med" len="med"/>
+                    </a:lnT>
+                    <a:lnB w="12700" cap="flat" cmpd="sng" algn="ctr">
+                      <a:solidFill>
+                        <a:schemeClr val="tx1"/>
+                      </a:solidFill>
+                      <a:prstDash val="solid"/>
+                      <a:round/>
+                      <a:headEnd type="none" w="med" len="med"/>
+                      <a:tailEnd type="none" w="med" len="med"/>
+                    </a:lnB>
+                  </a:tcPr>
+                </a:tc>
+                <a:tc>
+                  <a:txBody>
+                    <a:bodyPr/>
+                    <a:lstStyle/>
+                    <a:p>
+                      <a:pPr algn="r" fontAlgn="b"/>
+                      <a:r>
+                        <a:rPr lang="en-MY" sz="900" b="0" i="0" u="none" strike="noStrike">
+                          <a:solidFill>
+                            <a:srgbClr val="000000"/>
+                          </a:solidFill>
+                          <a:effectLst/>
+                          <a:latin typeface="Calibri" panose="020F0502020204030204" pitchFamily="34" charset="0"/>
+                        </a:rPr>
+                        <a:t>92</a:t>
+                      </a:r>
+                    </a:p>
+                  </a:txBody>
+                  <a:tcPr marL="9525" marR="9525" marT="9525" marB="0" anchor="b">
+                    <a:lnL w="12700" cap="flat" cmpd="sng" algn="ctr">
+                      <a:solidFill>
+                        <a:schemeClr val="tx1"/>
+                      </a:solidFill>
+                      <a:prstDash val="solid"/>
+                      <a:round/>
+                      <a:headEnd type="none" w="med" len="med"/>
+                      <a:tailEnd type="none" w="med" len="med"/>
+                    </a:lnL>
+                    <a:lnR w="12700" cap="flat" cmpd="sng" algn="ctr">
+                      <a:solidFill>
+                        <a:schemeClr val="tx1"/>
+                      </a:solidFill>
+                      <a:prstDash val="solid"/>
+                      <a:round/>
+                      <a:headEnd type="none" w="med" len="med"/>
+                      <a:tailEnd type="none" w="med" len="med"/>
+                    </a:lnR>
+                    <a:lnT w="12700" cap="flat" cmpd="sng" algn="ctr">
+                      <a:solidFill>
+                        <a:schemeClr val="tx1"/>
+                      </a:solidFill>
+                      <a:prstDash val="solid"/>
+                      <a:round/>
+                      <a:headEnd type="none" w="med" len="med"/>
+                      <a:tailEnd type="none" w="med" len="med"/>
+                    </a:lnT>
+                    <a:lnB w="12700" cap="flat" cmpd="sng" algn="ctr">
+                      <a:solidFill>
+                        <a:schemeClr val="tx1"/>
+                      </a:solidFill>
+                      <a:prstDash val="solid"/>
+                      <a:round/>
+                      <a:headEnd type="none" w="med" len="med"/>
+                      <a:tailEnd type="none" w="med" len="med"/>
+                    </a:lnB>
+                  </a:tcPr>
+                </a:tc>
+                <a:tc>
+                  <a:txBody>
+                    <a:bodyPr/>
+                    <a:lstStyle/>
+                    <a:p>
+                      <a:pPr algn="r" fontAlgn="b"/>
+                      <a:r>
+                        <a:rPr lang="en-MY" sz="900" b="0" i="0" u="none" strike="noStrike">
+                          <a:solidFill>
+                            <a:srgbClr val="000000"/>
+                          </a:solidFill>
+                          <a:effectLst/>
+                          <a:latin typeface="Calibri" panose="020F0502020204030204" pitchFamily="34" charset="0"/>
+                        </a:rPr>
+                        <a:t>48</a:t>
+                      </a:r>
+                    </a:p>
+                  </a:txBody>
+                  <a:tcPr marL="9525" marR="9525" marT="9525" marB="0" anchor="b">
+                    <a:lnL w="12700" cap="flat" cmpd="sng" algn="ctr">
+                      <a:solidFill>
+                        <a:schemeClr val="tx1"/>
+                      </a:solidFill>
+                      <a:prstDash val="solid"/>
+                      <a:round/>
+                      <a:headEnd type="none" w="med" len="med"/>
+                      <a:tailEnd type="none" w="med" len="med"/>
+                    </a:lnL>
+                    <a:lnR w="12700" cap="flat" cmpd="sng" algn="ctr">
+                      <a:solidFill>
+                        <a:schemeClr val="tx1"/>
+                      </a:solidFill>
+                      <a:prstDash val="solid"/>
+                      <a:round/>
+                      <a:headEnd type="none" w="med" len="med"/>
+                      <a:tailEnd type="none" w="med" len="med"/>
+                    </a:lnR>
+                    <a:lnT w="12700" cap="flat" cmpd="sng" algn="ctr">
+                      <a:solidFill>
+                        <a:schemeClr val="tx1"/>
+                      </a:solidFill>
+                      <a:prstDash val="solid"/>
+                      <a:round/>
+                      <a:headEnd type="none" w="med" len="med"/>
+                      <a:tailEnd type="none" w="med" len="med"/>
+                    </a:lnT>
+                    <a:lnB w="12700" cap="flat" cmpd="sng" algn="ctr">
+                      <a:solidFill>
+                        <a:schemeClr val="tx1"/>
+                      </a:solidFill>
+                      <a:prstDash val="solid"/>
+                      <a:round/>
+                      <a:headEnd type="none" w="med" len="med"/>
+                      <a:tailEnd type="none" w="med" len="med"/>
+                    </a:lnB>
+                  </a:tcPr>
+                </a:tc>
+                <a:tc>
+                  <a:txBody>
+                    <a:bodyPr/>
+                    <a:lstStyle/>
+                    <a:p>
+                      <a:pPr algn="r" fontAlgn="b"/>
+                      <a:r>
+                        <a:rPr lang="en-MY" sz="900" b="0" i="0" u="none" strike="noStrike">
+                          <a:solidFill>
+                            <a:srgbClr val="000000"/>
+                          </a:solidFill>
+                          <a:effectLst/>
+                          <a:latin typeface="Calibri" panose="020F0502020204030204" pitchFamily="34" charset="0"/>
+                        </a:rPr>
+                        <a:t>218</a:t>
+                      </a:r>
+                    </a:p>
+                  </a:txBody>
+                  <a:tcPr marL="9525" marR="9525" marT="9525" marB="0" anchor="b">
+                    <a:lnL w="12700" cap="flat" cmpd="sng" algn="ctr">
+                      <a:solidFill>
+                        <a:schemeClr val="tx1"/>
+                      </a:solidFill>
+                      <a:prstDash val="solid"/>
+                      <a:round/>
+                      <a:headEnd type="none" w="med" len="med"/>
+                      <a:tailEnd type="none" w="med" len="med"/>
+                    </a:lnL>
+                    <a:lnR w="12700" cap="flat" cmpd="sng" algn="ctr">
+                      <a:solidFill>
+                        <a:schemeClr val="tx1"/>
+                      </a:solidFill>
+                      <a:prstDash val="solid"/>
+                      <a:round/>
+                      <a:headEnd type="none" w="med" len="med"/>
+                      <a:tailEnd type="none" w="med" len="med"/>
+                    </a:lnR>
+                    <a:lnT w="12700" cap="flat" cmpd="sng" algn="ctr">
+                      <a:solidFill>
+                        <a:schemeClr val="tx1"/>
+                      </a:solidFill>
+                      <a:prstDash val="solid"/>
+                      <a:round/>
+                      <a:headEnd type="none" w="med" len="med"/>
+                      <a:tailEnd type="none" w="med" len="med"/>
+                    </a:lnT>
+                    <a:lnB w="12700" cap="flat" cmpd="sng" algn="ctr">
+                      <a:solidFill>
+                        <a:schemeClr val="tx1"/>
+                      </a:solidFill>
+                      <a:prstDash val="solid"/>
+                      <a:round/>
+                      <a:headEnd type="none" w="med" len="med"/>
+                      <a:tailEnd type="none" w="med" len="med"/>
+                    </a:lnB>
+                  </a:tcPr>
+                </a:tc>
+                <a:tc>
+                  <a:txBody>
+                    <a:bodyPr/>
+                    <a:lstStyle/>
+                    <a:p>
+                      <a:pPr algn="r" fontAlgn="b"/>
+                      <a:r>
+                        <a:rPr lang="en-MY" sz="900" b="0" i="0" u="none" strike="noStrike">
+                          <a:solidFill>
+                            <a:srgbClr val="000000"/>
+                          </a:solidFill>
+                          <a:effectLst/>
+                          <a:latin typeface="Calibri" panose="020F0502020204030204" pitchFamily="34" charset="0"/>
+                        </a:rPr>
+                        <a:t>-1270000</a:t>
+                      </a:r>
+                    </a:p>
+                  </a:txBody>
+                  <a:tcPr marL="9525" marR="9525" marT="9525" marB="0" anchor="b">
+                    <a:lnL w="12700" cap="flat" cmpd="sng" algn="ctr">
+                      <a:solidFill>
+                        <a:schemeClr val="tx1"/>
+                      </a:solidFill>
+                      <a:prstDash val="solid"/>
+                      <a:round/>
+                      <a:headEnd type="none" w="med" len="med"/>
+                      <a:tailEnd type="none" w="med" len="med"/>
+                    </a:lnL>
+                    <a:lnR w="12700" cap="flat" cmpd="sng" algn="ctr">
+                      <a:solidFill>
+                        <a:schemeClr val="tx1"/>
+                      </a:solidFill>
+                      <a:prstDash val="solid"/>
+                      <a:round/>
+                      <a:headEnd type="none" w="med" len="med"/>
+                      <a:tailEnd type="none" w="med" len="med"/>
+                    </a:lnR>
+                    <a:lnT w="12700" cap="flat" cmpd="sng" algn="ctr">
+                      <a:solidFill>
+                        <a:schemeClr val="tx1"/>
+                      </a:solidFill>
+                      <a:prstDash val="solid"/>
+                      <a:round/>
+                      <a:headEnd type="none" w="med" len="med"/>
+                      <a:tailEnd type="none" w="med" len="med"/>
+                    </a:lnT>
+                    <a:lnB w="12700" cap="flat" cmpd="sng" algn="ctr">
+                      <a:solidFill>
+                        <a:schemeClr val="tx1"/>
+                      </a:solidFill>
+                      <a:prstDash val="solid"/>
+                      <a:round/>
+                      <a:headEnd type="none" w="med" len="med"/>
+                      <a:tailEnd type="none" w="med" len="med"/>
+                    </a:lnB>
+                  </a:tcPr>
+                </a:tc>
+                <a:tc>
+                  <a:txBody>
+                    <a:bodyPr/>
+                    <a:lstStyle/>
+                    <a:p>
+                      <a:pPr algn="r" fontAlgn="b"/>
+                      <a:r>
+                        <a:rPr lang="en-MY" sz="900" b="0" i="0" u="none" strike="noStrike">
+                          <a:solidFill>
+                            <a:srgbClr val="000000"/>
+                          </a:solidFill>
+                          <a:effectLst/>
+                          <a:latin typeface="Calibri" panose="020F0502020204030204" pitchFamily="34" charset="0"/>
+                        </a:rPr>
+                        <a:t>3</a:t>
+                      </a:r>
+                    </a:p>
+                  </a:txBody>
+                  <a:tcPr marL="9525" marR="9525" marT="9525" marB="0" anchor="b">
+                    <a:lnL w="12700" cap="flat" cmpd="sng" algn="ctr">
+                      <a:solidFill>
+                        <a:schemeClr val="tx1"/>
+                      </a:solidFill>
+                      <a:prstDash val="solid"/>
+                      <a:round/>
+                      <a:headEnd type="none" w="med" len="med"/>
+                      <a:tailEnd type="none" w="med" len="med"/>
+                    </a:lnL>
+                    <a:lnR w="12700" cap="flat" cmpd="sng" algn="ctr">
+                      <a:solidFill>
+                        <a:schemeClr val="tx1"/>
+                      </a:solidFill>
+                      <a:prstDash val="solid"/>
+                      <a:round/>
+                      <a:headEnd type="none" w="med" len="med"/>
+                      <a:tailEnd type="none" w="med" len="med"/>
+                    </a:lnR>
+                    <a:lnT w="12700" cap="flat" cmpd="sng" algn="ctr">
+                      <a:solidFill>
+                        <a:schemeClr val="tx1"/>
+                      </a:solidFill>
+                      <a:prstDash val="solid"/>
+                      <a:round/>
+                      <a:headEnd type="none" w="med" len="med"/>
+                      <a:tailEnd type="none" w="med" len="med"/>
+                    </a:lnT>
+                    <a:lnB w="12700" cap="flat" cmpd="sng" algn="ctr">
+                      <a:solidFill>
+                        <a:schemeClr val="tx1"/>
+                      </a:solidFill>
+                      <a:prstDash val="solid"/>
+                      <a:round/>
+                      <a:headEnd type="none" w="med" len="med"/>
+                      <a:tailEnd type="none" w="med" len="med"/>
+                    </a:lnB>
+                  </a:tcPr>
+                </a:tc>
+                <a:extLst>
+                  <a:ext uri="{0D108BD9-81ED-4DB2-BD59-A6C34878D82A}">
+                    <a16:rowId xmlns:a16="http://schemas.microsoft.com/office/drawing/2014/main" val="3382022166"/>
+                  </a:ext>
+                </a:extLst>
+              </a:tr>
+              <a:tr h="211539">
+                <a:tc>
+                  <a:txBody>
+                    <a:bodyPr/>
+                    <a:lstStyle/>
+                    <a:p>
+                      <a:pPr algn="l" fontAlgn="b"/>
+                      <a:r>
+                        <a:rPr lang="en-MY" sz="900" b="1" i="0" u="none" strike="noStrike" dirty="0" err="1">
                           <a:solidFill>
                             <a:srgbClr val="000000"/>
                           </a:solidFill>
@@ -14388,6 +15217,13 @@
                         </a:rPr>
                         <a:t>LightGBM</a:t>
                       </a:r>
+                      <a:endParaRPr lang="en-MY" sz="900" b="1" i="0" u="none" strike="noStrike" dirty="0">
+                        <a:solidFill>
+                          <a:srgbClr val="000000"/>
+                        </a:solidFill>
+                        <a:effectLst/>
+                        <a:latin typeface="Calibri" panose="020F0502020204030204" pitchFamily="34" charset="0"/>
+                      </a:endParaRPr>
                     </a:p>
                   </a:txBody>
                   <a:tcPr marL="9525" marR="9525" marT="9525" marB="0" anchor="b">
@@ -14610,7 +15446,7 @@
                     <a:p>
                       <a:pPr algn="r" fontAlgn="b"/>
                       <a:r>
-                        <a:rPr lang="en-MY" sz="900" b="0" i="0" u="none" strike="noStrike">
+                        <a:rPr lang="en-MY" sz="900" b="0" i="0" u="none" strike="noStrike" dirty="0">
                           <a:solidFill>
                             <a:srgbClr val="000000"/>
                           </a:solidFill>
@@ -14667,7 +15503,7 @@
                     <a:p>
                       <a:pPr algn="r" fontAlgn="b"/>
                       <a:r>
-                        <a:rPr lang="en-MY" sz="900" b="0" i="0" u="none" strike="noStrike">
+                        <a:rPr lang="en-MY" sz="900" b="0" i="0" u="none" strike="noStrike" dirty="0">
                           <a:solidFill>
                             <a:srgbClr val="000000"/>
                           </a:solidFill>
@@ -15074,814 +15910,6 @@
                           <a:latin typeface="Calibri" panose="020F0502020204030204" pitchFamily="34" charset="0"/>
                         </a:rPr>
                         <a:t>-1278000</a:t>
-                      </a:r>
-                    </a:p>
-                  </a:txBody>
-                  <a:tcPr marL="9525" marR="9525" marT="9525" marB="0" anchor="b">
-                    <a:lnL w="12700" cap="flat" cmpd="sng" algn="ctr">
-                      <a:solidFill>
-                        <a:schemeClr val="tx1"/>
-                      </a:solidFill>
-                      <a:prstDash val="solid"/>
-                      <a:round/>
-                      <a:headEnd type="none" w="med" len="med"/>
-                      <a:tailEnd type="none" w="med" len="med"/>
-                    </a:lnL>
-                    <a:lnR w="12700" cap="flat" cmpd="sng" algn="ctr">
-                      <a:solidFill>
-                        <a:schemeClr val="tx1"/>
-                      </a:solidFill>
-                      <a:prstDash val="solid"/>
-                      <a:round/>
-                      <a:headEnd type="none" w="med" len="med"/>
-                      <a:tailEnd type="none" w="med" len="med"/>
-                    </a:lnR>
-                    <a:lnT w="12700" cap="flat" cmpd="sng" algn="ctr">
-                      <a:solidFill>
-                        <a:schemeClr val="tx1"/>
-                      </a:solidFill>
-                      <a:prstDash val="solid"/>
-                      <a:round/>
-                      <a:headEnd type="none" w="med" len="med"/>
-                      <a:tailEnd type="none" w="med" len="med"/>
-                    </a:lnT>
-                    <a:lnB w="12700" cap="flat" cmpd="sng" algn="ctr">
-                      <a:solidFill>
-                        <a:schemeClr val="tx1"/>
-                      </a:solidFill>
-                      <a:prstDash val="solid"/>
-                      <a:round/>
-                      <a:headEnd type="none" w="med" len="med"/>
-                      <a:tailEnd type="none" w="med" len="med"/>
-                    </a:lnB>
-                  </a:tcPr>
-                </a:tc>
-                <a:tc>
-                  <a:txBody>
-                    <a:bodyPr/>
-                    <a:lstStyle/>
-                    <a:p>
-                      <a:pPr algn="r" fontAlgn="b"/>
-                      <a:r>
-                        <a:rPr lang="en-MY" sz="900" b="0" i="0" u="none" strike="noStrike">
-                          <a:solidFill>
-                            <a:srgbClr val="000000"/>
-                          </a:solidFill>
-                          <a:effectLst/>
-                          <a:latin typeface="Calibri" panose="020F0502020204030204" pitchFamily="34" charset="0"/>
-                        </a:rPr>
-                        <a:t>3</a:t>
-                      </a:r>
-                    </a:p>
-                  </a:txBody>
-                  <a:tcPr marL="9525" marR="9525" marT="9525" marB="0" anchor="b">
-                    <a:lnL w="12700" cap="flat" cmpd="sng" algn="ctr">
-                      <a:solidFill>
-                        <a:schemeClr val="tx1"/>
-                      </a:solidFill>
-                      <a:prstDash val="solid"/>
-                      <a:round/>
-                      <a:headEnd type="none" w="med" len="med"/>
-                      <a:tailEnd type="none" w="med" len="med"/>
-                    </a:lnL>
-                    <a:lnR w="12700" cap="flat" cmpd="sng" algn="ctr">
-                      <a:solidFill>
-                        <a:schemeClr val="tx1"/>
-                      </a:solidFill>
-                      <a:prstDash val="solid"/>
-                      <a:round/>
-                      <a:headEnd type="none" w="med" len="med"/>
-                      <a:tailEnd type="none" w="med" len="med"/>
-                    </a:lnR>
-                    <a:lnT w="12700" cap="flat" cmpd="sng" algn="ctr">
-                      <a:solidFill>
-                        <a:schemeClr val="tx1"/>
-                      </a:solidFill>
-                      <a:prstDash val="solid"/>
-                      <a:round/>
-                      <a:headEnd type="none" w="med" len="med"/>
-                      <a:tailEnd type="none" w="med" len="med"/>
-                    </a:lnT>
-                    <a:lnB w="12700" cap="flat" cmpd="sng" algn="ctr">
-                      <a:solidFill>
-                        <a:schemeClr val="tx1"/>
-                      </a:solidFill>
-                      <a:prstDash val="solid"/>
-                      <a:round/>
-                      <a:headEnd type="none" w="med" len="med"/>
-                      <a:tailEnd type="none" w="med" len="med"/>
-                    </a:lnB>
-                  </a:tcPr>
-                </a:tc>
-                <a:extLst>
-                  <a:ext uri="{0D108BD9-81ED-4DB2-BD59-A6C34878D82A}">
-                    <a16:rowId xmlns:a16="http://schemas.microsoft.com/office/drawing/2014/main" val="3382022166"/>
-                  </a:ext>
-                </a:extLst>
-              </a:tr>
-              <a:tr h="211539">
-                <a:tc>
-                  <a:txBody>
-                    <a:bodyPr/>
-                    <a:lstStyle/>
-                    <a:p>
-                      <a:pPr algn="l" fontAlgn="b"/>
-                      <a:r>
-                        <a:rPr lang="en-MY" sz="900" b="1" i="0" u="none" strike="noStrike">
-                          <a:solidFill>
-                            <a:srgbClr val="000000"/>
-                          </a:solidFill>
-                          <a:effectLst/>
-                          <a:latin typeface="Calibri" panose="020F0502020204030204" pitchFamily="34" charset="0"/>
-                        </a:rPr>
-                        <a:t>LightGBMGridSearch</a:t>
-                      </a:r>
-                    </a:p>
-                  </a:txBody>
-                  <a:tcPr marL="9525" marR="9525" marT="9525" marB="0" anchor="b">
-                    <a:lnL w="12700" cap="flat" cmpd="sng" algn="ctr">
-                      <a:solidFill>
-                        <a:schemeClr val="tx1"/>
-                      </a:solidFill>
-                      <a:prstDash val="solid"/>
-                      <a:round/>
-                      <a:headEnd type="none" w="med" len="med"/>
-                      <a:tailEnd type="none" w="med" len="med"/>
-                    </a:lnL>
-                    <a:lnR w="12700" cap="flat" cmpd="sng" algn="ctr">
-                      <a:solidFill>
-                        <a:schemeClr val="tx1"/>
-                      </a:solidFill>
-                      <a:prstDash val="solid"/>
-                      <a:round/>
-                      <a:headEnd type="none" w="med" len="med"/>
-                      <a:tailEnd type="none" w="med" len="med"/>
-                    </a:lnR>
-                    <a:lnT w="12700" cap="flat" cmpd="sng" algn="ctr">
-                      <a:solidFill>
-                        <a:schemeClr val="tx1"/>
-                      </a:solidFill>
-                      <a:prstDash val="solid"/>
-                      <a:round/>
-                      <a:headEnd type="none" w="med" len="med"/>
-                      <a:tailEnd type="none" w="med" len="med"/>
-                    </a:lnT>
-                    <a:lnB w="12700" cap="flat" cmpd="sng" algn="ctr">
-                      <a:solidFill>
-                        <a:schemeClr val="tx1"/>
-                      </a:solidFill>
-                      <a:prstDash val="solid"/>
-                      <a:round/>
-                      <a:headEnd type="none" w="med" len="med"/>
-                      <a:tailEnd type="none" w="med" len="med"/>
-                    </a:lnB>
-                    <a:solidFill>
-                      <a:schemeClr val="accent4"/>
-                    </a:solidFill>
-                  </a:tcPr>
-                </a:tc>
-                <a:tc>
-                  <a:txBody>
-                    <a:bodyPr/>
-                    <a:lstStyle/>
-                    <a:p>
-                      <a:pPr algn="r" fontAlgn="b"/>
-                      <a:r>
-                        <a:rPr lang="en-MY" sz="900" b="0" i="0" u="none" strike="noStrike">
-                          <a:solidFill>
-                            <a:srgbClr val="000000"/>
-                          </a:solidFill>
-                          <a:effectLst/>
-                          <a:latin typeface="Calibri" panose="020F0502020204030204" pitchFamily="34" charset="0"/>
-                        </a:rPr>
-                        <a:t>0.999914</a:t>
-                      </a:r>
-                    </a:p>
-                  </a:txBody>
-                  <a:tcPr marL="9525" marR="9525" marT="9525" marB="0" anchor="b">
-                    <a:lnL w="12700" cap="flat" cmpd="sng" algn="ctr">
-                      <a:solidFill>
-                        <a:schemeClr val="tx1"/>
-                      </a:solidFill>
-                      <a:prstDash val="solid"/>
-                      <a:round/>
-                      <a:headEnd type="none" w="med" len="med"/>
-                      <a:tailEnd type="none" w="med" len="med"/>
-                    </a:lnL>
-                    <a:lnR w="12700" cap="flat" cmpd="sng" algn="ctr">
-                      <a:solidFill>
-                        <a:schemeClr val="tx1"/>
-                      </a:solidFill>
-                      <a:prstDash val="solid"/>
-                      <a:round/>
-                      <a:headEnd type="none" w="med" len="med"/>
-                      <a:tailEnd type="none" w="med" len="med"/>
-                    </a:lnR>
-                    <a:lnT w="12700" cap="flat" cmpd="sng" algn="ctr">
-                      <a:solidFill>
-                        <a:schemeClr val="tx1"/>
-                      </a:solidFill>
-                      <a:prstDash val="solid"/>
-                      <a:round/>
-                      <a:headEnd type="none" w="med" len="med"/>
-                      <a:tailEnd type="none" w="med" len="med"/>
-                    </a:lnT>
-                    <a:lnB w="12700" cap="flat" cmpd="sng" algn="ctr">
-                      <a:solidFill>
-                        <a:schemeClr val="tx1"/>
-                      </a:solidFill>
-                      <a:prstDash val="solid"/>
-                      <a:round/>
-                      <a:headEnd type="none" w="med" len="med"/>
-                      <a:tailEnd type="none" w="med" len="med"/>
-                    </a:lnB>
-                  </a:tcPr>
-                </a:tc>
-                <a:tc>
-                  <a:txBody>
-                    <a:bodyPr/>
-                    <a:lstStyle/>
-                    <a:p>
-                      <a:pPr algn="r" fontAlgn="b"/>
-                      <a:r>
-                        <a:rPr lang="en-MY" sz="900" b="0" i="0" u="none" strike="noStrike">
-                          <a:solidFill>
-                            <a:srgbClr val="000000"/>
-                          </a:solidFill>
-                          <a:effectLst/>
-                          <a:latin typeface="Calibri" panose="020F0502020204030204" pitchFamily="34" charset="0"/>
-                        </a:rPr>
-                        <a:t>0.892537</a:t>
-                      </a:r>
-                    </a:p>
-                  </a:txBody>
-                  <a:tcPr marL="9525" marR="9525" marT="9525" marB="0" anchor="b">
-                    <a:lnL w="12700" cap="flat" cmpd="sng" algn="ctr">
-                      <a:solidFill>
-                        <a:schemeClr val="tx1"/>
-                      </a:solidFill>
-                      <a:prstDash val="solid"/>
-                      <a:round/>
-                      <a:headEnd type="none" w="med" len="med"/>
-                      <a:tailEnd type="none" w="med" len="med"/>
-                    </a:lnL>
-                    <a:lnR w="12700" cap="flat" cmpd="sng" algn="ctr">
-                      <a:solidFill>
-                        <a:schemeClr val="tx1"/>
-                      </a:solidFill>
-                      <a:prstDash val="solid"/>
-                      <a:round/>
-                      <a:headEnd type="none" w="med" len="med"/>
-                      <a:tailEnd type="none" w="med" len="med"/>
-                    </a:lnR>
-                    <a:lnT w="12700" cap="flat" cmpd="sng" algn="ctr">
-                      <a:solidFill>
-                        <a:schemeClr val="tx1"/>
-                      </a:solidFill>
-                      <a:prstDash val="solid"/>
-                      <a:round/>
-                      <a:headEnd type="none" w="med" len="med"/>
-                      <a:tailEnd type="none" w="med" len="med"/>
-                    </a:lnT>
-                    <a:lnB w="12700" cap="flat" cmpd="sng" algn="ctr">
-                      <a:solidFill>
-                        <a:schemeClr val="tx1"/>
-                      </a:solidFill>
-                      <a:prstDash val="solid"/>
-                      <a:round/>
-                      <a:headEnd type="none" w="med" len="med"/>
-                      <a:tailEnd type="none" w="med" len="med"/>
-                    </a:lnB>
-                  </a:tcPr>
-                </a:tc>
-                <a:tc>
-                  <a:txBody>
-                    <a:bodyPr/>
-                    <a:lstStyle/>
-                    <a:p>
-                      <a:pPr algn="r" fontAlgn="b"/>
-                      <a:r>
-                        <a:rPr lang="en-MY" sz="900" b="0" i="0" u="none" strike="noStrike">
-                          <a:solidFill>
-                            <a:srgbClr val="000000"/>
-                          </a:solidFill>
-                          <a:effectLst/>
-                          <a:latin typeface="Calibri" panose="020F0502020204030204" pitchFamily="34" charset="0"/>
-                        </a:rPr>
-                        <a:t>0.999914</a:t>
-                      </a:r>
-                    </a:p>
-                  </a:txBody>
-                  <a:tcPr marL="9525" marR="9525" marT="9525" marB="0" anchor="b">
-                    <a:lnL w="12700" cap="flat" cmpd="sng" algn="ctr">
-                      <a:solidFill>
-                        <a:schemeClr val="tx1"/>
-                      </a:solidFill>
-                      <a:prstDash val="solid"/>
-                      <a:round/>
-                      <a:headEnd type="none" w="med" len="med"/>
-                      <a:tailEnd type="none" w="med" len="med"/>
-                    </a:lnL>
-                    <a:lnR w="12700" cap="flat" cmpd="sng" algn="ctr">
-                      <a:solidFill>
-                        <a:schemeClr val="tx1"/>
-                      </a:solidFill>
-                      <a:prstDash val="solid"/>
-                      <a:round/>
-                      <a:headEnd type="none" w="med" len="med"/>
-                      <a:tailEnd type="none" w="med" len="med"/>
-                    </a:lnR>
-                    <a:lnT w="12700" cap="flat" cmpd="sng" algn="ctr">
-                      <a:solidFill>
-                        <a:schemeClr val="tx1"/>
-                      </a:solidFill>
-                      <a:prstDash val="solid"/>
-                      <a:round/>
-                      <a:headEnd type="none" w="med" len="med"/>
-                      <a:tailEnd type="none" w="med" len="med"/>
-                    </a:lnT>
-                    <a:lnB w="12700" cap="flat" cmpd="sng" algn="ctr">
-                      <a:solidFill>
-                        <a:schemeClr val="tx1"/>
-                      </a:solidFill>
-                      <a:prstDash val="solid"/>
-                      <a:round/>
-                      <a:headEnd type="none" w="med" len="med"/>
-                      <a:tailEnd type="none" w="med" len="med"/>
-                    </a:lnB>
-                  </a:tcPr>
-                </a:tc>
-                <a:tc>
-                  <a:txBody>
-                    <a:bodyPr/>
-                    <a:lstStyle/>
-                    <a:p>
-                      <a:pPr algn="r" fontAlgn="b"/>
-                      <a:r>
-                        <a:rPr lang="en-MY" sz="900" b="0" i="0" u="none" strike="noStrike">
-                          <a:solidFill>
-                            <a:srgbClr val="000000"/>
-                          </a:solidFill>
-                          <a:effectLst/>
-                          <a:latin typeface="Calibri" panose="020F0502020204030204" pitchFamily="34" charset="0"/>
-                        </a:rPr>
-                        <a:t>0.965682</a:t>
-                      </a:r>
-                    </a:p>
-                  </a:txBody>
-                  <a:tcPr marL="9525" marR="9525" marT="9525" marB="0" anchor="b">
-                    <a:lnL w="12700" cap="flat" cmpd="sng" algn="ctr">
-                      <a:solidFill>
-                        <a:schemeClr val="tx1"/>
-                      </a:solidFill>
-                      <a:prstDash val="solid"/>
-                      <a:round/>
-                      <a:headEnd type="none" w="med" len="med"/>
-                      <a:tailEnd type="none" w="med" len="med"/>
-                    </a:lnL>
-                    <a:lnR w="12700" cap="flat" cmpd="sng" algn="ctr">
-                      <a:solidFill>
-                        <a:schemeClr val="tx1"/>
-                      </a:solidFill>
-                      <a:prstDash val="solid"/>
-                      <a:round/>
-                      <a:headEnd type="none" w="med" len="med"/>
-                      <a:tailEnd type="none" w="med" len="med"/>
-                    </a:lnR>
-                    <a:lnT w="12700" cap="flat" cmpd="sng" algn="ctr">
-                      <a:solidFill>
-                        <a:schemeClr val="tx1"/>
-                      </a:solidFill>
-                      <a:prstDash val="solid"/>
-                      <a:round/>
-                      <a:headEnd type="none" w="med" len="med"/>
-                      <a:tailEnd type="none" w="med" len="med"/>
-                    </a:lnT>
-                    <a:lnB w="12700" cap="flat" cmpd="sng" algn="ctr">
-                      <a:solidFill>
-                        <a:schemeClr val="tx1"/>
-                      </a:solidFill>
-                      <a:prstDash val="solid"/>
-                      <a:round/>
-                      <a:headEnd type="none" w="med" len="med"/>
-                      <a:tailEnd type="none" w="med" len="med"/>
-                    </a:lnB>
-                  </a:tcPr>
-                </a:tc>
-                <a:tc>
-                  <a:txBody>
-                    <a:bodyPr/>
-                    <a:lstStyle/>
-                    <a:p>
-                      <a:pPr algn="r" fontAlgn="b"/>
-                      <a:r>
-                        <a:rPr lang="en-MY" sz="900" b="0" i="0" u="none" strike="noStrike">
-                          <a:solidFill>
-                            <a:srgbClr val="000000"/>
-                          </a:solidFill>
-                          <a:effectLst/>
-                          <a:latin typeface="Calibri" panose="020F0502020204030204" pitchFamily="34" charset="0"/>
-                        </a:rPr>
-                        <a:t>0.999827</a:t>
-                      </a:r>
-                    </a:p>
-                  </a:txBody>
-                  <a:tcPr marL="9525" marR="9525" marT="9525" marB="0" anchor="b">
-                    <a:lnL w="12700" cap="flat" cmpd="sng" algn="ctr">
-                      <a:solidFill>
-                        <a:schemeClr val="tx1"/>
-                      </a:solidFill>
-                      <a:prstDash val="solid"/>
-                      <a:round/>
-                      <a:headEnd type="none" w="med" len="med"/>
-                      <a:tailEnd type="none" w="med" len="med"/>
-                    </a:lnL>
-                    <a:lnR w="12700" cap="flat" cmpd="sng" algn="ctr">
-                      <a:solidFill>
-                        <a:schemeClr val="tx1"/>
-                      </a:solidFill>
-                      <a:prstDash val="solid"/>
-                      <a:round/>
-                      <a:headEnd type="none" w="med" len="med"/>
-                      <a:tailEnd type="none" w="med" len="med"/>
-                    </a:lnR>
-                    <a:lnT w="12700" cap="flat" cmpd="sng" algn="ctr">
-                      <a:solidFill>
-                        <a:schemeClr val="tx1"/>
-                      </a:solidFill>
-                      <a:prstDash val="solid"/>
-                      <a:round/>
-                      <a:headEnd type="none" w="med" len="med"/>
-                      <a:tailEnd type="none" w="med" len="med"/>
-                    </a:lnT>
-                    <a:lnB w="12700" cap="flat" cmpd="sng" algn="ctr">
-                      <a:solidFill>
-                        <a:schemeClr val="tx1"/>
-                      </a:solidFill>
-                      <a:prstDash val="solid"/>
-                      <a:round/>
-                      <a:headEnd type="none" w="med" len="med"/>
-                      <a:tailEnd type="none" w="med" len="med"/>
-                    </a:lnB>
-                  </a:tcPr>
-                </a:tc>
-                <a:tc>
-                  <a:txBody>
-                    <a:bodyPr/>
-                    <a:lstStyle/>
-                    <a:p>
-                      <a:pPr algn="r" fontAlgn="b"/>
-                      <a:r>
-                        <a:rPr lang="en-MY" sz="900" b="0" i="0" u="none" strike="noStrike">
-                          <a:solidFill>
-                            <a:srgbClr val="000000"/>
-                          </a:solidFill>
-                          <a:effectLst/>
-                          <a:latin typeface="Calibri" panose="020F0502020204030204" pitchFamily="34" charset="0"/>
-                        </a:rPr>
-                        <a:t>0.779778</a:t>
-                      </a:r>
-                    </a:p>
-                  </a:txBody>
-                  <a:tcPr marL="9525" marR="9525" marT="9525" marB="0" anchor="b">
-                    <a:lnL w="12700" cap="flat" cmpd="sng" algn="ctr">
-                      <a:solidFill>
-                        <a:schemeClr val="tx1"/>
-                      </a:solidFill>
-                      <a:prstDash val="solid"/>
-                      <a:round/>
-                      <a:headEnd type="none" w="med" len="med"/>
-                      <a:tailEnd type="none" w="med" len="med"/>
-                    </a:lnL>
-                    <a:lnR w="12700" cap="flat" cmpd="sng" algn="ctr">
-                      <a:solidFill>
-                        <a:schemeClr val="tx1"/>
-                      </a:solidFill>
-                      <a:prstDash val="solid"/>
-                      <a:round/>
-                      <a:headEnd type="none" w="med" len="med"/>
-                      <a:tailEnd type="none" w="med" len="med"/>
-                    </a:lnR>
-                    <a:lnT w="12700" cap="flat" cmpd="sng" algn="ctr">
-                      <a:solidFill>
-                        <a:schemeClr val="tx1"/>
-                      </a:solidFill>
-                      <a:prstDash val="solid"/>
-                      <a:round/>
-                      <a:headEnd type="none" w="med" len="med"/>
-                      <a:tailEnd type="none" w="med" len="med"/>
-                    </a:lnT>
-                    <a:lnB w="12700" cap="flat" cmpd="sng" algn="ctr">
-                      <a:solidFill>
-                        <a:schemeClr val="tx1"/>
-                      </a:solidFill>
-                      <a:prstDash val="solid"/>
-                      <a:round/>
-                      <a:headEnd type="none" w="med" len="med"/>
-                      <a:tailEnd type="none" w="med" len="med"/>
-                    </a:lnB>
-                  </a:tcPr>
-                </a:tc>
-                <a:tc>
-                  <a:txBody>
-                    <a:bodyPr/>
-                    <a:lstStyle/>
-                    <a:p>
-                      <a:pPr algn="r" fontAlgn="b"/>
-                      <a:r>
-                        <a:rPr lang="en-MY" sz="900" b="0" i="0" u="none" strike="noStrike">
-                          <a:solidFill>
-                            <a:srgbClr val="000000"/>
-                          </a:solidFill>
-                          <a:effectLst/>
-                          <a:latin typeface="Calibri" panose="020F0502020204030204" pitchFamily="34" charset="0"/>
-                        </a:rPr>
-                        <a:t>0.999914</a:t>
-                      </a:r>
-                    </a:p>
-                  </a:txBody>
-                  <a:tcPr marL="9525" marR="9525" marT="9525" marB="0" anchor="b">
-                    <a:lnL w="12700" cap="flat" cmpd="sng" algn="ctr">
-                      <a:solidFill>
-                        <a:schemeClr val="tx1"/>
-                      </a:solidFill>
-                      <a:prstDash val="solid"/>
-                      <a:round/>
-                      <a:headEnd type="none" w="med" len="med"/>
-                      <a:tailEnd type="none" w="med" len="med"/>
-                    </a:lnL>
-                    <a:lnR w="12700" cap="flat" cmpd="sng" algn="ctr">
-                      <a:solidFill>
-                        <a:schemeClr val="tx1"/>
-                      </a:solidFill>
-                      <a:prstDash val="solid"/>
-                      <a:round/>
-                      <a:headEnd type="none" w="med" len="med"/>
-                      <a:tailEnd type="none" w="med" len="med"/>
-                    </a:lnR>
-                    <a:lnT w="12700" cap="flat" cmpd="sng" algn="ctr">
-                      <a:solidFill>
-                        <a:schemeClr val="tx1"/>
-                      </a:solidFill>
-                      <a:prstDash val="solid"/>
-                      <a:round/>
-                      <a:headEnd type="none" w="med" len="med"/>
-                      <a:tailEnd type="none" w="med" len="med"/>
-                    </a:lnT>
-                    <a:lnB w="12700" cap="flat" cmpd="sng" algn="ctr">
-                      <a:solidFill>
-                        <a:schemeClr val="tx1"/>
-                      </a:solidFill>
-                      <a:prstDash val="solid"/>
-                      <a:round/>
-                      <a:headEnd type="none" w="med" len="med"/>
-                      <a:tailEnd type="none" w="med" len="med"/>
-                    </a:lnB>
-                  </a:tcPr>
-                </a:tc>
-                <a:tc>
-                  <a:txBody>
-                    <a:bodyPr/>
-                    <a:lstStyle/>
-                    <a:p>
-                      <a:pPr algn="r" fontAlgn="b"/>
-                      <a:r>
-                        <a:rPr lang="en-MY" sz="900" b="0" i="0" u="none" strike="noStrike">
-                          <a:solidFill>
-                            <a:srgbClr val="000000"/>
-                          </a:solidFill>
-                          <a:effectLst/>
-                          <a:latin typeface="Calibri" panose="020F0502020204030204" pitchFamily="34" charset="0"/>
-                        </a:rPr>
-                        <a:t>0.798507</a:t>
-                      </a:r>
-                    </a:p>
-                  </a:txBody>
-                  <a:tcPr marL="9525" marR="9525" marT="9525" marB="0" anchor="b">
-                    <a:lnL w="12700" cap="flat" cmpd="sng" algn="ctr">
-                      <a:solidFill>
-                        <a:schemeClr val="tx1"/>
-                      </a:solidFill>
-                      <a:prstDash val="solid"/>
-                      <a:round/>
-                      <a:headEnd type="none" w="med" len="med"/>
-                      <a:tailEnd type="none" w="med" len="med"/>
-                    </a:lnL>
-                    <a:lnR w="12700" cap="flat" cmpd="sng" algn="ctr">
-                      <a:solidFill>
-                        <a:schemeClr val="tx1"/>
-                      </a:solidFill>
-                      <a:prstDash val="solid"/>
-                      <a:round/>
-                      <a:headEnd type="none" w="med" len="med"/>
-                      <a:tailEnd type="none" w="med" len="med"/>
-                    </a:lnR>
-                    <a:lnT w="12700" cap="flat" cmpd="sng" algn="ctr">
-                      <a:solidFill>
-                        <a:schemeClr val="tx1"/>
-                      </a:solidFill>
-                      <a:prstDash val="solid"/>
-                      <a:round/>
-                      <a:headEnd type="none" w="med" len="med"/>
-                      <a:tailEnd type="none" w="med" len="med"/>
-                    </a:lnT>
-                    <a:lnB w="12700" cap="flat" cmpd="sng" algn="ctr">
-                      <a:solidFill>
-                        <a:schemeClr val="tx1"/>
-                      </a:solidFill>
-                      <a:prstDash val="solid"/>
-                      <a:round/>
-                      <a:headEnd type="none" w="med" len="med"/>
-                      <a:tailEnd type="none" w="med" len="med"/>
-                    </a:lnB>
-                  </a:tcPr>
-                </a:tc>
-                <a:tc>
-                  <a:txBody>
-                    <a:bodyPr/>
-                    <a:lstStyle/>
-                    <a:p>
-                      <a:pPr algn="r" fontAlgn="b"/>
-                      <a:r>
-                        <a:rPr lang="en-MY" sz="900" b="0" i="0" u="none" strike="noStrike">
-                          <a:solidFill>
-                            <a:srgbClr val="000000"/>
-                          </a:solidFill>
-                          <a:effectLst/>
-                          <a:latin typeface="Calibri" panose="020F0502020204030204" pitchFamily="34" charset="0"/>
-                        </a:rPr>
-                        <a:t>56</a:t>
-                      </a:r>
-                    </a:p>
-                  </a:txBody>
-                  <a:tcPr marL="9525" marR="9525" marT="9525" marB="0" anchor="b">
-                    <a:lnL w="12700" cap="flat" cmpd="sng" algn="ctr">
-                      <a:solidFill>
-                        <a:schemeClr val="tx1"/>
-                      </a:solidFill>
-                      <a:prstDash val="solid"/>
-                      <a:round/>
-                      <a:headEnd type="none" w="med" len="med"/>
-                      <a:tailEnd type="none" w="med" len="med"/>
-                    </a:lnL>
-                    <a:lnR w="12700" cap="flat" cmpd="sng" algn="ctr">
-                      <a:solidFill>
-                        <a:schemeClr val="tx1"/>
-                      </a:solidFill>
-                      <a:prstDash val="solid"/>
-                      <a:round/>
-                      <a:headEnd type="none" w="med" len="med"/>
-                      <a:tailEnd type="none" w="med" len="med"/>
-                    </a:lnR>
-                    <a:lnT w="12700" cap="flat" cmpd="sng" algn="ctr">
-                      <a:solidFill>
-                        <a:schemeClr val="tx1"/>
-                      </a:solidFill>
-                      <a:prstDash val="solid"/>
-                      <a:round/>
-                      <a:headEnd type="none" w="med" len="med"/>
-                      <a:tailEnd type="none" w="med" len="med"/>
-                    </a:lnT>
-                    <a:lnB w="12700" cap="flat" cmpd="sng" algn="ctr">
-                      <a:solidFill>
-                        <a:schemeClr val="tx1"/>
-                      </a:solidFill>
-                      <a:prstDash val="solid"/>
-                      <a:round/>
-                      <a:headEnd type="none" w="med" len="med"/>
-                      <a:tailEnd type="none" w="med" len="med"/>
-                    </a:lnB>
-                  </a:tcPr>
-                </a:tc>
-                <a:tc>
-                  <a:txBody>
-                    <a:bodyPr/>
-                    <a:lstStyle/>
-                    <a:p>
-                      <a:pPr algn="r" fontAlgn="b"/>
-                      <a:r>
-                        <a:rPr lang="en-MY" sz="900" b="0" i="0" u="none" strike="noStrike">
-                          <a:solidFill>
-                            <a:srgbClr val="000000"/>
-                          </a:solidFill>
-                          <a:effectLst/>
-                          <a:latin typeface="Calibri" panose="020F0502020204030204" pitchFamily="34" charset="0"/>
-                        </a:rPr>
-                        <a:t>52</a:t>
-                      </a:r>
-                    </a:p>
-                  </a:txBody>
-                  <a:tcPr marL="9525" marR="9525" marT="9525" marB="0" anchor="b">
-                    <a:lnL w="12700" cap="flat" cmpd="sng" algn="ctr">
-                      <a:solidFill>
-                        <a:schemeClr val="tx1"/>
-                      </a:solidFill>
-                      <a:prstDash val="solid"/>
-                      <a:round/>
-                      <a:headEnd type="none" w="med" len="med"/>
-                      <a:tailEnd type="none" w="med" len="med"/>
-                    </a:lnL>
-                    <a:lnR w="12700" cap="flat" cmpd="sng" algn="ctr">
-                      <a:solidFill>
-                        <a:schemeClr val="tx1"/>
-                      </a:solidFill>
-                      <a:prstDash val="solid"/>
-                      <a:round/>
-                      <a:headEnd type="none" w="med" len="med"/>
-                      <a:tailEnd type="none" w="med" len="med"/>
-                    </a:lnR>
-                    <a:lnT w="12700" cap="flat" cmpd="sng" algn="ctr">
-                      <a:solidFill>
-                        <a:schemeClr val="tx1"/>
-                      </a:solidFill>
-                      <a:prstDash val="solid"/>
-                      <a:round/>
-                      <a:headEnd type="none" w="med" len="med"/>
-                      <a:tailEnd type="none" w="med" len="med"/>
-                    </a:lnT>
-                    <a:lnB w="12700" cap="flat" cmpd="sng" algn="ctr">
-                      <a:solidFill>
-                        <a:schemeClr val="tx1"/>
-                      </a:solidFill>
-                      <a:prstDash val="solid"/>
-                      <a:round/>
-                      <a:headEnd type="none" w="med" len="med"/>
-                      <a:tailEnd type="none" w="med" len="med"/>
-                    </a:lnB>
-                  </a:tcPr>
-                </a:tc>
-                <a:tc>
-                  <a:txBody>
-                    <a:bodyPr/>
-                    <a:lstStyle/>
-                    <a:p>
-                      <a:pPr algn="r" fontAlgn="b"/>
-                      <a:r>
-                        <a:rPr lang="en-MY" sz="900" b="0" i="0" u="none" strike="noStrike">
-                          <a:solidFill>
-                            <a:srgbClr val="000000"/>
-                          </a:solidFill>
-                          <a:effectLst/>
-                          <a:latin typeface="Calibri" panose="020F0502020204030204" pitchFamily="34" charset="0"/>
-                        </a:rPr>
-                        <a:t>214</a:t>
-                      </a:r>
-                    </a:p>
-                  </a:txBody>
-                  <a:tcPr marL="9525" marR="9525" marT="9525" marB="0" anchor="b">
-                    <a:lnL w="12700" cap="flat" cmpd="sng" algn="ctr">
-                      <a:solidFill>
-                        <a:schemeClr val="tx1"/>
-                      </a:solidFill>
-                      <a:prstDash val="solid"/>
-                      <a:round/>
-                      <a:headEnd type="none" w="med" len="med"/>
-                      <a:tailEnd type="none" w="med" len="med"/>
-                    </a:lnL>
-                    <a:lnR w="12700" cap="flat" cmpd="sng" algn="ctr">
-                      <a:solidFill>
-                        <a:schemeClr val="tx1"/>
-                      </a:solidFill>
-                      <a:prstDash val="solid"/>
-                      <a:round/>
-                      <a:headEnd type="none" w="med" len="med"/>
-                      <a:tailEnd type="none" w="med" len="med"/>
-                    </a:lnR>
-                    <a:lnT w="12700" cap="flat" cmpd="sng" algn="ctr">
-                      <a:solidFill>
-                        <a:schemeClr val="tx1"/>
-                      </a:solidFill>
-                      <a:prstDash val="solid"/>
-                      <a:round/>
-                      <a:headEnd type="none" w="med" len="med"/>
-                      <a:tailEnd type="none" w="med" len="med"/>
-                    </a:lnT>
-                    <a:lnB w="12700" cap="flat" cmpd="sng" algn="ctr">
-                      <a:solidFill>
-                        <a:schemeClr val="tx1"/>
-                      </a:solidFill>
-                      <a:prstDash val="solid"/>
-                      <a:round/>
-                      <a:headEnd type="none" w="med" len="med"/>
-                      <a:tailEnd type="none" w="med" len="med"/>
-                    </a:lnB>
-                  </a:tcPr>
-                </a:tc>
-                <a:tc>
-                  <a:txBody>
-                    <a:bodyPr/>
-                    <a:lstStyle/>
-                    <a:p>
-                      <a:pPr algn="r" fontAlgn="b"/>
-                      <a:r>
-                        <a:rPr lang="en-MY" sz="900" b="0" i="0" u="none" strike="noStrike">
-                          <a:solidFill>
-                            <a:srgbClr val="000000"/>
-                          </a:solidFill>
-                          <a:effectLst/>
-                          <a:latin typeface="Calibri" panose="020F0502020204030204" pitchFamily="34" charset="0"/>
-                        </a:rPr>
-                        <a:t>-1310000</a:t>
                       </a:r>
                     </a:p>
                   </a:txBody>
@@ -16002,6 +16030,814 @@
                           <a:effectLst/>
                           <a:latin typeface="Calibri" panose="020F0502020204030204" pitchFamily="34" charset="0"/>
                         </a:rPr>
+                        <a:t>LightGBMGridSearch</a:t>
+                      </a:r>
+                    </a:p>
+                  </a:txBody>
+                  <a:tcPr marL="9525" marR="9525" marT="9525" marB="0" anchor="b">
+                    <a:lnL w="12700" cap="flat" cmpd="sng" algn="ctr">
+                      <a:solidFill>
+                        <a:schemeClr val="tx1"/>
+                      </a:solidFill>
+                      <a:prstDash val="solid"/>
+                      <a:round/>
+                      <a:headEnd type="none" w="med" len="med"/>
+                      <a:tailEnd type="none" w="med" len="med"/>
+                    </a:lnL>
+                    <a:lnR w="12700" cap="flat" cmpd="sng" algn="ctr">
+                      <a:solidFill>
+                        <a:schemeClr val="tx1"/>
+                      </a:solidFill>
+                      <a:prstDash val="solid"/>
+                      <a:round/>
+                      <a:headEnd type="none" w="med" len="med"/>
+                      <a:tailEnd type="none" w="med" len="med"/>
+                    </a:lnR>
+                    <a:lnT w="12700" cap="flat" cmpd="sng" algn="ctr">
+                      <a:solidFill>
+                        <a:schemeClr val="tx1"/>
+                      </a:solidFill>
+                      <a:prstDash val="solid"/>
+                      <a:round/>
+                      <a:headEnd type="none" w="med" len="med"/>
+                      <a:tailEnd type="none" w="med" len="med"/>
+                    </a:lnT>
+                    <a:lnB w="12700" cap="flat" cmpd="sng" algn="ctr">
+                      <a:solidFill>
+                        <a:schemeClr val="tx1"/>
+                      </a:solidFill>
+                      <a:prstDash val="solid"/>
+                      <a:round/>
+                      <a:headEnd type="none" w="med" len="med"/>
+                      <a:tailEnd type="none" w="med" len="med"/>
+                    </a:lnB>
+                    <a:solidFill>
+                      <a:srgbClr val="FFC000"/>
+                    </a:solidFill>
+                  </a:tcPr>
+                </a:tc>
+                <a:tc>
+                  <a:txBody>
+                    <a:bodyPr/>
+                    <a:lstStyle/>
+                    <a:p>
+                      <a:pPr algn="r" fontAlgn="b"/>
+                      <a:r>
+                        <a:rPr lang="en-MY" sz="900" b="0" i="0" u="none" strike="noStrike">
+                          <a:solidFill>
+                            <a:srgbClr val="000000"/>
+                          </a:solidFill>
+                          <a:effectLst/>
+                          <a:latin typeface="Calibri" panose="020F0502020204030204" pitchFamily="34" charset="0"/>
+                        </a:rPr>
+                        <a:t>0.999914</a:t>
+                      </a:r>
+                    </a:p>
+                  </a:txBody>
+                  <a:tcPr marL="9525" marR="9525" marT="9525" marB="0" anchor="b">
+                    <a:lnL w="12700" cap="flat" cmpd="sng" algn="ctr">
+                      <a:solidFill>
+                        <a:schemeClr val="tx1"/>
+                      </a:solidFill>
+                      <a:prstDash val="solid"/>
+                      <a:round/>
+                      <a:headEnd type="none" w="med" len="med"/>
+                      <a:tailEnd type="none" w="med" len="med"/>
+                    </a:lnL>
+                    <a:lnR w="12700" cap="flat" cmpd="sng" algn="ctr">
+                      <a:solidFill>
+                        <a:schemeClr val="tx1"/>
+                      </a:solidFill>
+                      <a:prstDash val="solid"/>
+                      <a:round/>
+                      <a:headEnd type="none" w="med" len="med"/>
+                      <a:tailEnd type="none" w="med" len="med"/>
+                    </a:lnR>
+                    <a:lnT w="12700" cap="flat" cmpd="sng" algn="ctr">
+                      <a:solidFill>
+                        <a:schemeClr val="tx1"/>
+                      </a:solidFill>
+                      <a:prstDash val="solid"/>
+                      <a:round/>
+                      <a:headEnd type="none" w="med" len="med"/>
+                      <a:tailEnd type="none" w="med" len="med"/>
+                    </a:lnT>
+                    <a:lnB w="12700" cap="flat" cmpd="sng" algn="ctr">
+                      <a:solidFill>
+                        <a:schemeClr val="tx1"/>
+                      </a:solidFill>
+                      <a:prstDash val="solid"/>
+                      <a:round/>
+                      <a:headEnd type="none" w="med" len="med"/>
+                      <a:tailEnd type="none" w="med" len="med"/>
+                    </a:lnB>
+                  </a:tcPr>
+                </a:tc>
+                <a:tc>
+                  <a:txBody>
+                    <a:bodyPr/>
+                    <a:lstStyle/>
+                    <a:p>
+                      <a:pPr algn="r" fontAlgn="b"/>
+                      <a:r>
+                        <a:rPr lang="en-MY" sz="900" b="0" i="0" u="none" strike="noStrike">
+                          <a:solidFill>
+                            <a:srgbClr val="000000"/>
+                          </a:solidFill>
+                          <a:effectLst/>
+                          <a:latin typeface="Calibri" panose="020F0502020204030204" pitchFamily="34" charset="0"/>
+                        </a:rPr>
+                        <a:t>0.892537</a:t>
+                      </a:r>
+                    </a:p>
+                  </a:txBody>
+                  <a:tcPr marL="9525" marR="9525" marT="9525" marB="0" anchor="b">
+                    <a:lnL w="12700" cap="flat" cmpd="sng" algn="ctr">
+                      <a:solidFill>
+                        <a:schemeClr val="tx1"/>
+                      </a:solidFill>
+                      <a:prstDash val="solid"/>
+                      <a:round/>
+                      <a:headEnd type="none" w="med" len="med"/>
+                      <a:tailEnd type="none" w="med" len="med"/>
+                    </a:lnL>
+                    <a:lnR w="12700" cap="flat" cmpd="sng" algn="ctr">
+                      <a:solidFill>
+                        <a:schemeClr val="tx1"/>
+                      </a:solidFill>
+                      <a:prstDash val="solid"/>
+                      <a:round/>
+                      <a:headEnd type="none" w="med" len="med"/>
+                      <a:tailEnd type="none" w="med" len="med"/>
+                    </a:lnR>
+                    <a:lnT w="12700" cap="flat" cmpd="sng" algn="ctr">
+                      <a:solidFill>
+                        <a:schemeClr val="tx1"/>
+                      </a:solidFill>
+                      <a:prstDash val="solid"/>
+                      <a:round/>
+                      <a:headEnd type="none" w="med" len="med"/>
+                      <a:tailEnd type="none" w="med" len="med"/>
+                    </a:lnT>
+                    <a:lnB w="12700" cap="flat" cmpd="sng" algn="ctr">
+                      <a:solidFill>
+                        <a:schemeClr val="tx1"/>
+                      </a:solidFill>
+                      <a:prstDash val="solid"/>
+                      <a:round/>
+                      <a:headEnd type="none" w="med" len="med"/>
+                      <a:tailEnd type="none" w="med" len="med"/>
+                    </a:lnB>
+                  </a:tcPr>
+                </a:tc>
+                <a:tc>
+                  <a:txBody>
+                    <a:bodyPr/>
+                    <a:lstStyle/>
+                    <a:p>
+                      <a:pPr algn="r" fontAlgn="b"/>
+                      <a:r>
+                        <a:rPr lang="en-MY" sz="900" b="0" i="0" u="none" strike="noStrike">
+                          <a:solidFill>
+                            <a:srgbClr val="000000"/>
+                          </a:solidFill>
+                          <a:effectLst/>
+                          <a:latin typeface="Calibri" panose="020F0502020204030204" pitchFamily="34" charset="0"/>
+                        </a:rPr>
+                        <a:t>0.999914</a:t>
+                      </a:r>
+                    </a:p>
+                  </a:txBody>
+                  <a:tcPr marL="9525" marR="9525" marT="9525" marB="0" anchor="b">
+                    <a:lnL w="12700" cap="flat" cmpd="sng" algn="ctr">
+                      <a:solidFill>
+                        <a:schemeClr val="tx1"/>
+                      </a:solidFill>
+                      <a:prstDash val="solid"/>
+                      <a:round/>
+                      <a:headEnd type="none" w="med" len="med"/>
+                      <a:tailEnd type="none" w="med" len="med"/>
+                    </a:lnL>
+                    <a:lnR w="12700" cap="flat" cmpd="sng" algn="ctr">
+                      <a:solidFill>
+                        <a:schemeClr val="tx1"/>
+                      </a:solidFill>
+                      <a:prstDash val="solid"/>
+                      <a:round/>
+                      <a:headEnd type="none" w="med" len="med"/>
+                      <a:tailEnd type="none" w="med" len="med"/>
+                    </a:lnR>
+                    <a:lnT w="12700" cap="flat" cmpd="sng" algn="ctr">
+                      <a:solidFill>
+                        <a:schemeClr val="tx1"/>
+                      </a:solidFill>
+                      <a:prstDash val="solid"/>
+                      <a:round/>
+                      <a:headEnd type="none" w="med" len="med"/>
+                      <a:tailEnd type="none" w="med" len="med"/>
+                    </a:lnT>
+                    <a:lnB w="12700" cap="flat" cmpd="sng" algn="ctr">
+                      <a:solidFill>
+                        <a:schemeClr val="tx1"/>
+                      </a:solidFill>
+                      <a:prstDash val="solid"/>
+                      <a:round/>
+                      <a:headEnd type="none" w="med" len="med"/>
+                      <a:tailEnd type="none" w="med" len="med"/>
+                    </a:lnB>
+                  </a:tcPr>
+                </a:tc>
+                <a:tc>
+                  <a:txBody>
+                    <a:bodyPr/>
+                    <a:lstStyle/>
+                    <a:p>
+                      <a:pPr algn="r" fontAlgn="b"/>
+                      <a:r>
+                        <a:rPr lang="en-MY" sz="900" b="0" i="0" u="none" strike="noStrike">
+                          <a:solidFill>
+                            <a:srgbClr val="000000"/>
+                          </a:solidFill>
+                          <a:effectLst/>
+                          <a:latin typeface="Calibri" panose="020F0502020204030204" pitchFamily="34" charset="0"/>
+                        </a:rPr>
+                        <a:t>0.965682</a:t>
+                      </a:r>
+                    </a:p>
+                  </a:txBody>
+                  <a:tcPr marL="9525" marR="9525" marT="9525" marB="0" anchor="b">
+                    <a:lnL w="12700" cap="flat" cmpd="sng" algn="ctr">
+                      <a:solidFill>
+                        <a:schemeClr val="tx1"/>
+                      </a:solidFill>
+                      <a:prstDash val="solid"/>
+                      <a:round/>
+                      <a:headEnd type="none" w="med" len="med"/>
+                      <a:tailEnd type="none" w="med" len="med"/>
+                    </a:lnL>
+                    <a:lnR w="12700" cap="flat" cmpd="sng" algn="ctr">
+                      <a:solidFill>
+                        <a:schemeClr val="tx1"/>
+                      </a:solidFill>
+                      <a:prstDash val="solid"/>
+                      <a:round/>
+                      <a:headEnd type="none" w="med" len="med"/>
+                      <a:tailEnd type="none" w="med" len="med"/>
+                    </a:lnR>
+                    <a:lnT w="12700" cap="flat" cmpd="sng" algn="ctr">
+                      <a:solidFill>
+                        <a:schemeClr val="tx1"/>
+                      </a:solidFill>
+                      <a:prstDash val="solid"/>
+                      <a:round/>
+                      <a:headEnd type="none" w="med" len="med"/>
+                      <a:tailEnd type="none" w="med" len="med"/>
+                    </a:lnT>
+                    <a:lnB w="12700" cap="flat" cmpd="sng" algn="ctr">
+                      <a:solidFill>
+                        <a:schemeClr val="tx1"/>
+                      </a:solidFill>
+                      <a:prstDash val="solid"/>
+                      <a:round/>
+                      <a:headEnd type="none" w="med" len="med"/>
+                      <a:tailEnd type="none" w="med" len="med"/>
+                    </a:lnB>
+                  </a:tcPr>
+                </a:tc>
+                <a:tc>
+                  <a:txBody>
+                    <a:bodyPr/>
+                    <a:lstStyle/>
+                    <a:p>
+                      <a:pPr algn="r" fontAlgn="b"/>
+                      <a:r>
+                        <a:rPr lang="en-MY" sz="900" b="0" i="0" u="none" strike="noStrike">
+                          <a:solidFill>
+                            <a:srgbClr val="000000"/>
+                          </a:solidFill>
+                          <a:effectLst/>
+                          <a:latin typeface="Calibri" panose="020F0502020204030204" pitchFamily="34" charset="0"/>
+                        </a:rPr>
+                        <a:t>0.999827</a:t>
+                      </a:r>
+                    </a:p>
+                  </a:txBody>
+                  <a:tcPr marL="9525" marR="9525" marT="9525" marB="0" anchor="b">
+                    <a:lnL w="12700" cap="flat" cmpd="sng" algn="ctr">
+                      <a:solidFill>
+                        <a:schemeClr val="tx1"/>
+                      </a:solidFill>
+                      <a:prstDash val="solid"/>
+                      <a:round/>
+                      <a:headEnd type="none" w="med" len="med"/>
+                      <a:tailEnd type="none" w="med" len="med"/>
+                    </a:lnL>
+                    <a:lnR w="12700" cap="flat" cmpd="sng" algn="ctr">
+                      <a:solidFill>
+                        <a:schemeClr val="tx1"/>
+                      </a:solidFill>
+                      <a:prstDash val="solid"/>
+                      <a:round/>
+                      <a:headEnd type="none" w="med" len="med"/>
+                      <a:tailEnd type="none" w="med" len="med"/>
+                    </a:lnR>
+                    <a:lnT w="12700" cap="flat" cmpd="sng" algn="ctr">
+                      <a:solidFill>
+                        <a:schemeClr val="tx1"/>
+                      </a:solidFill>
+                      <a:prstDash val="solid"/>
+                      <a:round/>
+                      <a:headEnd type="none" w="med" len="med"/>
+                      <a:tailEnd type="none" w="med" len="med"/>
+                    </a:lnT>
+                    <a:lnB w="12700" cap="flat" cmpd="sng" algn="ctr">
+                      <a:solidFill>
+                        <a:schemeClr val="tx1"/>
+                      </a:solidFill>
+                      <a:prstDash val="solid"/>
+                      <a:round/>
+                      <a:headEnd type="none" w="med" len="med"/>
+                      <a:tailEnd type="none" w="med" len="med"/>
+                    </a:lnB>
+                  </a:tcPr>
+                </a:tc>
+                <a:tc>
+                  <a:txBody>
+                    <a:bodyPr/>
+                    <a:lstStyle/>
+                    <a:p>
+                      <a:pPr algn="r" fontAlgn="b"/>
+                      <a:r>
+                        <a:rPr lang="en-MY" sz="900" b="0" i="0" u="none" strike="noStrike" dirty="0">
+                          <a:solidFill>
+                            <a:srgbClr val="000000"/>
+                          </a:solidFill>
+                          <a:effectLst/>
+                          <a:latin typeface="Calibri" panose="020F0502020204030204" pitchFamily="34" charset="0"/>
+                        </a:rPr>
+                        <a:t>0.779778</a:t>
+                      </a:r>
+                    </a:p>
+                  </a:txBody>
+                  <a:tcPr marL="9525" marR="9525" marT="9525" marB="0" anchor="b">
+                    <a:lnL w="12700" cap="flat" cmpd="sng" algn="ctr">
+                      <a:solidFill>
+                        <a:schemeClr val="tx1"/>
+                      </a:solidFill>
+                      <a:prstDash val="solid"/>
+                      <a:round/>
+                      <a:headEnd type="none" w="med" len="med"/>
+                      <a:tailEnd type="none" w="med" len="med"/>
+                    </a:lnL>
+                    <a:lnR w="12700" cap="flat" cmpd="sng" algn="ctr">
+                      <a:solidFill>
+                        <a:schemeClr val="tx1"/>
+                      </a:solidFill>
+                      <a:prstDash val="solid"/>
+                      <a:round/>
+                      <a:headEnd type="none" w="med" len="med"/>
+                      <a:tailEnd type="none" w="med" len="med"/>
+                    </a:lnR>
+                    <a:lnT w="12700" cap="flat" cmpd="sng" algn="ctr">
+                      <a:solidFill>
+                        <a:schemeClr val="tx1"/>
+                      </a:solidFill>
+                      <a:prstDash val="solid"/>
+                      <a:round/>
+                      <a:headEnd type="none" w="med" len="med"/>
+                      <a:tailEnd type="none" w="med" len="med"/>
+                    </a:lnT>
+                    <a:lnB w="12700" cap="flat" cmpd="sng" algn="ctr">
+                      <a:solidFill>
+                        <a:schemeClr val="tx1"/>
+                      </a:solidFill>
+                      <a:prstDash val="solid"/>
+                      <a:round/>
+                      <a:headEnd type="none" w="med" len="med"/>
+                      <a:tailEnd type="none" w="med" len="med"/>
+                    </a:lnB>
+                  </a:tcPr>
+                </a:tc>
+                <a:tc>
+                  <a:txBody>
+                    <a:bodyPr/>
+                    <a:lstStyle/>
+                    <a:p>
+                      <a:pPr algn="r" fontAlgn="b"/>
+                      <a:r>
+                        <a:rPr lang="en-MY" sz="900" b="0" i="0" u="none" strike="noStrike" dirty="0">
+                          <a:solidFill>
+                            <a:srgbClr val="000000"/>
+                          </a:solidFill>
+                          <a:effectLst/>
+                          <a:latin typeface="Calibri" panose="020F0502020204030204" pitchFamily="34" charset="0"/>
+                        </a:rPr>
+                        <a:t>0.999914</a:t>
+                      </a:r>
+                    </a:p>
+                  </a:txBody>
+                  <a:tcPr marL="9525" marR="9525" marT="9525" marB="0" anchor="b">
+                    <a:lnL w="12700" cap="flat" cmpd="sng" algn="ctr">
+                      <a:solidFill>
+                        <a:schemeClr val="tx1"/>
+                      </a:solidFill>
+                      <a:prstDash val="solid"/>
+                      <a:round/>
+                      <a:headEnd type="none" w="med" len="med"/>
+                      <a:tailEnd type="none" w="med" len="med"/>
+                    </a:lnL>
+                    <a:lnR w="12700" cap="flat" cmpd="sng" algn="ctr">
+                      <a:solidFill>
+                        <a:schemeClr val="tx1"/>
+                      </a:solidFill>
+                      <a:prstDash val="solid"/>
+                      <a:round/>
+                      <a:headEnd type="none" w="med" len="med"/>
+                      <a:tailEnd type="none" w="med" len="med"/>
+                    </a:lnR>
+                    <a:lnT w="12700" cap="flat" cmpd="sng" algn="ctr">
+                      <a:solidFill>
+                        <a:schemeClr val="tx1"/>
+                      </a:solidFill>
+                      <a:prstDash val="solid"/>
+                      <a:round/>
+                      <a:headEnd type="none" w="med" len="med"/>
+                      <a:tailEnd type="none" w="med" len="med"/>
+                    </a:lnT>
+                    <a:lnB w="12700" cap="flat" cmpd="sng" algn="ctr">
+                      <a:solidFill>
+                        <a:schemeClr val="tx1"/>
+                      </a:solidFill>
+                      <a:prstDash val="solid"/>
+                      <a:round/>
+                      <a:headEnd type="none" w="med" len="med"/>
+                      <a:tailEnd type="none" w="med" len="med"/>
+                    </a:lnB>
+                  </a:tcPr>
+                </a:tc>
+                <a:tc>
+                  <a:txBody>
+                    <a:bodyPr/>
+                    <a:lstStyle/>
+                    <a:p>
+                      <a:pPr algn="r" fontAlgn="b"/>
+                      <a:r>
+                        <a:rPr lang="en-MY" sz="900" b="0" i="0" u="none" strike="noStrike">
+                          <a:solidFill>
+                            <a:srgbClr val="000000"/>
+                          </a:solidFill>
+                          <a:effectLst/>
+                          <a:latin typeface="Calibri" panose="020F0502020204030204" pitchFamily="34" charset="0"/>
+                        </a:rPr>
+                        <a:t>0.798507</a:t>
+                      </a:r>
+                    </a:p>
+                  </a:txBody>
+                  <a:tcPr marL="9525" marR="9525" marT="9525" marB="0" anchor="b">
+                    <a:lnL w="12700" cap="flat" cmpd="sng" algn="ctr">
+                      <a:solidFill>
+                        <a:schemeClr val="tx1"/>
+                      </a:solidFill>
+                      <a:prstDash val="solid"/>
+                      <a:round/>
+                      <a:headEnd type="none" w="med" len="med"/>
+                      <a:tailEnd type="none" w="med" len="med"/>
+                    </a:lnL>
+                    <a:lnR w="12700" cap="flat" cmpd="sng" algn="ctr">
+                      <a:solidFill>
+                        <a:schemeClr val="tx1"/>
+                      </a:solidFill>
+                      <a:prstDash val="solid"/>
+                      <a:round/>
+                      <a:headEnd type="none" w="med" len="med"/>
+                      <a:tailEnd type="none" w="med" len="med"/>
+                    </a:lnR>
+                    <a:lnT w="12700" cap="flat" cmpd="sng" algn="ctr">
+                      <a:solidFill>
+                        <a:schemeClr val="tx1"/>
+                      </a:solidFill>
+                      <a:prstDash val="solid"/>
+                      <a:round/>
+                      <a:headEnd type="none" w="med" len="med"/>
+                      <a:tailEnd type="none" w="med" len="med"/>
+                    </a:lnT>
+                    <a:lnB w="12700" cap="flat" cmpd="sng" algn="ctr">
+                      <a:solidFill>
+                        <a:schemeClr val="tx1"/>
+                      </a:solidFill>
+                      <a:prstDash val="solid"/>
+                      <a:round/>
+                      <a:headEnd type="none" w="med" len="med"/>
+                      <a:tailEnd type="none" w="med" len="med"/>
+                    </a:lnB>
+                  </a:tcPr>
+                </a:tc>
+                <a:tc>
+                  <a:txBody>
+                    <a:bodyPr/>
+                    <a:lstStyle/>
+                    <a:p>
+                      <a:pPr algn="r" fontAlgn="b"/>
+                      <a:r>
+                        <a:rPr lang="en-MY" sz="900" b="0" i="0" u="none" strike="noStrike">
+                          <a:solidFill>
+                            <a:srgbClr val="000000"/>
+                          </a:solidFill>
+                          <a:effectLst/>
+                          <a:latin typeface="Calibri" panose="020F0502020204030204" pitchFamily="34" charset="0"/>
+                        </a:rPr>
+                        <a:t>56</a:t>
+                      </a:r>
+                    </a:p>
+                  </a:txBody>
+                  <a:tcPr marL="9525" marR="9525" marT="9525" marB="0" anchor="b">
+                    <a:lnL w="12700" cap="flat" cmpd="sng" algn="ctr">
+                      <a:solidFill>
+                        <a:schemeClr val="tx1"/>
+                      </a:solidFill>
+                      <a:prstDash val="solid"/>
+                      <a:round/>
+                      <a:headEnd type="none" w="med" len="med"/>
+                      <a:tailEnd type="none" w="med" len="med"/>
+                    </a:lnL>
+                    <a:lnR w="12700" cap="flat" cmpd="sng" algn="ctr">
+                      <a:solidFill>
+                        <a:schemeClr val="tx1"/>
+                      </a:solidFill>
+                      <a:prstDash val="solid"/>
+                      <a:round/>
+                      <a:headEnd type="none" w="med" len="med"/>
+                      <a:tailEnd type="none" w="med" len="med"/>
+                    </a:lnR>
+                    <a:lnT w="12700" cap="flat" cmpd="sng" algn="ctr">
+                      <a:solidFill>
+                        <a:schemeClr val="tx1"/>
+                      </a:solidFill>
+                      <a:prstDash val="solid"/>
+                      <a:round/>
+                      <a:headEnd type="none" w="med" len="med"/>
+                      <a:tailEnd type="none" w="med" len="med"/>
+                    </a:lnT>
+                    <a:lnB w="12700" cap="flat" cmpd="sng" algn="ctr">
+                      <a:solidFill>
+                        <a:schemeClr val="tx1"/>
+                      </a:solidFill>
+                      <a:prstDash val="solid"/>
+                      <a:round/>
+                      <a:headEnd type="none" w="med" len="med"/>
+                      <a:tailEnd type="none" w="med" len="med"/>
+                    </a:lnB>
+                  </a:tcPr>
+                </a:tc>
+                <a:tc>
+                  <a:txBody>
+                    <a:bodyPr/>
+                    <a:lstStyle/>
+                    <a:p>
+                      <a:pPr algn="r" fontAlgn="b"/>
+                      <a:r>
+                        <a:rPr lang="en-MY" sz="900" b="0" i="0" u="none" strike="noStrike">
+                          <a:solidFill>
+                            <a:srgbClr val="000000"/>
+                          </a:solidFill>
+                          <a:effectLst/>
+                          <a:latin typeface="Calibri" panose="020F0502020204030204" pitchFamily="34" charset="0"/>
+                        </a:rPr>
+                        <a:t>52</a:t>
+                      </a:r>
+                    </a:p>
+                  </a:txBody>
+                  <a:tcPr marL="9525" marR="9525" marT="9525" marB="0" anchor="b">
+                    <a:lnL w="12700" cap="flat" cmpd="sng" algn="ctr">
+                      <a:solidFill>
+                        <a:schemeClr val="tx1"/>
+                      </a:solidFill>
+                      <a:prstDash val="solid"/>
+                      <a:round/>
+                      <a:headEnd type="none" w="med" len="med"/>
+                      <a:tailEnd type="none" w="med" len="med"/>
+                    </a:lnL>
+                    <a:lnR w="12700" cap="flat" cmpd="sng" algn="ctr">
+                      <a:solidFill>
+                        <a:schemeClr val="tx1"/>
+                      </a:solidFill>
+                      <a:prstDash val="solid"/>
+                      <a:round/>
+                      <a:headEnd type="none" w="med" len="med"/>
+                      <a:tailEnd type="none" w="med" len="med"/>
+                    </a:lnR>
+                    <a:lnT w="12700" cap="flat" cmpd="sng" algn="ctr">
+                      <a:solidFill>
+                        <a:schemeClr val="tx1"/>
+                      </a:solidFill>
+                      <a:prstDash val="solid"/>
+                      <a:round/>
+                      <a:headEnd type="none" w="med" len="med"/>
+                      <a:tailEnd type="none" w="med" len="med"/>
+                    </a:lnT>
+                    <a:lnB w="12700" cap="flat" cmpd="sng" algn="ctr">
+                      <a:solidFill>
+                        <a:schemeClr val="tx1"/>
+                      </a:solidFill>
+                      <a:prstDash val="solid"/>
+                      <a:round/>
+                      <a:headEnd type="none" w="med" len="med"/>
+                      <a:tailEnd type="none" w="med" len="med"/>
+                    </a:lnB>
+                  </a:tcPr>
+                </a:tc>
+                <a:tc>
+                  <a:txBody>
+                    <a:bodyPr/>
+                    <a:lstStyle/>
+                    <a:p>
+                      <a:pPr algn="r" fontAlgn="b"/>
+                      <a:r>
+                        <a:rPr lang="en-MY" sz="900" b="0" i="0" u="none" strike="noStrike">
+                          <a:solidFill>
+                            <a:srgbClr val="000000"/>
+                          </a:solidFill>
+                          <a:effectLst/>
+                          <a:latin typeface="Calibri" panose="020F0502020204030204" pitchFamily="34" charset="0"/>
+                        </a:rPr>
+                        <a:t>214</a:t>
+                      </a:r>
+                    </a:p>
+                  </a:txBody>
+                  <a:tcPr marL="9525" marR="9525" marT="9525" marB="0" anchor="b">
+                    <a:lnL w="12700" cap="flat" cmpd="sng" algn="ctr">
+                      <a:solidFill>
+                        <a:schemeClr val="tx1"/>
+                      </a:solidFill>
+                      <a:prstDash val="solid"/>
+                      <a:round/>
+                      <a:headEnd type="none" w="med" len="med"/>
+                      <a:tailEnd type="none" w="med" len="med"/>
+                    </a:lnL>
+                    <a:lnR w="12700" cap="flat" cmpd="sng" algn="ctr">
+                      <a:solidFill>
+                        <a:schemeClr val="tx1"/>
+                      </a:solidFill>
+                      <a:prstDash val="solid"/>
+                      <a:round/>
+                      <a:headEnd type="none" w="med" len="med"/>
+                      <a:tailEnd type="none" w="med" len="med"/>
+                    </a:lnR>
+                    <a:lnT w="12700" cap="flat" cmpd="sng" algn="ctr">
+                      <a:solidFill>
+                        <a:schemeClr val="tx1"/>
+                      </a:solidFill>
+                      <a:prstDash val="solid"/>
+                      <a:round/>
+                      <a:headEnd type="none" w="med" len="med"/>
+                      <a:tailEnd type="none" w="med" len="med"/>
+                    </a:lnT>
+                    <a:lnB w="12700" cap="flat" cmpd="sng" algn="ctr">
+                      <a:solidFill>
+                        <a:schemeClr val="tx1"/>
+                      </a:solidFill>
+                      <a:prstDash val="solid"/>
+                      <a:round/>
+                      <a:headEnd type="none" w="med" len="med"/>
+                      <a:tailEnd type="none" w="med" len="med"/>
+                    </a:lnB>
+                  </a:tcPr>
+                </a:tc>
+                <a:tc>
+                  <a:txBody>
+                    <a:bodyPr/>
+                    <a:lstStyle/>
+                    <a:p>
+                      <a:pPr algn="r" fontAlgn="b"/>
+                      <a:r>
+                        <a:rPr lang="en-MY" sz="900" b="0" i="0" u="none" strike="noStrike">
+                          <a:solidFill>
+                            <a:srgbClr val="000000"/>
+                          </a:solidFill>
+                          <a:effectLst/>
+                          <a:latin typeface="Calibri" panose="020F0502020204030204" pitchFamily="34" charset="0"/>
+                        </a:rPr>
+                        <a:t>-1310000</a:t>
+                      </a:r>
+                    </a:p>
+                  </a:txBody>
+                  <a:tcPr marL="9525" marR="9525" marT="9525" marB="0" anchor="b">
+                    <a:lnL w="12700" cap="flat" cmpd="sng" algn="ctr">
+                      <a:solidFill>
+                        <a:schemeClr val="tx1"/>
+                      </a:solidFill>
+                      <a:prstDash val="solid"/>
+                      <a:round/>
+                      <a:headEnd type="none" w="med" len="med"/>
+                      <a:tailEnd type="none" w="med" len="med"/>
+                    </a:lnL>
+                    <a:lnR w="12700" cap="flat" cmpd="sng" algn="ctr">
+                      <a:solidFill>
+                        <a:schemeClr val="tx1"/>
+                      </a:solidFill>
+                      <a:prstDash val="solid"/>
+                      <a:round/>
+                      <a:headEnd type="none" w="med" len="med"/>
+                      <a:tailEnd type="none" w="med" len="med"/>
+                    </a:lnR>
+                    <a:lnT w="12700" cap="flat" cmpd="sng" algn="ctr">
+                      <a:solidFill>
+                        <a:schemeClr val="tx1"/>
+                      </a:solidFill>
+                      <a:prstDash val="solid"/>
+                      <a:round/>
+                      <a:headEnd type="none" w="med" len="med"/>
+                      <a:tailEnd type="none" w="med" len="med"/>
+                    </a:lnT>
+                    <a:lnB w="12700" cap="flat" cmpd="sng" algn="ctr">
+                      <a:solidFill>
+                        <a:schemeClr val="tx1"/>
+                      </a:solidFill>
+                      <a:prstDash val="solid"/>
+                      <a:round/>
+                      <a:headEnd type="none" w="med" len="med"/>
+                      <a:tailEnd type="none" w="med" len="med"/>
+                    </a:lnB>
+                  </a:tcPr>
+                </a:tc>
+                <a:tc>
+                  <a:txBody>
+                    <a:bodyPr/>
+                    <a:lstStyle/>
+                    <a:p>
+                      <a:pPr algn="r" fontAlgn="b"/>
+                      <a:r>
+                        <a:rPr lang="en-MY" sz="900" b="0" i="0" u="none" strike="noStrike">
+                          <a:solidFill>
+                            <a:srgbClr val="000000"/>
+                          </a:solidFill>
+                          <a:effectLst/>
+                          <a:latin typeface="Calibri" panose="020F0502020204030204" pitchFamily="34" charset="0"/>
+                        </a:rPr>
+                        <a:t>5</a:t>
+                      </a:r>
+                    </a:p>
+                  </a:txBody>
+                  <a:tcPr marL="9525" marR="9525" marT="9525" marB="0" anchor="b">
+                    <a:lnL w="12700" cap="flat" cmpd="sng" algn="ctr">
+                      <a:solidFill>
+                        <a:schemeClr val="tx1"/>
+                      </a:solidFill>
+                      <a:prstDash val="solid"/>
+                      <a:round/>
+                      <a:headEnd type="none" w="med" len="med"/>
+                      <a:tailEnd type="none" w="med" len="med"/>
+                    </a:lnL>
+                    <a:lnR w="12700" cap="flat" cmpd="sng" algn="ctr">
+                      <a:solidFill>
+                        <a:schemeClr val="tx1"/>
+                      </a:solidFill>
+                      <a:prstDash val="solid"/>
+                      <a:round/>
+                      <a:headEnd type="none" w="med" len="med"/>
+                      <a:tailEnd type="none" w="med" len="med"/>
+                    </a:lnR>
+                    <a:lnT w="12700" cap="flat" cmpd="sng" algn="ctr">
+                      <a:solidFill>
+                        <a:schemeClr val="tx1"/>
+                      </a:solidFill>
+                      <a:prstDash val="solid"/>
+                      <a:round/>
+                      <a:headEnd type="none" w="med" len="med"/>
+                      <a:tailEnd type="none" w="med" len="med"/>
+                    </a:lnT>
+                    <a:lnB w="12700" cap="flat" cmpd="sng" algn="ctr">
+                      <a:solidFill>
+                        <a:schemeClr val="tx1"/>
+                      </a:solidFill>
+                      <a:prstDash val="solid"/>
+                      <a:round/>
+                      <a:headEnd type="none" w="med" len="med"/>
+                      <a:tailEnd type="none" w="med" len="med"/>
+                    </a:lnB>
+                  </a:tcPr>
+                </a:tc>
+                <a:extLst>
+                  <a:ext uri="{0D108BD9-81ED-4DB2-BD59-A6C34878D82A}">
+                    <a16:rowId xmlns:a16="http://schemas.microsoft.com/office/drawing/2014/main" val="3892829912"/>
+                  </a:ext>
+                </a:extLst>
+              </a:tr>
+              <a:tr h="211539">
+                <a:tc>
+                  <a:txBody>
+                    <a:bodyPr/>
+                    <a:lstStyle/>
+                    <a:p>
+                      <a:pPr algn="l" fontAlgn="b"/>
+                      <a:r>
+                        <a:rPr lang="en-MY" sz="900" b="1" i="0" u="none" strike="noStrike" dirty="0">
+                          <a:solidFill>
+                            <a:srgbClr val="000000"/>
+                          </a:solidFill>
+                          <a:effectLst/>
+                          <a:latin typeface="Calibri" panose="020F0502020204030204" pitchFamily="34" charset="0"/>
+                        </a:rPr>
                         <a:t>RandomForestGridSearch</a:t>
                       </a:r>
                     </a:p>
@@ -16044,7 +16880,7 @@
                       <a:tailEnd type="none" w="med" len="med"/>
                     </a:lnB>
                     <a:solidFill>
-                      <a:schemeClr val="accent2">
+                      <a:schemeClr val="accent4">
                         <a:lumMod val="20000"/>
                         <a:lumOff val="80000"/>
                       </a:schemeClr>
@@ -16065,7 +16901,7 @@
                           <a:effectLst/>
                           <a:latin typeface="Calibri" panose="020F0502020204030204" pitchFamily="34" charset="0"/>
                         </a:rPr>
-                        <a:t>0.90139</a:t>
+                        <a:t>0.901822</a:t>
                       </a:r>
                     </a:p>
                   </a:txBody>
@@ -16122,7 +16958,7 @@
                           <a:effectLst/>
                           <a:latin typeface="Calibri" panose="020F0502020204030204" pitchFamily="34" charset="0"/>
                         </a:rPr>
-                        <a:t>0.862974</a:t>
+                        <a:t>0.866734</a:t>
                       </a:r>
                     </a:p>
                   </a:txBody>
@@ -16179,7 +17015,7 @@
                           <a:effectLst/>
                           <a:latin typeface="Calibri" panose="020F0502020204030204" pitchFamily="34" charset="0"/>
                         </a:rPr>
-                        <a:t>0.90139</a:t>
+                        <a:t>0.901822</a:t>
                       </a:r>
                     </a:p>
                   </a:txBody>
@@ -16236,7 +17072,7 @@
                           <a:effectLst/>
                           <a:latin typeface="Calibri" panose="020F0502020204030204" pitchFamily="34" charset="0"/>
                         </a:rPr>
-                        <a:t>0.905307</a:t>
+                        <a:t>0.905942</a:t>
                       </a:r>
                     </a:p>
                   </a:txBody>
@@ -16293,7 +17129,7 @@
                           <a:effectLst/>
                           <a:latin typeface="Calibri" panose="020F0502020204030204" pitchFamily="34" charset="0"/>
                         </a:rPr>
-                        <a:t>0.803661</a:t>
+                        <a:t>0.804519</a:t>
                       </a:r>
                     </a:p>
                   </a:txBody>
@@ -16350,7 +17186,7 @@
                           <a:effectLst/>
                           <a:latin typeface="Calibri" panose="020F0502020204030204" pitchFamily="34" charset="0"/>
                         </a:rPr>
-                        <a:t>0.569573</a:t>
+                        <a:t>0.57445</a:t>
                       </a:r>
                     </a:p>
                   </a:txBody>
@@ -16400,14 +17236,14 @@
                     <a:p>
                       <a:pPr algn="r" fontAlgn="b"/>
                       <a:r>
-                        <a:rPr lang="en-MY" sz="900" b="0" i="0" u="none" strike="noStrike">
+                        <a:rPr lang="en-MY" sz="900" b="0" i="0" u="none" strike="noStrike" dirty="0">
                           <a:solidFill>
                             <a:srgbClr val="000000"/>
                           </a:solidFill>
                           <a:effectLst/>
                           <a:latin typeface="Calibri" panose="020F0502020204030204" pitchFamily="34" charset="0"/>
                         </a:rPr>
-                        <a:t>0.899027</a:t>
+                        <a:t>0.899478</a:t>
                       </a:r>
                     </a:p>
                   </a:txBody>
@@ -16457,14 +17293,14 @@
                     <a:p>
                       <a:pPr algn="r" fontAlgn="b"/>
                       <a:r>
-                        <a:rPr lang="en-MY" sz="900" b="0" i="0" u="none" strike="noStrike">
+                        <a:rPr lang="en-MY" sz="900" b="0" i="0" u="none" strike="noStrike" dirty="0">
                           <a:solidFill>
                             <a:srgbClr val="000000"/>
                           </a:solidFill>
                           <a:effectLst/>
                           <a:latin typeface="Calibri" panose="020F0502020204030204" pitchFamily="34" charset="0"/>
                         </a:rPr>
-                        <a:t>0.591781</a:t>
+                        <a:t>0.595628</a:t>
                       </a:r>
                     </a:p>
                   </a:txBody>
@@ -16578,7 +17414,7 @@
                           <a:effectLst/>
                           <a:latin typeface="Calibri" panose="020F0502020204030204" pitchFamily="34" charset="0"/>
                         </a:rPr>
-                        <a:t>50</a:t>
+                        <a:t>48</a:t>
                       </a:r>
                     </a:p>
                   </a:txBody>
@@ -16635,7 +17471,7 @@
                           <a:effectLst/>
                           <a:latin typeface="Calibri" panose="020F0502020204030204" pitchFamily="34" charset="0"/>
                         </a:rPr>
-                        <a:t>216</a:t>
+                        <a:t>218</a:t>
                       </a:r>
                     </a:p>
                   </a:txBody>
@@ -16692,7 +17528,7 @@
                           <a:effectLst/>
                           <a:latin typeface="Calibri" panose="020F0502020204030204" pitchFamily="34" charset="0"/>
                         </a:rPr>
-                        <a:t>-1464000</a:t>
+                        <a:t>-1426000</a:t>
                       </a:r>
                     </a:p>
                   </a:txBody>
@@ -16742,14 +17578,14 @@
                     <a:p>
                       <a:pPr algn="r" fontAlgn="b"/>
                       <a:r>
-                        <a:rPr lang="en-MY" sz="900" b="0" i="0" u="none" strike="noStrike" dirty="0">
+                        <a:rPr lang="en-MY" sz="900" b="0" i="0" u="none" strike="noStrike">
                           <a:solidFill>
                             <a:srgbClr val="000000"/>
                           </a:solidFill>
                           <a:effectLst/>
                           <a:latin typeface="Calibri" panose="020F0502020204030204" pitchFamily="34" charset="0"/>
                         </a:rPr>
-                        <a:t>5</a:t>
+                        <a:t>6</a:t>
                       </a:r>
                     </a:p>
                   </a:txBody>
@@ -16794,7 +17630,7 @@
                 </a:tc>
                 <a:extLst>
                   <a:ext uri="{0D108BD9-81ED-4DB2-BD59-A6C34878D82A}">
-                    <a16:rowId xmlns:a16="http://schemas.microsoft.com/office/drawing/2014/main" val="3892829912"/>
+                    <a16:rowId xmlns:a16="http://schemas.microsoft.com/office/drawing/2014/main" val="77639877"/>
                   </a:ext>
                 </a:extLst>
               </a:tr>
@@ -16806,7 +17642,7 @@
                     <a:p>
                       <a:pPr algn="l" fontAlgn="b"/>
                       <a:r>
-                        <a:rPr lang="en-MY" sz="900" b="1" i="0" u="none" strike="noStrike" dirty="0" err="1">
+                        <a:rPr lang="en-MY" sz="900" b="1" i="0" u="none" strike="noStrike" dirty="0">
                           <a:solidFill>
                             <a:srgbClr val="000000"/>
                           </a:solidFill>
@@ -16815,13 +17651,6 @@
                         </a:rPr>
                         <a:t>LightGBMGridSearchPolyNomial</a:t>
                       </a:r>
-                      <a:endParaRPr lang="en-MY" sz="900" b="1" i="0" u="none" strike="noStrike" dirty="0">
-                        <a:solidFill>
-                          <a:srgbClr val="000000"/>
-                        </a:solidFill>
-                        <a:effectLst/>
-                        <a:latin typeface="Calibri" panose="020F0502020204030204" pitchFamily="34" charset="0"/>
-                      </a:endParaRPr>
                     </a:p>
                   </a:txBody>
                   <a:tcPr marL="9525" marR="9525" marT="9525" marB="0" anchor="b">
@@ -16862,7 +17691,7 @@
                       <a:tailEnd type="none" w="med" len="med"/>
                     </a:lnB>
                     <a:solidFill>
-                      <a:schemeClr val="accent4"/>
+                      <a:srgbClr val="FFC000"/>
                     </a:solidFill>
                   </a:tcPr>
                 </a:tc>
@@ -17272,7 +18101,7 @@
                     <a:p>
                       <a:pPr algn="r" fontAlgn="b"/>
                       <a:r>
-                        <a:rPr lang="en-MY" sz="900" b="0" i="0" u="none" strike="noStrike">
+                        <a:rPr lang="en-MY" sz="900" b="0" i="0" u="none" strike="noStrike" dirty="0">
                           <a:solidFill>
                             <a:srgbClr val="000000"/>
                           </a:solidFill>
@@ -17557,14 +18386,14 @@
                     <a:p>
                       <a:pPr algn="r" fontAlgn="b"/>
                       <a:r>
-                        <a:rPr lang="en-MY" sz="900" b="0" i="0" u="none" strike="noStrike" dirty="0">
+                        <a:rPr lang="en-MY" sz="900" b="0" i="0" u="none" strike="noStrike">
                           <a:solidFill>
                             <a:srgbClr val="000000"/>
                           </a:solidFill>
                           <a:effectLst/>
                           <a:latin typeface="Calibri" panose="020F0502020204030204" pitchFamily="34" charset="0"/>
                         </a:rPr>
-                        <a:t>6</a:t>
+                        <a:t>7</a:t>
                       </a:r>
                     </a:p>
                   </a:txBody>
@@ -17609,7 +18438,7 @@
                 </a:tc>
                 <a:extLst>
                   <a:ext uri="{0D108BD9-81ED-4DB2-BD59-A6C34878D82A}">
-                    <a16:rowId xmlns:a16="http://schemas.microsoft.com/office/drawing/2014/main" val="77639877"/>
+                    <a16:rowId xmlns:a16="http://schemas.microsoft.com/office/drawing/2014/main" val="242588125"/>
                   </a:ext>
                 </a:extLst>
               </a:tr>
@@ -17621,7 +18450,7 @@
                     <a:p>
                       <a:pPr algn="l" fontAlgn="b"/>
                       <a:r>
-                        <a:rPr lang="en-MY" sz="900" b="1" i="0" u="none" strike="noStrike" dirty="0" err="1">
+                        <a:rPr lang="en-MY" sz="900" b="1" i="0" u="none" strike="noStrike" dirty="0">
                           <a:solidFill>
                             <a:srgbClr val="000000"/>
                           </a:solidFill>
@@ -17630,13 +18459,6 @@
                         </a:rPr>
                         <a:t>XGBoostGridSearch</a:t>
                       </a:r>
-                      <a:endParaRPr lang="en-MY" sz="900" b="1" i="0" u="none" strike="noStrike" dirty="0">
-                        <a:solidFill>
-                          <a:srgbClr val="000000"/>
-                        </a:solidFill>
-                        <a:effectLst/>
-                        <a:latin typeface="Calibri" panose="020F0502020204030204" pitchFamily="34" charset="0"/>
-                      </a:endParaRPr>
                     </a:p>
                   </a:txBody>
                   <a:tcPr marL="9525" marR="9525" marT="9525" marB="0" anchor="b">
@@ -17677,7 +18499,7 @@
                       <a:tailEnd type="none" w="med" len="med"/>
                     </a:lnB>
                     <a:solidFill>
-                      <a:schemeClr val="accent2">
+                      <a:schemeClr val="accent4">
                         <a:lumMod val="20000"/>
                         <a:lumOff val="80000"/>
                       </a:schemeClr>
@@ -18147,7 +18969,7 @@
                     <a:p>
                       <a:pPr algn="r" fontAlgn="b"/>
                       <a:r>
-                        <a:rPr lang="en-MY" sz="900" b="0" i="0" u="none" strike="noStrike">
+                        <a:rPr lang="en-MY" sz="900" b="0" i="0" u="none" strike="noStrike" dirty="0">
                           <a:solidFill>
                             <a:srgbClr val="000000"/>
                           </a:solidFill>
@@ -18382,7 +19204,7 @@
                           <a:effectLst/>
                           <a:latin typeface="Calibri" panose="020F0502020204030204" pitchFamily="34" charset="0"/>
                         </a:rPr>
-                        <a:t>7</a:t>
+                        <a:t>8</a:t>
                       </a:r>
                     </a:p>
                   </a:txBody>
@@ -18427,7 +19249,7 @@
                 </a:tc>
                 <a:extLst>
                   <a:ext uri="{0D108BD9-81ED-4DB2-BD59-A6C34878D82A}">
-                    <a16:rowId xmlns:a16="http://schemas.microsoft.com/office/drawing/2014/main" val="242588125"/>
+                    <a16:rowId xmlns:a16="http://schemas.microsoft.com/office/drawing/2014/main" val="3640809626"/>
                   </a:ext>
                 </a:extLst>
               </a:tr>
@@ -18439,7 +19261,7 @@
                     <a:p>
                       <a:pPr algn="l" fontAlgn="b"/>
                       <a:r>
-                        <a:rPr lang="en-MY" sz="900" b="1" i="0" u="none" strike="noStrike">
+                        <a:rPr lang="en-MY" sz="900" b="1" i="0" u="none" strike="noStrike" dirty="0" err="1">
                           <a:solidFill>
                             <a:srgbClr val="000000"/>
                           </a:solidFill>
@@ -18448,6 +19270,13 @@
                         </a:rPr>
                         <a:t>DecisionTree</a:t>
                       </a:r>
+                      <a:endParaRPr lang="en-MY" sz="900" b="1" i="0" u="none" strike="noStrike" dirty="0">
+                        <a:solidFill>
+                          <a:srgbClr val="000000"/>
+                        </a:solidFill>
+                        <a:effectLst/>
+                        <a:latin typeface="Calibri" panose="020F0502020204030204" pitchFamily="34" charset="0"/>
+                      </a:endParaRPr>
                     </a:p>
                   </a:txBody>
                   <a:tcPr marL="9525" marR="9525" marT="9525" marB="0" anchor="b">
@@ -19012,7 +19841,7 @@
                     <a:p>
                       <a:pPr algn="r" fontAlgn="b"/>
                       <a:r>
-                        <a:rPr lang="en-MY" sz="900" b="0" i="0" u="none" strike="noStrike">
+                        <a:rPr lang="en-MY" sz="900" b="0" i="0" u="none" strike="noStrike" dirty="0">
                           <a:solidFill>
                             <a:srgbClr val="000000"/>
                           </a:solidFill>
@@ -19183,14 +20012,14 @@
                     <a:p>
                       <a:pPr algn="r" fontAlgn="b"/>
                       <a:r>
-                        <a:rPr lang="en-MY" sz="900" b="0" i="0" u="none" strike="noStrike" dirty="0">
+                        <a:rPr lang="en-MY" sz="900" b="0" i="0" u="none" strike="noStrike">
                           <a:solidFill>
                             <a:srgbClr val="000000"/>
                           </a:solidFill>
                           <a:effectLst/>
                           <a:latin typeface="Calibri" panose="020F0502020204030204" pitchFamily="34" charset="0"/>
                         </a:rPr>
-                        <a:t>8</a:t>
+                        <a:t>9</a:t>
                       </a:r>
                     </a:p>
                   </a:txBody>
@@ -19235,7 +20064,7 @@
                 </a:tc>
                 <a:extLst>
                   <a:ext uri="{0D108BD9-81ED-4DB2-BD59-A6C34878D82A}">
-                    <a16:rowId xmlns:a16="http://schemas.microsoft.com/office/drawing/2014/main" val="3640809626"/>
+                    <a16:rowId xmlns:a16="http://schemas.microsoft.com/office/drawing/2014/main" val="1994176752"/>
                   </a:ext>
                 </a:extLst>
               </a:tr>
@@ -19247,7 +20076,822 @@
                     <a:p>
                       <a:pPr algn="l" fontAlgn="b"/>
                       <a:r>
-                        <a:rPr lang="en-MY" sz="900" b="1" i="0" u="none" strike="noStrike">
+                        <a:rPr lang="en-MY" sz="900" b="1" i="0" u="none" strike="noStrike" dirty="0" err="1">
+                          <a:solidFill>
+                            <a:srgbClr val="000000"/>
+                          </a:solidFill>
+                          <a:effectLst/>
+                          <a:latin typeface="Calibri" panose="020F0502020204030204" pitchFamily="34" charset="0"/>
+                        </a:rPr>
+                        <a:t>SupportVectorMachine</a:t>
+                      </a:r>
+                      <a:endParaRPr lang="en-MY" sz="900" b="1" i="0" u="none" strike="noStrike" dirty="0">
+                        <a:solidFill>
+                          <a:srgbClr val="000000"/>
+                        </a:solidFill>
+                        <a:effectLst/>
+                        <a:latin typeface="Calibri" panose="020F0502020204030204" pitchFamily="34" charset="0"/>
+                      </a:endParaRPr>
+                    </a:p>
+                  </a:txBody>
+                  <a:tcPr marL="9525" marR="9525" marT="9525" marB="0" anchor="b">
+                    <a:lnL w="12700" cap="flat" cmpd="sng" algn="ctr">
+                      <a:solidFill>
+                        <a:schemeClr val="tx1"/>
+                      </a:solidFill>
+                      <a:prstDash val="solid"/>
+                      <a:round/>
+                      <a:headEnd type="none" w="med" len="med"/>
+                      <a:tailEnd type="none" w="med" len="med"/>
+                    </a:lnL>
+                    <a:lnR w="12700" cap="flat" cmpd="sng" algn="ctr">
+                      <a:solidFill>
+                        <a:schemeClr val="tx1"/>
+                      </a:solidFill>
+                      <a:prstDash val="solid"/>
+                      <a:round/>
+                      <a:headEnd type="none" w="med" len="med"/>
+                      <a:tailEnd type="none" w="med" len="med"/>
+                    </a:lnR>
+                    <a:lnT w="12700" cap="flat" cmpd="sng" algn="ctr">
+                      <a:solidFill>
+                        <a:schemeClr val="tx1"/>
+                      </a:solidFill>
+                      <a:prstDash val="solid"/>
+                      <a:round/>
+                      <a:headEnd type="none" w="med" len="med"/>
+                      <a:tailEnd type="none" w="med" len="med"/>
+                    </a:lnT>
+                    <a:lnB w="12700" cap="flat" cmpd="sng" algn="ctr">
+                      <a:solidFill>
+                        <a:schemeClr val="tx1"/>
+                      </a:solidFill>
+                      <a:prstDash val="solid"/>
+                      <a:round/>
+                      <a:headEnd type="none" w="med" len="med"/>
+                      <a:tailEnd type="none" w="med" len="med"/>
+                    </a:lnB>
+                    <a:solidFill>
+                      <a:schemeClr val="accent4"/>
+                    </a:solidFill>
+                  </a:tcPr>
+                </a:tc>
+                <a:tc>
+                  <a:txBody>
+                    <a:bodyPr/>
+                    <a:lstStyle/>
+                    <a:p>
+                      <a:pPr algn="r" fontAlgn="b"/>
+                      <a:r>
+                        <a:rPr lang="en-MY" sz="900" b="0" i="0" u="none" strike="noStrike">
+                          <a:solidFill>
+                            <a:srgbClr val="000000"/>
+                          </a:solidFill>
+                          <a:effectLst/>
+                          <a:latin typeface="Calibri" panose="020F0502020204030204" pitchFamily="34" charset="0"/>
+                        </a:rPr>
+                        <a:t>0.986141</a:t>
+                      </a:r>
+                    </a:p>
+                  </a:txBody>
+                  <a:tcPr marL="9525" marR="9525" marT="9525" marB="0" anchor="b">
+                    <a:lnL w="12700" cap="flat" cmpd="sng" algn="ctr">
+                      <a:solidFill>
+                        <a:schemeClr val="tx1"/>
+                      </a:solidFill>
+                      <a:prstDash val="solid"/>
+                      <a:round/>
+                      <a:headEnd type="none" w="med" len="med"/>
+                      <a:tailEnd type="none" w="med" len="med"/>
+                    </a:lnL>
+                    <a:lnR w="12700" cap="flat" cmpd="sng" algn="ctr">
+                      <a:solidFill>
+                        <a:schemeClr val="tx1"/>
+                      </a:solidFill>
+                      <a:prstDash val="solid"/>
+                      <a:round/>
+                      <a:headEnd type="none" w="med" len="med"/>
+                      <a:tailEnd type="none" w="med" len="med"/>
+                    </a:lnR>
+                    <a:lnT w="12700" cap="flat" cmpd="sng" algn="ctr">
+                      <a:solidFill>
+                        <a:schemeClr val="tx1"/>
+                      </a:solidFill>
+                      <a:prstDash val="solid"/>
+                      <a:round/>
+                      <a:headEnd type="none" w="med" len="med"/>
+                      <a:tailEnd type="none" w="med" len="med"/>
+                    </a:lnT>
+                    <a:lnB w="12700" cap="flat" cmpd="sng" algn="ctr">
+                      <a:solidFill>
+                        <a:schemeClr val="tx1"/>
+                      </a:solidFill>
+                      <a:prstDash val="solid"/>
+                      <a:round/>
+                      <a:headEnd type="none" w="med" len="med"/>
+                      <a:tailEnd type="none" w="med" len="med"/>
+                    </a:lnB>
+                  </a:tcPr>
+                </a:tc>
+                <a:tc>
+                  <a:txBody>
+                    <a:bodyPr/>
+                    <a:lstStyle/>
+                    <a:p>
+                      <a:pPr algn="r" fontAlgn="b"/>
+                      <a:r>
+                        <a:rPr lang="en-MY" sz="900" b="0" i="0" u="none" strike="noStrike">
+                          <a:solidFill>
+                            <a:srgbClr val="000000"/>
+                          </a:solidFill>
+                          <a:effectLst/>
+                          <a:latin typeface="Calibri" panose="020F0502020204030204" pitchFamily="34" charset="0"/>
+                        </a:rPr>
+                        <a:t>0.733436</a:t>
+                      </a:r>
+                    </a:p>
+                  </a:txBody>
+                  <a:tcPr marL="9525" marR="9525" marT="9525" marB="0" anchor="b">
+                    <a:lnL w="12700" cap="flat" cmpd="sng" algn="ctr">
+                      <a:solidFill>
+                        <a:schemeClr val="tx1"/>
+                      </a:solidFill>
+                      <a:prstDash val="solid"/>
+                      <a:round/>
+                      <a:headEnd type="none" w="med" len="med"/>
+                      <a:tailEnd type="none" w="med" len="med"/>
+                    </a:lnL>
+                    <a:lnR w="12700" cap="flat" cmpd="sng" algn="ctr">
+                      <a:solidFill>
+                        <a:schemeClr val="tx1"/>
+                      </a:solidFill>
+                      <a:prstDash val="solid"/>
+                      <a:round/>
+                      <a:headEnd type="none" w="med" len="med"/>
+                      <a:tailEnd type="none" w="med" len="med"/>
+                    </a:lnR>
+                    <a:lnT w="12700" cap="flat" cmpd="sng" algn="ctr">
+                      <a:solidFill>
+                        <a:schemeClr val="tx1"/>
+                      </a:solidFill>
+                      <a:prstDash val="solid"/>
+                      <a:round/>
+                      <a:headEnd type="none" w="med" len="med"/>
+                      <a:tailEnd type="none" w="med" len="med"/>
+                    </a:lnT>
+                    <a:lnB w="12700" cap="flat" cmpd="sng" algn="ctr">
+                      <a:solidFill>
+                        <a:schemeClr val="tx1"/>
+                      </a:solidFill>
+                      <a:prstDash val="solid"/>
+                      <a:round/>
+                      <a:headEnd type="none" w="med" len="med"/>
+                      <a:tailEnd type="none" w="med" len="med"/>
+                    </a:lnB>
+                  </a:tcPr>
+                </a:tc>
+                <a:tc>
+                  <a:txBody>
+                    <a:bodyPr/>
+                    <a:lstStyle/>
+                    <a:p>
+                      <a:pPr algn="r" fontAlgn="b"/>
+                      <a:r>
+                        <a:rPr lang="en-MY" sz="900" b="0" i="0" u="none" strike="noStrike">
+                          <a:solidFill>
+                            <a:srgbClr val="000000"/>
+                          </a:solidFill>
+                          <a:effectLst/>
+                          <a:latin typeface="Calibri" panose="020F0502020204030204" pitchFamily="34" charset="0"/>
+                        </a:rPr>
+                        <a:t>0.986141</a:t>
+                      </a:r>
+                    </a:p>
+                  </a:txBody>
+                  <a:tcPr marL="9525" marR="9525" marT="9525" marB="0" anchor="b">
+                    <a:lnL w="12700" cap="flat" cmpd="sng" algn="ctr">
+                      <a:solidFill>
+                        <a:schemeClr val="tx1"/>
+                      </a:solidFill>
+                      <a:prstDash val="solid"/>
+                      <a:round/>
+                      <a:headEnd type="none" w="med" len="med"/>
+                      <a:tailEnd type="none" w="med" len="med"/>
+                    </a:lnL>
+                    <a:lnR w="12700" cap="flat" cmpd="sng" algn="ctr">
+                      <a:solidFill>
+                        <a:schemeClr val="tx1"/>
+                      </a:solidFill>
+                      <a:prstDash val="solid"/>
+                      <a:round/>
+                      <a:headEnd type="none" w="med" len="med"/>
+                      <a:tailEnd type="none" w="med" len="med"/>
+                    </a:lnR>
+                    <a:lnT w="12700" cap="flat" cmpd="sng" algn="ctr">
+                      <a:solidFill>
+                        <a:schemeClr val="tx1"/>
+                      </a:solidFill>
+                      <a:prstDash val="solid"/>
+                      <a:round/>
+                      <a:headEnd type="none" w="med" len="med"/>
+                      <a:tailEnd type="none" w="med" len="med"/>
+                    </a:lnT>
+                    <a:lnB w="12700" cap="flat" cmpd="sng" algn="ctr">
+                      <a:solidFill>
+                        <a:schemeClr val="tx1"/>
+                      </a:solidFill>
+                      <a:prstDash val="solid"/>
+                      <a:round/>
+                      <a:headEnd type="none" w="med" len="med"/>
+                      <a:tailEnd type="none" w="med" len="med"/>
+                    </a:lnB>
+                  </a:tcPr>
+                </a:tc>
+                <a:tc>
+                  <a:txBody>
+                    <a:bodyPr/>
+                    <a:lstStyle/>
+                    <a:p>
+                      <a:pPr algn="r" fontAlgn="b"/>
+                      <a:r>
+                        <a:rPr lang="en-MY" sz="900" b="0" i="0" u="none" strike="noStrike">
+                          <a:solidFill>
+                            <a:srgbClr val="000000"/>
+                          </a:solidFill>
+                          <a:effectLst/>
+                          <a:latin typeface="Calibri" panose="020F0502020204030204" pitchFamily="34" charset="0"/>
+                        </a:rPr>
+                        <a:t>0.789959</a:t>
+                      </a:r>
+                    </a:p>
+                  </a:txBody>
+                  <a:tcPr marL="9525" marR="9525" marT="9525" marB="0" anchor="b">
+                    <a:lnL w="12700" cap="flat" cmpd="sng" algn="ctr">
+                      <a:solidFill>
+                        <a:schemeClr val="tx1"/>
+                      </a:solidFill>
+                      <a:prstDash val="solid"/>
+                      <a:round/>
+                      <a:headEnd type="none" w="med" len="med"/>
+                      <a:tailEnd type="none" w="med" len="med"/>
+                    </a:lnL>
+                    <a:lnR w="12700" cap="flat" cmpd="sng" algn="ctr">
+                      <a:solidFill>
+                        <a:schemeClr val="tx1"/>
+                      </a:solidFill>
+                      <a:prstDash val="solid"/>
+                      <a:round/>
+                      <a:headEnd type="none" w="med" len="med"/>
+                      <a:tailEnd type="none" w="med" len="med"/>
+                    </a:lnR>
+                    <a:lnT w="12700" cap="flat" cmpd="sng" algn="ctr">
+                      <a:solidFill>
+                        <a:schemeClr val="tx1"/>
+                      </a:solidFill>
+                      <a:prstDash val="solid"/>
+                      <a:round/>
+                      <a:headEnd type="none" w="med" len="med"/>
+                      <a:tailEnd type="none" w="med" len="med"/>
+                    </a:lnT>
+                    <a:lnB w="12700" cap="flat" cmpd="sng" algn="ctr">
+                      <a:solidFill>
+                        <a:schemeClr val="tx1"/>
+                      </a:solidFill>
+                      <a:prstDash val="solid"/>
+                      <a:round/>
+                      <a:headEnd type="none" w="med" len="med"/>
+                      <a:tailEnd type="none" w="med" len="med"/>
+                    </a:lnB>
+                  </a:tcPr>
+                </a:tc>
+                <a:tc>
+                  <a:txBody>
+                    <a:bodyPr/>
+                    <a:lstStyle/>
+                    <a:p>
+                      <a:pPr algn="r" fontAlgn="b"/>
+                      <a:r>
+                        <a:rPr lang="en-MY" sz="900" b="0" i="0" u="none" strike="noStrike">
+                          <a:solidFill>
+                            <a:srgbClr val="000000"/>
+                          </a:solidFill>
+                          <a:effectLst/>
+                          <a:latin typeface="Calibri" panose="020F0502020204030204" pitchFamily="34" charset="0"/>
+                        </a:rPr>
+                        <a:t>0.97229</a:t>
+                      </a:r>
+                    </a:p>
+                  </a:txBody>
+                  <a:tcPr marL="9525" marR="9525" marT="9525" marB="0" anchor="b">
+                    <a:lnL w="12700" cap="flat" cmpd="sng" algn="ctr">
+                      <a:solidFill>
+                        <a:schemeClr val="tx1"/>
+                      </a:solidFill>
+                      <a:prstDash val="solid"/>
+                      <a:round/>
+                      <a:headEnd type="none" w="med" len="med"/>
+                      <a:tailEnd type="none" w="med" len="med"/>
+                    </a:lnL>
+                    <a:lnR w="12700" cap="flat" cmpd="sng" algn="ctr">
+                      <a:solidFill>
+                        <a:schemeClr val="tx1"/>
+                      </a:solidFill>
+                      <a:prstDash val="solid"/>
+                      <a:round/>
+                      <a:headEnd type="none" w="med" len="med"/>
+                      <a:tailEnd type="none" w="med" len="med"/>
+                    </a:lnR>
+                    <a:lnT w="12700" cap="flat" cmpd="sng" algn="ctr">
+                      <a:solidFill>
+                        <a:schemeClr val="tx1"/>
+                      </a:solidFill>
+                      <a:prstDash val="solid"/>
+                      <a:round/>
+                      <a:headEnd type="none" w="med" len="med"/>
+                      <a:tailEnd type="none" w="med" len="med"/>
+                    </a:lnT>
+                    <a:lnB w="12700" cap="flat" cmpd="sng" algn="ctr">
+                      <a:solidFill>
+                        <a:schemeClr val="tx1"/>
+                      </a:solidFill>
+                      <a:prstDash val="solid"/>
+                      <a:round/>
+                      <a:headEnd type="none" w="med" len="med"/>
+                      <a:tailEnd type="none" w="med" len="med"/>
+                    </a:lnB>
+                  </a:tcPr>
+                </a:tc>
+                <a:tc>
+                  <a:txBody>
+                    <a:bodyPr/>
+                    <a:lstStyle/>
+                    <a:p>
+                      <a:pPr algn="r" fontAlgn="b"/>
+                      <a:r>
+                        <a:rPr lang="en-MY" sz="900" b="0" i="0" u="none" strike="noStrike">
+                          <a:solidFill>
+                            <a:srgbClr val="000000"/>
+                          </a:solidFill>
+                          <a:effectLst/>
+                          <a:latin typeface="Calibri" panose="020F0502020204030204" pitchFamily="34" charset="0"/>
+                        </a:rPr>
+                        <a:t>0.304961</a:t>
+                      </a:r>
+                    </a:p>
+                  </a:txBody>
+                  <a:tcPr marL="9525" marR="9525" marT="9525" marB="0" anchor="b">
+                    <a:lnL w="12700" cap="flat" cmpd="sng" algn="ctr">
+                      <a:solidFill>
+                        <a:schemeClr val="tx1"/>
+                      </a:solidFill>
+                      <a:prstDash val="solid"/>
+                      <a:round/>
+                      <a:headEnd type="none" w="med" len="med"/>
+                      <a:tailEnd type="none" w="med" len="med"/>
+                    </a:lnL>
+                    <a:lnR w="12700" cap="flat" cmpd="sng" algn="ctr">
+                      <a:solidFill>
+                        <a:schemeClr val="tx1"/>
+                      </a:solidFill>
+                      <a:prstDash val="solid"/>
+                      <a:round/>
+                      <a:headEnd type="none" w="med" len="med"/>
+                      <a:tailEnd type="none" w="med" len="med"/>
+                    </a:lnR>
+                    <a:lnT w="12700" cap="flat" cmpd="sng" algn="ctr">
+                      <a:solidFill>
+                        <a:schemeClr val="tx1"/>
+                      </a:solidFill>
+                      <a:prstDash val="solid"/>
+                      <a:round/>
+                      <a:headEnd type="none" w="med" len="med"/>
+                      <a:tailEnd type="none" w="med" len="med"/>
+                    </a:lnT>
+                    <a:lnB w="12700" cap="flat" cmpd="sng" algn="ctr">
+                      <a:solidFill>
+                        <a:schemeClr val="tx1"/>
+                      </a:solidFill>
+                      <a:prstDash val="solid"/>
+                      <a:round/>
+                      <a:headEnd type="none" w="med" len="med"/>
+                      <a:tailEnd type="none" w="med" len="med"/>
+                    </a:lnB>
+                  </a:tcPr>
+                </a:tc>
+                <a:tc>
+                  <a:txBody>
+                    <a:bodyPr/>
+                    <a:lstStyle/>
+                    <a:p>
+                      <a:pPr algn="r" fontAlgn="b"/>
+                      <a:r>
+                        <a:rPr lang="en-MY" sz="900" b="0" i="0" u="none" strike="noStrike">
+                          <a:solidFill>
+                            <a:srgbClr val="000000"/>
+                          </a:solidFill>
+                          <a:effectLst/>
+                          <a:latin typeface="Calibri" panose="020F0502020204030204" pitchFamily="34" charset="0"/>
+                        </a:rPr>
+                        <a:t>0.986168</a:t>
+                      </a:r>
+                    </a:p>
+                  </a:txBody>
+                  <a:tcPr marL="9525" marR="9525" marT="9525" marB="0" anchor="b">
+                    <a:lnL w="12700" cap="flat" cmpd="sng" algn="ctr">
+                      <a:solidFill>
+                        <a:schemeClr val="tx1"/>
+                      </a:solidFill>
+                      <a:prstDash val="solid"/>
+                      <a:round/>
+                      <a:headEnd type="none" w="med" len="med"/>
+                      <a:tailEnd type="none" w="med" len="med"/>
+                    </a:lnL>
+                    <a:lnR w="12700" cap="flat" cmpd="sng" algn="ctr">
+                      <a:solidFill>
+                        <a:schemeClr val="tx1"/>
+                      </a:solidFill>
+                      <a:prstDash val="solid"/>
+                      <a:round/>
+                      <a:headEnd type="none" w="med" len="med"/>
+                      <a:tailEnd type="none" w="med" len="med"/>
+                    </a:lnR>
+                    <a:lnT w="12700" cap="flat" cmpd="sng" algn="ctr">
+                      <a:solidFill>
+                        <a:schemeClr val="tx1"/>
+                      </a:solidFill>
+                      <a:prstDash val="solid"/>
+                      <a:round/>
+                      <a:headEnd type="none" w="med" len="med"/>
+                      <a:tailEnd type="none" w="med" len="med"/>
+                    </a:lnT>
+                    <a:lnB w="12700" cap="flat" cmpd="sng" algn="ctr">
+                      <a:solidFill>
+                        <a:schemeClr val="tx1"/>
+                      </a:solidFill>
+                      <a:prstDash val="solid"/>
+                      <a:round/>
+                      <a:headEnd type="none" w="med" len="med"/>
+                      <a:tailEnd type="none" w="med" len="med"/>
+                    </a:lnB>
+                  </a:tcPr>
+                </a:tc>
+                <a:tc>
+                  <a:txBody>
+                    <a:bodyPr/>
+                    <a:lstStyle/>
+                    <a:p>
+                      <a:pPr algn="r" fontAlgn="b"/>
+                      <a:r>
+                        <a:rPr lang="en-MY" sz="900" b="0" i="0" u="none" strike="noStrike">
+                          <a:solidFill>
+                            <a:srgbClr val="000000"/>
+                          </a:solidFill>
+                          <a:effectLst/>
+                          <a:latin typeface="Calibri" panose="020F0502020204030204" pitchFamily="34" charset="0"/>
+                        </a:rPr>
+                        <a:t>0.348768</a:t>
+                      </a:r>
+                    </a:p>
+                  </a:txBody>
+                  <a:tcPr marL="9525" marR="9525" marT="9525" marB="0" anchor="b">
+                    <a:lnL w="12700" cap="flat" cmpd="sng" algn="ctr">
+                      <a:solidFill>
+                        <a:schemeClr val="tx1"/>
+                      </a:solidFill>
+                      <a:prstDash val="solid"/>
+                      <a:round/>
+                      <a:headEnd type="none" w="med" len="med"/>
+                      <a:tailEnd type="none" w="med" len="med"/>
+                    </a:lnL>
+                    <a:lnR w="12700" cap="flat" cmpd="sng" algn="ctr">
+                      <a:solidFill>
+                        <a:schemeClr val="tx1"/>
+                      </a:solidFill>
+                      <a:prstDash val="solid"/>
+                      <a:round/>
+                      <a:headEnd type="none" w="med" len="med"/>
+                      <a:tailEnd type="none" w="med" len="med"/>
+                    </a:lnR>
+                    <a:lnT w="12700" cap="flat" cmpd="sng" algn="ctr">
+                      <a:solidFill>
+                        <a:schemeClr val="tx1"/>
+                      </a:solidFill>
+                      <a:prstDash val="solid"/>
+                      <a:round/>
+                      <a:headEnd type="none" w="med" len="med"/>
+                      <a:tailEnd type="none" w="med" len="med"/>
+                    </a:lnT>
+                    <a:lnB w="12700" cap="flat" cmpd="sng" algn="ctr">
+                      <a:solidFill>
+                        <a:schemeClr val="tx1"/>
+                      </a:solidFill>
+                      <a:prstDash val="solid"/>
+                      <a:round/>
+                      <a:headEnd type="none" w="med" len="med"/>
+                      <a:tailEnd type="none" w="med" len="med"/>
+                    </a:lnB>
+                  </a:tcPr>
+                </a:tc>
+                <a:tc>
+                  <a:txBody>
+                    <a:bodyPr/>
+                    <a:lstStyle/>
+                    <a:p>
+                      <a:pPr algn="r" fontAlgn="b"/>
+                      <a:r>
+                        <a:rPr lang="en-MY" sz="900" b="0" i="0" u="none" strike="noStrike">
+                          <a:solidFill>
+                            <a:srgbClr val="000000"/>
+                          </a:solidFill>
+                          <a:effectLst/>
+                          <a:latin typeface="Calibri" panose="020F0502020204030204" pitchFamily="34" charset="0"/>
+                        </a:rPr>
+                        <a:t>572</a:t>
+                      </a:r>
+                    </a:p>
+                  </a:txBody>
+                  <a:tcPr marL="9525" marR="9525" marT="9525" marB="0" anchor="b">
+                    <a:lnL w="12700" cap="flat" cmpd="sng" algn="ctr">
+                      <a:solidFill>
+                        <a:schemeClr val="tx1"/>
+                      </a:solidFill>
+                      <a:prstDash val="solid"/>
+                      <a:round/>
+                      <a:headEnd type="none" w="med" len="med"/>
+                      <a:tailEnd type="none" w="med" len="med"/>
+                    </a:lnL>
+                    <a:lnR w="12700" cap="flat" cmpd="sng" algn="ctr">
+                      <a:solidFill>
+                        <a:schemeClr val="tx1"/>
+                      </a:solidFill>
+                      <a:prstDash val="solid"/>
+                      <a:round/>
+                      <a:headEnd type="none" w="med" len="med"/>
+                      <a:tailEnd type="none" w="med" len="med"/>
+                    </a:lnR>
+                    <a:lnT w="12700" cap="flat" cmpd="sng" algn="ctr">
+                      <a:solidFill>
+                        <a:schemeClr val="tx1"/>
+                      </a:solidFill>
+                      <a:prstDash val="solid"/>
+                      <a:round/>
+                      <a:headEnd type="none" w="med" len="med"/>
+                      <a:tailEnd type="none" w="med" len="med"/>
+                    </a:lnT>
+                    <a:lnB w="12700" cap="flat" cmpd="sng" algn="ctr">
+                      <a:solidFill>
+                        <a:schemeClr val="tx1"/>
+                      </a:solidFill>
+                      <a:prstDash val="solid"/>
+                      <a:round/>
+                      <a:headEnd type="none" w="med" len="med"/>
+                      <a:tailEnd type="none" w="med" len="med"/>
+                    </a:lnB>
+                  </a:tcPr>
+                </a:tc>
+                <a:tc>
+                  <a:txBody>
+                    <a:bodyPr/>
+                    <a:lstStyle/>
+                    <a:p>
+                      <a:pPr algn="r" fontAlgn="b"/>
+                      <a:r>
+                        <a:rPr lang="en-MY" sz="900" b="0" i="0" u="none" strike="noStrike" dirty="0">
+                          <a:solidFill>
+                            <a:srgbClr val="000000"/>
+                          </a:solidFill>
+                          <a:effectLst/>
+                          <a:latin typeface="Calibri" panose="020F0502020204030204" pitchFamily="34" charset="0"/>
+                        </a:rPr>
+                        <a:t>89</a:t>
+                      </a:r>
+                    </a:p>
+                  </a:txBody>
+                  <a:tcPr marL="9525" marR="9525" marT="9525" marB="0" anchor="b">
+                    <a:lnL w="12700" cap="flat" cmpd="sng" algn="ctr">
+                      <a:solidFill>
+                        <a:schemeClr val="tx1"/>
+                      </a:solidFill>
+                      <a:prstDash val="solid"/>
+                      <a:round/>
+                      <a:headEnd type="none" w="med" len="med"/>
+                      <a:tailEnd type="none" w="med" len="med"/>
+                    </a:lnL>
+                    <a:lnR w="12700" cap="flat" cmpd="sng" algn="ctr">
+                      <a:solidFill>
+                        <a:schemeClr val="tx1"/>
+                      </a:solidFill>
+                      <a:prstDash val="solid"/>
+                      <a:round/>
+                      <a:headEnd type="none" w="med" len="med"/>
+                      <a:tailEnd type="none" w="med" len="med"/>
+                    </a:lnR>
+                    <a:lnT w="12700" cap="flat" cmpd="sng" algn="ctr">
+                      <a:solidFill>
+                        <a:schemeClr val="tx1"/>
+                      </a:solidFill>
+                      <a:prstDash val="solid"/>
+                      <a:round/>
+                      <a:headEnd type="none" w="med" len="med"/>
+                      <a:tailEnd type="none" w="med" len="med"/>
+                    </a:lnT>
+                    <a:lnB w="12700" cap="flat" cmpd="sng" algn="ctr">
+                      <a:solidFill>
+                        <a:schemeClr val="tx1"/>
+                      </a:solidFill>
+                      <a:prstDash val="solid"/>
+                      <a:round/>
+                      <a:headEnd type="none" w="med" len="med"/>
+                      <a:tailEnd type="none" w="med" len="med"/>
+                    </a:lnB>
+                  </a:tcPr>
+                </a:tc>
+                <a:tc>
+                  <a:txBody>
+                    <a:bodyPr/>
+                    <a:lstStyle/>
+                    <a:p>
+                      <a:pPr algn="r" fontAlgn="b"/>
+                      <a:r>
+                        <a:rPr lang="en-MY" sz="900" b="0" i="0" u="none" strike="noStrike" dirty="0">
+                          <a:solidFill>
+                            <a:srgbClr val="000000"/>
+                          </a:solidFill>
+                          <a:effectLst/>
+                          <a:latin typeface="Calibri" panose="020F0502020204030204" pitchFamily="34" charset="0"/>
+                        </a:rPr>
+                        <a:t>177</a:t>
+                      </a:r>
+                    </a:p>
+                  </a:txBody>
+                  <a:tcPr marL="9525" marR="9525" marT="9525" marB="0" anchor="b">
+                    <a:lnL w="12700" cap="flat" cmpd="sng" algn="ctr">
+                      <a:solidFill>
+                        <a:schemeClr val="tx1"/>
+                      </a:solidFill>
+                      <a:prstDash val="solid"/>
+                      <a:round/>
+                      <a:headEnd type="none" w="med" len="med"/>
+                      <a:tailEnd type="none" w="med" len="med"/>
+                    </a:lnL>
+                    <a:lnR w="12700" cap="flat" cmpd="sng" algn="ctr">
+                      <a:solidFill>
+                        <a:schemeClr val="tx1"/>
+                      </a:solidFill>
+                      <a:prstDash val="solid"/>
+                      <a:round/>
+                      <a:headEnd type="none" w="med" len="med"/>
+                      <a:tailEnd type="none" w="med" len="med"/>
+                    </a:lnR>
+                    <a:lnT w="12700" cap="flat" cmpd="sng" algn="ctr">
+                      <a:solidFill>
+                        <a:schemeClr val="tx1"/>
+                      </a:solidFill>
+                      <a:prstDash val="solid"/>
+                      <a:round/>
+                      <a:headEnd type="none" w="med" len="med"/>
+                      <a:tailEnd type="none" w="med" len="med"/>
+                    </a:lnT>
+                    <a:lnB w="12700" cap="flat" cmpd="sng" algn="ctr">
+                      <a:solidFill>
+                        <a:schemeClr val="tx1"/>
+                      </a:solidFill>
+                      <a:prstDash val="solid"/>
+                      <a:round/>
+                      <a:headEnd type="none" w="med" len="med"/>
+                      <a:tailEnd type="none" w="med" len="med"/>
+                    </a:lnB>
+                  </a:tcPr>
+                </a:tc>
+                <a:tc>
+                  <a:txBody>
+                    <a:bodyPr/>
+                    <a:lstStyle/>
+                    <a:p>
+                      <a:pPr algn="r" fontAlgn="b"/>
+                      <a:r>
+                        <a:rPr lang="en-MY" sz="900" b="0" i="0" u="none" strike="noStrike">
+                          <a:solidFill>
+                            <a:srgbClr val="000000"/>
+                          </a:solidFill>
+                          <a:effectLst/>
+                          <a:latin typeface="Calibri" panose="020F0502020204030204" pitchFamily="34" charset="0"/>
+                        </a:rPr>
+                        <a:t>-2529000</a:t>
+                      </a:r>
+                    </a:p>
+                  </a:txBody>
+                  <a:tcPr marL="9525" marR="9525" marT="9525" marB="0" anchor="b">
+                    <a:lnL w="12700" cap="flat" cmpd="sng" algn="ctr">
+                      <a:solidFill>
+                        <a:schemeClr val="tx1"/>
+                      </a:solidFill>
+                      <a:prstDash val="solid"/>
+                      <a:round/>
+                      <a:headEnd type="none" w="med" len="med"/>
+                      <a:tailEnd type="none" w="med" len="med"/>
+                    </a:lnL>
+                    <a:lnR w="12700" cap="flat" cmpd="sng" algn="ctr">
+                      <a:solidFill>
+                        <a:schemeClr val="tx1"/>
+                      </a:solidFill>
+                      <a:prstDash val="solid"/>
+                      <a:round/>
+                      <a:headEnd type="none" w="med" len="med"/>
+                      <a:tailEnd type="none" w="med" len="med"/>
+                    </a:lnR>
+                    <a:lnT w="12700" cap="flat" cmpd="sng" algn="ctr">
+                      <a:solidFill>
+                        <a:schemeClr val="tx1"/>
+                      </a:solidFill>
+                      <a:prstDash val="solid"/>
+                      <a:round/>
+                      <a:headEnd type="none" w="med" len="med"/>
+                      <a:tailEnd type="none" w="med" len="med"/>
+                    </a:lnT>
+                    <a:lnB w="12700" cap="flat" cmpd="sng" algn="ctr">
+                      <a:solidFill>
+                        <a:schemeClr val="tx1"/>
+                      </a:solidFill>
+                      <a:prstDash val="solid"/>
+                      <a:round/>
+                      <a:headEnd type="none" w="med" len="med"/>
+                      <a:tailEnd type="none" w="med" len="med"/>
+                    </a:lnB>
+                  </a:tcPr>
+                </a:tc>
+                <a:tc>
+                  <a:txBody>
+                    <a:bodyPr/>
+                    <a:lstStyle/>
+                    <a:p>
+                      <a:pPr algn="r" fontAlgn="b"/>
+                      <a:r>
+                        <a:rPr lang="en-MY" sz="900" b="0" i="0" u="none" strike="noStrike">
+                          <a:solidFill>
+                            <a:srgbClr val="000000"/>
+                          </a:solidFill>
+                          <a:effectLst/>
+                          <a:latin typeface="Calibri" panose="020F0502020204030204" pitchFamily="34" charset="0"/>
+                        </a:rPr>
+                        <a:t>10</a:t>
+                      </a:r>
+                    </a:p>
+                  </a:txBody>
+                  <a:tcPr marL="9525" marR="9525" marT="9525" marB="0" anchor="b">
+                    <a:lnL w="12700" cap="flat" cmpd="sng" algn="ctr">
+                      <a:solidFill>
+                        <a:schemeClr val="tx1"/>
+                      </a:solidFill>
+                      <a:prstDash val="solid"/>
+                      <a:round/>
+                      <a:headEnd type="none" w="med" len="med"/>
+                      <a:tailEnd type="none" w="med" len="med"/>
+                    </a:lnL>
+                    <a:lnR w="12700" cap="flat" cmpd="sng" algn="ctr">
+                      <a:solidFill>
+                        <a:schemeClr val="tx1"/>
+                      </a:solidFill>
+                      <a:prstDash val="solid"/>
+                      <a:round/>
+                      <a:headEnd type="none" w="med" len="med"/>
+                      <a:tailEnd type="none" w="med" len="med"/>
+                    </a:lnR>
+                    <a:lnT w="12700" cap="flat" cmpd="sng" algn="ctr">
+                      <a:solidFill>
+                        <a:schemeClr val="tx1"/>
+                      </a:solidFill>
+                      <a:prstDash val="solid"/>
+                      <a:round/>
+                      <a:headEnd type="none" w="med" len="med"/>
+                      <a:tailEnd type="none" w="med" len="med"/>
+                    </a:lnT>
+                    <a:lnB w="12700" cap="flat" cmpd="sng" algn="ctr">
+                      <a:solidFill>
+                        <a:schemeClr val="tx1"/>
+                      </a:solidFill>
+                      <a:prstDash val="solid"/>
+                      <a:round/>
+                      <a:headEnd type="none" w="med" len="med"/>
+                      <a:tailEnd type="none" w="med" len="med"/>
+                    </a:lnB>
+                  </a:tcPr>
+                </a:tc>
+                <a:extLst>
+                  <a:ext uri="{0D108BD9-81ED-4DB2-BD59-A6C34878D82A}">
+                    <a16:rowId xmlns:a16="http://schemas.microsoft.com/office/drawing/2014/main" val="2197108998"/>
+                  </a:ext>
+                </a:extLst>
+              </a:tr>
+              <a:tr h="211539">
+                <a:tc>
+                  <a:txBody>
+                    <a:bodyPr/>
+                    <a:lstStyle/>
+                    <a:p>
+                      <a:pPr algn="l" fontAlgn="b"/>
+                      <a:r>
+                        <a:rPr lang="en-MY" sz="900" b="1" i="0" u="none" strike="noStrike" dirty="0" err="1">
                           <a:solidFill>
                             <a:srgbClr val="000000"/>
                           </a:solidFill>
@@ -19256,6 +20900,13 @@
                         </a:rPr>
                         <a:t>TensorflowMLP</a:t>
                       </a:r>
+                      <a:endParaRPr lang="en-MY" sz="900" b="1" i="0" u="none" strike="noStrike" dirty="0">
+                        <a:solidFill>
+                          <a:srgbClr val="000000"/>
+                        </a:solidFill>
+                        <a:effectLst/>
+                        <a:latin typeface="Calibri" panose="020F0502020204030204" pitchFamily="34" charset="0"/>
+                      </a:endParaRPr>
                     </a:p>
                   </a:txBody>
                   <a:tcPr marL="9525" marR="9525" marT="9525" marB="0" anchor="b">
@@ -19877,7 +21528,7 @@
                     <a:p>
                       <a:pPr algn="r" fontAlgn="b"/>
                       <a:r>
-                        <a:rPr lang="en-MY" sz="900" b="0" i="0" u="none" strike="noStrike">
+                        <a:rPr lang="en-MY" sz="900" b="0" i="0" u="none" strike="noStrike" dirty="0">
                           <a:solidFill>
                             <a:srgbClr val="000000"/>
                           </a:solidFill>
@@ -19885,6 +21536,63 @@
                           <a:latin typeface="Calibri" panose="020F0502020204030204" pitchFamily="34" charset="0"/>
                         </a:rPr>
                         <a:t>214</a:t>
+                      </a:r>
+                    </a:p>
+                  </a:txBody>
+                  <a:tcPr marL="9525" marR="9525" marT="9525" marB="0" anchor="b">
+                    <a:lnL w="12700" cap="flat" cmpd="sng" algn="ctr">
+                      <a:solidFill>
+                        <a:schemeClr val="tx1"/>
+                      </a:solidFill>
+                      <a:prstDash val="solid"/>
+                      <a:round/>
+                      <a:headEnd type="none" w="med" len="med"/>
+                      <a:tailEnd type="none" w="med" len="med"/>
+                    </a:lnL>
+                    <a:lnR w="12700" cap="flat" cmpd="sng" algn="ctr">
+                      <a:solidFill>
+                        <a:schemeClr val="tx1"/>
+                      </a:solidFill>
+                      <a:prstDash val="solid"/>
+                      <a:round/>
+                      <a:headEnd type="none" w="med" len="med"/>
+                      <a:tailEnd type="none" w="med" len="med"/>
+                    </a:lnR>
+                    <a:lnT w="12700" cap="flat" cmpd="sng" algn="ctr">
+                      <a:solidFill>
+                        <a:schemeClr val="tx1"/>
+                      </a:solidFill>
+                      <a:prstDash val="solid"/>
+                      <a:round/>
+                      <a:headEnd type="none" w="med" len="med"/>
+                      <a:tailEnd type="none" w="med" len="med"/>
+                    </a:lnT>
+                    <a:lnB w="12700" cap="flat" cmpd="sng" algn="ctr">
+                      <a:solidFill>
+                        <a:schemeClr val="tx1"/>
+                      </a:solidFill>
+                      <a:prstDash val="solid"/>
+                      <a:round/>
+                      <a:headEnd type="none" w="med" len="med"/>
+                      <a:tailEnd type="none" w="med" len="med"/>
+                    </a:lnB>
+                  </a:tcPr>
+                </a:tc>
+                <a:tc>
+                  <a:txBody>
+                    <a:bodyPr/>
+                    <a:lstStyle/>
+                    <a:p>
+                      <a:pPr algn="r" fontAlgn="b"/>
+                      <a:r>
+                        <a:rPr lang="en-MY" sz="900" b="0" i="0" u="none" strike="noStrike" dirty="0">
+                          <a:solidFill>
+                            <a:srgbClr val="000000"/>
+                          </a:solidFill>
+                          <a:effectLst/>
+                          <a:latin typeface="Calibri" panose="020F0502020204030204" pitchFamily="34" charset="0"/>
+                        </a:rPr>
+                        <a:t>-3090000</a:t>
                       </a:r>
                     </a:p>
                   </a:txBody>
@@ -19941,7 +21649,7 @@
                           <a:effectLst/>
                           <a:latin typeface="Calibri" panose="020F0502020204030204" pitchFamily="34" charset="0"/>
                         </a:rPr>
-                        <a:t>-3090000</a:t>
+                        <a:t>11</a:t>
                       </a:r>
                     </a:p>
                   </a:txBody>
@@ -19984,66 +21692,9 @@
                     </a:lnB>
                   </a:tcPr>
                 </a:tc>
-                <a:tc>
-                  <a:txBody>
-                    <a:bodyPr/>
-                    <a:lstStyle/>
-                    <a:p>
-                      <a:pPr algn="r" fontAlgn="b"/>
-                      <a:r>
-                        <a:rPr lang="en-MY" sz="900" b="0" i="0" u="none" strike="noStrike" dirty="0">
-                          <a:solidFill>
-                            <a:srgbClr val="000000"/>
-                          </a:solidFill>
-                          <a:effectLst/>
-                          <a:latin typeface="Calibri" panose="020F0502020204030204" pitchFamily="34" charset="0"/>
-                        </a:rPr>
-                        <a:t>9</a:t>
-                      </a:r>
-                    </a:p>
-                  </a:txBody>
-                  <a:tcPr marL="9525" marR="9525" marT="9525" marB="0" anchor="b">
-                    <a:lnL w="12700" cap="flat" cmpd="sng" algn="ctr">
-                      <a:solidFill>
-                        <a:schemeClr val="tx1"/>
-                      </a:solidFill>
-                      <a:prstDash val="solid"/>
-                      <a:round/>
-                      <a:headEnd type="none" w="med" len="med"/>
-                      <a:tailEnd type="none" w="med" len="med"/>
-                    </a:lnL>
-                    <a:lnR w="12700" cap="flat" cmpd="sng" algn="ctr">
-                      <a:solidFill>
-                        <a:schemeClr val="tx1"/>
-                      </a:solidFill>
-                      <a:prstDash val="solid"/>
-                      <a:round/>
-                      <a:headEnd type="none" w="med" len="med"/>
-                      <a:tailEnd type="none" w="med" len="med"/>
-                    </a:lnR>
-                    <a:lnT w="12700" cap="flat" cmpd="sng" algn="ctr">
-                      <a:solidFill>
-                        <a:schemeClr val="tx1"/>
-                      </a:solidFill>
-                      <a:prstDash val="solid"/>
-                      <a:round/>
-                      <a:headEnd type="none" w="med" len="med"/>
-                      <a:tailEnd type="none" w="med" len="med"/>
-                    </a:lnT>
-                    <a:lnB w="12700" cap="flat" cmpd="sng" algn="ctr">
-                      <a:solidFill>
-                        <a:schemeClr val="tx1"/>
-                      </a:solidFill>
-                      <a:prstDash val="solid"/>
-                      <a:round/>
-                      <a:headEnd type="none" w="med" len="med"/>
-                      <a:tailEnd type="none" w="med" len="med"/>
-                    </a:lnB>
-                  </a:tcPr>
-                </a:tc>
                 <a:extLst>
                   <a:ext uri="{0D108BD9-81ED-4DB2-BD59-A6C34878D82A}">
-                    <a16:rowId xmlns:a16="http://schemas.microsoft.com/office/drawing/2014/main" val="1994176752"/>
+                    <a16:rowId xmlns:a16="http://schemas.microsoft.com/office/drawing/2014/main" val="3767464674"/>
                   </a:ext>
                 </a:extLst>
               </a:tr>
@@ -20055,7 +21706,7 @@
                     <a:p>
                       <a:pPr algn="l" fontAlgn="b"/>
                       <a:r>
-                        <a:rPr lang="en-MY" sz="900" b="1" i="0" u="none" strike="noStrike">
+                        <a:rPr lang="en-MY" sz="900" b="1" i="0" u="none" strike="noStrike" dirty="0" err="1">
                           <a:solidFill>
                             <a:srgbClr val="000000"/>
                           </a:solidFill>
@@ -20064,6 +21715,13 @@
                         </a:rPr>
                         <a:t>LRegression</a:t>
                       </a:r>
+                      <a:endParaRPr lang="en-MY" sz="900" b="1" i="0" u="none" strike="noStrike" dirty="0">
+                        <a:solidFill>
+                          <a:srgbClr val="000000"/>
+                        </a:solidFill>
+                        <a:effectLst/>
+                        <a:latin typeface="Calibri" panose="020F0502020204030204" pitchFamily="34" charset="0"/>
+                      </a:endParaRPr>
                     </a:p>
                   </a:txBody>
                   <a:tcPr marL="9525" marR="9525" marT="9525" marB="0" anchor="b">
@@ -20122,7 +21780,7 @@
                           <a:effectLst/>
                           <a:latin typeface="Calibri" panose="020F0502020204030204" pitchFamily="34" charset="0"/>
                         </a:rPr>
-                        <a:t>0.636301</a:t>
+                        <a:t>0.939038</a:t>
                       </a:r>
                     </a:p>
                   </a:txBody>
@@ -20179,7 +21837,7 @@
                           <a:effectLst/>
                           <a:latin typeface="Calibri" panose="020F0502020204030204" pitchFamily="34" charset="0"/>
                         </a:rPr>
-                        <a:t>0.615586</a:t>
+                        <a:t>0.666586</a:t>
                       </a:r>
                     </a:p>
                   </a:txBody>
@@ -20236,7 +21894,7 @@
                           <a:effectLst/>
                           <a:latin typeface="Calibri" panose="020F0502020204030204" pitchFamily="34" charset="0"/>
                         </a:rPr>
-                        <a:t>0.636301</a:t>
+                        <a:t>0.939038</a:t>
                       </a:r>
                     </a:p>
                   </a:txBody>
@@ -20293,7 +21951,7 @@
                           <a:effectLst/>
                           <a:latin typeface="Calibri" panose="020F0502020204030204" pitchFamily="34" charset="0"/>
                         </a:rPr>
-                        <a:t>0.721004</a:t>
+                        <a:t>0.848745</a:t>
                       </a:r>
                     </a:p>
                   </a:txBody>
@@ -20350,7 +22008,7 @@
                           <a:effectLst/>
                           <a:latin typeface="Calibri" panose="020F0502020204030204" pitchFamily="34" charset="0"/>
                         </a:rPr>
-                        <a:t>0.279573</a:t>
+                        <a:t>0.879329</a:t>
                       </a:r>
                     </a:p>
                   </a:txBody>
@@ -20407,7 +22065,7 @@
                           <a:effectLst/>
                           <a:latin typeface="Calibri" panose="020F0502020204030204" pitchFamily="34" charset="0"/>
                         </a:rPr>
-                        <a:t>0.143681</a:t>
+                        <a:t>0.265241</a:t>
                       </a:r>
                     </a:p>
                   </a:txBody>
@@ -20464,7 +22122,7 @@
                           <a:effectLst/>
                           <a:latin typeface="Calibri" panose="020F0502020204030204" pitchFamily="34" charset="0"/>
                         </a:rPr>
-                        <a:t>0.590909</a:t>
+                        <a:t>0.940622</a:t>
                       </a:r>
                     </a:p>
                   </a:txBody>
@@ -20521,7 +22179,7 @@
                           <a:effectLst/>
                           <a:latin typeface="Calibri" panose="020F0502020204030204" pitchFamily="34" charset="0"/>
                         </a:rPr>
-                        <a:t>0.228471</a:t>
+                        <a:t>0.333333</a:t>
                       </a:r>
                     </a:p>
                   </a:txBody>
@@ -20578,7 +22236,7 @@
                           <a:effectLst/>
                           <a:latin typeface="Calibri" panose="020F0502020204030204" pitchFamily="34" charset="0"/>
                         </a:rPr>
-                        <a:t>742</a:t>
+                        <a:t>329</a:t>
                       </a:r>
                     </a:p>
                   </a:txBody>
@@ -20635,7 +22293,7 @@
                           <a:effectLst/>
                           <a:latin typeface="Calibri" panose="020F0502020204030204" pitchFamily="34" charset="0"/>
                         </a:rPr>
-                        <a:t>136</a:t>
+                        <a:t>147</a:t>
                       </a:r>
                     </a:p>
                   </a:txBody>
@@ -20692,7 +22350,64 @@
                           <a:effectLst/>
                           <a:latin typeface="Calibri" panose="020F0502020204030204" pitchFamily="34" charset="0"/>
                         </a:rPr>
-                        <a:t>130</a:t>
+                        <a:t>119</a:t>
+                      </a:r>
+                    </a:p>
+                  </a:txBody>
+                  <a:tcPr marL="9525" marR="9525" marT="9525" marB="0" anchor="b">
+                    <a:lnL w="12700" cap="flat" cmpd="sng" algn="ctr">
+                      <a:solidFill>
+                        <a:schemeClr val="tx1"/>
+                      </a:solidFill>
+                      <a:prstDash val="solid"/>
+                      <a:round/>
+                      <a:headEnd type="none" w="med" len="med"/>
+                      <a:tailEnd type="none" w="med" len="med"/>
+                    </a:lnL>
+                    <a:lnR w="12700" cap="flat" cmpd="sng" algn="ctr">
+                      <a:solidFill>
+                        <a:schemeClr val="tx1"/>
+                      </a:solidFill>
+                      <a:prstDash val="solid"/>
+                      <a:round/>
+                      <a:headEnd type="none" w="med" len="med"/>
+                      <a:tailEnd type="none" w="med" len="med"/>
+                    </a:lnR>
+                    <a:lnT w="12700" cap="flat" cmpd="sng" algn="ctr">
+                      <a:solidFill>
+                        <a:schemeClr val="tx1"/>
+                      </a:solidFill>
+                      <a:prstDash val="solid"/>
+                      <a:round/>
+                      <a:headEnd type="none" w="med" len="med"/>
+                      <a:tailEnd type="none" w="med" len="med"/>
+                    </a:lnT>
+                    <a:lnB w="12700" cap="flat" cmpd="sng" algn="ctr">
+                      <a:solidFill>
+                        <a:schemeClr val="tx1"/>
+                      </a:solidFill>
+                      <a:prstDash val="solid"/>
+                      <a:round/>
+                      <a:headEnd type="none" w="med" len="med"/>
+                      <a:tailEnd type="none" w="med" len="med"/>
+                    </a:lnB>
+                  </a:tcPr>
+                </a:tc>
+                <a:tc>
+                  <a:txBody>
+                    <a:bodyPr/>
+                    <a:lstStyle/>
+                    <a:p>
+                      <a:pPr algn="r" fontAlgn="b"/>
+                      <a:r>
+                        <a:rPr lang="en-MY" sz="900" b="0" i="0" u="none" strike="noStrike" dirty="0">
+                          <a:solidFill>
+                            <a:srgbClr val="000000"/>
+                          </a:solidFill>
+                          <a:effectLst/>
+                          <a:latin typeface="Calibri" panose="020F0502020204030204" pitchFamily="34" charset="0"/>
+                        </a:rPr>
+                        <a:t>-3388000</a:t>
                       </a:r>
                     </a:p>
                   </a:txBody>
@@ -20749,7 +22464,7 @@
                           <a:effectLst/>
                           <a:latin typeface="Calibri" panose="020F0502020204030204" pitchFamily="34" charset="0"/>
                         </a:rPr>
-                        <a:t>-3592000</a:t>
+                        <a:t>12</a:t>
                       </a:r>
                     </a:p>
                   </a:txBody>
@@ -20792,66 +22507,9 @@
                     </a:lnB>
                   </a:tcPr>
                 </a:tc>
-                <a:tc>
-                  <a:txBody>
-                    <a:bodyPr/>
-                    <a:lstStyle/>
-                    <a:p>
-                      <a:pPr algn="r" fontAlgn="b"/>
-                      <a:r>
-                        <a:rPr lang="en-MY" sz="900" b="0" i="0" u="none" strike="noStrike" dirty="0">
-                          <a:solidFill>
-                            <a:srgbClr val="000000"/>
-                          </a:solidFill>
-                          <a:effectLst/>
-                          <a:latin typeface="Calibri" panose="020F0502020204030204" pitchFamily="34" charset="0"/>
-                        </a:rPr>
-                        <a:t>10</a:t>
-                      </a:r>
-                    </a:p>
-                  </a:txBody>
-                  <a:tcPr marL="9525" marR="9525" marT="9525" marB="0" anchor="b">
-                    <a:lnL w="12700" cap="flat" cmpd="sng" algn="ctr">
-                      <a:solidFill>
-                        <a:schemeClr val="tx1"/>
-                      </a:solidFill>
-                      <a:prstDash val="solid"/>
-                      <a:round/>
-                      <a:headEnd type="none" w="med" len="med"/>
-                      <a:tailEnd type="none" w="med" len="med"/>
-                    </a:lnL>
-                    <a:lnR w="12700" cap="flat" cmpd="sng" algn="ctr">
-                      <a:solidFill>
-                        <a:schemeClr val="tx1"/>
-                      </a:solidFill>
-                      <a:prstDash val="solid"/>
-                      <a:round/>
-                      <a:headEnd type="none" w="med" len="med"/>
-                      <a:tailEnd type="none" w="med" len="med"/>
-                    </a:lnR>
-                    <a:lnT w="12700" cap="flat" cmpd="sng" algn="ctr">
-                      <a:solidFill>
-                        <a:schemeClr val="tx1"/>
-                      </a:solidFill>
-                      <a:prstDash val="solid"/>
-                      <a:round/>
-                      <a:headEnd type="none" w="med" len="med"/>
-                      <a:tailEnd type="none" w="med" len="med"/>
-                    </a:lnT>
-                    <a:lnB w="12700" cap="flat" cmpd="sng" algn="ctr">
-                      <a:solidFill>
-                        <a:schemeClr val="tx1"/>
-                      </a:solidFill>
-                      <a:prstDash val="solid"/>
-                      <a:round/>
-                      <a:headEnd type="none" w="med" len="med"/>
-                      <a:tailEnd type="none" w="med" len="med"/>
-                    </a:lnB>
-                  </a:tcPr>
-                </a:tc>
                 <a:extLst>
                   <a:ext uri="{0D108BD9-81ED-4DB2-BD59-A6C34878D82A}">
-                    <a16:rowId xmlns:a16="http://schemas.microsoft.com/office/drawing/2014/main" val="2197108998"/>
+                    <a16:rowId xmlns:a16="http://schemas.microsoft.com/office/drawing/2014/main" val="2761671601"/>
                   </a:ext>
                 </a:extLst>
               </a:tr>
@@ -21621,7 +23279,7 @@
                           <a:effectLst/>
                           <a:latin typeface="Calibri" panose="020F0502020204030204" pitchFamily="34" charset="0"/>
                         </a:rPr>
-                        <a:t>11</a:t>
+                        <a:t>13</a:t>
                       </a:r>
                     </a:p>
                   </a:txBody>
@@ -22145,8 +23803,8 @@
         </p:nvSpPr>
         <p:spPr>
           <a:xfrm>
-            <a:off x="4279131" y="3205839"/>
-            <a:ext cx="7755145" cy="2308324"/>
+            <a:off x="4208067" y="3531503"/>
+            <a:ext cx="7974934" cy="2308324"/>
           </a:xfrm>
           <a:prstGeom prst="rect">
             <a:avLst/>
@@ -22161,7 +23819,7 @@
           <a:p>
             <a:r>
               <a:rPr lang="en-MY" sz="1200" dirty="0"/>
-              <a:t>The above table shows total of 11 models being ranked according to their cost (calculation shown on the left side). Since this is an imbalanced dataset, the evaluation matric should not be focusing on Accuracy as it is misleading with the high score as most ‘ok’ category being categorized successfully. Instead, we should look at Matthew Correlation score and F1 score since it penalize False Negatives and False Positives, therefore, a more meaningful gauge for misclassification.</a:t>
+              <a:t>The above table shows total of 13 models being ranked according to their cost (calculation shown on the left side). Since this is an imbalanced dataset, the evaluation matric should not be focusing on Accuracy as it is misleading with the high score as most ‘ok’ category being categorized successfully. Instead, we should look at Matthew Correlation score and F1 score since it penalize False Negatives and False Positives, therefore, a more meaningful gauge for misclassification.</a:t>
             </a:r>
           </a:p>
           <a:p>
@@ -22223,7 +23881,7 @@
             </a:r>
             <a:r>
               <a:rPr lang="en-MY" sz="1200" dirty="0"/>
-              <a:t> model will incurred the least cost and thus it was chosen to predict the Test dataset.</a:t>
+              <a:t> model will incur the least cost and thus it was chosen to predict the Test dataset.</a:t>
             </a:r>
           </a:p>
         </p:txBody>
@@ -22259,7 +23917,7 @@
         </p:blipFill>
         <p:spPr>
           <a:xfrm>
-            <a:off x="5033212" y="848666"/>
+            <a:off x="5111922" y="782306"/>
             <a:ext cx="199501" cy="199501"/>
           </a:xfrm>
           <a:prstGeom prst="rect">
@@ -22281,7 +23939,7 @@
         </p:nvSpPr>
         <p:spPr>
           <a:xfrm>
-            <a:off x="4217063" y="5559847"/>
+            <a:off x="4217062" y="5814323"/>
             <a:ext cx="1989221" cy="369332"/>
           </a:xfrm>
           <a:prstGeom prst="rect">
@@ -22316,7 +23974,7 @@
         </p:nvSpPr>
         <p:spPr>
           <a:xfrm>
-            <a:off x="4217062" y="5888063"/>
+            <a:off x="4208067" y="6158151"/>
             <a:ext cx="7737898" cy="646331"/>
           </a:xfrm>
           <a:prstGeom prst="rect">

--- a/consolidated_answers.pptx
+++ b/consolidated_answers.pptx
@@ -6833,7 +6833,7 @@
           <a:p>
             <a:fld id="{5B59738F-BA60-493E-818C-8226DE26E785}" type="datetimeFigureOut">
               <a:rPr lang="en-MY" smtClean="0"/>
-              <a:t>29/8/2020</a:t>
+              <a:t>4/9/2020</a:t>
             </a:fld>
             <a:endParaRPr lang="en-MY"/>
           </a:p>
@@ -7033,7 +7033,7 @@
           <a:p>
             <a:fld id="{5B59738F-BA60-493E-818C-8226DE26E785}" type="datetimeFigureOut">
               <a:rPr lang="en-MY" smtClean="0"/>
-              <a:t>29/8/2020</a:t>
+              <a:t>4/9/2020</a:t>
             </a:fld>
             <a:endParaRPr lang="en-MY"/>
           </a:p>
@@ -7243,7 +7243,7 @@
           <a:p>
             <a:fld id="{5B59738F-BA60-493E-818C-8226DE26E785}" type="datetimeFigureOut">
               <a:rPr lang="en-MY" smtClean="0"/>
-              <a:t>29/8/2020</a:t>
+              <a:t>4/9/2020</a:t>
             </a:fld>
             <a:endParaRPr lang="en-MY"/>
           </a:p>
@@ -7443,7 +7443,7 @@
           <a:p>
             <a:fld id="{5B59738F-BA60-493E-818C-8226DE26E785}" type="datetimeFigureOut">
               <a:rPr lang="en-MY" smtClean="0"/>
-              <a:t>29/8/2020</a:t>
+              <a:t>4/9/2020</a:t>
             </a:fld>
             <a:endParaRPr lang="en-MY"/>
           </a:p>
@@ -7719,7 +7719,7 @@
           <a:p>
             <a:fld id="{5B59738F-BA60-493E-818C-8226DE26E785}" type="datetimeFigureOut">
               <a:rPr lang="en-MY" smtClean="0"/>
-              <a:t>29/8/2020</a:t>
+              <a:t>4/9/2020</a:t>
             </a:fld>
             <a:endParaRPr lang="en-MY"/>
           </a:p>
@@ -7987,7 +7987,7 @@
           <a:p>
             <a:fld id="{5B59738F-BA60-493E-818C-8226DE26E785}" type="datetimeFigureOut">
               <a:rPr lang="en-MY" smtClean="0"/>
-              <a:t>29/8/2020</a:t>
+              <a:t>4/9/2020</a:t>
             </a:fld>
             <a:endParaRPr lang="en-MY"/>
           </a:p>
@@ -8402,7 +8402,7 @@
           <a:p>
             <a:fld id="{5B59738F-BA60-493E-818C-8226DE26E785}" type="datetimeFigureOut">
               <a:rPr lang="en-MY" smtClean="0"/>
-              <a:t>29/8/2020</a:t>
+              <a:t>4/9/2020</a:t>
             </a:fld>
             <a:endParaRPr lang="en-MY"/>
           </a:p>
@@ -8544,7 +8544,7 @@
           <a:p>
             <a:fld id="{5B59738F-BA60-493E-818C-8226DE26E785}" type="datetimeFigureOut">
               <a:rPr lang="en-MY" smtClean="0"/>
-              <a:t>29/8/2020</a:t>
+              <a:t>4/9/2020</a:t>
             </a:fld>
             <a:endParaRPr lang="en-MY"/>
           </a:p>
@@ -8657,7 +8657,7 @@
           <a:p>
             <a:fld id="{5B59738F-BA60-493E-818C-8226DE26E785}" type="datetimeFigureOut">
               <a:rPr lang="en-MY" smtClean="0"/>
-              <a:t>29/8/2020</a:t>
+              <a:t>4/9/2020</a:t>
             </a:fld>
             <a:endParaRPr lang="en-MY"/>
           </a:p>
@@ -8970,7 +8970,7 @@
           <a:p>
             <a:fld id="{5B59738F-BA60-493E-818C-8226DE26E785}" type="datetimeFigureOut">
               <a:rPr lang="en-MY" smtClean="0"/>
-              <a:t>29/8/2020</a:t>
+              <a:t>4/9/2020</a:t>
             </a:fld>
             <a:endParaRPr lang="en-MY"/>
           </a:p>
@@ -9259,7 +9259,7 @@
           <a:p>
             <a:fld id="{5B59738F-BA60-493E-818C-8226DE26E785}" type="datetimeFigureOut">
               <a:rPr lang="en-MY" smtClean="0"/>
-              <a:t>29/8/2020</a:t>
+              <a:t>4/9/2020</a:t>
             </a:fld>
             <a:endParaRPr lang="en-MY"/>
           </a:p>
@@ -9502,7 +9502,7 @@
           <a:p>
             <a:fld id="{5B59738F-BA60-493E-818C-8226DE26E785}" type="datetimeFigureOut">
               <a:rPr lang="en-MY" smtClean="0"/>
-              <a:t>29/8/2020</a:t>
+              <a:t>4/9/2020</a:t>
             </a:fld>
             <a:endParaRPr lang="en-MY"/>
           </a:p>
@@ -10267,7 +10267,7 @@
         <p:spPr>
           <a:xfrm>
             <a:off x="11461" y="377243"/>
-            <a:ext cx="3317275" cy="369332"/>
+            <a:ext cx="3317275" cy="338554"/>
           </a:xfrm>
           <a:prstGeom prst="rect">
             <a:avLst/>
@@ -10281,7 +10281,7 @@
           <a:lstStyle/>
           <a:p>
             <a:r>
-              <a:rPr lang="en-MY" dirty="0"/>
+              <a:rPr lang="en-MY" sz="1600" dirty="0"/>
               <a:t>1. Missing data:</a:t>
             </a:r>
           </a:p>
@@ -10302,7 +10302,7 @@
         <p:spPr>
           <a:xfrm>
             <a:off x="144466" y="1759789"/>
-            <a:ext cx="3426870" cy="1754326"/>
+            <a:ext cx="3426870" cy="830997"/>
           </a:xfrm>
           <a:prstGeom prst="rect">
             <a:avLst/>
@@ -10321,7 +10321,7 @@
           <a:lstStyle/>
           <a:p>
             <a:r>
-              <a:rPr lang="en-MY" dirty="0"/>
+              <a:rPr lang="en-MY" sz="1200" dirty="0"/>
               <a:t>Missing value is being imputed using the K-Nearest Neighbour Imputer method. This means that the missing data are being filled up with value with similar ‘ID’ and ‘Prod’ values.</a:t>
             </a:r>
           </a:p>
@@ -10341,8 +10341,8 @@
         </p:nvSpPr>
         <p:spPr>
           <a:xfrm>
-            <a:off x="4122669" y="442649"/>
-            <a:ext cx="3317275" cy="369332"/>
+            <a:off x="4092627" y="378406"/>
+            <a:ext cx="3317275" cy="338554"/>
           </a:xfrm>
           <a:prstGeom prst="rect">
             <a:avLst/>
@@ -10356,7 +10356,7 @@
           <a:lstStyle/>
           <a:p>
             <a:r>
-              <a:rPr lang="en-MY" dirty="0"/>
+              <a:rPr lang="en-MY" sz="1600" dirty="0"/>
               <a:t>2. Label Encode string data types:</a:t>
             </a:r>
           </a:p>
@@ -10482,8 +10482,8 @@
         </p:nvSpPr>
         <p:spPr>
           <a:xfrm>
-            <a:off x="8620666" y="2268620"/>
-            <a:ext cx="3317275" cy="646331"/>
+            <a:off x="8566222" y="1584307"/>
+            <a:ext cx="3317275" cy="584775"/>
           </a:xfrm>
           <a:prstGeom prst="rect">
             <a:avLst/>
@@ -10497,7 +10497,7 @@
           <a:lstStyle/>
           <a:p>
             <a:r>
-              <a:rPr lang="en-MY" dirty="0"/>
+              <a:rPr lang="en-MY" sz="1600" dirty="0"/>
               <a:t>4. Mapping Value in ‘Insp’ Column to binary classification:</a:t>
             </a:r>
           </a:p>
@@ -10517,7 +10517,7 @@
         </p:nvSpPr>
         <p:spPr>
           <a:xfrm>
-            <a:off x="9121605" y="2880014"/>
+            <a:off x="9069632" y="2211482"/>
             <a:ext cx="569495" cy="369332"/>
           </a:xfrm>
           <a:prstGeom prst="rect">
@@ -10556,7 +10556,7 @@
         </p:nvSpPr>
         <p:spPr>
           <a:xfrm>
-            <a:off x="9121605" y="3189526"/>
+            <a:off x="9069632" y="2520994"/>
             <a:ext cx="875243" cy="369332"/>
           </a:xfrm>
           <a:prstGeom prst="rect">
@@ -10595,8 +10595,8 @@
         </p:nvSpPr>
         <p:spPr>
           <a:xfrm>
-            <a:off x="8503653" y="442649"/>
-            <a:ext cx="3467017" cy="369332"/>
+            <a:off x="8503653" y="361854"/>
+            <a:ext cx="3467017" cy="338554"/>
           </a:xfrm>
           <a:prstGeom prst="rect">
             <a:avLst/>
@@ -10610,15 +10610,15 @@
           <a:lstStyle/>
           <a:p>
             <a:r>
-              <a:rPr lang="en-MY" dirty="0"/>
+              <a:rPr lang="en-MY" sz="1600" dirty="0"/>
               <a:t>3. Subset ‘Insp’ columns == ‘</a:t>
             </a:r>
             <a:r>
-              <a:rPr lang="en-MY" dirty="0" err="1"/>
+              <a:rPr lang="en-MY" sz="1600" dirty="0" err="1"/>
               <a:t>unkn</a:t>
             </a:r>
             <a:r>
-              <a:rPr lang="en-MY" dirty="0"/>
+              <a:rPr lang="en-MY" sz="1600" dirty="0"/>
               <a:t>’:</a:t>
             </a:r>
           </a:p>
@@ -10638,8 +10638,8 @@
         </p:nvSpPr>
         <p:spPr>
           <a:xfrm>
-            <a:off x="8802355" y="901890"/>
-            <a:ext cx="3168315" cy="1200329"/>
+            <a:off x="8802355" y="839770"/>
+            <a:ext cx="3168315" cy="646331"/>
           </a:xfrm>
           <a:prstGeom prst="rect">
             <a:avLst/>
@@ -10658,15 +10658,15 @@
           <a:lstStyle/>
           <a:p>
             <a:r>
-              <a:rPr lang="en-MY" dirty="0"/>
+              <a:rPr lang="en-MY" sz="1200" dirty="0"/>
               <a:t>The subset data is known as Test dataset. The ‘</a:t>
             </a:r>
             <a:r>
-              <a:rPr lang="en-MY" dirty="0" err="1"/>
+              <a:rPr lang="en-MY" sz="1200" dirty="0" err="1"/>
               <a:t>unkn</a:t>
             </a:r>
             <a:r>
-              <a:rPr lang="en-MY" dirty="0"/>
+              <a:rPr lang="en-MY" sz="1200" dirty="0"/>
               <a:t>’ value will be predicted using models after tuning and evaluation</a:t>
             </a:r>
           </a:p>
@@ -10686,7 +10686,7 @@
         </p:nvSpPr>
         <p:spPr>
           <a:xfrm>
-            <a:off x="9988076" y="2920244"/>
+            <a:off x="9936103" y="2251712"/>
             <a:ext cx="577515" cy="288871"/>
           </a:xfrm>
           <a:prstGeom prst="rightArrow">
@@ -10732,7 +10732,7 @@
         </p:nvSpPr>
         <p:spPr>
           <a:xfrm>
-            <a:off x="9996848" y="3236904"/>
+            <a:off x="9944875" y="2568372"/>
             <a:ext cx="577515" cy="288871"/>
           </a:xfrm>
           <a:prstGeom prst="rightArrow">
@@ -10778,7 +10778,7 @@
         </p:nvSpPr>
         <p:spPr>
           <a:xfrm>
-            <a:off x="10710167" y="2859260"/>
+            <a:off x="10658194" y="2190728"/>
             <a:ext cx="304800" cy="369332"/>
           </a:xfrm>
           <a:prstGeom prst="rect">
@@ -10813,7 +10813,7 @@
         </p:nvSpPr>
         <p:spPr>
           <a:xfrm>
-            <a:off x="10710167" y="3189526"/>
+            <a:off x="10658194" y="2520994"/>
             <a:ext cx="304800" cy="369332"/>
           </a:xfrm>
           <a:prstGeom prst="rect">
@@ -10849,9 +10849,9 @@
           <p:nvPr/>
         </p:nvCxnSpPr>
         <p:spPr>
-          <a:xfrm>
-            <a:off x="11461" y="3783397"/>
-            <a:ext cx="12180539" cy="64331"/>
+          <a:xfrm flipV="1">
+            <a:off x="11460" y="2941831"/>
+            <a:ext cx="12180540" cy="9083"/>
           </a:xfrm>
           <a:prstGeom prst="line">
             <a:avLst/>
@@ -10886,7 +10886,7 @@
         </p:nvSpPr>
         <p:spPr>
           <a:xfrm>
-            <a:off x="11460" y="3815467"/>
+            <a:off x="-38142" y="2965690"/>
             <a:ext cx="2683607" cy="369332"/>
           </a:xfrm>
           <a:prstGeom prst="rect">
@@ -10921,8 +10921,8 @@
         </p:nvSpPr>
         <p:spPr>
           <a:xfrm>
-            <a:off x="11461" y="4172129"/>
-            <a:ext cx="3317275" cy="369332"/>
+            <a:off x="0" y="3229482"/>
+            <a:ext cx="3317275" cy="307777"/>
           </a:xfrm>
           <a:prstGeom prst="rect">
             <a:avLst/>
@@ -10936,42 +10936,12 @@
           <a:lstStyle/>
           <a:p>
             <a:r>
-              <a:rPr lang="en-MY" dirty="0"/>
+              <a:rPr lang="en-MY" sz="1400" dirty="0"/>
               <a:t>1. Adding a new feature column:</a:t>
             </a:r>
           </a:p>
         </p:txBody>
       </p:sp>
-      <p:pic>
-        <p:nvPicPr>
-          <p:cNvPr id="36" name="Picture 35">
-            <a:extLst>
-              <a:ext uri="{FF2B5EF4-FFF2-40B4-BE49-F238E27FC236}">
-                <a16:creationId xmlns:a16="http://schemas.microsoft.com/office/drawing/2014/main" id="{67A9F5D5-AAE3-46BD-A1EC-AA958BD3EFF7}"/>
-              </a:ext>
-            </a:extLst>
-          </p:cNvPr>
-          <p:cNvPicPr>
-            <a:picLocks noChangeAspect="1"/>
-          </p:cNvPicPr>
-          <p:nvPr/>
-        </p:nvPicPr>
-        <p:blipFill>
-          <a:blip r:embed="rId5"/>
-          <a:stretch>
-            <a:fillRect/>
-          </a:stretch>
-        </p:blipFill>
-        <p:spPr>
-          <a:xfrm>
-            <a:off x="637510" y="4574396"/>
-            <a:ext cx="1752600" cy="1581150"/>
-          </a:xfrm>
-          <a:prstGeom prst="rect">
-            <a:avLst/>
-          </a:prstGeom>
-        </p:spPr>
-      </p:pic>
       <p:sp>
         <p:nvSpPr>
           <p:cNvPr id="37" name="TextBox 36">
@@ -10986,7 +10956,7 @@
         </p:nvSpPr>
         <p:spPr>
           <a:xfrm>
-            <a:off x="576144" y="6273938"/>
+            <a:off x="428680" y="4827863"/>
             <a:ext cx="1749961" cy="276999"/>
           </a:xfrm>
           <a:prstGeom prst="rect">
@@ -11006,60 +10976,9 @@
           <a:lstStyle/>
           <a:p>
             <a:r>
-              <a:rPr lang="en-MY" sz="1200" dirty="0" err="1"/>
-              <a:t>unit_price</a:t>
+              <a:rPr lang="en-MY" sz="1200" dirty="0"/>
+              <a:t>Price = Val / Quant</a:t>
             </a:r>
-            <a:r>
-              <a:rPr lang="en-MY" sz="1200" dirty="0"/>
-              <a:t> = Val / Quant</a:t>
-            </a:r>
-          </a:p>
-        </p:txBody>
-      </p:sp>
-      <p:sp>
-        <p:nvSpPr>
-          <p:cNvPr id="38" name="Rectangle 37">
-            <a:extLst>
-              <a:ext uri="{FF2B5EF4-FFF2-40B4-BE49-F238E27FC236}">
-                <a16:creationId xmlns:a16="http://schemas.microsoft.com/office/drawing/2014/main" id="{89882AE1-CAE7-4554-A898-5120B22C55A6}"/>
-              </a:ext>
-            </a:extLst>
-          </p:cNvPr>
-          <p:cNvSpPr/>
-          <p:nvPr/>
-        </p:nvSpPr>
-        <p:spPr>
-          <a:xfrm>
-            <a:off x="1748589" y="4589172"/>
-            <a:ext cx="577516" cy="1523492"/>
-          </a:xfrm>
-          <a:prstGeom prst="rect">
-            <a:avLst/>
-          </a:prstGeom>
-          <a:noFill/>
-        </p:spPr>
-        <p:style>
-          <a:lnRef idx="2">
-            <a:schemeClr val="accent1">
-              <a:shade val="50000"/>
-            </a:schemeClr>
-          </a:lnRef>
-          <a:fillRef idx="1">
-            <a:schemeClr val="accent1"/>
-          </a:fillRef>
-          <a:effectRef idx="0">
-            <a:schemeClr val="accent1"/>
-          </a:effectRef>
-          <a:fontRef idx="minor">
-            <a:schemeClr val="lt1"/>
-          </a:fontRef>
-        </p:style>
-        <p:txBody>
-          <a:bodyPr rtlCol="0" anchor="ctr"/>
-          <a:lstStyle/>
-          <a:p>
-            <a:pPr algn="ctr"/>
-            <a:endParaRPr lang="en-MY"/>
           </a:p>
         </p:txBody>
       </p:sp>
@@ -11077,8 +10996,8 @@
         </p:nvSpPr>
         <p:spPr>
           <a:xfrm>
-            <a:off x="3721976" y="4172129"/>
-            <a:ext cx="4495997" cy="369332"/>
+            <a:off x="3895933" y="4979391"/>
+            <a:ext cx="4495997" cy="307777"/>
           </a:xfrm>
           <a:prstGeom prst="rect">
             <a:avLst/>
@@ -11092,8 +11011,8 @@
           <a:lstStyle/>
           <a:p>
             <a:r>
-              <a:rPr lang="en-MY" dirty="0"/>
-              <a:t>2. SMOTE for imbalanced classified datasets:</a:t>
+              <a:rPr lang="en-MY" sz="1400" dirty="0"/>
+              <a:t>4. SMOTE for imbalanced classified datasets:</a:t>
             </a:r>
           </a:p>
         </p:txBody>
@@ -11112,7 +11031,7 @@
         </p:nvSpPr>
         <p:spPr>
           <a:xfrm>
-            <a:off x="3665975" y="4777613"/>
+            <a:off x="4092627" y="5437120"/>
             <a:ext cx="1335076" cy="430887"/>
           </a:xfrm>
           <a:prstGeom prst="rect">
@@ -11169,7 +11088,7 @@
         </p:nvSpPr>
         <p:spPr>
           <a:xfrm>
-            <a:off x="7210561" y="4997157"/>
+            <a:off x="7376314" y="5644174"/>
             <a:ext cx="137572" cy="191707"/>
           </a:xfrm>
           <a:prstGeom prst="upArrow">
@@ -11223,7 +11142,7 @@
         </p:nvSpPr>
         <p:spPr>
           <a:xfrm>
-            <a:off x="4940968" y="4731258"/>
+            <a:off x="5270898" y="5383059"/>
             <a:ext cx="996585" cy="523599"/>
           </a:xfrm>
           <a:prstGeom prst="rightArrow">
@@ -11272,7 +11191,7 @@
         </p:nvSpPr>
         <p:spPr>
           <a:xfrm>
-            <a:off x="6145370" y="4777613"/>
+            <a:off x="6311123" y="5424630"/>
             <a:ext cx="996584" cy="430887"/>
           </a:xfrm>
           <a:prstGeom prst="rect">
@@ -11329,8 +11248,8 @@
         </p:nvSpPr>
         <p:spPr>
           <a:xfrm>
-            <a:off x="3881495" y="5438777"/>
-            <a:ext cx="3967513" cy="1200329"/>
+            <a:off x="3995297" y="6038383"/>
+            <a:ext cx="3967513" cy="738664"/>
           </a:xfrm>
           <a:prstGeom prst="rect">
             <a:avLst/>
@@ -11349,11 +11268,11 @@
           <a:lstStyle/>
           <a:p>
             <a:r>
-              <a:rPr lang="en-MY" dirty="0"/>
+              <a:rPr lang="en-MY" sz="1400" dirty="0"/>
               <a:t>Synthetic data is being created to boost the number of ‘fraud’ subset dataset to have the same number as ‘ok’ subset </a:t>
             </a:r>
             <a:r>
-              <a:rPr lang="en-MY" dirty="0">
+              <a:rPr lang="en-MY" sz="1400" dirty="0">
                 <a:highlight>
                   <a:srgbClr val="FFFF00"/>
                 </a:highlight>
@@ -11372,13 +11291,15 @@
               </a:ext>
             </a:extLst>
           </p:cNvPr>
-          <p:cNvCxnSpPr/>
+          <p:cNvCxnSpPr>
+            <a:cxnSpLocks/>
+          </p:cNvCxnSpPr>
           <p:nvPr/>
         </p:nvCxnSpPr>
         <p:spPr>
           <a:xfrm>
-            <a:off x="8217973" y="3815467"/>
-            <a:ext cx="0" cy="3042533"/>
+            <a:off x="8217973" y="2950914"/>
+            <a:ext cx="0" cy="3907086"/>
           </a:xfrm>
           <a:prstGeom prst="line">
             <a:avLst/>
@@ -11413,7 +11334,7 @@
         </p:nvSpPr>
         <p:spPr>
           <a:xfrm>
-            <a:off x="8234015" y="3887601"/>
+            <a:off x="8214262" y="2957136"/>
             <a:ext cx="4344500" cy="369332"/>
           </a:xfrm>
           <a:prstGeom prst="rect">
@@ -11448,7 +11369,7 @@
         </p:nvSpPr>
         <p:spPr>
           <a:xfrm>
-            <a:off x="8503653" y="4574396"/>
+            <a:off x="8396861" y="3800176"/>
             <a:ext cx="1381903" cy="369332"/>
           </a:xfrm>
           <a:prstGeom prst="rect">
@@ -11483,7 +11404,7 @@
         </p:nvSpPr>
         <p:spPr>
           <a:xfrm>
-            <a:off x="8503653" y="5367367"/>
+            <a:off x="8396861" y="4593147"/>
             <a:ext cx="1381903" cy="369332"/>
           </a:xfrm>
           <a:prstGeom prst="rect">
@@ -11518,7 +11439,7 @@
         </p:nvSpPr>
         <p:spPr>
           <a:xfrm>
-            <a:off x="9691100" y="4467726"/>
+            <a:off x="9584308" y="3693506"/>
             <a:ext cx="1077724" cy="646331"/>
           </a:xfrm>
           <a:prstGeom prst="rect">
@@ -11553,7 +11474,7 @@
         </p:nvSpPr>
         <p:spPr>
           <a:xfrm>
-            <a:off x="9719735" y="5254857"/>
+            <a:off x="9612943" y="4480637"/>
             <a:ext cx="1077724" cy="646331"/>
           </a:xfrm>
           <a:prstGeom prst="rect">
@@ -11588,7 +11509,7 @@
         </p:nvSpPr>
         <p:spPr>
           <a:xfrm>
-            <a:off x="10797459" y="4642237"/>
+            <a:off x="10690667" y="3868017"/>
             <a:ext cx="1077719" cy="369332"/>
           </a:xfrm>
           <a:prstGeom prst="rect">
@@ -11623,7 +11544,7 @@
         </p:nvSpPr>
         <p:spPr>
           <a:xfrm>
-            <a:off x="10810594" y="5371697"/>
+            <a:off x="10703802" y="4597477"/>
             <a:ext cx="1077719" cy="369332"/>
           </a:xfrm>
           <a:prstGeom prst="rect">
@@ -11658,7 +11579,7 @@
         </p:nvSpPr>
         <p:spPr>
           <a:xfrm>
-            <a:off x="7130353" y="4681196"/>
+            <a:off x="7296106" y="5328213"/>
             <a:ext cx="297987" cy="369332"/>
           </a:xfrm>
           <a:prstGeom prst="rect">
@@ -11676,6 +11597,218 @@
               <a:rPr lang="en-MY" dirty="0"/>
               <a:t>=</a:t>
             </a:r>
+          </a:p>
+        </p:txBody>
+      </p:sp>
+      <p:sp>
+        <p:nvSpPr>
+          <p:cNvPr id="54" name="TextBox 53">
+            <a:extLst>
+              <a:ext uri="{FF2B5EF4-FFF2-40B4-BE49-F238E27FC236}">
+                <a16:creationId xmlns:a16="http://schemas.microsoft.com/office/drawing/2014/main" id="{4F4FC61C-4954-4DA0-8893-2BBB2FD103BC}"/>
+              </a:ext>
+            </a:extLst>
+          </p:cNvPr>
+          <p:cNvSpPr txBox="1"/>
+          <p:nvPr/>
+        </p:nvSpPr>
+        <p:spPr>
+          <a:xfrm>
+            <a:off x="-18682" y="5152289"/>
+            <a:ext cx="3317275" cy="523220"/>
+          </a:xfrm>
+          <a:prstGeom prst="rect">
+            <a:avLst/>
+          </a:prstGeom>
+          <a:noFill/>
+        </p:spPr>
+        <p:txBody>
+          <a:bodyPr wrap="square" rtlCol="0">
+            <a:spAutoFit/>
+          </a:bodyPr>
+          <a:lstStyle/>
+          <a:p>
+            <a:r>
+              <a:rPr lang="en-MY" sz="1400" dirty="0"/>
+              <a:t>2. Normalization using standard scaler of Quant, Val and Price :</a:t>
+            </a:r>
+          </a:p>
+        </p:txBody>
+      </p:sp>
+      <p:pic>
+        <p:nvPicPr>
+          <p:cNvPr id="29" name="Picture 28">
+            <a:extLst>
+              <a:ext uri="{FF2B5EF4-FFF2-40B4-BE49-F238E27FC236}">
+                <a16:creationId xmlns:a16="http://schemas.microsoft.com/office/drawing/2014/main" id="{FD07DFA6-29E5-4448-B3B0-47C8933A42B4}"/>
+              </a:ext>
+            </a:extLst>
+          </p:cNvPr>
+          <p:cNvPicPr>
+            <a:picLocks noChangeAspect="1"/>
+          </p:cNvPicPr>
+          <p:nvPr/>
+        </p:nvPicPr>
+        <p:blipFill>
+          <a:blip r:embed="rId5"/>
+          <a:stretch>
+            <a:fillRect/>
+          </a:stretch>
+        </p:blipFill>
+        <p:spPr>
+          <a:xfrm>
+            <a:off x="490214" y="5697545"/>
+            <a:ext cx="1743708" cy="1037719"/>
+          </a:xfrm>
+          <a:prstGeom prst="rect">
+            <a:avLst/>
+          </a:prstGeom>
+        </p:spPr>
+      </p:pic>
+      <p:sp>
+        <p:nvSpPr>
+          <p:cNvPr id="55" name="TextBox 54">
+            <a:extLst>
+              <a:ext uri="{FF2B5EF4-FFF2-40B4-BE49-F238E27FC236}">
+                <a16:creationId xmlns:a16="http://schemas.microsoft.com/office/drawing/2014/main" id="{6A675101-B618-44B5-9D70-71BE5BFE3D55}"/>
+              </a:ext>
+            </a:extLst>
+          </p:cNvPr>
+          <p:cNvSpPr txBox="1"/>
+          <p:nvPr/>
+        </p:nvSpPr>
+        <p:spPr>
+          <a:xfrm>
+            <a:off x="3941155" y="3283844"/>
+            <a:ext cx="4021655" cy="523220"/>
+          </a:xfrm>
+          <a:prstGeom prst="rect">
+            <a:avLst/>
+          </a:prstGeom>
+          <a:noFill/>
+        </p:spPr>
+        <p:txBody>
+          <a:bodyPr wrap="square" rtlCol="0">
+            <a:spAutoFit/>
+          </a:bodyPr>
+          <a:lstStyle/>
+          <a:p>
+            <a:r>
+              <a:rPr lang="en-MY" sz="1400" dirty="0"/>
+              <a:t>3. Aggregate mean of Quant, Val and Price, through grouping ID and Prod columns :</a:t>
+            </a:r>
+          </a:p>
+        </p:txBody>
+      </p:sp>
+      <p:pic>
+        <p:nvPicPr>
+          <p:cNvPr id="31" name="Picture 30">
+            <a:extLst>
+              <a:ext uri="{FF2B5EF4-FFF2-40B4-BE49-F238E27FC236}">
+                <a16:creationId xmlns:a16="http://schemas.microsoft.com/office/drawing/2014/main" id="{9B3B6F44-8F6F-48DF-88D6-E0A8A1F3DF25}"/>
+              </a:ext>
+            </a:extLst>
+          </p:cNvPr>
+          <p:cNvPicPr>
+            <a:picLocks noChangeAspect="1"/>
+          </p:cNvPicPr>
+          <p:nvPr/>
+        </p:nvPicPr>
+        <p:blipFill>
+          <a:blip r:embed="rId6"/>
+          <a:stretch>
+            <a:fillRect/>
+          </a:stretch>
+        </p:blipFill>
+        <p:spPr>
+          <a:xfrm>
+            <a:off x="4243947" y="3866431"/>
+            <a:ext cx="3144919" cy="1048306"/>
+          </a:xfrm>
+          <a:prstGeom prst="rect">
+            <a:avLst/>
+          </a:prstGeom>
+        </p:spPr>
+      </p:pic>
+      <p:pic>
+        <p:nvPicPr>
+          <p:cNvPr id="41" name="Picture 40">
+            <a:extLst>
+              <a:ext uri="{FF2B5EF4-FFF2-40B4-BE49-F238E27FC236}">
+                <a16:creationId xmlns:a16="http://schemas.microsoft.com/office/drawing/2014/main" id="{E81C2CE7-1EB0-485E-8B95-2CA20F03A7FD}"/>
+              </a:ext>
+            </a:extLst>
+          </p:cNvPr>
+          <p:cNvPicPr>
+            <a:picLocks noChangeAspect="1"/>
+          </p:cNvPicPr>
+          <p:nvPr/>
+        </p:nvPicPr>
+        <p:blipFill>
+          <a:blip r:embed="rId7"/>
+          <a:stretch>
+            <a:fillRect/>
+          </a:stretch>
+        </p:blipFill>
+        <p:spPr>
+          <a:xfrm>
+            <a:off x="115587" y="3582486"/>
+            <a:ext cx="3086100" cy="1200150"/>
+          </a:xfrm>
+          <a:prstGeom prst="rect">
+            <a:avLst/>
+          </a:prstGeom>
+        </p:spPr>
+      </p:pic>
+      <p:sp>
+        <p:nvSpPr>
+          <p:cNvPr id="38" name="Rectangle 37">
+            <a:extLst>
+              <a:ext uri="{FF2B5EF4-FFF2-40B4-BE49-F238E27FC236}">
+                <a16:creationId xmlns:a16="http://schemas.microsoft.com/office/drawing/2014/main" id="{89882AE1-CAE7-4554-A898-5120B22C55A6}"/>
+              </a:ext>
+            </a:extLst>
+          </p:cNvPr>
+          <p:cNvSpPr/>
+          <p:nvPr/>
+        </p:nvSpPr>
+        <p:spPr>
+          <a:xfrm>
+            <a:off x="2512815" y="3563096"/>
+            <a:ext cx="726620" cy="1285440"/>
+          </a:xfrm>
+          <a:prstGeom prst="rect">
+            <a:avLst/>
+          </a:prstGeom>
+          <a:noFill/>
+          <a:ln>
+            <a:solidFill>
+              <a:srgbClr val="FF0000"/>
+            </a:solidFill>
+          </a:ln>
+        </p:spPr>
+        <p:style>
+          <a:lnRef idx="2">
+            <a:schemeClr val="accent1">
+              <a:shade val="50000"/>
+            </a:schemeClr>
+          </a:lnRef>
+          <a:fillRef idx="1">
+            <a:schemeClr val="accent1"/>
+          </a:fillRef>
+          <a:effectRef idx="0">
+            <a:schemeClr val="accent1"/>
+          </a:effectRef>
+          <a:fontRef idx="minor">
+            <a:schemeClr val="lt1"/>
+          </a:fontRef>
+        </p:style>
+        <p:txBody>
+          <a:bodyPr rtlCol="0" anchor="ctr"/>
+          <a:lstStyle/>
+          <a:p>
+            <a:pPr algn="ctr"/>
+            <a:endParaRPr lang="en-MY"/>
           </a:p>
         </p:txBody>
       </p:sp>
@@ -11753,14 +11886,14 @@
           <p:nvPr>
             <p:extLst>
               <p:ext uri="{D42A27DB-BD31-4B8C-83A1-F6EECF244321}">
-                <p14:modId xmlns:p14="http://schemas.microsoft.com/office/powerpoint/2010/main" val="3111433550"/>
+                <p14:modId xmlns:p14="http://schemas.microsoft.com/office/powerpoint/2010/main" val="1682539804"/>
               </p:ext>
             </p:extLst>
           </p:nvPr>
         </p:nvGraphicFramePr>
         <p:xfrm>
           <a:off x="4297133" y="423986"/>
-          <a:ext cx="7764375" cy="3099047"/>
+          <a:ext cx="7764375" cy="2887508"/>
         </p:xfrm>
         <a:graphic>
           <a:graphicData uri="http://schemas.openxmlformats.org/drawingml/2006/table">
@@ -12763,7 +12896,7 @@
                     <a:p>
                       <a:pPr algn="l" fontAlgn="b"/>
                       <a:r>
-                        <a:rPr lang="en-MY" sz="900" b="1" i="0" u="none" strike="noStrike" dirty="0" err="1">
+                        <a:rPr lang="en-MY" sz="900" b="0" i="0" u="none" strike="noStrike" dirty="0" err="1">
                           <a:solidFill>
                             <a:srgbClr val="000000"/>
                           </a:solidFill>
@@ -12772,7 +12905,7 @@
                         </a:rPr>
                         <a:t>RandomForest</a:t>
                       </a:r>
-                      <a:endParaRPr lang="en-MY" sz="900" b="1" i="0" u="none" strike="noStrike" dirty="0">
+                      <a:endParaRPr lang="en-MY" sz="900" b="0" i="0" u="none" strike="noStrike" dirty="0">
                         <a:solidFill>
                           <a:srgbClr val="000000"/>
                         </a:solidFill>
@@ -13229,7 +13362,7 @@
                     <a:p>
                       <a:pPr algn="r" fontAlgn="b"/>
                       <a:r>
-                        <a:rPr lang="en-MY" sz="900" b="0" i="0" u="none" strike="noStrike">
+                        <a:rPr lang="en-MY" sz="900" b="0" i="0" u="none" strike="noStrike" dirty="0">
                           <a:solidFill>
                             <a:srgbClr val="000000"/>
                           </a:solidFill>
@@ -13286,7 +13419,7 @@
                     <a:p>
                       <a:pPr algn="r" fontAlgn="b"/>
                       <a:r>
-                        <a:rPr lang="en-MY" sz="900" b="0" i="0" u="none" strike="noStrike">
+                        <a:rPr lang="en-MY" sz="900" b="0" i="0" u="none" strike="noStrike" dirty="0">
                           <a:solidFill>
                             <a:srgbClr val="000000"/>
                           </a:solidFill>
@@ -13343,7 +13476,7 @@
                     <a:p>
                       <a:pPr algn="r" fontAlgn="b"/>
                       <a:r>
-                        <a:rPr lang="en-MY" sz="900" b="0" i="0" u="none" strike="noStrike">
+                        <a:rPr lang="en-MY" sz="900" b="0" i="0" u="none" strike="noStrike" dirty="0">
                           <a:solidFill>
                             <a:srgbClr val="000000"/>
                           </a:solidFill>
@@ -13457,7 +13590,7 @@
                     <a:p>
                       <a:pPr algn="r" fontAlgn="b"/>
                       <a:r>
-                        <a:rPr lang="en-MY" sz="900" b="0" i="0" u="none" strike="noStrike">
+                        <a:rPr lang="en-MY" sz="900" b="0" i="0" u="none" strike="noStrike" dirty="0">
                           <a:solidFill>
                             <a:srgbClr val="000000"/>
                           </a:solidFill>
@@ -13578,7 +13711,1630 @@
                     <a:p>
                       <a:pPr algn="l" fontAlgn="b"/>
                       <a:r>
-                        <a:rPr lang="en-MY" sz="900" b="1" i="0" u="none" strike="noStrike" dirty="0" err="1">
+                        <a:rPr lang="en-MY" sz="900" b="0" i="0" u="none" strike="noStrike" dirty="0" err="1">
+                          <a:solidFill>
+                            <a:srgbClr val="000000"/>
+                          </a:solidFill>
+                          <a:effectLst/>
+                          <a:latin typeface="Calibri" panose="020F0502020204030204" pitchFamily="34" charset="0"/>
+                        </a:rPr>
+                        <a:t>XGBoostOptimized</a:t>
+                      </a:r>
+                      <a:endParaRPr lang="en-MY" sz="900" b="0" i="0" u="none" strike="noStrike" dirty="0">
+                        <a:solidFill>
+                          <a:srgbClr val="000000"/>
+                        </a:solidFill>
+                        <a:effectLst/>
+                        <a:latin typeface="Calibri" panose="020F0502020204030204" pitchFamily="34" charset="0"/>
+                      </a:endParaRPr>
+                    </a:p>
+                  </a:txBody>
+                  <a:tcPr marL="9525" marR="9525" marT="9525" marB="0" anchor="b">
+                    <a:lnL w="12700" cap="flat" cmpd="sng" algn="ctr">
+                      <a:solidFill>
+                        <a:schemeClr val="tx1"/>
+                      </a:solidFill>
+                      <a:prstDash val="solid"/>
+                      <a:round/>
+                      <a:headEnd type="none" w="med" len="med"/>
+                      <a:tailEnd type="none" w="med" len="med"/>
+                    </a:lnL>
+                    <a:lnR w="12700" cap="flat" cmpd="sng" algn="ctr">
+                      <a:solidFill>
+                        <a:schemeClr val="tx1"/>
+                      </a:solidFill>
+                      <a:prstDash val="solid"/>
+                      <a:round/>
+                      <a:headEnd type="none" w="med" len="med"/>
+                      <a:tailEnd type="none" w="med" len="med"/>
+                    </a:lnR>
+                    <a:lnT w="12700" cap="flat" cmpd="sng" algn="ctr">
+                      <a:solidFill>
+                        <a:schemeClr val="tx1"/>
+                      </a:solidFill>
+                      <a:prstDash val="solid"/>
+                      <a:round/>
+                      <a:headEnd type="none" w="med" len="med"/>
+                      <a:tailEnd type="none" w="med" len="med"/>
+                    </a:lnT>
+                    <a:lnB w="12700" cap="flat" cmpd="sng" algn="ctr">
+                      <a:solidFill>
+                        <a:schemeClr val="tx1"/>
+                      </a:solidFill>
+                      <a:prstDash val="solid"/>
+                      <a:round/>
+                      <a:headEnd type="none" w="med" len="med"/>
+                      <a:tailEnd type="none" w="med" len="med"/>
+                    </a:lnB>
+                    <a:solidFill>
+                      <a:schemeClr val="accent4"/>
+                    </a:solidFill>
+                  </a:tcPr>
+                </a:tc>
+                <a:tc>
+                  <a:txBody>
+                    <a:bodyPr/>
+                    <a:lstStyle/>
+                    <a:p>
+                      <a:pPr algn="r" fontAlgn="b"/>
+                      <a:r>
+                        <a:rPr lang="en-MY" sz="900" b="0" i="0" u="none" strike="noStrike" dirty="0">
+                          <a:solidFill>
+                            <a:srgbClr val="000000"/>
+                          </a:solidFill>
+                          <a:effectLst/>
+                          <a:latin typeface="Calibri" panose="020F0502020204030204" pitchFamily="34" charset="0"/>
+                        </a:rPr>
+                        <a:t>0.999957</a:t>
+                      </a:r>
+                    </a:p>
+                  </a:txBody>
+                  <a:tcPr marL="9525" marR="9525" marT="9525" marB="0" anchor="b">
+                    <a:lnL w="12700" cap="flat" cmpd="sng" algn="ctr">
+                      <a:solidFill>
+                        <a:schemeClr val="tx1"/>
+                      </a:solidFill>
+                      <a:prstDash val="solid"/>
+                      <a:round/>
+                      <a:headEnd type="none" w="med" len="med"/>
+                      <a:tailEnd type="none" w="med" len="med"/>
+                    </a:lnL>
+                    <a:lnR w="12700" cap="flat" cmpd="sng" algn="ctr">
+                      <a:solidFill>
+                        <a:schemeClr val="tx1"/>
+                      </a:solidFill>
+                      <a:prstDash val="solid"/>
+                      <a:round/>
+                      <a:headEnd type="none" w="med" len="med"/>
+                      <a:tailEnd type="none" w="med" len="med"/>
+                    </a:lnR>
+                    <a:lnT w="12700" cap="flat" cmpd="sng" algn="ctr">
+                      <a:solidFill>
+                        <a:schemeClr val="tx1"/>
+                      </a:solidFill>
+                      <a:prstDash val="solid"/>
+                      <a:round/>
+                      <a:headEnd type="none" w="med" len="med"/>
+                      <a:tailEnd type="none" w="med" len="med"/>
+                    </a:lnT>
+                    <a:lnB w="12700" cap="flat" cmpd="sng" algn="ctr">
+                      <a:solidFill>
+                        <a:schemeClr val="tx1"/>
+                      </a:solidFill>
+                      <a:prstDash val="solid"/>
+                      <a:round/>
+                      <a:headEnd type="none" w="med" len="med"/>
+                      <a:tailEnd type="none" w="med" len="med"/>
+                    </a:lnB>
+                  </a:tcPr>
+                </a:tc>
+                <a:tc>
+                  <a:txBody>
+                    <a:bodyPr/>
+                    <a:lstStyle/>
+                    <a:p>
+                      <a:pPr algn="r" fontAlgn="b"/>
+                      <a:r>
+                        <a:rPr lang="en-MY" sz="900" b="0" i="0" u="none" strike="noStrike">
+                          <a:solidFill>
+                            <a:srgbClr val="000000"/>
+                          </a:solidFill>
+                          <a:effectLst/>
+                          <a:latin typeface="Calibri" panose="020F0502020204030204" pitchFamily="34" charset="0"/>
+                        </a:rPr>
+                        <a:t>0.904018</a:t>
+                      </a:r>
+                    </a:p>
+                  </a:txBody>
+                  <a:tcPr marL="9525" marR="9525" marT="9525" marB="0" anchor="b">
+                    <a:lnL w="12700" cap="flat" cmpd="sng" algn="ctr">
+                      <a:solidFill>
+                        <a:schemeClr val="tx1"/>
+                      </a:solidFill>
+                      <a:prstDash val="solid"/>
+                      <a:round/>
+                      <a:headEnd type="none" w="med" len="med"/>
+                      <a:tailEnd type="none" w="med" len="med"/>
+                    </a:lnL>
+                    <a:lnR w="12700" cap="flat" cmpd="sng" algn="ctr">
+                      <a:solidFill>
+                        <a:schemeClr val="tx1"/>
+                      </a:solidFill>
+                      <a:prstDash val="solid"/>
+                      <a:round/>
+                      <a:headEnd type="none" w="med" len="med"/>
+                      <a:tailEnd type="none" w="med" len="med"/>
+                    </a:lnR>
+                    <a:lnT w="12700" cap="flat" cmpd="sng" algn="ctr">
+                      <a:solidFill>
+                        <a:schemeClr val="tx1"/>
+                      </a:solidFill>
+                      <a:prstDash val="solid"/>
+                      <a:round/>
+                      <a:headEnd type="none" w="med" len="med"/>
+                      <a:tailEnd type="none" w="med" len="med"/>
+                    </a:lnT>
+                    <a:lnB w="12700" cap="flat" cmpd="sng" algn="ctr">
+                      <a:solidFill>
+                        <a:schemeClr val="tx1"/>
+                      </a:solidFill>
+                      <a:prstDash val="solid"/>
+                      <a:round/>
+                      <a:headEnd type="none" w="med" len="med"/>
+                      <a:tailEnd type="none" w="med" len="med"/>
+                    </a:lnB>
+                  </a:tcPr>
+                </a:tc>
+                <a:tc>
+                  <a:txBody>
+                    <a:bodyPr/>
+                    <a:lstStyle/>
+                    <a:p>
+                      <a:pPr algn="r" fontAlgn="b"/>
+                      <a:r>
+                        <a:rPr lang="en-MY" sz="900" b="0" i="0" u="none" strike="noStrike">
+                          <a:solidFill>
+                            <a:srgbClr val="000000"/>
+                          </a:solidFill>
+                          <a:effectLst/>
+                          <a:latin typeface="Calibri" panose="020F0502020204030204" pitchFamily="34" charset="0"/>
+                        </a:rPr>
+                        <a:t>0.999957</a:t>
+                      </a:r>
+                    </a:p>
+                  </a:txBody>
+                  <a:tcPr marL="9525" marR="9525" marT="9525" marB="0" anchor="b">
+                    <a:lnL w="12700" cap="flat" cmpd="sng" algn="ctr">
+                      <a:solidFill>
+                        <a:schemeClr val="tx1"/>
+                      </a:solidFill>
+                      <a:prstDash val="solid"/>
+                      <a:round/>
+                      <a:headEnd type="none" w="med" len="med"/>
+                      <a:tailEnd type="none" w="med" len="med"/>
+                    </a:lnL>
+                    <a:lnR w="12700" cap="flat" cmpd="sng" algn="ctr">
+                      <a:solidFill>
+                        <a:schemeClr val="tx1"/>
+                      </a:solidFill>
+                      <a:prstDash val="solid"/>
+                      <a:round/>
+                      <a:headEnd type="none" w="med" len="med"/>
+                      <a:tailEnd type="none" w="med" len="med"/>
+                    </a:lnR>
+                    <a:lnT w="12700" cap="flat" cmpd="sng" algn="ctr">
+                      <a:solidFill>
+                        <a:schemeClr val="tx1"/>
+                      </a:solidFill>
+                      <a:prstDash val="solid"/>
+                      <a:round/>
+                      <a:headEnd type="none" w="med" len="med"/>
+                      <a:tailEnd type="none" w="med" len="med"/>
+                    </a:lnT>
+                    <a:lnB w="12700" cap="flat" cmpd="sng" algn="ctr">
+                      <a:solidFill>
+                        <a:schemeClr val="tx1"/>
+                      </a:solidFill>
+                      <a:prstDash val="solid"/>
+                      <a:round/>
+                      <a:headEnd type="none" w="med" len="med"/>
+                      <a:tailEnd type="none" w="med" len="med"/>
+                    </a:lnB>
+                  </a:tcPr>
+                </a:tc>
+                <a:tc>
+                  <a:txBody>
+                    <a:bodyPr/>
+                    <a:lstStyle/>
+                    <a:p>
+                      <a:pPr algn="r" fontAlgn="b"/>
+                      <a:r>
+                        <a:rPr lang="en-MY" sz="900" b="0" i="0" u="none" strike="noStrike">
+                          <a:solidFill>
+                            <a:srgbClr val="000000"/>
+                          </a:solidFill>
+                          <a:effectLst/>
+                          <a:latin typeface="Calibri" panose="020F0502020204030204" pitchFamily="34" charset="0"/>
+                        </a:rPr>
+                        <a:t>0.971084</a:t>
+                      </a:r>
+                    </a:p>
+                  </a:txBody>
+                  <a:tcPr marL="9525" marR="9525" marT="9525" marB="0" anchor="b">
+                    <a:lnL w="12700" cap="flat" cmpd="sng" algn="ctr">
+                      <a:solidFill>
+                        <a:schemeClr val="tx1"/>
+                      </a:solidFill>
+                      <a:prstDash val="solid"/>
+                      <a:round/>
+                      <a:headEnd type="none" w="med" len="med"/>
+                      <a:tailEnd type="none" w="med" len="med"/>
+                    </a:lnL>
+                    <a:lnR w="12700" cap="flat" cmpd="sng" algn="ctr">
+                      <a:solidFill>
+                        <a:schemeClr val="tx1"/>
+                      </a:solidFill>
+                      <a:prstDash val="solid"/>
+                      <a:round/>
+                      <a:headEnd type="none" w="med" len="med"/>
+                      <a:tailEnd type="none" w="med" len="med"/>
+                    </a:lnR>
+                    <a:lnT w="12700" cap="flat" cmpd="sng" algn="ctr">
+                      <a:solidFill>
+                        <a:schemeClr val="tx1"/>
+                      </a:solidFill>
+                      <a:prstDash val="solid"/>
+                      <a:round/>
+                      <a:headEnd type="none" w="med" len="med"/>
+                      <a:tailEnd type="none" w="med" len="med"/>
+                    </a:lnT>
+                    <a:lnB w="12700" cap="flat" cmpd="sng" algn="ctr">
+                      <a:solidFill>
+                        <a:schemeClr val="tx1"/>
+                      </a:solidFill>
+                      <a:prstDash val="solid"/>
+                      <a:round/>
+                      <a:headEnd type="none" w="med" len="med"/>
+                      <a:tailEnd type="none" w="med" len="med"/>
+                    </a:lnB>
+                  </a:tcPr>
+                </a:tc>
+                <a:tc>
+                  <a:txBody>
+                    <a:bodyPr/>
+                    <a:lstStyle/>
+                    <a:p>
+                      <a:pPr algn="r" fontAlgn="b"/>
+                      <a:r>
+                        <a:rPr lang="en-MY" sz="900" b="0" i="0" u="none" strike="noStrike">
+                          <a:solidFill>
+                            <a:srgbClr val="000000"/>
+                          </a:solidFill>
+                          <a:effectLst/>
+                          <a:latin typeface="Calibri" panose="020F0502020204030204" pitchFamily="34" charset="0"/>
+                        </a:rPr>
+                        <a:t>0.999914</a:t>
+                      </a:r>
+                    </a:p>
+                  </a:txBody>
+                  <a:tcPr marL="9525" marR="9525" marT="9525" marB="0" anchor="b">
+                    <a:lnL w="12700" cap="flat" cmpd="sng" algn="ctr">
+                      <a:solidFill>
+                        <a:schemeClr val="tx1"/>
+                      </a:solidFill>
+                      <a:prstDash val="solid"/>
+                      <a:round/>
+                      <a:headEnd type="none" w="med" len="med"/>
+                      <a:tailEnd type="none" w="med" len="med"/>
+                    </a:lnL>
+                    <a:lnR w="12700" cap="flat" cmpd="sng" algn="ctr">
+                      <a:solidFill>
+                        <a:schemeClr val="tx1"/>
+                      </a:solidFill>
+                      <a:prstDash val="solid"/>
+                      <a:round/>
+                      <a:headEnd type="none" w="med" len="med"/>
+                      <a:tailEnd type="none" w="med" len="med"/>
+                    </a:lnR>
+                    <a:lnT w="12700" cap="flat" cmpd="sng" algn="ctr">
+                      <a:solidFill>
+                        <a:schemeClr val="tx1"/>
+                      </a:solidFill>
+                      <a:prstDash val="solid"/>
+                      <a:round/>
+                      <a:headEnd type="none" w="med" len="med"/>
+                      <a:tailEnd type="none" w="med" len="med"/>
+                    </a:lnT>
+                    <a:lnB w="12700" cap="flat" cmpd="sng" algn="ctr">
+                      <a:solidFill>
+                        <a:schemeClr val="tx1"/>
+                      </a:solidFill>
+                      <a:prstDash val="solid"/>
+                      <a:round/>
+                      <a:headEnd type="none" w="med" len="med"/>
+                      <a:tailEnd type="none" w="med" len="med"/>
+                    </a:lnB>
+                  </a:tcPr>
+                </a:tc>
+                <a:tc>
+                  <a:txBody>
+                    <a:bodyPr/>
+                    <a:lstStyle/>
+                    <a:p>
+                      <a:pPr algn="r" fontAlgn="b"/>
+                      <a:r>
+                        <a:rPr lang="en-MY" sz="900" b="0" i="0" u="none" strike="noStrike">
+                          <a:solidFill>
+                            <a:srgbClr val="000000"/>
+                          </a:solidFill>
+                          <a:effectLst/>
+                          <a:latin typeface="Calibri" panose="020F0502020204030204" pitchFamily="34" charset="0"/>
+                        </a:rPr>
+                        <a:t>0.812209</a:t>
+                      </a:r>
+                    </a:p>
+                  </a:txBody>
+                  <a:tcPr marL="9525" marR="9525" marT="9525" marB="0" anchor="b">
+                    <a:lnL w="12700" cap="flat" cmpd="sng" algn="ctr">
+                      <a:solidFill>
+                        <a:schemeClr val="tx1"/>
+                      </a:solidFill>
+                      <a:prstDash val="solid"/>
+                      <a:round/>
+                      <a:headEnd type="none" w="med" len="med"/>
+                      <a:tailEnd type="none" w="med" len="med"/>
+                    </a:lnL>
+                    <a:lnR w="12700" cap="flat" cmpd="sng" algn="ctr">
+                      <a:solidFill>
+                        <a:schemeClr val="tx1"/>
+                      </a:solidFill>
+                      <a:prstDash val="solid"/>
+                      <a:round/>
+                      <a:headEnd type="none" w="med" len="med"/>
+                      <a:tailEnd type="none" w="med" len="med"/>
+                    </a:lnR>
+                    <a:lnT w="12700" cap="flat" cmpd="sng" algn="ctr">
+                      <a:solidFill>
+                        <a:schemeClr val="tx1"/>
+                      </a:solidFill>
+                      <a:prstDash val="solid"/>
+                      <a:round/>
+                      <a:headEnd type="none" w="med" len="med"/>
+                      <a:tailEnd type="none" w="med" len="med"/>
+                    </a:lnT>
+                    <a:lnB w="12700" cap="flat" cmpd="sng" algn="ctr">
+                      <a:solidFill>
+                        <a:schemeClr val="tx1"/>
+                      </a:solidFill>
+                      <a:prstDash val="solid"/>
+                      <a:round/>
+                      <a:headEnd type="none" w="med" len="med"/>
+                      <a:tailEnd type="none" w="med" len="med"/>
+                    </a:lnB>
+                  </a:tcPr>
+                </a:tc>
+                <a:tc>
+                  <a:txBody>
+                    <a:bodyPr/>
+                    <a:lstStyle/>
+                    <a:p>
+                      <a:pPr algn="r" fontAlgn="b"/>
+                      <a:r>
+                        <a:rPr lang="en-MY" sz="900" b="0" i="0" u="none" strike="noStrike">
+                          <a:solidFill>
+                            <a:srgbClr val="000000"/>
+                          </a:solidFill>
+                          <a:effectLst/>
+                          <a:latin typeface="Calibri" panose="020F0502020204030204" pitchFamily="34" charset="0"/>
+                        </a:rPr>
+                        <a:t>0.999957</a:t>
+                      </a:r>
+                    </a:p>
+                  </a:txBody>
+                  <a:tcPr marL="9525" marR="9525" marT="9525" marB="0" anchor="b">
+                    <a:lnL w="12700" cap="flat" cmpd="sng" algn="ctr">
+                      <a:solidFill>
+                        <a:schemeClr val="tx1"/>
+                      </a:solidFill>
+                      <a:prstDash val="solid"/>
+                      <a:round/>
+                      <a:headEnd type="none" w="med" len="med"/>
+                      <a:tailEnd type="none" w="med" len="med"/>
+                    </a:lnL>
+                    <a:lnR w="12700" cap="flat" cmpd="sng" algn="ctr">
+                      <a:solidFill>
+                        <a:schemeClr val="tx1"/>
+                      </a:solidFill>
+                      <a:prstDash val="solid"/>
+                      <a:round/>
+                      <a:headEnd type="none" w="med" len="med"/>
+                      <a:tailEnd type="none" w="med" len="med"/>
+                    </a:lnR>
+                    <a:lnT w="12700" cap="flat" cmpd="sng" algn="ctr">
+                      <a:solidFill>
+                        <a:schemeClr val="tx1"/>
+                      </a:solidFill>
+                      <a:prstDash val="solid"/>
+                      <a:round/>
+                      <a:headEnd type="none" w="med" len="med"/>
+                      <a:tailEnd type="none" w="med" len="med"/>
+                    </a:lnT>
+                    <a:lnB w="12700" cap="flat" cmpd="sng" algn="ctr">
+                      <a:solidFill>
+                        <a:schemeClr val="tx1"/>
+                      </a:solidFill>
+                      <a:prstDash val="solid"/>
+                      <a:round/>
+                      <a:headEnd type="none" w="med" len="med"/>
+                      <a:tailEnd type="none" w="med" len="med"/>
+                    </a:lnB>
+                  </a:tcPr>
+                </a:tc>
+                <a:tc>
+                  <a:txBody>
+                    <a:bodyPr/>
+                    <a:lstStyle/>
+                    <a:p>
+                      <a:pPr algn="r" fontAlgn="b"/>
+                      <a:r>
+                        <a:rPr lang="en-MY" sz="900" b="0" i="0" u="none" strike="noStrike">
+                          <a:solidFill>
+                            <a:srgbClr val="000000"/>
+                          </a:solidFill>
+                          <a:effectLst/>
+                          <a:latin typeface="Calibri" panose="020F0502020204030204" pitchFamily="34" charset="0"/>
+                        </a:rPr>
+                        <a:t>0.827977</a:t>
+                      </a:r>
+                    </a:p>
+                  </a:txBody>
+                  <a:tcPr marL="9525" marR="9525" marT="9525" marB="0" anchor="b">
+                    <a:lnL w="12700" cap="flat" cmpd="sng" algn="ctr">
+                      <a:solidFill>
+                        <a:schemeClr val="tx1"/>
+                      </a:solidFill>
+                      <a:prstDash val="solid"/>
+                      <a:round/>
+                      <a:headEnd type="none" w="med" len="med"/>
+                      <a:tailEnd type="none" w="med" len="med"/>
+                    </a:lnL>
+                    <a:lnR w="12700" cap="flat" cmpd="sng" algn="ctr">
+                      <a:solidFill>
+                        <a:schemeClr val="tx1"/>
+                      </a:solidFill>
+                      <a:prstDash val="solid"/>
+                      <a:round/>
+                      <a:headEnd type="none" w="med" len="med"/>
+                      <a:tailEnd type="none" w="med" len="med"/>
+                    </a:lnR>
+                    <a:lnT w="12700" cap="flat" cmpd="sng" algn="ctr">
+                      <a:solidFill>
+                        <a:schemeClr val="tx1"/>
+                      </a:solidFill>
+                      <a:prstDash val="solid"/>
+                      <a:round/>
+                      <a:headEnd type="none" w="med" len="med"/>
+                      <a:tailEnd type="none" w="med" len="med"/>
+                    </a:lnT>
+                    <a:lnB w="12700" cap="flat" cmpd="sng" algn="ctr">
+                      <a:solidFill>
+                        <a:schemeClr val="tx1"/>
+                      </a:solidFill>
+                      <a:prstDash val="solid"/>
+                      <a:round/>
+                      <a:headEnd type="none" w="med" len="med"/>
+                      <a:tailEnd type="none" w="med" len="med"/>
+                    </a:lnB>
+                  </a:tcPr>
+                </a:tc>
+                <a:tc>
+                  <a:txBody>
+                    <a:bodyPr/>
+                    <a:lstStyle/>
+                    <a:p>
+                      <a:pPr algn="r" fontAlgn="b"/>
+                      <a:r>
+                        <a:rPr lang="en-MY" sz="900" b="0" i="0" u="none" strike="noStrike">
+                          <a:solidFill>
+                            <a:srgbClr val="000000"/>
+                          </a:solidFill>
+                          <a:effectLst/>
+                          <a:latin typeface="Calibri" panose="020F0502020204030204" pitchFamily="34" charset="0"/>
+                        </a:rPr>
+                        <a:t>44</a:t>
+                      </a:r>
+                    </a:p>
+                  </a:txBody>
+                  <a:tcPr marL="9525" marR="9525" marT="9525" marB="0" anchor="b">
+                    <a:lnL w="12700" cap="flat" cmpd="sng" algn="ctr">
+                      <a:solidFill>
+                        <a:schemeClr val="tx1"/>
+                      </a:solidFill>
+                      <a:prstDash val="solid"/>
+                      <a:round/>
+                      <a:headEnd type="none" w="med" len="med"/>
+                      <a:tailEnd type="none" w="med" len="med"/>
+                    </a:lnL>
+                    <a:lnR w="12700" cap="flat" cmpd="sng" algn="ctr">
+                      <a:solidFill>
+                        <a:schemeClr val="tx1"/>
+                      </a:solidFill>
+                      <a:prstDash val="solid"/>
+                      <a:round/>
+                      <a:headEnd type="none" w="med" len="med"/>
+                      <a:tailEnd type="none" w="med" len="med"/>
+                    </a:lnR>
+                    <a:lnT w="12700" cap="flat" cmpd="sng" algn="ctr">
+                      <a:solidFill>
+                        <a:schemeClr val="tx1"/>
+                      </a:solidFill>
+                      <a:prstDash val="solid"/>
+                      <a:round/>
+                      <a:headEnd type="none" w="med" len="med"/>
+                      <a:tailEnd type="none" w="med" len="med"/>
+                    </a:lnT>
+                    <a:lnB w="12700" cap="flat" cmpd="sng" algn="ctr">
+                      <a:solidFill>
+                        <a:schemeClr val="tx1"/>
+                      </a:solidFill>
+                      <a:prstDash val="solid"/>
+                      <a:round/>
+                      <a:headEnd type="none" w="med" len="med"/>
+                      <a:tailEnd type="none" w="med" len="med"/>
+                    </a:lnB>
+                  </a:tcPr>
+                </a:tc>
+                <a:tc>
+                  <a:txBody>
+                    <a:bodyPr/>
+                    <a:lstStyle/>
+                    <a:p>
+                      <a:pPr algn="r" fontAlgn="b"/>
+                      <a:r>
+                        <a:rPr lang="en-MY" sz="900" b="0" i="0" u="none" strike="noStrike" dirty="0">
+                          <a:solidFill>
+                            <a:srgbClr val="000000"/>
+                          </a:solidFill>
+                          <a:effectLst/>
+                          <a:latin typeface="Calibri" panose="020F0502020204030204" pitchFamily="34" charset="0"/>
+                        </a:rPr>
+                        <a:t>47</a:t>
+                      </a:r>
+                    </a:p>
+                  </a:txBody>
+                  <a:tcPr marL="9525" marR="9525" marT="9525" marB="0" anchor="b">
+                    <a:lnL w="12700" cap="flat" cmpd="sng" algn="ctr">
+                      <a:solidFill>
+                        <a:schemeClr val="tx1"/>
+                      </a:solidFill>
+                      <a:prstDash val="solid"/>
+                      <a:round/>
+                      <a:headEnd type="none" w="med" len="med"/>
+                      <a:tailEnd type="none" w="med" len="med"/>
+                    </a:lnL>
+                    <a:lnR w="12700" cap="flat" cmpd="sng" algn="ctr">
+                      <a:solidFill>
+                        <a:schemeClr val="tx1"/>
+                      </a:solidFill>
+                      <a:prstDash val="solid"/>
+                      <a:round/>
+                      <a:headEnd type="none" w="med" len="med"/>
+                      <a:tailEnd type="none" w="med" len="med"/>
+                    </a:lnR>
+                    <a:lnT w="12700" cap="flat" cmpd="sng" algn="ctr">
+                      <a:solidFill>
+                        <a:schemeClr val="tx1"/>
+                      </a:solidFill>
+                      <a:prstDash val="solid"/>
+                      <a:round/>
+                      <a:headEnd type="none" w="med" len="med"/>
+                      <a:tailEnd type="none" w="med" len="med"/>
+                    </a:lnT>
+                    <a:lnB w="12700" cap="flat" cmpd="sng" algn="ctr">
+                      <a:solidFill>
+                        <a:schemeClr val="tx1"/>
+                      </a:solidFill>
+                      <a:prstDash val="solid"/>
+                      <a:round/>
+                      <a:headEnd type="none" w="med" len="med"/>
+                      <a:tailEnd type="none" w="med" len="med"/>
+                    </a:lnB>
+                  </a:tcPr>
+                </a:tc>
+                <a:tc>
+                  <a:txBody>
+                    <a:bodyPr/>
+                    <a:lstStyle/>
+                    <a:p>
+                      <a:pPr algn="r" fontAlgn="b"/>
+                      <a:r>
+                        <a:rPr lang="en-MY" sz="900" b="0" i="0" u="none" strike="noStrike" dirty="0">
+                          <a:solidFill>
+                            <a:srgbClr val="000000"/>
+                          </a:solidFill>
+                          <a:effectLst/>
+                          <a:latin typeface="Calibri" panose="020F0502020204030204" pitchFamily="34" charset="0"/>
+                        </a:rPr>
+                        <a:t>219</a:t>
+                      </a:r>
+                    </a:p>
+                  </a:txBody>
+                  <a:tcPr marL="9525" marR="9525" marT="9525" marB="0" anchor="b">
+                    <a:lnL w="12700" cap="flat" cmpd="sng" algn="ctr">
+                      <a:solidFill>
+                        <a:schemeClr val="tx1"/>
+                      </a:solidFill>
+                      <a:prstDash val="solid"/>
+                      <a:round/>
+                      <a:headEnd type="none" w="med" len="med"/>
+                      <a:tailEnd type="none" w="med" len="med"/>
+                    </a:lnL>
+                    <a:lnR w="12700" cap="flat" cmpd="sng" algn="ctr">
+                      <a:solidFill>
+                        <a:schemeClr val="tx1"/>
+                      </a:solidFill>
+                      <a:prstDash val="solid"/>
+                      <a:round/>
+                      <a:headEnd type="none" w="med" len="med"/>
+                      <a:tailEnd type="none" w="med" len="med"/>
+                    </a:lnR>
+                    <a:lnT w="12700" cap="flat" cmpd="sng" algn="ctr">
+                      <a:solidFill>
+                        <a:schemeClr val="tx1"/>
+                      </a:solidFill>
+                      <a:prstDash val="solid"/>
+                      <a:round/>
+                      <a:headEnd type="none" w="med" len="med"/>
+                      <a:tailEnd type="none" w="med" len="med"/>
+                    </a:lnT>
+                    <a:lnB w="12700" cap="flat" cmpd="sng" algn="ctr">
+                      <a:solidFill>
+                        <a:schemeClr val="tx1"/>
+                      </a:solidFill>
+                      <a:prstDash val="solid"/>
+                      <a:round/>
+                      <a:headEnd type="none" w="med" len="med"/>
+                      <a:tailEnd type="none" w="med" len="med"/>
+                    </a:lnB>
+                  </a:tcPr>
+                </a:tc>
+                <a:tc>
+                  <a:txBody>
+                    <a:bodyPr/>
+                    <a:lstStyle/>
+                    <a:p>
+                      <a:pPr algn="r" fontAlgn="b"/>
+                      <a:r>
+                        <a:rPr lang="en-MY" sz="900" b="0" i="0" u="none" strike="noStrike" dirty="0">
+                          <a:solidFill>
+                            <a:srgbClr val="000000"/>
+                          </a:solidFill>
+                          <a:effectLst/>
+                          <a:latin typeface="Calibri" panose="020F0502020204030204" pitchFamily="34" charset="0"/>
+                        </a:rPr>
+                        <a:t>-1203000</a:t>
+                      </a:r>
+                    </a:p>
+                  </a:txBody>
+                  <a:tcPr marL="9525" marR="9525" marT="9525" marB="0" anchor="b">
+                    <a:lnL w="12700" cap="flat" cmpd="sng" algn="ctr">
+                      <a:solidFill>
+                        <a:schemeClr val="tx1"/>
+                      </a:solidFill>
+                      <a:prstDash val="solid"/>
+                      <a:round/>
+                      <a:headEnd type="none" w="med" len="med"/>
+                      <a:tailEnd type="none" w="med" len="med"/>
+                    </a:lnL>
+                    <a:lnR w="12700" cap="flat" cmpd="sng" algn="ctr">
+                      <a:solidFill>
+                        <a:schemeClr val="tx1"/>
+                      </a:solidFill>
+                      <a:prstDash val="solid"/>
+                      <a:round/>
+                      <a:headEnd type="none" w="med" len="med"/>
+                      <a:tailEnd type="none" w="med" len="med"/>
+                    </a:lnR>
+                    <a:lnT w="12700" cap="flat" cmpd="sng" algn="ctr">
+                      <a:solidFill>
+                        <a:schemeClr val="tx1"/>
+                      </a:solidFill>
+                      <a:prstDash val="solid"/>
+                      <a:round/>
+                      <a:headEnd type="none" w="med" len="med"/>
+                      <a:tailEnd type="none" w="med" len="med"/>
+                    </a:lnT>
+                    <a:lnB w="12700" cap="flat" cmpd="sng" algn="ctr">
+                      <a:solidFill>
+                        <a:schemeClr val="tx1"/>
+                      </a:solidFill>
+                      <a:prstDash val="solid"/>
+                      <a:round/>
+                      <a:headEnd type="none" w="med" len="med"/>
+                      <a:tailEnd type="none" w="med" len="med"/>
+                    </a:lnB>
+                  </a:tcPr>
+                </a:tc>
+                <a:tc>
+                  <a:txBody>
+                    <a:bodyPr/>
+                    <a:lstStyle/>
+                    <a:p>
+                      <a:pPr algn="r" fontAlgn="b"/>
+                      <a:r>
+                        <a:rPr lang="en-MY" sz="900" b="0" i="0" u="none" strike="noStrike">
+                          <a:solidFill>
+                            <a:srgbClr val="000000"/>
+                          </a:solidFill>
+                          <a:effectLst/>
+                          <a:latin typeface="Calibri" panose="020F0502020204030204" pitchFamily="34" charset="0"/>
+                        </a:rPr>
+                        <a:t>2</a:t>
+                      </a:r>
+                    </a:p>
+                  </a:txBody>
+                  <a:tcPr marL="9525" marR="9525" marT="9525" marB="0" anchor="b">
+                    <a:lnL w="12700" cap="flat" cmpd="sng" algn="ctr">
+                      <a:solidFill>
+                        <a:schemeClr val="tx1"/>
+                      </a:solidFill>
+                      <a:prstDash val="solid"/>
+                      <a:round/>
+                      <a:headEnd type="none" w="med" len="med"/>
+                      <a:tailEnd type="none" w="med" len="med"/>
+                    </a:lnL>
+                    <a:lnR w="12700" cap="flat" cmpd="sng" algn="ctr">
+                      <a:solidFill>
+                        <a:schemeClr val="tx1"/>
+                      </a:solidFill>
+                      <a:prstDash val="solid"/>
+                      <a:round/>
+                      <a:headEnd type="none" w="med" len="med"/>
+                      <a:tailEnd type="none" w="med" len="med"/>
+                    </a:lnR>
+                    <a:lnT w="12700" cap="flat" cmpd="sng" algn="ctr">
+                      <a:solidFill>
+                        <a:schemeClr val="tx1"/>
+                      </a:solidFill>
+                      <a:prstDash val="solid"/>
+                      <a:round/>
+                      <a:headEnd type="none" w="med" len="med"/>
+                      <a:tailEnd type="none" w="med" len="med"/>
+                    </a:lnT>
+                    <a:lnB w="12700" cap="flat" cmpd="sng" algn="ctr">
+                      <a:solidFill>
+                        <a:schemeClr val="tx1"/>
+                      </a:solidFill>
+                      <a:prstDash val="solid"/>
+                      <a:round/>
+                      <a:headEnd type="none" w="med" len="med"/>
+                      <a:tailEnd type="none" w="med" len="med"/>
+                    </a:lnB>
+                  </a:tcPr>
+                </a:tc>
+                <a:extLst>
+                  <a:ext uri="{0D108BD9-81ED-4DB2-BD59-A6C34878D82A}">
+                    <a16:rowId xmlns:a16="http://schemas.microsoft.com/office/drawing/2014/main" val="1950928389"/>
+                  </a:ext>
+                </a:extLst>
+              </a:tr>
+              <a:tr h="211539">
+                <a:tc>
+                  <a:txBody>
+                    <a:bodyPr/>
+                    <a:lstStyle/>
+                    <a:p>
+                      <a:pPr algn="l" fontAlgn="b"/>
+                      <a:r>
+                        <a:rPr lang="en-MY" sz="900" b="0" i="0" u="none" strike="noStrike">
+                          <a:solidFill>
+                            <a:srgbClr val="000000"/>
+                          </a:solidFill>
+                          <a:effectLst/>
+                          <a:latin typeface="Calibri" panose="020F0502020204030204" pitchFamily="34" charset="0"/>
+                        </a:rPr>
+                        <a:t>LightGBMOptimized</a:t>
+                      </a:r>
+                    </a:p>
+                  </a:txBody>
+                  <a:tcPr marL="9525" marR="9525" marT="9525" marB="0" anchor="b">
+                    <a:lnL w="12700" cap="flat" cmpd="sng" algn="ctr">
+                      <a:solidFill>
+                        <a:schemeClr val="tx1"/>
+                      </a:solidFill>
+                      <a:prstDash val="solid"/>
+                      <a:round/>
+                      <a:headEnd type="none" w="med" len="med"/>
+                      <a:tailEnd type="none" w="med" len="med"/>
+                    </a:lnL>
+                    <a:lnR w="12700" cap="flat" cmpd="sng" algn="ctr">
+                      <a:solidFill>
+                        <a:schemeClr val="tx1"/>
+                      </a:solidFill>
+                      <a:prstDash val="solid"/>
+                      <a:round/>
+                      <a:headEnd type="none" w="med" len="med"/>
+                      <a:tailEnd type="none" w="med" len="med"/>
+                    </a:lnR>
+                    <a:lnT w="12700" cap="flat" cmpd="sng" algn="ctr">
+                      <a:solidFill>
+                        <a:schemeClr val="tx1"/>
+                      </a:solidFill>
+                      <a:prstDash val="solid"/>
+                      <a:round/>
+                      <a:headEnd type="none" w="med" len="med"/>
+                      <a:tailEnd type="none" w="med" len="med"/>
+                    </a:lnT>
+                    <a:lnB w="12700" cap="flat" cmpd="sng" algn="ctr">
+                      <a:solidFill>
+                        <a:schemeClr val="tx1"/>
+                      </a:solidFill>
+                      <a:prstDash val="solid"/>
+                      <a:round/>
+                      <a:headEnd type="none" w="med" len="med"/>
+                      <a:tailEnd type="none" w="med" len="med"/>
+                    </a:lnB>
+                    <a:solidFill>
+                      <a:schemeClr val="accent4"/>
+                    </a:solidFill>
+                  </a:tcPr>
+                </a:tc>
+                <a:tc>
+                  <a:txBody>
+                    <a:bodyPr/>
+                    <a:lstStyle/>
+                    <a:p>
+                      <a:pPr algn="r" fontAlgn="b"/>
+                      <a:r>
+                        <a:rPr lang="en-MY" sz="900" b="0" i="0" u="none" strike="noStrike" dirty="0">
+                          <a:solidFill>
+                            <a:srgbClr val="000000"/>
+                          </a:solidFill>
+                          <a:effectLst/>
+                          <a:latin typeface="Calibri" panose="020F0502020204030204" pitchFamily="34" charset="0"/>
+                        </a:rPr>
+                        <a:t>0.999914</a:t>
+                      </a:r>
+                    </a:p>
+                  </a:txBody>
+                  <a:tcPr marL="9525" marR="9525" marT="9525" marB="0" anchor="b">
+                    <a:lnL w="12700" cap="flat" cmpd="sng" algn="ctr">
+                      <a:solidFill>
+                        <a:schemeClr val="tx1"/>
+                      </a:solidFill>
+                      <a:prstDash val="solid"/>
+                      <a:round/>
+                      <a:headEnd type="none" w="med" len="med"/>
+                      <a:tailEnd type="none" w="med" len="med"/>
+                    </a:lnL>
+                    <a:lnR w="12700" cap="flat" cmpd="sng" algn="ctr">
+                      <a:solidFill>
+                        <a:schemeClr val="tx1"/>
+                      </a:solidFill>
+                      <a:prstDash val="solid"/>
+                      <a:round/>
+                      <a:headEnd type="none" w="med" len="med"/>
+                      <a:tailEnd type="none" w="med" len="med"/>
+                    </a:lnR>
+                    <a:lnT w="12700" cap="flat" cmpd="sng" algn="ctr">
+                      <a:solidFill>
+                        <a:schemeClr val="tx1"/>
+                      </a:solidFill>
+                      <a:prstDash val="solid"/>
+                      <a:round/>
+                      <a:headEnd type="none" w="med" len="med"/>
+                      <a:tailEnd type="none" w="med" len="med"/>
+                    </a:lnT>
+                    <a:lnB w="12700" cap="flat" cmpd="sng" algn="ctr">
+                      <a:solidFill>
+                        <a:schemeClr val="tx1"/>
+                      </a:solidFill>
+                      <a:prstDash val="solid"/>
+                      <a:round/>
+                      <a:headEnd type="none" w="med" len="med"/>
+                      <a:tailEnd type="none" w="med" len="med"/>
+                    </a:lnB>
+                  </a:tcPr>
+                </a:tc>
+                <a:tc>
+                  <a:txBody>
+                    <a:bodyPr/>
+                    <a:lstStyle/>
+                    <a:p>
+                      <a:pPr algn="r" fontAlgn="b"/>
+                      <a:r>
+                        <a:rPr lang="en-MY" sz="900" b="0" i="0" u="none" strike="noStrike" dirty="0">
+                          <a:solidFill>
+                            <a:srgbClr val="000000"/>
+                          </a:solidFill>
+                          <a:effectLst/>
+                          <a:latin typeface="Calibri" panose="020F0502020204030204" pitchFamily="34" charset="0"/>
+                        </a:rPr>
+                        <a:t>0.902832</a:t>
+                      </a:r>
+                    </a:p>
+                  </a:txBody>
+                  <a:tcPr marL="9525" marR="9525" marT="9525" marB="0" anchor="b">
+                    <a:lnL w="12700" cap="flat" cmpd="sng" algn="ctr">
+                      <a:solidFill>
+                        <a:schemeClr val="tx1"/>
+                      </a:solidFill>
+                      <a:prstDash val="solid"/>
+                      <a:round/>
+                      <a:headEnd type="none" w="med" len="med"/>
+                      <a:tailEnd type="none" w="med" len="med"/>
+                    </a:lnL>
+                    <a:lnR w="12700" cap="flat" cmpd="sng" algn="ctr">
+                      <a:solidFill>
+                        <a:schemeClr val="tx1"/>
+                      </a:solidFill>
+                      <a:prstDash val="solid"/>
+                      <a:round/>
+                      <a:headEnd type="none" w="med" len="med"/>
+                      <a:tailEnd type="none" w="med" len="med"/>
+                    </a:lnR>
+                    <a:lnT w="12700" cap="flat" cmpd="sng" algn="ctr">
+                      <a:solidFill>
+                        <a:schemeClr val="tx1"/>
+                      </a:solidFill>
+                      <a:prstDash val="solid"/>
+                      <a:round/>
+                      <a:headEnd type="none" w="med" len="med"/>
+                      <a:tailEnd type="none" w="med" len="med"/>
+                    </a:lnT>
+                    <a:lnB w="12700" cap="flat" cmpd="sng" algn="ctr">
+                      <a:solidFill>
+                        <a:schemeClr val="tx1"/>
+                      </a:solidFill>
+                      <a:prstDash val="solid"/>
+                      <a:round/>
+                      <a:headEnd type="none" w="med" len="med"/>
+                      <a:tailEnd type="none" w="med" len="med"/>
+                    </a:lnB>
+                  </a:tcPr>
+                </a:tc>
+                <a:tc>
+                  <a:txBody>
+                    <a:bodyPr/>
+                    <a:lstStyle/>
+                    <a:p>
+                      <a:pPr algn="r" fontAlgn="b"/>
+                      <a:r>
+                        <a:rPr lang="en-MY" sz="900" b="0" i="0" u="none" strike="noStrike">
+                          <a:solidFill>
+                            <a:srgbClr val="000000"/>
+                          </a:solidFill>
+                          <a:effectLst/>
+                          <a:latin typeface="Calibri" panose="020F0502020204030204" pitchFamily="34" charset="0"/>
+                        </a:rPr>
+                        <a:t>0.999914</a:t>
+                      </a:r>
+                    </a:p>
+                  </a:txBody>
+                  <a:tcPr marL="9525" marR="9525" marT="9525" marB="0" anchor="b">
+                    <a:lnL w="12700" cap="flat" cmpd="sng" algn="ctr">
+                      <a:solidFill>
+                        <a:schemeClr val="tx1"/>
+                      </a:solidFill>
+                      <a:prstDash val="solid"/>
+                      <a:round/>
+                      <a:headEnd type="none" w="med" len="med"/>
+                      <a:tailEnd type="none" w="med" len="med"/>
+                    </a:lnL>
+                    <a:lnR w="12700" cap="flat" cmpd="sng" algn="ctr">
+                      <a:solidFill>
+                        <a:schemeClr val="tx1"/>
+                      </a:solidFill>
+                      <a:prstDash val="solid"/>
+                      <a:round/>
+                      <a:headEnd type="none" w="med" len="med"/>
+                      <a:tailEnd type="none" w="med" len="med"/>
+                    </a:lnR>
+                    <a:lnT w="12700" cap="flat" cmpd="sng" algn="ctr">
+                      <a:solidFill>
+                        <a:schemeClr val="tx1"/>
+                      </a:solidFill>
+                      <a:prstDash val="solid"/>
+                      <a:round/>
+                      <a:headEnd type="none" w="med" len="med"/>
+                      <a:tailEnd type="none" w="med" len="med"/>
+                    </a:lnT>
+                    <a:lnB w="12700" cap="flat" cmpd="sng" algn="ctr">
+                      <a:solidFill>
+                        <a:schemeClr val="tx1"/>
+                      </a:solidFill>
+                      <a:prstDash val="solid"/>
+                      <a:round/>
+                      <a:headEnd type="none" w="med" len="med"/>
+                      <a:tailEnd type="none" w="med" len="med"/>
+                    </a:lnB>
+                  </a:tcPr>
+                </a:tc>
+                <a:tc>
+                  <a:txBody>
+                    <a:bodyPr/>
+                    <a:lstStyle/>
+                    <a:p>
+                      <a:pPr algn="r" fontAlgn="b"/>
+                      <a:r>
+                        <a:rPr lang="en-MY" sz="900" b="0" i="0" u="none" strike="noStrike">
+                          <a:solidFill>
+                            <a:srgbClr val="000000"/>
+                          </a:solidFill>
+                          <a:effectLst/>
+                          <a:latin typeface="Calibri" panose="020F0502020204030204" pitchFamily="34" charset="0"/>
+                        </a:rPr>
+                        <a:t>0.972037</a:t>
+                      </a:r>
+                    </a:p>
+                  </a:txBody>
+                  <a:tcPr marL="9525" marR="9525" marT="9525" marB="0" anchor="b">
+                    <a:lnL w="12700" cap="flat" cmpd="sng" algn="ctr">
+                      <a:solidFill>
+                        <a:schemeClr val="tx1"/>
+                      </a:solidFill>
+                      <a:prstDash val="solid"/>
+                      <a:round/>
+                      <a:headEnd type="none" w="med" len="med"/>
+                      <a:tailEnd type="none" w="med" len="med"/>
+                    </a:lnL>
+                    <a:lnR w="12700" cap="flat" cmpd="sng" algn="ctr">
+                      <a:solidFill>
+                        <a:schemeClr val="tx1"/>
+                      </a:solidFill>
+                      <a:prstDash val="solid"/>
+                      <a:round/>
+                      <a:headEnd type="none" w="med" len="med"/>
+                      <a:tailEnd type="none" w="med" len="med"/>
+                    </a:lnR>
+                    <a:lnT w="12700" cap="flat" cmpd="sng" algn="ctr">
+                      <a:solidFill>
+                        <a:schemeClr val="tx1"/>
+                      </a:solidFill>
+                      <a:prstDash val="solid"/>
+                      <a:round/>
+                      <a:headEnd type="none" w="med" len="med"/>
+                      <a:tailEnd type="none" w="med" len="med"/>
+                    </a:lnT>
+                    <a:lnB w="12700" cap="flat" cmpd="sng" algn="ctr">
+                      <a:solidFill>
+                        <a:schemeClr val="tx1"/>
+                      </a:solidFill>
+                      <a:prstDash val="solid"/>
+                      <a:round/>
+                      <a:headEnd type="none" w="med" len="med"/>
+                      <a:tailEnd type="none" w="med" len="med"/>
+                    </a:lnB>
+                  </a:tcPr>
+                </a:tc>
+                <a:tc>
+                  <a:txBody>
+                    <a:bodyPr/>
+                    <a:lstStyle/>
+                    <a:p>
+                      <a:pPr algn="r" fontAlgn="b"/>
+                      <a:r>
+                        <a:rPr lang="en-MY" sz="900" b="0" i="0" u="none" strike="noStrike">
+                          <a:solidFill>
+                            <a:srgbClr val="000000"/>
+                          </a:solidFill>
+                          <a:effectLst/>
+                          <a:latin typeface="Calibri" panose="020F0502020204030204" pitchFamily="34" charset="0"/>
+                        </a:rPr>
+                        <a:t>0.999827</a:t>
+                      </a:r>
+                    </a:p>
+                  </a:txBody>
+                  <a:tcPr marL="9525" marR="9525" marT="9525" marB="0" anchor="b">
+                    <a:lnL w="12700" cap="flat" cmpd="sng" algn="ctr">
+                      <a:solidFill>
+                        <a:schemeClr val="tx1"/>
+                      </a:solidFill>
+                      <a:prstDash val="solid"/>
+                      <a:round/>
+                      <a:headEnd type="none" w="med" len="med"/>
+                      <a:tailEnd type="none" w="med" len="med"/>
+                    </a:lnL>
+                    <a:lnR w="12700" cap="flat" cmpd="sng" algn="ctr">
+                      <a:solidFill>
+                        <a:schemeClr val="tx1"/>
+                      </a:solidFill>
+                      <a:prstDash val="solid"/>
+                      <a:round/>
+                      <a:headEnd type="none" w="med" len="med"/>
+                      <a:tailEnd type="none" w="med" len="med"/>
+                    </a:lnR>
+                    <a:lnT w="12700" cap="flat" cmpd="sng" algn="ctr">
+                      <a:solidFill>
+                        <a:schemeClr val="tx1"/>
+                      </a:solidFill>
+                      <a:prstDash val="solid"/>
+                      <a:round/>
+                      <a:headEnd type="none" w="med" len="med"/>
+                      <a:tailEnd type="none" w="med" len="med"/>
+                    </a:lnT>
+                    <a:lnB w="12700" cap="flat" cmpd="sng" algn="ctr">
+                      <a:solidFill>
+                        <a:schemeClr val="tx1"/>
+                      </a:solidFill>
+                      <a:prstDash val="solid"/>
+                      <a:round/>
+                      <a:headEnd type="none" w="med" len="med"/>
+                      <a:tailEnd type="none" w="med" len="med"/>
+                    </a:lnB>
+                  </a:tcPr>
+                </a:tc>
+                <a:tc>
+                  <a:txBody>
+                    <a:bodyPr/>
+                    <a:lstStyle/>
+                    <a:p>
+                      <a:pPr algn="r" fontAlgn="b"/>
+                      <a:r>
+                        <a:rPr lang="en-MY" sz="900" b="0" i="0" u="none" strike="noStrike">
+                          <a:solidFill>
+                            <a:srgbClr val="000000"/>
+                          </a:solidFill>
+                          <a:effectLst/>
+                          <a:latin typeface="Calibri" panose="020F0502020204030204" pitchFamily="34" charset="0"/>
+                        </a:rPr>
+                        <a:t>0.816927</a:t>
+                      </a:r>
+                    </a:p>
+                  </a:txBody>
+                  <a:tcPr marL="9525" marR="9525" marT="9525" marB="0" anchor="b">
+                    <a:lnL w="12700" cap="flat" cmpd="sng" algn="ctr">
+                      <a:solidFill>
+                        <a:schemeClr val="tx1"/>
+                      </a:solidFill>
+                      <a:prstDash val="solid"/>
+                      <a:round/>
+                      <a:headEnd type="none" w="med" len="med"/>
+                      <a:tailEnd type="none" w="med" len="med"/>
+                    </a:lnL>
+                    <a:lnR w="12700" cap="flat" cmpd="sng" algn="ctr">
+                      <a:solidFill>
+                        <a:schemeClr val="tx1"/>
+                      </a:solidFill>
+                      <a:prstDash val="solid"/>
+                      <a:round/>
+                      <a:headEnd type="none" w="med" len="med"/>
+                      <a:tailEnd type="none" w="med" len="med"/>
+                    </a:lnR>
+                    <a:lnT w="12700" cap="flat" cmpd="sng" algn="ctr">
+                      <a:solidFill>
+                        <a:schemeClr val="tx1"/>
+                      </a:solidFill>
+                      <a:prstDash val="solid"/>
+                      <a:round/>
+                      <a:headEnd type="none" w="med" len="med"/>
+                      <a:tailEnd type="none" w="med" len="med"/>
+                    </a:lnT>
+                    <a:lnB w="12700" cap="flat" cmpd="sng" algn="ctr">
+                      <a:solidFill>
+                        <a:schemeClr val="tx1"/>
+                      </a:solidFill>
+                      <a:prstDash val="solid"/>
+                      <a:round/>
+                      <a:headEnd type="none" w="med" len="med"/>
+                      <a:tailEnd type="none" w="med" len="med"/>
+                    </a:lnB>
+                  </a:tcPr>
+                </a:tc>
+                <a:tc>
+                  <a:txBody>
+                    <a:bodyPr/>
+                    <a:lstStyle/>
+                    <a:p>
+                      <a:pPr algn="r" fontAlgn="b"/>
+                      <a:r>
+                        <a:rPr lang="en-MY" sz="900" b="0" i="0" u="none" strike="noStrike">
+                          <a:solidFill>
+                            <a:srgbClr val="000000"/>
+                          </a:solidFill>
+                          <a:effectLst/>
+                          <a:latin typeface="Calibri" panose="020F0502020204030204" pitchFamily="34" charset="0"/>
+                        </a:rPr>
+                        <a:t>0.999914</a:t>
+                      </a:r>
+                    </a:p>
+                  </a:txBody>
+                  <a:tcPr marL="9525" marR="9525" marT="9525" marB="0" anchor="b">
+                    <a:lnL w="12700" cap="flat" cmpd="sng" algn="ctr">
+                      <a:solidFill>
+                        <a:schemeClr val="tx1"/>
+                      </a:solidFill>
+                      <a:prstDash val="solid"/>
+                      <a:round/>
+                      <a:headEnd type="none" w="med" len="med"/>
+                      <a:tailEnd type="none" w="med" len="med"/>
+                    </a:lnL>
+                    <a:lnR w="12700" cap="flat" cmpd="sng" algn="ctr">
+                      <a:solidFill>
+                        <a:schemeClr val="tx1"/>
+                      </a:solidFill>
+                      <a:prstDash val="solid"/>
+                      <a:round/>
+                      <a:headEnd type="none" w="med" len="med"/>
+                      <a:tailEnd type="none" w="med" len="med"/>
+                    </a:lnR>
+                    <a:lnT w="12700" cap="flat" cmpd="sng" algn="ctr">
+                      <a:solidFill>
+                        <a:schemeClr val="tx1"/>
+                      </a:solidFill>
+                      <a:prstDash val="solid"/>
+                      <a:round/>
+                      <a:headEnd type="none" w="med" len="med"/>
+                      <a:tailEnd type="none" w="med" len="med"/>
+                    </a:lnT>
+                    <a:lnB w="12700" cap="flat" cmpd="sng" algn="ctr">
+                      <a:solidFill>
+                        <a:schemeClr val="tx1"/>
+                      </a:solidFill>
+                      <a:prstDash val="solid"/>
+                      <a:round/>
+                      <a:headEnd type="none" w="med" len="med"/>
+                      <a:tailEnd type="none" w="med" len="med"/>
+                    </a:lnB>
+                  </a:tcPr>
+                </a:tc>
+                <a:tc>
+                  <a:txBody>
+                    <a:bodyPr/>
+                    <a:lstStyle/>
+                    <a:p>
+                      <a:pPr algn="r" fontAlgn="b"/>
+                      <a:r>
+                        <a:rPr lang="en-MY" sz="900" b="0" i="0" u="none" strike="noStrike">
+                          <a:solidFill>
+                            <a:srgbClr val="000000"/>
+                          </a:solidFill>
+                          <a:effectLst/>
+                          <a:latin typeface="Calibri" panose="020F0502020204030204" pitchFamily="34" charset="0"/>
+                        </a:rPr>
+                        <a:t>0.832061</a:t>
+                      </a:r>
+                    </a:p>
+                  </a:txBody>
+                  <a:tcPr marL="9525" marR="9525" marT="9525" marB="0" anchor="b">
+                    <a:lnL w="12700" cap="flat" cmpd="sng" algn="ctr">
+                      <a:solidFill>
+                        <a:schemeClr val="tx1"/>
+                      </a:solidFill>
+                      <a:prstDash val="solid"/>
+                      <a:round/>
+                      <a:headEnd type="none" w="med" len="med"/>
+                      <a:tailEnd type="none" w="med" len="med"/>
+                    </a:lnL>
+                    <a:lnR w="12700" cap="flat" cmpd="sng" algn="ctr">
+                      <a:solidFill>
+                        <a:schemeClr val="tx1"/>
+                      </a:solidFill>
+                      <a:prstDash val="solid"/>
+                      <a:round/>
+                      <a:headEnd type="none" w="med" len="med"/>
+                      <a:tailEnd type="none" w="med" len="med"/>
+                    </a:lnR>
+                    <a:lnT w="12700" cap="flat" cmpd="sng" algn="ctr">
+                      <a:solidFill>
+                        <a:schemeClr val="tx1"/>
+                      </a:solidFill>
+                      <a:prstDash val="solid"/>
+                      <a:round/>
+                      <a:headEnd type="none" w="med" len="med"/>
+                      <a:tailEnd type="none" w="med" len="med"/>
+                    </a:lnT>
+                    <a:lnB w="12700" cap="flat" cmpd="sng" algn="ctr">
+                      <a:solidFill>
+                        <a:schemeClr val="tx1"/>
+                      </a:solidFill>
+                      <a:prstDash val="solid"/>
+                      <a:round/>
+                      <a:headEnd type="none" w="med" len="med"/>
+                      <a:tailEnd type="none" w="med" len="med"/>
+                    </a:lnB>
+                  </a:tcPr>
+                </a:tc>
+                <a:tc>
+                  <a:txBody>
+                    <a:bodyPr/>
+                    <a:lstStyle/>
+                    <a:p>
+                      <a:pPr algn="r" fontAlgn="b"/>
+                      <a:r>
+                        <a:rPr lang="en-MY" sz="900" b="0" i="0" u="none" strike="noStrike">
+                          <a:solidFill>
+                            <a:srgbClr val="000000"/>
+                          </a:solidFill>
+                          <a:effectLst/>
+                          <a:latin typeface="Calibri" panose="020F0502020204030204" pitchFamily="34" charset="0"/>
+                        </a:rPr>
+                        <a:t>40</a:t>
+                      </a:r>
+                    </a:p>
+                  </a:txBody>
+                  <a:tcPr marL="9525" marR="9525" marT="9525" marB="0" anchor="b">
+                    <a:lnL w="12700" cap="flat" cmpd="sng" algn="ctr">
+                      <a:solidFill>
+                        <a:schemeClr val="tx1"/>
+                      </a:solidFill>
+                      <a:prstDash val="solid"/>
+                      <a:round/>
+                      <a:headEnd type="none" w="med" len="med"/>
+                      <a:tailEnd type="none" w="med" len="med"/>
+                    </a:lnL>
+                    <a:lnR w="12700" cap="flat" cmpd="sng" algn="ctr">
+                      <a:solidFill>
+                        <a:schemeClr val="tx1"/>
+                      </a:solidFill>
+                      <a:prstDash val="solid"/>
+                      <a:round/>
+                      <a:headEnd type="none" w="med" len="med"/>
+                      <a:tailEnd type="none" w="med" len="med"/>
+                    </a:lnR>
+                    <a:lnT w="12700" cap="flat" cmpd="sng" algn="ctr">
+                      <a:solidFill>
+                        <a:schemeClr val="tx1"/>
+                      </a:solidFill>
+                      <a:prstDash val="solid"/>
+                      <a:round/>
+                      <a:headEnd type="none" w="med" len="med"/>
+                      <a:tailEnd type="none" w="med" len="med"/>
+                    </a:lnT>
+                    <a:lnB w="12700" cap="flat" cmpd="sng" algn="ctr">
+                      <a:solidFill>
+                        <a:schemeClr val="tx1"/>
+                      </a:solidFill>
+                      <a:prstDash val="solid"/>
+                      <a:round/>
+                      <a:headEnd type="none" w="med" len="med"/>
+                      <a:tailEnd type="none" w="med" len="med"/>
+                    </a:lnB>
+                  </a:tcPr>
+                </a:tc>
+                <a:tc>
+                  <a:txBody>
+                    <a:bodyPr/>
+                    <a:lstStyle/>
+                    <a:p>
+                      <a:pPr algn="r" fontAlgn="b"/>
+                      <a:r>
+                        <a:rPr lang="en-MY" sz="900" b="0" i="0" u="none" strike="noStrike" dirty="0">
+                          <a:solidFill>
+                            <a:srgbClr val="000000"/>
+                          </a:solidFill>
+                          <a:effectLst/>
+                          <a:latin typeface="Calibri" panose="020F0502020204030204" pitchFamily="34" charset="0"/>
+                        </a:rPr>
+                        <a:t>48</a:t>
+                      </a:r>
+                    </a:p>
+                  </a:txBody>
+                  <a:tcPr marL="9525" marR="9525" marT="9525" marB="0" anchor="b">
+                    <a:lnL w="12700" cap="flat" cmpd="sng" algn="ctr">
+                      <a:solidFill>
+                        <a:schemeClr val="tx1"/>
+                      </a:solidFill>
+                      <a:prstDash val="solid"/>
+                      <a:round/>
+                      <a:headEnd type="none" w="med" len="med"/>
+                      <a:tailEnd type="none" w="med" len="med"/>
+                    </a:lnL>
+                    <a:lnR w="12700" cap="flat" cmpd="sng" algn="ctr">
+                      <a:solidFill>
+                        <a:schemeClr val="tx1"/>
+                      </a:solidFill>
+                      <a:prstDash val="solid"/>
+                      <a:round/>
+                      <a:headEnd type="none" w="med" len="med"/>
+                      <a:tailEnd type="none" w="med" len="med"/>
+                    </a:lnR>
+                    <a:lnT w="12700" cap="flat" cmpd="sng" algn="ctr">
+                      <a:solidFill>
+                        <a:schemeClr val="tx1"/>
+                      </a:solidFill>
+                      <a:prstDash val="solid"/>
+                      <a:round/>
+                      <a:headEnd type="none" w="med" len="med"/>
+                      <a:tailEnd type="none" w="med" len="med"/>
+                    </a:lnT>
+                    <a:lnB w="12700" cap="flat" cmpd="sng" algn="ctr">
+                      <a:solidFill>
+                        <a:schemeClr val="tx1"/>
+                      </a:solidFill>
+                      <a:prstDash val="solid"/>
+                      <a:round/>
+                      <a:headEnd type="none" w="med" len="med"/>
+                      <a:tailEnd type="none" w="med" len="med"/>
+                    </a:lnB>
+                  </a:tcPr>
+                </a:tc>
+                <a:tc>
+                  <a:txBody>
+                    <a:bodyPr/>
+                    <a:lstStyle/>
+                    <a:p>
+                      <a:pPr algn="r" fontAlgn="b"/>
+                      <a:r>
+                        <a:rPr lang="en-MY" sz="900" b="0" i="0" u="none" strike="noStrike" dirty="0">
+                          <a:solidFill>
+                            <a:srgbClr val="000000"/>
+                          </a:solidFill>
+                          <a:effectLst/>
+                          <a:latin typeface="Calibri" panose="020F0502020204030204" pitchFamily="34" charset="0"/>
+                        </a:rPr>
+                        <a:t>218</a:t>
+                      </a:r>
+                    </a:p>
+                  </a:txBody>
+                  <a:tcPr marL="9525" marR="9525" marT="9525" marB="0" anchor="b">
+                    <a:lnL w="12700" cap="flat" cmpd="sng" algn="ctr">
+                      <a:solidFill>
+                        <a:schemeClr val="tx1"/>
+                      </a:solidFill>
+                      <a:prstDash val="solid"/>
+                      <a:round/>
+                      <a:headEnd type="none" w="med" len="med"/>
+                      <a:tailEnd type="none" w="med" len="med"/>
+                    </a:lnL>
+                    <a:lnR w="12700" cap="flat" cmpd="sng" algn="ctr">
+                      <a:solidFill>
+                        <a:schemeClr val="tx1"/>
+                      </a:solidFill>
+                      <a:prstDash val="solid"/>
+                      <a:round/>
+                      <a:headEnd type="none" w="med" len="med"/>
+                      <a:tailEnd type="none" w="med" len="med"/>
+                    </a:lnR>
+                    <a:lnT w="12700" cap="flat" cmpd="sng" algn="ctr">
+                      <a:solidFill>
+                        <a:schemeClr val="tx1"/>
+                      </a:solidFill>
+                      <a:prstDash val="solid"/>
+                      <a:round/>
+                      <a:headEnd type="none" w="med" len="med"/>
+                      <a:tailEnd type="none" w="med" len="med"/>
+                    </a:lnT>
+                    <a:lnB w="12700" cap="flat" cmpd="sng" algn="ctr">
+                      <a:solidFill>
+                        <a:schemeClr val="tx1"/>
+                      </a:solidFill>
+                      <a:prstDash val="solid"/>
+                      <a:round/>
+                      <a:headEnd type="none" w="med" len="med"/>
+                      <a:tailEnd type="none" w="med" len="med"/>
+                    </a:lnB>
+                  </a:tcPr>
+                </a:tc>
+                <a:tc>
+                  <a:txBody>
+                    <a:bodyPr/>
+                    <a:lstStyle/>
+                    <a:p>
+                      <a:pPr algn="r" fontAlgn="b"/>
+                      <a:r>
+                        <a:rPr lang="en-MY" sz="900" b="0" i="0" u="none" strike="noStrike" dirty="0">
+                          <a:solidFill>
+                            <a:srgbClr val="000000"/>
+                          </a:solidFill>
+                          <a:effectLst/>
+                          <a:latin typeface="Calibri" panose="020F0502020204030204" pitchFamily="34" charset="0"/>
+                        </a:rPr>
+                        <a:t>-1218000</a:t>
+                      </a:r>
+                    </a:p>
+                  </a:txBody>
+                  <a:tcPr marL="9525" marR="9525" marT="9525" marB="0" anchor="b">
+                    <a:lnL w="12700" cap="flat" cmpd="sng" algn="ctr">
+                      <a:solidFill>
+                        <a:schemeClr val="tx1"/>
+                      </a:solidFill>
+                      <a:prstDash val="solid"/>
+                      <a:round/>
+                      <a:headEnd type="none" w="med" len="med"/>
+                      <a:tailEnd type="none" w="med" len="med"/>
+                    </a:lnL>
+                    <a:lnR w="12700" cap="flat" cmpd="sng" algn="ctr">
+                      <a:solidFill>
+                        <a:schemeClr val="tx1"/>
+                      </a:solidFill>
+                      <a:prstDash val="solid"/>
+                      <a:round/>
+                      <a:headEnd type="none" w="med" len="med"/>
+                      <a:tailEnd type="none" w="med" len="med"/>
+                    </a:lnR>
+                    <a:lnT w="12700" cap="flat" cmpd="sng" algn="ctr">
+                      <a:solidFill>
+                        <a:schemeClr val="tx1"/>
+                      </a:solidFill>
+                      <a:prstDash val="solid"/>
+                      <a:round/>
+                      <a:headEnd type="none" w="med" len="med"/>
+                      <a:tailEnd type="none" w="med" len="med"/>
+                    </a:lnT>
+                    <a:lnB w="12700" cap="flat" cmpd="sng" algn="ctr">
+                      <a:solidFill>
+                        <a:schemeClr val="tx1"/>
+                      </a:solidFill>
+                      <a:prstDash val="solid"/>
+                      <a:round/>
+                      <a:headEnd type="none" w="med" len="med"/>
+                      <a:tailEnd type="none" w="med" len="med"/>
+                    </a:lnB>
+                  </a:tcPr>
+                </a:tc>
+                <a:tc>
+                  <a:txBody>
+                    <a:bodyPr/>
+                    <a:lstStyle/>
+                    <a:p>
+                      <a:pPr algn="r" fontAlgn="b"/>
+                      <a:r>
+                        <a:rPr lang="en-MY" sz="900" b="0" i="0" u="none" strike="noStrike">
+                          <a:solidFill>
+                            <a:srgbClr val="000000"/>
+                          </a:solidFill>
+                          <a:effectLst/>
+                          <a:latin typeface="Calibri" panose="020F0502020204030204" pitchFamily="34" charset="0"/>
+                        </a:rPr>
+                        <a:t>3</a:t>
+                      </a:r>
+                    </a:p>
+                  </a:txBody>
+                  <a:tcPr marL="9525" marR="9525" marT="9525" marB="0" anchor="b">
+                    <a:lnL w="12700" cap="flat" cmpd="sng" algn="ctr">
+                      <a:solidFill>
+                        <a:schemeClr val="tx1"/>
+                      </a:solidFill>
+                      <a:prstDash val="solid"/>
+                      <a:round/>
+                      <a:headEnd type="none" w="med" len="med"/>
+                      <a:tailEnd type="none" w="med" len="med"/>
+                    </a:lnL>
+                    <a:lnR w="12700" cap="flat" cmpd="sng" algn="ctr">
+                      <a:solidFill>
+                        <a:schemeClr val="tx1"/>
+                      </a:solidFill>
+                      <a:prstDash val="solid"/>
+                      <a:round/>
+                      <a:headEnd type="none" w="med" len="med"/>
+                      <a:tailEnd type="none" w="med" len="med"/>
+                    </a:lnR>
+                    <a:lnT w="12700" cap="flat" cmpd="sng" algn="ctr">
+                      <a:solidFill>
+                        <a:schemeClr val="tx1"/>
+                      </a:solidFill>
+                      <a:prstDash val="solid"/>
+                      <a:round/>
+                      <a:headEnd type="none" w="med" len="med"/>
+                      <a:tailEnd type="none" w="med" len="med"/>
+                    </a:lnT>
+                    <a:lnB w="12700" cap="flat" cmpd="sng" algn="ctr">
+                      <a:solidFill>
+                        <a:schemeClr val="tx1"/>
+                      </a:solidFill>
+                      <a:prstDash val="solid"/>
+                      <a:round/>
+                      <a:headEnd type="none" w="med" len="med"/>
+                      <a:tailEnd type="none" w="med" len="med"/>
+                    </a:lnB>
+                  </a:tcPr>
+                </a:tc>
+                <a:extLst>
+                  <a:ext uri="{0D108BD9-81ED-4DB2-BD59-A6C34878D82A}">
+                    <a16:rowId xmlns:a16="http://schemas.microsoft.com/office/drawing/2014/main" val="3382022166"/>
+                  </a:ext>
+                </a:extLst>
+              </a:tr>
+              <a:tr h="211539">
+                <a:tc>
+                  <a:txBody>
+                    <a:bodyPr/>
+                    <a:lstStyle/>
+                    <a:p>
+                      <a:pPr algn="l" fontAlgn="b"/>
+                      <a:r>
+                        <a:rPr lang="en-MY" sz="900" b="0" i="0" u="none" strike="noStrike">
                           <a:solidFill>
                             <a:srgbClr val="000000"/>
                           </a:solidFill>
@@ -13587,13 +15343,6 @@
                         </a:rPr>
                         <a:t>XGBoost</a:t>
                       </a:r>
-                      <a:endParaRPr lang="en-MY" sz="900" b="1" i="0" u="none" strike="noStrike" dirty="0">
-                        <a:solidFill>
-                          <a:srgbClr val="000000"/>
-                        </a:solidFill>
-                        <a:effectLst/>
-                        <a:latin typeface="Calibri" panose="020F0502020204030204" pitchFamily="34" charset="0"/>
-                      </a:endParaRPr>
                     </a:p>
                   </a:txBody>
                   <a:tcPr marL="9525" marR="9525" marT="9525" marB="0" anchor="b">
@@ -13702,7 +15451,7 @@
                     <a:p>
                       <a:pPr algn="r" fontAlgn="b"/>
                       <a:r>
-                        <a:rPr lang="en-MY" sz="900" b="0" i="0" u="none" strike="noStrike">
+                        <a:rPr lang="en-MY" sz="900" b="0" i="0" u="none" strike="noStrike" dirty="0">
                           <a:solidFill>
                             <a:srgbClr val="000000"/>
                           </a:solidFill>
@@ -13759,7 +15508,7 @@
                     <a:p>
                       <a:pPr algn="r" fontAlgn="b"/>
                       <a:r>
-                        <a:rPr lang="en-MY" sz="900" b="0" i="0" u="none" strike="noStrike">
+                        <a:rPr lang="en-MY" sz="900" b="0" i="0" u="none" strike="noStrike" dirty="0">
                           <a:solidFill>
                             <a:srgbClr val="000000"/>
                           </a:solidFill>
@@ -13816,7 +15565,7 @@
                     <a:p>
                       <a:pPr algn="r" fontAlgn="b"/>
                       <a:r>
-                        <a:rPr lang="en-MY" sz="900" b="0" i="0" u="none" strike="noStrike">
+                        <a:rPr lang="en-MY" sz="900" b="0" i="0" u="none" strike="noStrike" dirty="0">
                           <a:solidFill>
                             <a:srgbClr val="000000"/>
                           </a:solidFill>
@@ -14215,7 +15964,7 @@
                     <a:p>
                       <a:pPr algn="r" fontAlgn="b"/>
                       <a:r>
-                        <a:rPr lang="en-MY" sz="900" b="0" i="0" u="none" strike="noStrike">
+                        <a:rPr lang="en-MY" sz="900" b="0" i="0" u="none" strike="noStrike" dirty="0">
                           <a:solidFill>
                             <a:srgbClr val="000000"/>
                           </a:solidFill>
@@ -14223,6 +15972,63 @@
                           <a:latin typeface="Calibri" panose="020F0502020204030204" pitchFamily="34" charset="0"/>
                         </a:rPr>
                         <a:t>217</a:t>
+                      </a:r>
+                    </a:p>
+                  </a:txBody>
+                  <a:tcPr marL="9525" marR="9525" marT="9525" marB="0" anchor="b">
+                    <a:lnL w="12700" cap="flat" cmpd="sng" algn="ctr">
+                      <a:solidFill>
+                        <a:schemeClr val="tx1"/>
+                      </a:solidFill>
+                      <a:prstDash val="solid"/>
+                      <a:round/>
+                      <a:headEnd type="none" w="med" len="med"/>
+                      <a:tailEnd type="none" w="med" len="med"/>
+                    </a:lnL>
+                    <a:lnR w="12700" cap="flat" cmpd="sng" algn="ctr">
+                      <a:solidFill>
+                        <a:schemeClr val="tx1"/>
+                      </a:solidFill>
+                      <a:prstDash val="solid"/>
+                      <a:round/>
+                      <a:headEnd type="none" w="med" len="med"/>
+                      <a:tailEnd type="none" w="med" len="med"/>
+                    </a:lnR>
+                    <a:lnT w="12700" cap="flat" cmpd="sng" algn="ctr">
+                      <a:solidFill>
+                        <a:schemeClr val="tx1"/>
+                      </a:solidFill>
+                      <a:prstDash val="solid"/>
+                      <a:round/>
+                      <a:headEnd type="none" w="med" len="med"/>
+                      <a:tailEnd type="none" w="med" len="med"/>
+                    </a:lnT>
+                    <a:lnB w="12700" cap="flat" cmpd="sng" algn="ctr">
+                      <a:solidFill>
+                        <a:schemeClr val="tx1"/>
+                      </a:solidFill>
+                      <a:prstDash val="solid"/>
+                      <a:round/>
+                      <a:headEnd type="none" w="med" len="med"/>
+                      <a:tailEnd type="none" w="med" len="med"/>
+                    </a:lnB>
+                  </a:tcPr>
+                </a:tc>
+                <a:tc>
+                  <a:txBody>
+                    <a:bodyPr/>
+                    <a:lstStyle/>
+                    <a:p>
+                      <a:pPr algn="r" fontAlgn="b"/>
+                      <a:r>
+                        <a:rPr lang="en-MY" sz="900" b="0" i="0" u="none" strike="noStrike" dirty="0">
+                          <a:solidFill>
+                            <a:srgbClr val="000000"/>
+                          </a:solidFill>
+                          <a:effectLst/>
+                          <a:latin typeface="Calibri" panose="020F0502020204030204" pitchFamily="34" charset="0"/>
+                        </a:rPr>
+                        <a:t>-1263000</a:t>
                       </a:r>
                     </a:p>
                   </a:txBody>
@@ -14279,7 +16085,7 @@
                           <a:effectLst/>
                           <a:latin typeface="Calibri" panose="020F0502020204030204" pitchFamily="34" charset="0"/>
                         </a:rPr>
-                        <a:t>-1263000</a:t>
+                        <a:t>4</a:t>
                       </a:r>
                     </a:p>
                   </a:txBody>
@@ -14322,66 +16128,9 @@
                     </a:lnB>
                   </a:tcPr>
                 </a:tc>
-                <a:tc>
-                  <a:txBody>
-                    <a:bodyPr/>
-                    <a:lstStyle/>
-                    <a:p>
-                      <a:pPr algn="r" fontAlgn="b"/>
-                      <a:r>
-                        <a:rPr lang="en-MY" sz="900" b="0" i="0" u="none" strike="noStrike">
-                          <a:solidFill>
-                            <a:srgbClr val="000000"/>
-                          </a:solidFill>
-                          <a:effectLst/>
-                          <a:latin typeface="Calibri" panose="020F0502020204030204" pitchFamily="34" charset="0"/>
-                        </a:rPr>
-                        <a:t>2</a:t>
-                      </a:r>
-                    </a:p>
-                  </a:txBody>
-                  <a:tcPr marL="9525" marR="9525" marT="9525" marB="0" anchor="b">
-                    <a:lnL w="12700" cap="flat" cmpd="sng" algn="ctr">
-                      <a:solidFill>
-                        <a:schemeClr val="tx1"/>
-                      </a:solidFill>
-                      <a:prstDash val="solid"/>
-                      <a:round/>
-                      <a:headEnd type="none" w="med" len="med"/>
-                      <a:tailEnd type="none" w="med" len="med"/>
-                    </a:lnL>
-                    <a:lnR w="12700" cap="flat" cmpd="sng" algn="ctr">
-                      <a:solidFill>
-                        <a:schemeClr val="tx1"/>
-                      </a:solidFill>
-                      <a:prstDash val="solid"/>
-                      <a:round/>
-                      <a:headEnd type="none" w="med" len="med"/>
-                      <a:tailEnd type="none" w="med" len="med"/>
-                    </a:lnR>
-                    <a:lnT w="12700" cap="flat" cmpd="sng" algn="ctr">
-                      <a:solidFill>
-                        <a:schemeClr val="tx1"/>
-                      </a:solidFill>
-                      <a:prstDash val="solid"/>
-                      <a:round/>
-                      <a:headEnd type="none" w="med" len="med"/>
-                      <a:tailEnd type="none" w="med" len="med"/>
-                    </a:lnT>
-                    <a:lnB w="12700" cap="flat" cmpd="sng" algn="ctr">
-                      <a:solidFill>
-                        <a:schemeClr val="tx1"/>
-                      </a:solidFill>
-                      <a:prstDash val="solid"/>
-                      <a:round/>
-                      <a:headEnd type="none" w="med" len="med"/>
-                      <a:tailEnd type="none" w="med" len="med"/>
-                    </a:lnB>
-                  </a:tcPr>
-                </a:tc>
                 <a:extLst>
                   <a:ext uri="{0D108BD9-81ED-4DB2-BD59-A6C34878D82A}">
-                    <a16:rowId xmlns:a16="http://schemas.microsoft.com/office/drawing/2014/main" val="1950928389"/>
+                    <a16:rowId xmlns:a16="http://schemas.microsoft.com/office/drawing/2014/main" val="1961541116"/>
                   </a:ext>
                 </a:extLst>
               </a:tr>
@@ -14393,7 +16142,7 @@
                     <a:p>
                       <a:pPr algn="l" fontAlgn="b"/>
                       <a:r>
-                        <a:rPr lang="en-MY" sz="900" b="1" i="0" u="none" strike="noStrike" dirty="0" err="1">
+                        <a:rPr lang="en-MY" sz="900" b="0" i="0" u="none" strike="noStrike">
                           <a:solidFill>
                             <a:srgbClr val="000000"/>
                           </a:solidFill>
@@ -14402,13 +16151,6 @@
                         </a:rPr>
                         <a:t>CatBoost</a:t>
                       </a:r>
-                      <a:endParaRPr lang="en-MY" sz="900" b="1" i="0" u="none" strike="noStrike" dirty="0">
-                        <a:solidFill>
-                          <a:srgbClr val="000000"/>
-                        </a:solidFill>
-                        <a:effectLst/>
-                        <a:latin typeface="Calibri" panose="020F0502020204030204" pitchFamily="34" charset="0"/>
-                      </a:endParaRPr>
                     </a:p>
                   </a:txBody>
                   <a:tcPr marL="9525" marR="9525" marT="9525" marB="0" anchor="b">
@@ -14449,7 +16191,7 @@
                       <a:tailEnd type="none" w="med" len="med"/>
                     </a:lnB>
                     <a:solidFill>
-                      <a:schemeClr val="accent4"/>
+                      <a:srgbClr val="FFC000"/>
                     </a:solidFill>
                   </a:tcPr>
                 </a:tc>
@@ -14460,7 +16202,7 @@
                     <a:p>
                       <a:pPr algn="r" fontAlgn="b"/>
                       <a:r>
-                        <a:rPr lang="en-MY" sz="900" b="0" i="0" u="none" strike="noStrike" dirty="0">
+                        <a:rPr lang="en-MY" sz="900" b="0" i="0" u="none" strike="noStrike">
                           <a:solidFill>
                             <a:srgbClr val="000000"/>
                           </a:solidFill>
@@ -14631,7 +16373,7 @@
                     <a:p>
                       <a:pPr algn="r" fontAlgn="b"/>
                       <a:r>
-                        <a:rPr lang="en-MY" sz="900" b="0" i="0" u="none" strike="noStrike">
+                        <a:rPr lang="en-MY" sz="900" b="0" i="0" u="none" strike="noStrike" dirty="0">
                           <a:solidFill>
                             <a:srgbClr val="000000"/>
                           </a:solidFill>
@@ -14688,7 +16430,7 @@
                     <a:p>
                       <a:pPr algn="r" fontAlgn="b"/>
                       <a:r>
-                        <a:rPr lang="en-MY" sz="900" b="0" i="0" u="none" strike="noStrike">
+                        <a:rPr lang="en-MY" sz="900" b="0" i="0" u="none" strike="noStrike" dirty="0">
                           <a:solidFill>
                             <a:srgbClr val="000000"/>
                           </a:solidFill>
@@ -15030,7 +16772,7 @@
                     <a:p>
                       <a:pPr algn="r" fontAlgn="b"/>
                       <a:r>
-                        <a:rPr lang="en-MY" sz="900" b="0" i="0" u="none" strike="noStrike">
+                        <a:rPr lang="en-MY" sz="900" b="0" i="0" u="none" strike="noStrike" dirty="0">
                           <a:solidFill>
                             <a:srgbClr val="000000"/>
                           </a:solidFill>
@@ -15038,6 +16780,63 @@
                           <a:latin typeface="Calibri" panose="020F0502020204030204" pitchFamily="34" charset="0"/>
                         </a:rPr>
                         <a:t>218</a:t>
+                      </a:r>
+                    </a:p>
+                  </a:txBody>
+                  <a:tcPr marL="9525" marR="9525" marT="9525" marB="0" anchor="b">
+                    <a:lnL w="12700" cap="flat" cmpd="sng" algn="ctr">
+                      <a:solidFill>
+                        <a:schemeClr val="tx1"/>
+                      </a:solidFill>
+                      <a:prstDash val="solid"/>
+                      <a:round/>
+                      <a:headEnd type="none" w="med" len="med"/>
+                      <a:tailEnd type="none" w="med" len="med"/>
+                    </a:lnL>
+                    <a:lnR w="12700" cap="flat" cmpd="sng" algn="ctr">
+                      <a:solidFill>
+                        <a:schemeClr val="tx1"/>
+                      </a:solidFill>
+                      <a:prstDash val="solid"/>
+                      <a:round/>
+                      <a:headEnd type="none" w="med" len="med"/>
+                      <a:tailEnd type="none" w="med" len="med"/>
+                    </a:lnR>
+                    <a:lnT w="12700" cap="flat" cmpd="sng" algn="ctr">
+                      <a:solidFill>
+                        <a:schemeClr val="tx1"/>
+                      </a:solidFill>
+                      <a:prstDash val="solid"/>
+                      <a:round/>
+                      <a:headEnd type="none" w="med" len="med"/>
+                      <a:tailEnd type="none" w="med" len="med"/>
+                    </a:lnT>
+                    <a:lnB w="12700" cap="flat" cmpd="sng" algn="ctr">
+                      <a:solidFill>
+                        <a:schemeClr val="tx1"/>
+                      </a:solidFill>
+                      <a:prstDash val="solid"/>
+                      <a:round/>
+                      <a:headEnd type="none" w="med" len="med"/>
+                      <a:tailEnd type="none" w="med" len="med"/>
+                    </a:lnB>
+                  </a:tcPr>
+                </a:tc>
+                <a:tc>
+                  <a:txBody>
+                    <a:bodyPr/>
+                    <a:lstStyle/>
+                    <a:p>
+                      <a:pPr algn="r" fontAlgn="b"/>
+                      <a:r>
+                        <a:rPr lang="en-MY" sz="900" b="0" i="0" u="none" strike="noStrike" dirty="0">
+                          <a:solidFill>
+                            <a:srgbClr val="000000"/>
+                          </a:solidFill>
+                          <a:effectLst/>
+                          <a:latin typeface="Calibri" panose="020F0502020204030204" pitchFamily="34" charset="0"/>
+                        </a:rPr>
+                        <a:t>-1270000</a:t>
                       </a:r>
                     </a:p>
                   </a:txBody>
@@ -15094,7 +16893,7 @@
                           <a:effectLst/>
                           <a:latin typeface="Calibri" panose="020F0502020204030204" pitchFamily="34" charset="0"/>
                         </a:rPr>
-                        <a:t>-1270000</a:t>
+                        <a:t>5</a:t>
                       </a:r>
                     </a:p>
                   </a:txBody>
@@ -15137,66 +16936,9 @@
                     </a:lnB>
                   </a:tcPr>
                 </a:tc>
-                <a:tc>
-                  <a:txBody>
-                    <a:bodyPr/>
-                    <a:lstStyle/>
-                    <a:p>
-                      <a:pPr algn="r" fontAlgn="b"/>
-                      <a:r>
-                        <a:rPr lang="en-MY" sz="900" b="0" i="0" u="none" strike="noStrike">
-                          <a:solidFill>
-                            <a:srgbClr val="000000"/>
-                          </a:solidFill>
-                          <a:effectLst/>
-                          <a:latin typeface="Calibri" panose="020F0502020204030204" pitchFamily="34" charset="0"/>
-                        </a:rPr>
-                        <a:t>3</a:t>
-                      </a:r>
-                    </a:p>
-                  </a:txBody>
-                  <a:tcPr marL="9525" marR="9525" marT="9525" marB="0" anchor="b">
-                    <a:lnL w="12700" cap="flat" cmpd="sng" algn="ctr">
-                      <a:solidFill>
-                        <a:schemeClr val="tx1"/>
-                      </a:solidFill>
-                      <a:prstDash val="solid"/>
-                      <a:round/>
-                      <a:headEnd type="none" w="med" len="med"/>
-                      <a:tailEnd type="none" w="med" len="med"/>
-                    </a:lnL>
-                    <a:lnR w="12700" cap="flat" cmpd="sng" algn="ctr">
-                      <a:solidFill>
-                        <a:schemeClr val="tx1"/>
-                      </a:solidFill>
-                      <a:prstDash val="solid"/>
-                      <a:round/>
-                      <a:headEnd type="none" w="med" len="med"/>
-                      <a:tailEnd type="none" w="med" len="med"/>
-                    </a:lnR>
-                    <a:lnT w="12700" cap="flat" cmpd="sng" algn="ctr">
-                      <a:solidFill>
-                        <a:schemeClr val="tx1"/>
-                      </a:solidFill>
-                      <a:prstDash val="solid"/>
-                      <a:round/>
-                      <a:headEnd type="none" w="med" len="med"/>
-                      <a:tailEnd type="none" w="med" len="med"/>
-                    </a:lnT>
-                    <a:lnB w="12700" cap="flat" cmpd="sng" algn="ctr">
-                      <a:solidFill>
-                        <a:schemeClr val="tx1"/>
-                      </a:solidFill>
-                      <a:prstDash val="solid"/>
-                      <a:round/>
-                      <a:headEnd type="none" w="med" len="med"/>
-                      <a:tailEnd type="none" w="med" len="med"/>
-                    </a:lnB>
-                  </a:tcPr>
-                </a:tc>
                 <a:extLst>
                   <a:ext uri="{0D108BD9-81ED-4DB2-BD59-A6C34878D82A}">
-                    <a16:rowId xmlns:a16="http://schemas.microsoft.com/office/drawing/2014/main" val="3382022166"/>
+                    <a16:rowId xmlns:a16="http://schemas.microsoft.com/office/drawing/2014/main" val="3892829912"/>
                   </a:ext>
                 </a:extLst>
               </a:tr>
@@ -15208,7 +16950,7 @@
                     <a:p>
                       <a:pPr algn="l" fontAlgn="b"/>
                       <a:r>
-                        <a:rPr lang="en-MY" sz="900" b="1" i="0" u="none" strike="noStrike" dirty="0" err="1">
+                        <a:rPr lang="en-MY" sz="900" b="0" i="0" u="none" strike="noStrike" dirty="0" err="1">
                           <a:solidFill>
                             <a:srgbClr val="000000"/>
                           </a:solidFill>
@@ -15217,7 +16959,7 @@
                         </a:rPr>
                         <a:t>LightGBM</a:t>
                       </a:r>
-                      <a:endParaRPr lang="en-MY" sz="900" b="1" i="0" u="none" strike="noStrike" dirty="0">
+                      <a:endParaRPr lang="en-MY" sz="900" b="0" i="0" u="none" strike="noStrike" dirty="0">
                         <a:solidFill>
                           <a:srgbClr val="000000"/>
                         </a:solidFill>
@@ -15264,7 +17006,7 @@
                       <a:tailEnd type="none" w="med" len="med"/>
                     </a:lnB>
                     <a:solidFill>
-                      <a:schemeClr val="accent4"/>
+                      <a:srgbClr val="FFC000"/>
                     </a:solidFill>
                   </a:tcPr>
                 </a:tc>
@@ -15446,7 +17188,7 @@
                     <a:p>
                       <a:pPr algn="r" fontAlgn="b"/>
                       <a:r>
-                        <a:rPr lang="en-MY" sz="900" b="0" i="0" u="none" strike="noStrike" dirty="0">
+                        <a:rPr lang="en-MY" sz="900" b="0" i="0" u="none" strike="noStrike">
                           <a:solidFill>
                             <a:srgbClr val="000000"/>
                           </a:solidFill>
@@ -15560,7 +17302,7 @@
                     <a:p>
                       <a:pPr algn="r" fontAlgn="b"/>
                       <a:r>
-                        <a:rPr lang="en-MY" sz="900" b="0" i="0" u="none" strike="noStrike">
+                        <a:rPr lang="en-MY" sz="900" b="0" i="0" u="none" strike="noStrike" dirty="0">
                           <a:solidFill>
                             <a:srgbClr val="000000"/>
                           </a:solidFill>
@@ -15845,7 +17587,7 @@
                     <a:p>
                       <a:pPr algn="r" fontAlgn="b"/>
                       <a:r>
-                        <a:rPr lang="en-MY" sz="900" b="0" i="0" u="none" strike="noStrike">
+                        <a:rPr lang="en-MY" sz="900" b="0" i="0" u="none" strike="noStrike" dirty="0">
                           <a:solidFill>
                             <a:srgbClr val="000000"/>
                           </a:solidFill>
@@ -15902,7 +17644,7 @@
                     <a:p>
                       <a:pPr algn="r" fontAlgn="b"/>
                       <a:r>
-                        <a:rPr lang="en-MY" sz="900" b="0" i="0" u="none" strike="noStrike">
+                        <a:rPr lang="en-MY" sz="900" b="0" i="0" u="none" strike="noStrike" dirty="0">
                           <a:solidFill>
                             <a:srgbClr val="000000"/>
                           </a:solidFill>
@@ -15959,14 +17701,14 @@
                     <a:p>
                       <a:pPr algn="r" fontAlgn="b"/>
                       <a:r>
-                        <a:rPr lang="en-MY" sz="900" b="0" i="0" u="none" strike="noStrike">
+                        <a:rPr lang="en-MY" sz="900" b="0" i="0" u="none" strike="noStrike" dirty="0">
                           <a:solidFill>
                             <a:srgbClr val="000000"/>
                           </a:solidFill>
                           <a:effectLst/>
                           <a:latin typeface="Calibri" panose="020F0502020204030204" pitchFamily="34" charset="0"/>
                         </a:rPr>
-                        <a:t>4</a:t>
+                        <a:t>6</a:t>
                       </a:r>
                     </a:p>
                   </a:txBody>
@@ -16011,7 +17753,7 @@
                 </a:tc>
                 <a:extLst>
                   <a:ext uri="{0D108BD9-81ED-4DB2-BD59-A6C34878D82A}">
-                    <a16:rowId xmlns:a16="http://schemas.microsoft.com/office/drawing/2014/main" val="1961541116"/>
+                    <a16:rowId xmlns:a16="http://schemas.microsoft.com/office/drawing/2014/main" val="77639877"/>
                   </a:ext>
                 </a:extLst>
               </a:tr>
@@ -16023,15 +17765,22 @@
                     <a:p>
                       <a:pPr algn="l" fontAlgn="b"/>
                       <a:r>
-                        <a:rPr lang="en-MY" sz="900" b="1" i="0" u="none" strike="noStrike" dirty="0">
+                        <a:rPr lang="en-MY" sz="900" b="0" i="0" u="none" strike="noStrike" dirty="0" err="1">
                           <a:solidFill>
                             <a:srgbClr val="000000"/>
                           </a:solidFill>
                           <a:effectLst/>
                           <a:latin typeface="Calibri" panose="020F0502020204030204" pitchFamily="34" charset="0"/>
                         </a:rPr>
-                        <a:t>LightGBMGridSearch</a:t>
+                        <a:t>RandomForestOptimized</a:t>
                       </a:r>
+                      <a:endParaRPr lang="en-MY" sz="900" b="0" i="0" u="none" strike="noStrike" dirty="0">
+                        <a:solidFill>
+                          <a:srgbClr val="000000"/>
+                        </a:solidFill>
+                        <a:effectLst/>
+                        <a:latin typeface="Calibri" panose="020F0502020204030204" pitchFamily="34" charset="0"/>
+                      </a:endParaRPr>
                     </a:p>
                   </a:txBody>
                   <a:tcPr marL="9525" marR="9525" marT="9525" marB="0" anchor="b">
@@ -16090,7 +17839,7 @@
                           <a:effectLst/>
                           <a:latin typeface="Calibri" panose="020F0502020204030204" pitchFamily="34" charset="0"/>
                         </a:rPr>
-                        <a:t>0.999914</a:t>
+                        <a:t>0.999957</a:t>
                       </a:r>
                     </a:p>
                   </a:txBody>
@@ -16147,7 +17896,121 @@
                           <a:effectLst/>
                           <a:latin typeface="Calibri" panose="020F0502020204030204" pitchFamily="34" charset="0"/>
                         </a:rPr>
-                        <a:t>0.892537</a:t>
+                        <a:t>0.893202</a:t>
+                      </a:r>
+                    </a:p>
+                  </a:txBody>
+                  <a:tcPr marL="9525" marR="9525" marT="9525" marB="0" anchor="b">
+                    <a:lnL w="12700" cap="flat" cmpd="sng" algn="ctr">
+                      <a:solidFill>
+                        <a:schemeClr val="tx1"/>
+                      </a:solidFill>
+                      <a:prstDash val="solid"/>
+                      <a:round/>
+                      <a:headEnd type="none" w="med" len="med"/>
+                      <a:tailEnd type="none" w="med" len="med"/>
+                    </a:lnL>
+                    <a:lnR w="12700" cap="flat" cmpd="sng" algn="ctr">
+                      <a:solidFill>
+                        <a:schemeClr val="tx1"/>
+                      </a:solidFill>
+                      <a:prstDash val="solid"/>
+                      <a:round/>
+                      <a:headEnd type="none" w="med" len="med"/>
+                      <a:tailEnd type="none" w="med" len="med"/>
+                    </a:lnR>
+                    <a:lnT w="12700" cap="flat" cmpd="sng" algn="ctr">
+                      <a:solidFill>
+                        <a:schemeClr val="tx1"/>
+                      </a:solidFill>
+                      <a:prstDash val="solid"/>
+                      <a:round/>
+                      <a:headEnd type="none" w="med" len="med"/>
+                      <a:tailEnd type="none" w="med" len="med"/>
+                    </a:lnT>
+                    <a:lnB w="12700" cap="flat" cmpd="sng" algn="ctr">
+                      <a:solidFill>
+                        <a:schemeClr val="tx1"/>
+                      </a:solidFill>
+                      <a:prstDash val="solid"/>
+                      <a:round/>
+                      <a:headEnd type="none" w="med" len="med"/>
+                      <a:tailEnd type="none" w="med" len="med"/>
+                    </a:lnB>
+                  </a:tcPr>
+                </a:tc>
+                <a:tc>
+                  <a:txBody>
+                    <a:bodyPr/>
+                    <a:lstStyle/>
+                    <a:p>
+                      <a:pPr algn="r" fontAlgn="b"/>
+                      <a:r>
+                        <a:rPr lang="en-MY" sz="900" b="0" i="0" u="none" strike="noStrike">
+                          <a:solidFill>
+                            <a:srgbClr val="000000"/>
+                          </a:solidFill>
+                          <a:effectLst/>
+                          <a:latin typeface="Calibri" panose="020F0502020204030204" pitchFamily="34" charset="0"/>
+                        </a:rPr>
+                        <a:t>0.999957</a:t>
+                      </a:r>
+                    </a:p>
+                  </a:txBody>
+                  <a:tcPr marL="9525" marR="9525" marT="9525" marB="0" anchor="b">
+                    <a:lnL w="12700" cap="flat" cmpd="sng" algn="ctr">
+                      <a:solidFill>
+                        <a:schemeClr val="tx1"/>
+                      </a:solidFill>
+                      <a:prstDash val="solid"/>
+                      <a:round/>
+                      <a:headEnd type="none" w="med" len="med"/>
+                      <a:tailEnd type="none" w="med" len="med"/>
+                    </a:lnL>
+                    <a:lnR w="12700" cap="flat" cmpd="sng" algn="ctr">
+                      <a:solidFill>
+                        <a:schemeClr val="tx1"/>
+                      </a:solidFill>
+                      <a:prstDash val="solid"/>
+                      <a:round/>
+                      <a:headEnd type="none" w="med" len="med"/>
+                      <a:tailEnd type="none" w="med" len="med"/>
+                    </a:lnR>
+                    <a:lnT w="12700" cap="flat" cmpd="sng" algn="ctr">
+                      <a:solidFill>
+                        <a:schemeClr val="tx1"/>
+                      </a:solidFill>
+                      <a:prstDash val="solid"/>
+                      <a:round/>
+                      <a:headEnd type="none" w="med" len="med"/>
+                      <a:tailEnd type="none" w="med" len="med"/>
+                    </a:lnT>
+                    <a:lnB w="12700" cap="flat" cmpd="sng" algn="ctr">
+                      <a:solidFill>
+                        <a:schemeClr val="tx1"/>
+                      </a:solidFill>
+                      <a:prstDash val="solid"/>
+                      <a:round/>
+                      <a:headEnd type="none" w="med" len="med"/>
+                      <a:tailEnd type="none" w="med" len="med"/>
+                    </a:lnB>
+                  </a:tcPr>
+                </a:tc>
+                <a:tc>
+                  <a:txBody>
+                    <a:bodyPr/>
+                    <a:lstStyle/>
+                    <a:p>
+                      <a:pPr algn="r" fontAlgn="b"/>
+                      <a:r>
+                        <a:rPr lang="en-MY" sz="900" b="0" i="0" u="none" strike="noStrike" dirty="0">
+                          <a:solidFill>
+                            <a:srgbClr val="000000"/>
+                          </a:solidFill>
+                          <a:effectLst/>
+                          <a:latin typeface="Calibri" panose="020F0502020204030204" pitchFamily="34" charset="0"/>
+                        </a:rPr>
+                        <a:t>0.963775</a:t>
                       </a:r>
                     </a:p>
                   </a:txBody>
@@ -16254,14 +18117,71 @@
                     <a:p>
                       <a:pPr algn="r" fontAlgn="b"/>
                       <a:r>
-                        <a:rPr lang="en-MY" sz="900" b="0" i="0" u="none" strike="noStrike">
+                        <a:rPr lang="en-MY" sz="900" b="0" i="0" u="none" strike="noStrike" dirty="0">
                           <a:solidFill>
                             <a:srgbClr val="000000"/>
                           </a:solidFill>
                           <a:effectLst/>
                           <a:latin typeface="Calibri" panose="020F0502020204030204" pitchFamily="34" charset="0"/>
                         </a:rPr>
-                        <a:t>0.965682</a:t>
+                        <a:t>0.77085</a:t>
+                      </a:r>
+                    </a:p>
+                  </a:txBody>
+                  <a:tcPr marL="9525" marR="9525" marT="9525" marB="0" anchor="b">
+                    <a:lnL w="12700" cap="flat" cmpd="sng" algn="ctr">
+                      <a:solidFill>
+                        <a:schemeClr val="tx1"/>
+                      </a:solidFill>
+                      <a:prstDash val="solid"/>
+                      <a:round/>
+                      <a:headEnd type="none" w="med" len="med"/>
+                      <a:tailEnd type="none" w="med" len="med"/>
+                    </a:lnL>
+                    <a:lnR w="12700" cap="flat" cmpd="sng" algn="ctr">
+                      <a:solidFill>
+                        <a:schemeClr val="tx1"/>
+                      </a:solidFill>
+                      <a:prstDash val="solid"/>
+                      <a:round/>
+                      <a:headEnd type="none" w="med" len="med"/>
+                      <a:tailEnd type="none" w="med" len="med"/>
+                    </a:lnR>
+                    <a:lnT w="12700" cap="flat" cmpd="sng" algn="ctr">
+                      <a:solidFill>
+                        <a:schemeClr val="tx1"/>
+                      </a:solidFill>
+                      <a:prstDash val="solid"/>
+                      <a:round/>
+                      <a:headEnd type="none" w="med" len="med"/>
+                      <a:tailEnd type="none" w="med" len="med"/>
+                    </a:lnT>
+                    <a:lnB w="12700" cap="flat" cmpd="sng" algn="ctr">
+                      <a:solidFill>
+                        <a:schemeClr val="tx1"/>
+                      </a:solidFill>
+                      <a:prstDash val="solid"/>
+                      <a:round/>
+                      <a:headEnd type="none" w="med" len="med"/>
+                      <a:tailEnd type="none" w="med" len="med"/>
+                    </a:lnB>
+                  </a:tcPr>
+                </a:tc>
+                <a:tc>
+                  <a:txBody>
+                    <a:bodyPr/>
+                    <a:lstStyle/>
+                    <a:p>
+                      <a:pPr algn="r" fontAlgn="b"/>
+                      <a:r>
+                        <a:rPr lang="en-MY" sz="900" b="0" i="0" u="none" strike="noStrike" dirty="0">
+                          <a:solidFill>
+                            <a:srgbClr val="000000"/>
+                          </a:solidFill>
+                          <a:effectLst/>
+                          <a:latin typeface="Calibri" panose="020F0502020204030204" pitchFamily="34" charset="0"/>
+                        </a:rPr>
+                        <a:t>0.999957</a:t>
                       </a:r>
                     </a:p>
                   </a:txBody>
@@ -16318,7 +18238,121 @@
                           <a:effectLst/>
                           <a:latin typeface="Calibri" panose="020F0502020204030204" pitchFamily="34" charset="0"/>
                         </a:rPr>
-                        <a:t>0.999827</a:t>
+                        <a:t>0.790441</a:t>
+                      </a:r>
+                    </a:p>
+                  </a:txBody>
+                  <a:tcPr marL="9525" marR="9525" marT="9525" marB="0" anchor="b">
+                    <a:lnL w="12700" cap="flat" cmpd="sng" algn="ctr">
+                      <a:solidFill>
+                        <a:schemeClr val="tx1"/>
+                      </a:solidFill>
+                      <a:prstDash val="solid"/>
+                      <a:round/>
+                      <a:headEnd type="none" w="med" len="med"/>
+                      <a:tailEnd type="none" w="med" len="med"/>
+                    </a:lnL>
+                    <a:lnR w="12700" cap="flat" cmpd="sng" algn="ctr">
+                      <a:solidFill>
+                        <a:schemeClr val="tx1"/>
+                      </a:solidFill>
+                      <a:prstDash val="solid"/>
+                      <a:round/>
+                      <a:headEnd type="none" w="med" len="med"/>
+                      <a:tailEnd type="none" w="med" len="med"/>
+                    </a:lnR>
+                    <a:lnT w="12700" cap="flat" cmpd="sng" algn="ctr">
+                      <a:solidFill>
+                        <a:schemeClr val="tx1"/>
+                      </a:solidFill>
+                      <a:prstDash val="solid"/>
+                      <a:round/>
+                      <a:headEnd type="none" w="med" len="med"/>
+                      <a:tailEnd type="none" w="med" len="med"/>
+                    </a:lnT>
+                    <a:lnB w="12700" cap="flat" cmpd="sng" algn="ctr">
+                      <a:solidFill>
+                        <a:schemeClr val="tx1"/>
+                      </a:solidFill>
+                      <a:prstDash val="solid"/>
+                      <a:round/>
+                      <a:headEnd type="none" w="med" len="med"/>
+                      <a:tailEnd type="none" w="med" len="med"/>
+                    </a:lnB>
+                  </a:tcPr>
+                </a:tc>
+                <a:tc>
+                  <a:txBody>
+                    <a:bodyPr/>
+                    <a:lstStyle/>
+                    <a:p>
+                      <a:pPr algn="r" fontAlgn="b"/>
+                      <a:r>
+                        <a:rPr lang="en-MY" sz="900" b="0" i="0" u="none" strike="noStrike">
+                          <a:solidFill>
+                            <a:srgbClr val="000000"/>
+                          </a:solidFill>
+                          <a:effectLst/>
+                          <a:latin typeface="Calibri" panose="020F0502020204030204" pitchFamily="34" charset="0"/>
+                        </a:rPr>
+                        <a:t>63</a:t>
+                      </a:r>
+                    </a:p>
+                  </a:txBody>
+                  <a:tcPr marL="9525" marR="9525" marT="9525" marB="0" anchor="b">
+                    <a:lnL w="12700" cap="flat" cmpd="sng" algn="ctr">
+                      <a:solidFill>
+                        <a:schemeClr val="tx1"/>
+                      </a:solidFill>
+                      <a:prstDash val="solid"/>
+                      <a:round/>
+                      <a:headEnd type="none" w="med" len="med"/>
+                      <a:tailEnd type="none" w="med" len="med"/>
+                    </a:lnL>
+                    <a:lnR w="12700" cap="flat" cmpd="sng" algn="ctr">
+                      <a:solidFill>
+                        <a:schemeClr val="tx1"/>
+                      </a:solidFill>
+                      <a:prstDash val="solid"/>
+                      <a:round/>
+                      <a:headEnd type="none" w="med" len="med"/>
+                      <a:tailEnd type="none" w="med" len="med"/>
+                    </a:lnR>
+                    <a:lnT w="12700" cap="flat" cmpd="sng" algn="ctr">
+                      <a:solidFill>
+                        <a:schemeClr val="tx1"/>
+                      </a:solidFill>
+                      <a:prstDash val="solid"/>
+                      <a:round/>
+                      <a:headEnd type="none" w="med" len="med"/>
+                      <a:tailEnd type="none" w="med" len="med"/>
+                    </a:lnT>
+                    <a:lnB w="12700" cap="flat" cmpd="sng" algn="ctr">
+                      <a:solidFill>
+                        <a:schemeClr val="tx1"/>
+                      </a:solidFill>
+                      <a:prstDash val="solid"/>
+                      <a:round/>
+                      <a:headEnd type="none" w="med" len="med"/>
+                      <a:tailEnd type="none" w="med" len="med"/>
+                    </a:lnB>
+                  </a:tcPr>
+                </a:tc>
+                <a:tc>
+                  <a:txBody>
+                    <a:bodyPr/>
+                    <a:lstStyle/>
+                    <a:p>
+                      <a:pPr algn="r" fontAlgn="b"/>
+                      <a:r>
+                        <a:rPr lang="en-MY" sz="900" b="0" i="0" u="none" strike="noStrike">
+                          <a:solidFill>
+                            <a:srgbClr val="000000"/>
+                          </a:solidFill>
+                          <a:effectLst/>
+                          <a:latin typeface="Calibri" panose="020F0502020204030204" pitchFamily="34" charset="0"/>
+                        </a:rPr>
+                        <a:t>51</a:t>
                       </a:r>
                     </a:p>
                   </a:txBody>
@@ -16375,7 +18409,7 @@
                           <a:effectLst/>
                           <a:latin typeface="Calibri" panose="020F0502020204030204" pitchFamily="34" charset="0"/>
                         </a:rPr>
-                        <a:t>0.779778</a:t>
+                        <a:t>215</a:t>
                       </a:r>
                     </a:p>
                   </a:txBody>
@@ -16432,761 +18466,7 @@
                           <a:effectLst/>
                           <a:latin typeface="Calibri" panose="020F0502020204030204" pitchFamily="34" charset="0"/>
                         </a:rPr>
-                        <a:t>0.999914</a:t>
-                      </a:r>
-                    </a:p>
-                  </a:txBody>
-                  <a:tcPr marL="9525" marR="9525" marT="9525" marB="0" anchor="b">
-                    <a:lnL w="12700" cap="flat" cmpd="sng" algn="ctr">
-                      <a:solidFill>
-                        <a:schemeClr val="tx1"/>
-                      </a:solidFill>
-                      <a:prstDash val="solid"/>
-                      <a:round/>
-                      <a:headEnd type="none" w="med" len="med"/>
-                      <a:tailEnd type="none" w="med" len="med"/>
-                    </a:lnL>
-                    <a:lnR w="12700" cap="flat" cmpd="sng" algn="ctr">
-                      <a:solidFill>
-                        <a:schemeClr val="tx1"/>
-                      </a:solidFill>
-                      <a:prstDash val="solid"/>
-                      <a:round/>
-                      <a:headEnd type="none" w="med" len="med"/>
-                      <a:tailEnd type="none" w="med" len="med"/>
-                    </a:lnR>
-                    <a:lnT w="12700" cap="flat" cmpd="sng" algn="ctr">
-                      <a:solidFill>
-                        <a:schemeClr val="tx1"/>
-                      </a:solidFill>
-                      <a:prstDash val="solid"/>
-                      <a:round/>
-                      <a:headEnd type="none" w="med" len="med"/>
-                      <a:tailEnd type="none" w="med" len="med"/>
-                    </a:lnT>
-                    <a:lnB w="12700" cap="flat" cmpd="sng" algn="ctr">
-                      <a:solidFill>
-                        <a:schemeClr val="tx1"/>
-                      </a:solidFill>
-                      <a:prstDash val="solid"/>
-                      <a:round/>
-                      <a:headEnd type="none" w="med" len="med"/>
-                      <a:tailEnd type="none" w="med" len="med"/>
-                    </a:lnB>
-                  </a:tcPr>
-                </a:tc>
-                <a:tc>
-                  <a:txBody>
-                    <a:bodyPr/>
-                    <a:lstStyle/>
-                    <a:p>
-                      <a:pPr algn="r" fontAlgn="b"/>
-                      <a:r>
-                        <a:rPr lang="en-MY" sz="900" b="0" i="0" u="none" strike="noStrike">
-                          <a:solidFill>
-                            <a:srgbClr val="000000"/>
-                          </a:solidFill>
-                          <a:effectLst/>
-                          <a:latin typeface="Calibri" panose="020F0502020204030204" pitchFamily="34" charset="0"/>
-                        </a:rPr>
-                        <a:t>0.798507</a:t>
-                      </a:r>
-                    </a:p>
-                  </a:txBody>
-                  <a:tcPr marL="9525" marR="9525" marT="9525" marB="0" anchor="b">
-                    <a:lnL w="12700" cap="flat" cmpd="sng" algn="ctr">
-                      <a:solidFill>
-                        <a:schemeClr val="tx1"/>
-                      </a:solidFill>
-                      <a:prstDash val="solid"/>
-                      <a:round/>
-                      <a:headEnd type="none" w="med" len="med"/>
-                      <a:tailEnd type="none" w="med" len="med"/>
-                    </a:lnL>
-                    <a:lnR w="12700" cap="flat" cmpd="sng" algn="ctr">
-                      <a:solidFill>
-                        <a:schemeClr val="tx1"/>
-                      </a:solidFill>
-                      <a:prstDash val="solid"/>
-                      <a:round/>
-                      <a:headEnd type="none" w="med" len="med"/>
-                      <a:tailEnd type="none" w="med" len="med"/>
-                    </a:lnR>
-                    <a:lnT w="12700" cap="flat" cmpd="sng" algn="ctr">
-                      <a:solidFill>
-                        <a:schemeClr val="tx1"/>
-                      </a:solidFill>
-                      <a:prstDash val="solid"/>
-                      <a:round/>
-                      <a:headEnd type="none" w="med" len="med"/>
-                      <a:tailEnd type="none" w="med" len="med"/>
-                    </a:lnT>
-                    <a:lnB w="12700" cap="flat" cmpd="sng" algn="ctr">
-                      <a:solidFill>
-                        <a:schemeClr val="tx1"/>
-                      </a:solidFill>
-                      <a:prstDash val="solid"/>
-                      <a:round/>
-                      <a:headEnd type="none" w="med" len="med"/>
-                      <a:tailEnd type="none" w="med" len="med"/>
-                    </a:lnB>
-                  </a:tcPr>
-                </a:tc>
-                <a:tc>
-                  <a:txBody>
-                    <a:bodyPr/>
-                    <a:lstStyle/>
-                    <a:p>
-                      <a:pPr algn="r" fontAlgn="b"/>
-                      <a:r>
-                        <a:rPr lang="en-MY" sz="900" b="0" i="0" u="none" strike="noStrike">
-                          <a:solidFill>
-                            <a:srgbClr val="000000"/>
-                          </a:solidFill>
-                          <a:effectLst/>
-                          <a:latin typeface="Calibri" panose="020F0502020204030204" pitchFamily="34" charset="0"/>
-                        </a:rPr>
-                        <a:t>56</a:t>
-                      </a:r>
-                    </a:p>
-                  </a:txBody>
-                  <a:tcPr marL="9525" marR="9525" marT="9525" marB="0" anchor="b">
-                    <a:lnL w="12700" cap="flat" cmpd="sng" algn="ctr">
-                      <a:solidFill>
-                        <a:schemeClr val="tx1"/>
-                      </a:solidFill>
-                      <a:prstDash val="solid"/>
-                      <a:round/>
-                      <a:headEnd type="none" w="med" len="med"/>
-                      <a:tailEnd type="none" w="med" len="med"/>
-                    </a:lnL>
-                    <a:lnR w="12700" cap="flat" cmpd="sng" algn="ctr">
-                      <a:solidFill>
-                        <a:schemeClr val="tx1"/>
-                      </a:solidFill>
-                      <a:prstDash val="solid"/>
-                      <a:round/>
-                      <a:headEnd type="none" w="med" len="med"/>
-                      <a:tailEnd type="none" w="med" len="med"/>
-                    </a:lnR>
-                    <a:lnT w="12700" cap="flat" cmpd="sng" algn="ctr">
-                      <a:solidFill>
-                        <a:schemeClr val="tx1"/>
-                      </a:solidFill>
-                      <a:prstDash val="solid"/>
-                      <a:round/>
-                      <a:headEnd type="none" w="med" len="med"/>
-                      <a:tailEnd type="none" w="med" len="med"/>
-                    </a:lnT>
-                    <a:lnB w="12700" cap="flat" cmpd="sng" algn="ctr">
-                      <a:solidFill>
-                        <a:schemeClr val="tx1"/>
-                      </a:solidFill>
-                      <a:prstDash val="solid"/>
-                      <a:round/>
-                      <a:headEnd type="none" w="med" len="med"/>
-                      <a:tailEnd type="none" w="med" len="med"/>
-                    </a:lnB>
-                  </a:tcPr>
-                </a:tc>
-                <a:tc>
-                  <a:txBody>
-                    <a:bodyPr/>
-                    <a:lstStyle/>
-                    <a:p>
-                      <a:pPr algn="r" fontAlgn="b"/>
-                      <a:r>
-                        <a:rPr lang="en-MY" sz="900" b="0" i="0" u="none" strike="noStrike">
-                          <a:solidFill>
-                            <a:srgbClr val="000000"/>
-                          </a:solidFill>
-                          <a:effectLst/>
-                          <a:latin typeface="Calibri" panose="020F0502020204030204" pitchFamily="34" charset="0"/>
-                        </a:rPr>
-                        <a:t>52</a:t>
-                      </a:r>
-                    </a:p>
-                  </a:txBody>
-                  <a:tcPr marL="9525" marR="9525" marT="9525" marB="0" anchor="b">
-                    <a:lnL w="12700" cap="flat" cmpd="sng" algn="ctr">
-                      <a:solidFill>
-                        <a:schemeClr val="tx1"/>
-                      </a:solidFill>
-                      <a:prstDash val="solid"/>
-                      <a:round/>
-                      <a:headEnd type="none" w="med" len="med"/>
-                      <a:tailEnd type="none" w="med" len="med"/>
-                    </a:lnL>
-                    <a:lnR w="12700" cap="flat" cmpd="sng" algn="ctr">
-                      <a:solidFill>
-                        <a:schemeClr val="tx1"/>
-                      </a:solidFill>
-                      <a:prstDash val="solid"/>
-                      <a:round/>
-                      <a:headEnd type="none" w="med" len="med"/>
-                      <a:tailEnd type="none" w="med" len="med"/>
-                    </a:lnR>
-                    <a:lnT w="12700" cap="flat" cmpd="sng" algn="ctr">
-                      <a:solidFill>
-                        <a:schemeClr val="tx1"/>
-                      </a:solidFill>
-                      <a:prstDash val="solid"/>
-                      <a:round/>
-                      <a:headEnd type="none" w="med" len="med"/>
-                      <a:tailEnd type="none" w="med" len="med"/>
-                    </a:lnT>
-                    <a:lnB w="12700" cap="flat" cmpd="sng" algn="ctr">
-                      <a:solidFill>
-                        <a:schemeClr val="tx1"/>
-                      </a:solidFill>
-                      <a:prstDash val="solid"/>
-                      <a:round/>
-                      <a:headEnd type="none" w="med" len="med"/>
-                      <a:tailEnd type="none" w="med" len="med"/>
-                    </a:lnB>
-                  </a:tcPr>
-                </a:tc>
-                <a:tc>
-                  <a:txBody>
-                    <a:bodyPr/>
-                    <a:lstStyle/>
-                    <a:p>
-                      <a:pPr algn="r" fontAlgn="b"/>
-                      <a:r>
-                        <a:rPr lang="en-MY" sz="900" b="0" i="0" u="none" strike="noStrike">
-                          <a:solidFill>
-                            <a:srgbClr val="000000"/>
-                          </a:solidFill>
-                          <a:effectLst/>
-                          <a:latin typeface="Calibri" panose="020F0502020204030204" pitchFamily="34" charset="0"/>
-                        </a:rPr>
-                        <a:t>214</a:t>
-                      </a:r>
-                    </a:p>
-                  </a:txBody>
-                  <a:tcPr marL="9525" marR="9525" marT="9525" marB="0" anchor="b">
-                    <a:lnL w="12700" cap="flat" cmpd="sng" algn="ctr">
-                      <a:solidFill>
-                        <a:schemeClr val="tx1"/>
-                      </a:solidFill>
-                      <a:prstDash val="solid"/>
-                      <a:round/>
-                      <a:headEnd type="none" w="med" len="med"/>
-                      <a:tailEnd type="none" w="med" len="med"/>
-                    </a:lnL>
-                    <a:lnR w="12700" cap="flat" cmpd="sng" algn="ctr">
-                      <a:solidFill>
-                        <a:schemeClr val="tx1"/>
-                      </a:solidFill>
-                      <a:prstDash val="solid"/>
-                      <a:round/>
-                      <a:headEnd type="none" w="med" len="med"/>
-                      <a:tailEnd type="none" w="med" len="med"/>
-                    </a:lnR>
-                    <a:lnT w="12700" cap="flat" cmpd="sng" algn="ctr">
-                      <a:solidFill>
-                        <a:schemeClr val="tx1"/>
-                      </a:solidFill>
-                      <a:prstDash val="solid"/>
-                      <a:round/>
-                      <a:headEnd type="none" w="med" len="med"/>
-                      <a:tailEnd type="none" w="med" len="med"/>
-                    </a:lnT>
-                    <a:lnB w="12700" cap="flat" cmpd="sng" algn="ctr">
-                      <a:solidFill>
-                        <a:schemeClr val="tx1"/>
-                      </a:solidFill>
-                      <a:prstDash val="solid"/>
-                      <a:round/>
-                      <a:headEnd type="none" w="med" len="med"/>
-                      <a:tailEnd type="none" w="med" len="med"/>
-                    </a:lnB>
-                  </a:tcPr>
-                </a:tc>
-                <a:tc>
-                  <a:txBody>
-                    <a:bodyPr/>
-                    <a:lstStyle/>
-                    <a:p>
-                      <a:pPr algn="r" fontAlgn="b"/>
-                      <a:r>
-                        <a:rPr lang="en-MY" sz="900" b="0" i="0" u="none" strike="noStrike">
-                          <a:solidFill>
-                            <a:srgbClr val="000000"/>
-                          </a:solidFill>
-                          <a:effectLst/>
-                          <a:latin typeface="Calibri" panose="020F0502020204030204" pitchFamily="34" charset="0"/>
-                        </a:rPr>
-                        <a:t>-1310000</a:t>
-                      </a:r>
-                    </a:p>
-                  </a:txBody>
-                  <a:tcPr marL="9525" marR="9525" marT="9525" marB="0" anchor="b">
-                    <a:lnL w="12700" cap="flat" cmpd="sng" algn="ctr">
-                      <a:solidFill>
-                        <a:schemeClr val="tx1"/>
-                      </a:solidFill>
-                      <a:prstDash val="solid"/>
-                      <a:round/>
-                      <a:headEnd type="none" w="med" len="med"/>
-                      <a:tailEnd type="none" w="med" len="med"/>
-                    </a:lnL>
-                    <a:lnR w="12700" cap="flat" cmpd="sng" algn="ctr">
-                      <a:solidFill>
-                        <a:schemeClr val="tx1"/>
-                      </a:solidFill>
-                      <a:prstDash val="solid"/>
-                      <a:round/>
-                      <a:headEnd type="none" w="med" len="med"/>
-                      <a:tailEnd type="none" w="med" len="med"/>
-                    </a:lnR>
-                    <a:lnT w="12700" cap="flat" cmpd="sng" algn="ctr">
-                      <a:solidFill>
-                        <a:schemeClr val="tx1"/>
-                      </a:solidFill>
-                      <a:prstDash val="solid"/>
-                      <a:round/>
-                      <a:headEnd type="none" w="med" len="med"/>
-                      <a:tailEnd type="none" w="med" len="med"/>
-                    </a:lnT>
-                    <a:lnB w="12700" cap="flat" cmpd="sng" algn="ctr">
-                      <a:solidFill>
-                        <a:schemeClr val="tx1"/>
-                      </a:solidFill>
-                      <a:prstDash val="solid"/>
-                      <a:round/>
-                      <a:headEnd type="none" w="med" len="med"/>
-                      <a:tailEnd type="none" w="med" len="med"/>
-                    </a:lnB>
-                  </a:tcPr>
-                </a:tc>
-                <a:tc>
-                  <a:txBody>
-                    <a:bodyPr/>
-                    <a:lstStyle/>
-                    <a:p>
-                      <a:pPr algn="r" fontAlgn="b"/>
-                      <a:r>
-                        <a:rPr lang="en-MY" sz="900" b="0" i="0" u="none" strike="noStrike">
-                          <a:solidFill>
-                            <a:srgbClr val="000000"/>
-                          </a:solidFill>
-                          <a:effectLst/>
-                          <a:latin typeface="Calibri" panose="020F0502020204030204" pitchFamily="34" charset="0"/>
-                        </a:rPr>
-                        <a:t>5</a:t>
-                      </a:r>
-                    </a:p>
-                  </a:txBody>
-                  <a:tcPr marL="9525" marR="9525" marT="9525" marB="0" anchor="b">
-                    <a:lnL w="12700" cap="flat" cmpd="sng" algn="ctr">
-                      <a:solidFill>
-                        <a:schemeClr val="tx1"/>
-                      </a:solidFill>
-                      <a:prstDash val="solid"/>
-                      <a:round/>
-                      <a:headEnd type="none" w="med" len="med"/>
-                      <a:tailEnd type="none" w="med" len="med"/>
-                    </a:lnL>
-                    <a:lnR w="12700" cap="flat" cmpd="sng" algn="ctr">
-                      <a:solidFill>
-                        <a:schemeClr val="tx1"/>
-                      </a:solidFill>
-                      <a:prstDash val="solid"/>
-                      <a:round/>
-                      <a:headEnd type="none" w="med" len="med"/>
-                      <a:tailEnd type="none" w="med" len="med"/>
-                    </a:lnR>
-                    <a:lnT w="12700" cap="flat" cmpd="sng" algn="ctr">
-                      <a:solidFill>
-                        <a:schemeClr val="tx1"/>
-                      </a:solidFill>
-                      <a:prstDash val="solid"/>
-                      <a:round/>
-                      <a:headEnd type="none" w="med" len="med"/>
-                      <a:tailEnd type="none" w="med" len="med"/>
-                    </a:lnT>
-                    <a:lnB w="12700" cap="flat" cmpd="sng" algn="ctr">
-                      <a:solidFill>
-                        <a:schemeClr val="tx1"/>
-                      </a:solidFill>
-                      <a:prstDash val="solid"/>
-                      <a:round/>
-                      <a:headEnd type="none" w="med" len="med"/>
-                      <a:tailEnd type="none" w="med" len="med"/>
-                    </a:lnB>
-                  </a:tcPr>
-                </a:tc>
-                <a:extLst>
-                  <a:ext uri="{0D108BD9-81ED-4DB2-BD59-A6C34878D82A}">
-                    <a16:rowId xmlns:a16="http://schemas.microsoft.com/office/drawing/2014/main" val="3892829912"/>
-                  </a:ext>
-                </a:extLst>
-              </a:tr>
-              <a:tr h="211539">
-                <a:tc>
-                  <a:txBody>
-                    <a:bodyPr/>
-                    <a:lstStyle/>
-                    <a:p>
-                      <a:pPr algn="l" fontAlgn="b"/>
-                      <a:r>
-                        <a:rPr lang="en-MY" sz="900" b="1" i="0" u="none" strike="noStrike" dirty="0">
-                          <a:solidFill>
-                            <a:srgbClr val="000000"/>
-                          </a:solidFill>
-                          <a:effectLst/>
-                          <a:latin typeface="Calibri" panose="020F0502020204030204" pitchFamily="34" charset="0"/>
-                        </a:rPr>
-                        <a:t>RandomForestGridSearch</a:t>
-                      </a:r>
-                    </a:p>
-                  </a:txBody>
-                  <a:tcPr marL="9525" marR="9525" marT="9525" marB="0" anchor="b">
-                    <a:lnL w="12700" cap="flat" cmpd="sng" algn="ctr">
-                      <a:solidFill>
-                        <a:schemeClr val="tx1"/>
-                      </a:solidFill>
-                      <a:prstDash val="solid"/>
-                      <a:round/>
-                      <a:headEnd type="none" w="med" len="med"/>
-                      <a:tailEnd type="none" w="med" len="med"/>
-                    </a:lnL>
-                    <a:lnR w="12700" cap="flat" cmpd="sng" algn="ctr">
-                      <a:solidFill>
-                        <a:schemeClr val="tx1"/>
-                      </a:solidFill>
-                      <a:prstDash val="solid"/>
-                      <a:round/>
-                      <a:headEnd type="none" w="med" len="med"/>
-                      <a:tailEnd type="none" w="med" len="med"/>
-                    </a:lnR>
-                    <a:lnT w="12700" cap="flat" cmpd="sng" algn="ctr">
-                      <a:solidFill>
-                        <a:schemeClr val="tx1"/>
-                      </a:solidFill>
-                      <a:prstDash val="solid"/>
-                      <a:round/>
-                      <a:headEnd type="none" w="med" len="med"/>
-                      <a:tailEnd type="none" w="med" len="med"/>
-                    </a:lnT>
-                    <a:lnB w="12700" cap="flat" cmpd="sng" algn="ctr">
-                      <a:solidFill>
-                        <a:schemeClr val="tx1"/>
-                      </a:solidFill>
-                      <a:prstDash val="solid"/>
-                      <a:round/>
-                      <a:headEnd type="none" w="med" len="med"/>
-                      <a:tailEnd type="none" w="med" len="med"/>
-                    </a:lnB>
-                    <a:solidFill>
-                      <a:schemeClr val="accent4">
-                        <a:lumMod val="20000"/>
-                        <a:lumOff val="80000"/>
-                      </a:schemeClr>
-                    </a:solidFill>
-                  </a:tcPr>
-                </a:tc>
-                <a:tc>
-                  <a:txBody>
-                    <a:bodyPr/>
-                    <a:lstStyle/>
-                    <a:p>
-                      <a:pPr algn="r" fontAlgn="b"/>
-                      <a:r>
-                        <a:rPr lang="en-MY" sz="900" b="0" i="0" u="none" strike="noStrike">
-                          <a:solidFill>
-                            <a:srgbClr val="000000"/>
-                          </a:solidFill>
-                          <a:effectLst/>
-                          <a:latin typeface="Calibri" panose="020F0502020204030204" pitchFamily="34" charset="0"/>
-                        </a:rPr>
-                        <a:t>0.901822</a:t>
-                      </a:r>
-                    </a:p>
-                  </a:txBody>
-                  <a:tcPr marL="9525" marR="9525" marT="9525" marB="0" anchor="b">
-                    <a:lnL w="12700" cap="flat" cmpd="sng" algn="ctr">
-                      <a:solidFill>
-                        <a:schemeClr val="tx1"/>
-                      </a:solidFill>
-                      <a:prstDash val="solid"/>
-                      <a:round/>
-                      <a:headEnd type="none" w="med" len="med"/>
-                      <a:tailEnd type="none" w="med" len="med"/>
-                    </a:lnL>
-                    <a:lnR w="12700" cap="flat" cmpd="sng" algn="ctr">
-                      <a:solidFill>
-                        <a:schemeClr val="tx1"/>
-                      </a:solidFill>
-                      <a:prstDash val="solid"/>
-                      <a:round/>
-                      <a:headEnd type="none" w="med" len="med"/>
-                      <a:tailEnd type="none" w="med" len="med"/>
-                    </a:lnR>
-                    <a:lnT w="12700" cap="flat" cmpd="sng" algn="ctr">
-                      <a:solidFill>
-                        <a:schemeClr val="tx1"/>
-                      </a:solidFill>
-                      <a:prstDash val="solid"/>
-                      <a:round/>
-                      <a:headEnd type="none" w="med" len="med"/>
-                      <a:tailEnd type="none" w="med" len="med"/>
-                    </a:lnT>
-                    <a:lnB w="12700" cap="flat" cmpd="sng" algn="ctr">
-                      <a:solidFill>
-                        <a:schemeClr val="tx1"/>
-                      </a:solidFill>
-                      <a:prstDash val="solid"/>
-                      <a:round/>
-                      <a:headEnd type="none" w="med" len="med"/>
-                      <a:tailEnd type="none" w="med" len="med"/>
-                    </a:lnB>
-                  </a:tcPr>
-                </a:tc>
-                <a:tc>
-                  <a:txBody>
-                    <a:bodyPr/>
-                    <a:lstStyle/>
-                    <a:p>
-                      <a:pPr algn="r" fontAlgn="b"/>
-                      <a:r>
-                        <a:rPr lang="en-MY" sz="900" b="0" i="0" u="none" strike="noStrike">
-                          <a:solidFill>
-                            <a:srgbClr val="000000"/>
-                          </a:solidFill>
-                          <a:effectLst/>
-                          <a:latin typeface="Calibri" panose="020F0502020204030204" pitchFamily="34" charset="0"/>
-                        </a:rPr>
-                        <a:t>0.866734</a:t>
-                      </a:r>
-                    </a:p>
-                  </a:txBody>
-                  <a:tcPr marL="9525" marR="9525" marT="9525" marB="0" anchor="b">
-                    <a:lnL w="12700" cap="flat" cmpd="sng" algn="ctr">
-                      <a:solidFill>
-                        <a:schemeClr val="tx1"/>
-                      </a:solidFill>
-                      <a:prstDash val="solid"/>
-                      <a:round/>
-                      <a:headEnd type="none" w="med" len="med"/>
-                      <a:tailEnd type="none" w="med" len="med"/>
-                    </a:lnL>
-                    <a:lnR w="12700" cap="flat" cmpd="sng" algn="ctr">
-                      <a:solidFill>
-                        <a:schemeClr val="tx1"/>
-                      </a:solidFill>
-                      <a:prstDash val="solid"/>
-                      <a:round/>
-                      <a:headEnd type="none" w="med" len="med"/>
-                      <a:tailEnd type="none" w="med" len="med"/>
-                    </a:lnR>
-                    <a:lnT w="12700" cap="flat" cmpd="sng" algn="ctr">
-                      <a:solidFill>
-                        <a:schemeClr val="tx1"/>
-                      </a:solidFill>
-                      <a:prstDash val="solid"/>
-                      <a:round/>
-                      <a:headEnd type="none" w="med" len="med"/>
-                      <a:tailEnd type="none" w="med" len="med"/>
-                    </a:lnT>
-                    <a:lnB w="12700" cap="flat" cmpd="sng" algn="ctr">
-                      <a:solidFill>
-                        <a:schemeClr val="tx1"/>
-                      </a:solidFill>
-                      <a:prstDash val="solid"/>
-                      <a:round/>
-                      <a:headEnd type="none" w="med" len="med"/>
-                      <a:tailEnd type="none" w="med" len="med"/>
-                    </a:lnB>
-                  </a:tcPr>
-                </a:tc>
-                <a:tc>
-                  <a:txBody>
-                    <a:bodyPr/>
-                    <a:lstStyle/>
-                    <a:p>
-                      <a:pPr algn="r" fontAlgn="b"/>
-                      <a:r>
-                        <a:rPr lang="en-MY" sz="900" b="0" i="0" u="none" strike="noStrike">
-                          <a:solidFill>
-                            <a:srgbClr val="000000"/>
-                          </a:solidFill>
-                          <a:effectLst/>
-                          <a:latin typeface="Calibri" panose="020F0502020204030204" pitchFamily="34" charset="0"/>
-                        </a:rPr>
-                        <a:t>0.901822</a:t>
-                      </a:r>
-                    </a:p>
-                  </a:txBody>
-                  <a:tcPr marL="9525" marR="9525" marT="9525" marB="0" anchor="b">
-                    <a:lnL w="12700" cap="flat" cmpd="sng" algn="ctr">
-                      <a:solidFill>
-                        <a:schemeClr val="tx1"/>
-                      </a:solidFill>
-                      <a:prstDash val="solid"/>
-                      <a:round/>
-                      <a:headEnd type="none" w="med" len="med"/>
-                      <a:tailEnd type="none" w="med" len="med"/>
-                    </a:lnL>
-                    <a:lnR w="12700" cap="flat" cmpd="sng" algn="ctr">
-                      <a:solidFill>
-                        <a:schemeClr val="tx1"/>
-                      </a:solidFill>
-                      <a:prstDash val="solid"/>
-                      <a:round/>
-                      <a:headEnd type="none" w="med" len="med"/>
-                      <a:tailEnd type="none" w="med" len="med"/>
-                    </a:lnR>
-                    <a:lnT w="12700" cap="flat" cmpd="sng" algn="ctr">
-                      <a:solidFill>
-                        <a:schemeClr val="tx1"/>
-                      </a:solidFill>
-                      <a:prstDash val="solid"/>
-                      <a:round/>
-                      <a:headEnd type="none" w="med" len="med"/>
-                      <a:tailEnd type="none" w="med" len="med"/>
-                    </a:lnT>
-                    <a:lnB w="12700" cap="flat" cmpd="sng" algn="ctr">
-                      <a:solidFill>
-                        <a:schemeClr val="tx1"/>
-                      </a:solidFill>
-                      <a:prstDash val="solid"/>
-                      <a:round/>
-                      <a:headEnd type="none" w="med" len="med"/>
-                      <a:tailEnd type="none" w="med" len="med"/>
-                    </a:lnB>
-                  </a:tcPr>
-                </a:tc>
-                <a:tc>
-                  <a:txBody>
-                    <a:bodyPr/>
-                    <a:lstStyle/>
-                    <a:p>
-                      <a:pPr algn="r" fontAlgn="b"/>
-                      <a:r>
-                        <a:rPr lang="en-MY" sz="900" b="0" i="0" u="none" strike="noStrike">
-                          <a:solidFill>
-                            <a:srgbClr val="000000"/>
-                          </a:solidFill>
-                          <a:effectLst/>
-                          <a:latin typeface="Calibri" panose="020F0502020204030204" pitchFamily="34" charset="0"/>
-                        </a:rPr>
-                        <a:t>0.905942</a:t>
-                      </a:r>
-                    </a:p>
-                  </a:txBody>
-                  <a:tcPr marL="9525" marR="9525" marT="9525" marB="0" anchor="b">
-                    <a:lnL w="12700" cap="flat" cmpd="sng" algn="ctr">
-                      <a:solidFill>
-                        <a:schemeClr val="tx1"/>
-                      </a:solidFill>
-                      <a:prstDash val="solid"/>
-                      <a:round/>
-                      <a:headEnd type="none" w="med" len="med"/>
-                      <a:tailEnd type="none" w="med" len="med"/>
-                    </a:lnL>
-                    <a:lnR w="12700" cap="flat" cmpd="sng" algn="ctr">
-                      <a:solidFill>
-                        <a:schemeClr val="tx1"/>
-                      </a:solidFill>
-                      <a:prstDash val="solid"/>
-                      <a:round/>
-                      <a:headEnd type="none" w="med" len="med"/>
-                      <a:tailEnd type="none" w="med" len="med"/>
-                    </a:lnR>
-                    <a:lnT w="12700" cap="flat" cmpd="sng" algn="ctr">
-                      <a:solidFill>
-                        <a:schemeClr val="tx1"/>
-                      </a:solidFill>
-                      <a:prstDash val="solid"/>
-                      <a:round/>
-                      <a:headEnd type="none" w="med" len="med"/>
-                      <a:tailEnd type="none" w="med" len="med"/>
-                    </a:lnT>
-                    <a:lnB w="12700" cap="flat" cmpd="sng" algn="ctr">
-                      <a:solidFill>
-                        <a:schemeClr val="tx1"/>
-                      </a:solidFill>
-                      <a:prstDash val="solid"/>
-                      <a:round/>
-                      <a:headEnd type="none" w="med" len="med"/>
-                      <a:tailEnd type="none" w="med" len="med"/>
-                    </a:lnB>
-                  </a:tcPr>
-                </a:tc>
-                <a:tc>
-                  <a:txBody>
-                    <a:bodyPr/>
-                    <a:lstStyle/>
-                    <a:p>
-                      <a:pPr algn="r" fontAlgn="b"/>
-                      <a:r>
-                        <a:rPr lang="en-MY" sz="900" b="0" i="0" u="none" strike="noStrike">
-                          <a:solidFill>
-                            <a:srgbClr val="000000"/>
-                          </a:solidFill>
-                          <a:effectLst/>
-                          <a:latin typeface="Calibri" panose="020F0502020204030204" pitchFamily="34" charset="0"/>
-                        </a:rPr>
-                        <a:t>0.804519</a:t>
-                      </a:r>
-                    </a:p>
-                  </a:txBody>
-                  <a:tcPr marL="9525" marR="9525" marT="9525" marB="0" anchor="b">
-                    <a:lnL w="12700" cap="flat" cmpd="sng" algn="ctr">
-                      <a:solidFill>
-                        <a:schemeClr val="tx1"/>
-                      </a:solidFill>
-                      <a:prstDash val="solid"/>
-                      <a:round/>
-                      <a:headEnd type="none" w="med" len="med"/>
-                      <a:tailEnd type="none" w="med" len="med"/>
-                    </a:lnL>
-                    <a:lnR w="12700" cap="flat" cmpd="sng" algn="ctr">
-                      <a:solidFill>
-                        <a:schemeClr val="tx1"/>
-                      </a:solidFill>
-                      <a:prstDash val="solid"/>
-                      <a:round/>
-                      <a:headEnd type="none" w="med" len="med"/>
-                      <a:tailEnd type="none" w="med" len="med"/>
-                    </a:lnR>
-                    <a:lnT w="12700" cap="flat" cmpd="sng" algn="ctr">
-                      <a:solidFill>
-                        <a:schemeClr val="tx1"/>
-                      </a:solidFill>
-                      <a:prstDash val="solid"/>
-                      <a:round/>
-                      <a:headEnd type="none" w="med" len="med"/>
-                      <a:tailEnd type="none" w="med" len="med"/>
-                    </a:lnT>
-                    <a:lnB w="12700" cap="flat" cmpd="sng" algn="ctr">
-                      <a:solidFill>
-                        <a:schemeClr val="tx1"/>
-                      </a:solidFill>
-                      <a:prstDash val="solid"/>
-                      <a:round/>
-                      <a:headEnd type="none" w="med" len="med"/>
-                      <a:tailEnd type="none" w="med" len="med"/>
-                    </a:lnB>
-                  </a:tcPr>
-                </a:tc>
-                <a:tc>
-                  <a:txBody>
-                    <a:bodyPr/>
-                    <a:lstStyle/>
-                    <a:p>
-                      <a:pPr algn="r" fontAlgn="b"/>
-                      <a:r>
-                        <a:rPr lang="en-MY" sz="900" b="0" i="0" u="none" strike="noStrike">
-                          <a:solidFill>
-                            <a:srgbClr val="000000"/>
-                          </a:solidFill>
-                          <a:effectLst/>
-                          <a:latin typeface="Calibri" panose="020F0502020204030204" pitchFamily="34" charset="0"/>
-                        </a:rPr>
-                        <a:t>0.57445</a:t>
+                        <a:t>-1298000</a:t>
                       </a:r>
                     </a:p>
                   </a:txBody>
@@ -17243,1156 +18523,6 @@
                           <a:effectLst/>
                           <a:latin typeface="Calibri" panose="020F0502020204030204" pitchFamily="34" charset="0"/>
                         </a:rPr>
-                        <a:t>0.899478</a:t>
-                      </a:r>
-                    </a:p>
-                  </a:txBody>
-                  <a:tcPr marL="9525" marR="9525" marT="9525" marB="0" anchor="b">
-                    <a:lnL w="12700" cap="flat" cmpd="sng" algn="ctr">
-                      <a:solidFill>
-                        <a:schemeClr val="tx1"/>
-                      </a:solidFill>
-                      <a:prstDash val="solid"/>
-                      <a:round/>
-                      <a:headEnd type="none" w="med" len="med"/>
-                      <a:tailEnd type="none" w="med" len="med"/>
-                    </a:lnL>
-                    <a:lnR w="12700" cap="flat" cmpd="sng" algn="ctr">
-                      <a:solidFill>
-                        <a:schemeClr val="tx1"/>
-                      </a:solidFill>
-                      <a:prstDash val="solid"/>
-                      <a:round/>
-                      <a:headEnd type="none" w="med" len="med"/>
-                      <a:tailEnd type="none" w="med" len="med"/>
-                    </a:lnR>
-                    <a:lnT w="12700" cap="flat" cmpd="sng" algn="ctr">
-                      <a:solidFill>
-                        <a:schemeClr val="tx1"/>
-                      </a:solidFill>
-                      <a:prstDash val="solid"/>
-                      <a:round/>
-                      <a:headEnd type="none" w="med" len="med"/>
-                      <a:tailEnd type="none" w="med" len="med"/>
-                    </a:lnT>
-                    <a:lnB w="12700" cap="flat" cmpd="sng" algn="ctr">
-                      <a:solidFill>
-                        <a:schemeClr val="tx1"/>
-                      </a:solidFill>
-                      <a:prstDash val="solid"/>
-                      <a:round/>
-                      <a:headEnd type="none" w="med" len="med"/>
-                      <a:tailEnd type="none" w="med" len="med"/>
-                    </a:lnB>
-                  </a:tcPr>
-                </a:tc>
-                <a:tc>
-                  <a:txBody>
-                    <a:bodyPr/>
-                    <a:lstStyle/>
-                    <a:p>
-                      <a:pPr algn="r" fontAlgn="b"/>
-                      <a:r>
-                        <a:rPr lang="en-MY" sz="900" b="0" i="0" u="none" strike="noStrike" dirty="0">
-                          <a:solidFill>
-                            <a:srgbClr val="000000"/>
-                          </a:solidFill>
-                          <a:effectLst/>
-                          <a:latin typeface="Calibri" panose="020F0502020204030204" pitchFamily="34" charset="0"/>
-                        </a:rPr>
-                        <a:t>0.595628</a:t>
-                      </a:r>
-                    </a:p>
-                  </a:txBody>
-                  <a:tcPr marL="9525" marR="9525" marT="9525" marB="0" anchor="b">
-                    <a:lnL w="12700" cap="flat" cmpd="sng" algn="ctr">
-                      <a:solidFill>
-                        <a:schemeClr val="tx1"/>
-                      </a:solidFill>
-                      <a:prstDash val="solid"/>
-                      <a:round/>
-                      <a:headEnd type="none" w="med" len="med"/>
-                      <a:tailEnd type="none" w="med" len="med"/>
-                    </a:lnL>
-                    <a:lnR w="12700" cap="flat" cmpd="sng" algn="ctr">
-                      <a:solidFill>
-                        <a:schemeClr val="tx1"/>
-                      </a:solidFill>
-                      <a:prstDash val="solid"/>
-                      <a:round/>
-                      <a:headEnd type="none" w="med" len="med"/>
-                      <a:tailEnd type="none" w="med" len="med"/>
-                    </a:lnR>
-                    <a:lnT w="12700" cap="flat" cmpd="sng" algn="ctr">
-                      <a:solidFill>
-                        <a:schemeClr val="tx1"/>
-                      </a:solidFill>
-                      <a:prstDash val="solid"/>
-                      <a:round/>
-                      <a:headEnd type="none" w="med" len="med"/>
-                      <a:tailEnd type="none" w="med" len="med"/>
-                    </a:lnT>
-                    <a:lnB w="12700" cap="flat" cmpd="sng" algn="ctr">
-                      <a:solidFill>
-                        <a:schemeClr val="tx1"/>
-                      </a:solidFill>
-                      <a:prstDash val="solid"/>
-                      <a:round/>
-                      <a:headEnd type="none" w="med" len="med"/>
-                      <a:tailEnd type="none" w="med" len="med"/>
-                    </a:lnB>
-                  </a:tcPr>
-                </a:tc>
-                <a:tc>
-                  <a:txBody>
-                    <a:bodyPr/>
-                    <a:lstStyle/>
-                    <a:p>
-                      <a:pPr algn="r" fontAlgn="b"/>
-                      <a:r>
-                        <a:rPr lang="en-MY" sz="900" b="0" i="0" u="none" strike="noStrike">
-                          <a:solidFill>
-                            <a:srgbClr val="000000"/>
-                          </a:solidFill>
-                          <a:effectLst/>
-                          <a:latin typeface="Calibri" panose="020F0502020204030204" pitchFamily="34" charset="0"/>
-                        </a:rPr>
-                        <a:t>248</a:t>
-                      </a:r>
-                    </a:p>
-                  </a:txBody>
-                  <a:tcPr marL="9525" marR="9525" marT="9525" marB="0" anchor="b">
-                    <a:lnL w="12700" cap="flat" cmpd="sng" algn="ctr">
-                      <a:solidFill>
-                        <a:schemeClr val="tx1"/>
-                      </a:solidFill>
-                      <a:prstDash val="solid"/>
-                      <a:round/>
-                      <a:headEnd type="none" w="med" len="med"/>
-                      <a:tailEnd type="none" w="med" len="med"/>
-                    </a:lnL>
-                    <a:lnR w="12700" cap="flat" cmpd="sng" algn="ctr">
-                      <a:solidFill>
-                        <a:schemeClr val="tx1"/>
-                      </a:solidFill>
-                      <a:prstDash val="solid"/>
-                      <a:round/>
-                      <a:headEnd type="none" w="med" len="med"/>
-                      <a:tailEnd type="none" w="med" len="med"/>
-                    </a:lnR>
-                    <a:lnT w="12700" cap="flat" cmpd="sng" algn="ctr">
-                      <a:solidFill>
-                        <a:schemeClr val="tx1"/>
-                      </a:solidFill>
-                      <a:prstDash val="solid"/>
-                      <a:round/>
-                      <a:headEnd type="none" w="med" len="med"/>
-                      <a:tailEnd type="none" w="med" len="med"/>
-                    </a:lnT>
-                    <a:lnB w="12700" cap="flat" cmpd="sng" algn="ctr">
-                      <a:solidFill>
-                        <a:schemeClr val="tx1"/>
-                      </a:solidFill>
-                      <a:prstDash val="solid"/>
-                      <a:round/>
-                      <a:headEnd type="none" w="med" len="med"/>
-                      <a:tailEnd type="none" w="med" len="med"/>
-                    </a:lnB>
-                  </a:tcPr>
-                </a:tc>
-                <a:tc>
-                  <a:txBody>
-                    <a:bodyPr/>
-                    <a:lstStyle/>
-                    <a:p>
-                      <a:pPr algn="r" fontAlgn="b"/>
-                      <a:r>
-                        <a:rPr lang="en-MY" sz="900" b="0" i="0" u="none" strike="noStrike">
-                          <a:solidFill>
-                            <a:srgbClr val="000000"/>
-                          </a:solidFill>
-                          <a:effectLst/>
-                          <a:latin typeface="Calibri" panose="020F0502020204030204" pitchFamily="34" charset="0"/>
-                        </a:rPr>
-                        <a:t>48</a:t>
-                      </a:r>
-                    </a:p>
-                  </a:txBody>
-                  <a:tcPr marL="9525" marR="9525" marT="9525" marB="0" anchor="b">
-                    <a:lnL w="12700" cap="flat" cmpd="sng" algn="ctr">
-                      <a:solidFill>
-                        <a:schemeClr val="tx1"/>
-                      </a:solidFill>
-                      <a:prstDash val="solid"/>
-                      <a:round/>
-                      <a:headEnd type="none" w="med" len="med"/>
-                      <a:tailEnd type="none" w="med" len="med"/>
-                    </a:lnL>
-                    <a:lnR w="12700" cap="flat" cmpd="sng" algn="ctr">
-                      <a:solidFill>
-                        <a:schemeClr val="tx1"/>
-                      </a:solidFill>
-                      <a:prstDash val="solid"/>
-                      <a:round/>
-                      <a:headEnd type="none" w="med" len="med"/>
-                      <a:tailEnd type="none" w="med" len="med"/>
-                    </a:lnR>
-                    <a:lnT w="12700" cap="flat" cmpd="sng" algn="ctr">
-                      <a:solidFill>
-                        <a:schemeClr val="tx1"/>
-                      </a:solidFill>
-                      <a:prstDash val="solid"/>
-                      <a:round/>
-                      <a:headEnd type="none" w="med" len="med"/>
-                      <a:tailEnd type="none" w="med" len="med"/>
-                    </a:lnT>
-                    <a:lnB w="12700" cap="flat" cmpd="sng" algn="ctr">
-                      <a:solidFill>
-                        <a:schemeClr val="tx1"/>
-                      </a:solidFill>
-                      <a:prstDash val="solid"/>
-                      <a:round/>
-                      <a:headEnd type="none" w="med" len="med"/>
-                      <a:tailEnd type="none" w="med" len="med"/>
-                    </a:lnB>
-                  </a:tcPr>
-                </a:tc>
-                <a:tc>
-                  <a:txBody>
-                    <a:bodyPr/>
-                    <a:lstStyle/>
-                    <a:p>
-                      <a:pPr algn="r" fontAlgn="b"/>
-                      <a:r>
-                        <a:rPr lang="en-MY" sz="900" b="0" i="0" u="none" strike="noStrike">
-                          <a:solidFill>
-                            <a:srgbClr val="000000"/>
-                          </a:solidFill>
-                          <a:effectLst/>
-                          <a:latin typeface="Calibri" panose="020F0502020204030204" pitchFamily="34" charset="0"/>
-                        </a:rPr>
-                        <a:t>218</a:t>
-                      </a:r>
-                    </a:p>
-                  </a:txBody>
-                  <a:tcPr marL="9525" marR="9525" marT="9525" marB="0" anchor="b">
-                    <a:lnL w="12700" cap="flat" cmpd="sng" algn="ctr">
-                      <a:solidFill>
-                        <a:schemeClr val="tx1"/>
-                      </a:solidFill>
-                      <a:prstDash val="solid"/>
-                      <a:round/>
-                      <a:headEnd type="none" w="med" len="med"/>
-                      <a:tailEnd type="none" w="med" len="med"/>
-                    </a:lnL>
-                    <a:lnR w="12700" cap="flat" cmpd="sng" algn="ctr">
-                      <a:solidFill>
-                        <a:schemeClr val="tx1"/>
-                      </a:solidFill>
-                      <a:prstDash val="solid"/>
-                      <a:round/>
-                      <a:headEnd type="none" w="med" len="med"/>
-                      <a:tailEnd type="none" w="med" len="med"/>
-                    </a:lnR>
-                    <a:lnT w="12700" cap="flat" cmpd="sng" algn="ctr">
-                      <a:solidFill>
-                        <a:schemeClr val="tx1"/>
-                      </a:solidFill>
-                      <a:prstDash val="solid"/>
-                      <a:round/>
-                      <a:headEnd type="none" w="med" len="med"/>
-                      <a:tailEnd type="none" w="med" len="med"/>
-                    </a:lnT>
-                    <a:lnB w="12700" cap="flat" cmpd="sng" algn="ctr">
-                      <a:solidFill>
-                        <a:schemeClr val="tx1"/>
-                      </a:solidFill>
-                      <a:prstDash val="solid"/>
-                      <a:round/>
-                      <a:headEnd type="none" w="med" len="med"/>
-                      <a:tailEnd type="none" w="med" len="med"/>
-                    </a:lnB>
-                  </a:tcPr>
-                </a:tc>
-                <a:tc>
-                  <a:txBody>
-                    <a:bodyPr/>
-                    <a:lstStyle/>
-                    <a:p>
-                      <a:pPr algn="r" fontAlgn="b"/>
-                      <a:r>
-                        <a:rPr lang="en-MY" sz="900" b="0" i="0" u="none" strike="noStrike">
-                          <a:solidFill>
-                            <a:srgbClr val="000000"/>
-                          </a:solidFill>
-                          <a:effectLst/>
-                          <a:latin typeface="Calibri" panose="020F0502020204030204" pitchFamily="34" charset="0"/>
-                        </a:rPr>
-                        <a:t>-1426000</a:t>
-                      </a:r>
-                    </a:p>
-                  </a:txBody>
-                  <a:tcPr marL="9525" marR="9525" marT="9525" marB="0" anchor="b">
-                    <a:lnL w="12700" cap="flat" cmpd="sng" algn="ctr">
-                      <a:solidFill>
-                        <a:schemeClr val="tx1"/>
-                      </a:solidFill>
-                      <a:prstDash val="solid"/>
-                      <a:round/>
-                      <a:headEnd type="none" w="med" len="med"/>
-                      <a:tailEnd type="none" w="med" len="med"/>
-                    </a:lnL>
-                    <a:lnR w="12700" cap="flat" cmpd="sng" algn="ctr">
-                      <a:solidFill>
-                        <a:schemeClr val="tx1"/>
-                      </a:solidFill>
-                      <a:prstDash val="solid"/>
-                      <a:round/>
-                      <a:headEnd type="none" w="med" len="med"/>
-                      <a:tailEnd type="none" w="med" len="med"/>
-                    </a:lnR>
-                    <a:lnT w="12700" cap="flat" cmpd="sng" algn="ctr">
-                      <a:solidFill>
-                        <a:schemeClr val="tx1"/>
-                      </a:solidFill>
-                      <a:prstDash val="solid"/>
-                      <a:round/>
-                      <a:headEnd type="none" w="med" len="med"/>
-                      <a:tailEnd type="none" w="med" len="med"/>
-                    </a:lnT>
-                    <a:lnB w="12700" cap="flat" cmpd="sng" algn="ctr">
-                      <a:solidFill>
-                        <a:schemeClr val="tx1"/>
-                      </a:solidFill>
-                      <a:prstDash val="solid"/>
-                      <a:round/>
-                      <a:headEnd type="none" w="med" len="med"/>
-                      <a:tailEnd type="none" w="med" len="med"/>
-                    </a:lnB>
-                  </a:tcPr>
-                </a:tc>
-                <a:tc>
-                  <a:txBody>
-                    <a:bodyPr/>
-                    <a:lstStyle/>
-                    <a:p>
-                      <a:pPr algn="r" fontAlgn="b"/>
-                      <a:r>
-                        <a:rPr lang="en-MY" sz="900" b="0" i="0" u="none" strike="noStrike">
-                          <a:solidFill>
-                            <a:srgbClr val="000000"/>
-                          </a:solidFill>
-                          <a:effectLst/>
-                          <a:latin typeface="Calibri" panose="020F0502020204030204" pitchFamily="34" charset="0"/>
-                        </a:rPr>
-                        <a:t>6</a:t>
-                      </a:r>
-                    </a:p>
-                  </a:txBody>
-                  <a:tcPr marL="9525" marR="9525" marT="9525" marB="0" anchor="b">
-                    <a:lnL w="12700" cap="flat" cmpd="sng" algn="ctr">
-                      <a:solidFill>
-                        <a:schemeClr val="tx1"/>
-                      </a:solidFill>
-                      <a:prstDash val="solid"/>
-                      <a:round/>
-                      <a:headEnd type="none" w="med" len="med"/>
-                      <a:tailEnd type="none" w="med" len="med"/>
-                    </a:lnL>
-                    <a:lnR w="12700" cap="flat" cmpd="sng" algn="ctr">
-                      <a:solidFill>
-                        <a:schemeClr val="tx1"/>
-                      </a:solidFill>
-                      <a:prstDash val="solid"/>
-                      <a:round/>
-                      <a:headEnd type="none" w="med" len="med"/>
-                      <a:tailEnd type="none" w="med" len="med"/>
-                    </a:lnR>
-                    <a:lnT w="12700" cap="flat" cmpd="sng" algn="ctr">
-                      <a:solidFill>
-                        <a:schemeClr val="tx1"/>
-                      </a:solidFill>
-                      <a:prstDash val="solid"/>
-                      <a:round/>
-                      <a:headEnd type="none" w="med" len="med"/>
-                      <a:tailEnd type="none" w="med" len="med"/>
-                    </a:lnT>
-                    <a:lnB w="12700" cap="flat" cmpd="sng" algn="ctr">
-                      <a:solidFill>
-                        <a:schemeClr val="tx1"/>
-                      </a:solidFill>
-                      <a:prstDash val="solid"/>
-                      <a:round/>
-                      <a:headEnd type="none" w="med" len="med"/>
-                      <a:tailEnd type="none" w="med" len="med"/>
-                    </a:lnB>
-                  </a:tcPr>
-                </a:tc>
-                <a:extLst>
-                  <a:ext uri="{0D108BD9-81ED-4DB2-BD59-A6C34878D82A}">
-                    <a16:rowId xmlns:a16="http://schemas.microsoft.com/office/drawing/2014/main" val="77639877"/>
-                  </a:ext>
-                </a:extLst>
-              </a:tr>
-              <a:tr h="211539">
-                <a:tc>
-                  <a:txBody>
-                    <a:bodyPr/>
-                    <a:lstStyle/>
-                    <a:p>
-                      <a:pPr algn="l" fontAlgn="b"/>
-                      <a:r>
-                        <a:rPr lang="en-MY" sz="900" b="1" i="0" u="none" strike="noStrike" dirty="0">
-                          <a:solidFill>
-                            <a:srgbClr val="000000"/>
-                          </a:solidFill>
-                          <a:effectLst/>
-                          <a:latin typeface="Calibri" panose="020F0502020204030204" pitchFamily="34" charset="0"/>
-                        </a:rPr>
-                        <a:t>LightGBMGridSearchPolyNomial</a:t>
-                      </a:r>
-                    </a:p>
-                  </a:txBody>
-                  <a:tcPr marL="9525" marR="9525" marT="9525" marB="0" anchor="b">
-                    <a:lnL w="12700" cap="flat" cmpd="sng" algn="ctr">
-                      <a:solidFill>
-                        <a:schemeClr val="tx1"/>
-                      </a:solidFill>
-                      <a:prstDash val="solid"/>
-                      <a:round/>
-                      <a:headEnd type="none" w="med" len="med"/>
-                      <a:tailEnd type="none" w="med" len="med"/>
-                    </a:lnL>
-                    <a:lnR w="12700" cap="flat" cmpd="sng" algn="ctr">
-                      <a:solidFill>
-                        <a:schemeClr val="tx1"/>
-                      </a:solidFill>
-                      <a:prstDash val="solid"/>
-                      <a:round/>
-                      <a:headEnd type="none" w="med" len="med"/>
-                      <a:tailEnd type="none" w="med" len="med"/>
-                    </a:lnR>
-                    <a:lnT w="12700" cap="flat" cmpd="sng" algn="ctr">
-                      <a:solidFill>
-                        <a:schemeClr val="tx1"/>
-                      </a:solidFill>
-                      <a:prstDash val="solid"/>
-                      <a:round/>
-                      <a:headEnd type="none" w="med" len="med"/>
-                      <a:tailEnd type="none" w="med" len="med"/>
-                    </a:lnT>
-                    <a:lnB w="12700" cap="flat" cmpd="sng" algn="ctr">
-                      <a:solidFill>
-                        <a:schemeClr val="tx1"/>
-                      </a:solidFill>
-                      <a:prstDash val="solid"/>
-                      <a:round/>
-                      <a:headEnd type="none" w="med" len="med"/>
-                      <a:tailEnd type="none" w="med" len="med"/>
-                    </a:lnB>
-                    <a:solidFill>
-                      <a:srgbClr val="FFC000"/>
-                    </a:solidFill>
-                  </a:tcPr>
-                </a:tc>
-                <a:tc>
-                  <a:txBody>
-                    <a:bodyPr/>
-                    <a:lstStyle/>
-                    <a:p>
-                      <a:pPr algn="r" fontAlgn="b"/>
-                      <a:r>
-                        <a:rPr lang="en-MY" sz="900" b="0" i="0" u="none" strike="noStrike">
-                          <a:solidFill>
-                            <a:srgbClr val="000000"/>
-                          </a:solidFill>
-                          <a:effectLst/>
-                          <a:latin typeface="Calibri" panose="020F0502020204030204" pitchFamily="34" charset="0"/>
-                        </a:rPr>
-                        <a:t>1</a:t>
-                      </a:r>
-                    </a:p>
-                  </a:txBody>
-                  <a:tcPr marL="9525" marR="9525" marT="9525" marB="0" anchor="b">
-                    <a:lnL w="12700" cap="flat" cmpd="sng" algn="ctr">
-                      <a:solidFill>
-                        <a:schemeClr val="tx1"/>
-                      </a:solidFill>
-                      <a:prstDash val="solid"/>
-                      <a:round/>
-                      <a:headEnd type="none" w="med" len="med"/>
-                      <a:tailEnd type="none" w="med" len="med"/>
-                    </a:lnL>
-                    <a:lnR w="12700" cap="flat" cmpd="sng" algn="ctr">
-                      <a:solidFill>
-                        <a:schemeClr val="tx1"/>
-                      </a:solidFill>
-                      <a:prstDash val="solid"/>
-                      <a:round/>
-                      <a:headEnd type="none" w="med" len="med"/>
-                      <a:tailEnd type="none" w="med" len="med"/>
-                    </a:lnR>
-                    <a:lnT w="12700" cap="flat" cmpd="sng" algn="ctr">
-                      <a:solidFill>
-                        <a:schemeClr val="tx1"/>
-                      </a:solidFill>
-                      <a:prstDash val="solid"/>
-                      <a:round/>
-                      <a:headEnd type="none" w="med" len="med"/>
-                      <a:tailEnd type="none" w="med" len="med"/>
-                    </a:lnT>
-                    <a:lnB w="12700" cap="flat" cmpd="sng" algn="ctr">
-                      <a:solidFill>
-                        <a:schemeClr val="tx1"/>
-                      </a:solidFill>
-                      <a:prstDash val="solid"/>
-                      <a:round/>
-                      <a:headEnd type="none" w="med" len="med"/>
-                      <a:tailEnd type="none" w="med" len="med"/>
-                    </a:lnB>
-                  </a:tcPr>
-                </a:tc>
-                <a:tc>
-                  <a:txBody>
-                    <a:bodyPr/>
-                    <a:lstStyle/>
-                    <a:p>
-                      <a:pPr algn="r" fontAlgn="b"/>
-                      <a:r>
-                        <a:rPr lang="en-MY" sz="900" b="0" i="0" u="none" strike="noStrike">
-                          <a:solidFill>
-                            <a:srgbClr val="000000"/>
-                          </a:solidFill>
-                          <a:effectLst/>
-                          <a:latin typeface="Calibri" panose="020F0502020204030204" pitchFamily="34" charset="0"/>
-                        </a:rPr>
-                        <a:t>0.873566</a:t>
-                      </a:r>
-                    </a:p>
-                  </a:txBody>
-                  <a:tcPr marL="9525" marR="9525" marT="9525" marB="0" anchor="b">
-                    <a:lnL w="12700" cap="flat" cmpd="sng" algn="ctr">
-                      <a:solidFill>
-                        <a:schemeClr val="tx1"/>
-                      </a:solidFill>
-                      <a:prstDash val="solid"/>
-                      <a:round/>
-                      <a:headEnd type="none" w="med" len="med"/>
-                      <a:tailEnd type="none" w="med" len="med"/>
-                    </a:lnL>
-                    <a:lnR w="12700" cap="flat" cmpd="sng" algn="ctr">
-                      <a:solidFill>
-                        <a:schemeClr val="tx1"/>
-                      </a:solidFill>
-                      <a:prstDash val="solid"/>
-                      <a:round/>
-                      <a:headEnd type="none" w="med" len="med"/>
-                      <a:tailEnd type="none" w="med" len="med"/>
-                    </a:lnR>
-                    <a:lnT w="12700" cap="flat" cmpd="sng" algn="ctr">
-                      <a:solidFill>
-                        <a:schemeClr val="tx1"/>
-                      </a:solidFill>
-                      <a:prstDash val="solid"/>
-                      <a:round/>
-                      <a:headEnd type="none" w="med" len="med"/>
-                      <a:tailEnd type="none" w="med" len="med"/>
-                    </a:lnT>
-                    <a:lnB w="12700" cap="flat" cmpd="sng" algn="ctr">
-                      <a:solidFill>
-                        <a:schemeClr val="tx1"/>
-                      </a:solidFill>
-                      <a:prstDash val="solid"/>
-                      <a:round/>
-                      <a:headEnd type="none" w="med" len="med"/>
-                      <a:tailEnd type="none" w="med" len="med"/>
-                    </a:lnB>
-                  </a:tcPr>
-                </a:tc>
-                <a:tc>
-                  <a:txBody>
-                    <a:bodyPr/>
-                    <a:lstStyle/>
-                    <a:p>
-                      <a:pPr algn="r" fontAlgn="b"/>
-                      <a:r>
-                        <a:rPr lang="en-MY" sz="900" b="0" i="0" u="none" strike="noStrike">
-                          <a:solidFill>
-                            <a:srgbClr val="000000"/>
-                          </a:solidFill>
-                          <a:effectLst/>
-                          <a:latin typeface="Calibri" panose="020F0502020204030204" pitchFamily="34" charset="0"/>
-                        </a:rPr>
-                        <a:t>1</a:t>
-                      </a:r>
-                    </a:p>
-                  </a:txBody>
-                  <a:tcPr marL="9525" marR="9525" marT="9525" marB="0" anchor="b">
-                    <a:lnL w="12700" cap="flat" cmpd="sng" algn="ctr">
-                      <a:solidFill>
-                        <a:schemeClr val="tx1"/>
-                      </a:solidFill>
-                      <a:prstDash val="solid"/>
-                      <a:round/>
-                      <a:headEnd type="none" w="med" len="med"/>
-                      <a:tailEnd type="none" w="med" len="med"/>
-                    </a:lnL>
-                    <a:lnR w="12700" cap="flat" cmpd="sng" algn="ctr">
-                      <a:solidFill>
-                        <a:schemeClr val="tx1"/>
-                      </a:solidFill>
-                      <a:prstDash val="solid"/>
-                      <a:round/>
-                      <a:headEnd type="none" w="med" len="med"/>
-                      <a:tailEnd type="none" w="med" len="med"/>
-                    </a:lnR>
-                    <a:lnT w="12700" cap="flat" cmpd="sng" algn="ctr">
-                      <a:solidFill>
-                        <a:schemeClr val="tx1"/>
-                      </a:solidFill>
-                      <a:prstDash val="solid"/>
-                      <a:round/>
-                      <a:headEnd type="none" w="med" len="med"/>
-                      <a:tailEnd type="none" w="med" len="med"/>
-                    </a:lnT>
-                    <a:lnB w="12700" cap="flat" cmpd="sng" algn="ctr">
-                      <a:solidFill>
-                        <a:schemeClr val="tx1"/>
-                      </a:solidFill>
-                      <a:prstDash val="solid"/>
-                      <a:round/>
-                      <a:headEnd type="none" w="med" len="med"/>
-                      <a:tailEnd type="none" w="med" len="med"/>
-                    </a:lnB>
-                  </a:tcPr>
-                </a:tc>
-                <a:tc>
-                  <a:txBody>
-                    <a:bodyPr/>
-                    <a:lstStyle/>
-                    <a:p>
-                      <a:pPr algn="r" fontAlgn="b"/>
-                      <a:r>
-                        <a:rPr lang="en-MY" sz="900" b="0" i="0" u="none" strike="noStrike">
-                          <a:solidFill>
-                            <a:srgbClr val="000000"/>
-                          </a:solidFill>
-                          <a:effectLst/>
-                          <a:latin typeface="Calibri" panose="020F0502020204030204" pitchFamily="34" charset="0"/>
-                        </a:rPr>
-                        <a:t>0.962186</a:t>
-                      </a:r>
-                    </a:p>
-                  </a:txBody>
-                  <a:tcPr marL="9525" marR="9525" marT="9525" marB="0" anchor="b">
-                    <a:lnL w="12700" cap="flat" cmpd="sng" algn="ctr">
-                      <a:solidFill>
-                        <a:schemeClr val="tx1"/>
-                      </a:solidFill>
-                      <a:prstDash val="solid"/>
-                      <a:round/>
-                      <a:headEnd type="none" w="med" len="med"/>
-                      <a:tailEnd type="none" w="med" len="med"/>
-                    </a:lnL>
-                    <a:lnR w="12700" cap="flat" cmpd="sng" algn="ctr">
-                      <a:solidFill>
-                        <a:schemeClr val="tx1"/>
-                      </a:solidFill>
-                      <a:prstDash val="solid"/>
-                      <a:round/>
-                      <a:headEnd type="none" w="med" len="med"/>
-                      <a:tailEnd type="none" w="med" len="med"/>
-                    </a:lnR>
-                    <a:lnT w="12700" cap="flat" cmpd="sng" algn="ctr">
-                      <a:solidFill>
-                        <a:schemeClr val="tx1"/>
-                      </a:solidFill>
-                      <a:prstDash val="solid"/>
-                      <a:round/>
-                      <a:headEnd type="none" w="med" len="med"/>
-                      <a:tailEnd type="none" w="med" len="med"/>
-                    </a:lnT>
-                    <a:lnB w="12700" cap="flat" cmpd="sng" algn="ctr">
-                      <a:solidFill>
-                        <a:schemeClr val="tx1"/>
-                      </a:solidFill>
-                      <a:prstDash val="solid"/>
-                      <a:round/>
-                      <a:headEnd type="none" w="med" len="med"/>
-                      <a:tailEnd type="none" w="med" len="med"/>
-                    </a:lnB>
-                  </a:tcPr>
-                </a:tc>
-                <a:tc>
-                  <a:txBody>
-                    <a:bodyPr/>
-                    <a:lstStyle/>
-                    <a:p>
-                      <a:pPr algn="r" fontAlgn="b"/>
-                      <a:r>
-                        <a:rPr lang="en-MY" sz="900" b="0" i="0" u="none" strike="noStrike">
-                          <a:solidFill>
-                            <a:srgbClr val="000000"/>
-                          </a:solidFill>
-                          <a:effectLst/>
-                          <a:latin typeface="Calibri" panose="020F0502020204030204" pitchFamily="34" charset="0"/>
-                        </a:rPr>
-                        <a:t>1</a:t>
-                      </a:r>
-                    </a:p>
-                  </a:txBody>
-                  <a:tcPr marL="9525" marR="9525" marT="9525" marB="0" anchor="b">
-                    <a:lnL w="12700" cap="flat" cmpd="sng" algn="ctr">
-                      <a:solidFill>
-                        <a:schemeClr val="tx1"/>
-                      </a:solidFill>
-                      <a:prstDash val="solid"/>
-                      <a:round/>
-                      <a:headEnd type="none" w="med" len="med"/>
-                      <a:tailEnd type="none" w="med" len="med"/>
-                    </a:lnL>
-                    <a:lnR w="12700" cap="flat" cmpd="sng" algn="ctr">
-                      <a:solidFill>
-                        <a:schemeClr val="tx1"/>
-                      </a:solidFill>
-                      <a:prstDash val="solid"/>
-                      <a:round/>
-                      <a:headEnd type="none" w="med" len="med"/>
-                      <a:tailEnd type="none" w="med" len="med"/>
-                    </a:lnR>
-                    <a:lnT w="12700" cap="flat" cmpd="sng" algn="ctr">
-                      <a:solidFill>
-                        <a:schemeClr val="tx1"/>
-                      </a:solidFill>
-                      <a:prstDash val="solid"/>
-                      <a:round/>
-                      <a:headEnd type="none" w="med" len="med"/>
-                      <a:tailEnd type="none" w="med" len="med"/>
-                    </a:lnT>
-                    <a:lnB w="12700" cap="flat" cmpd="sng" algn="ctr">
-                      <a:solidFill>
-                        <a:schemeClr val="tx1"/>
-                      </a:solidFill>
-                      <a:prstDash val="solid"/>
-                      <a:round/>
-                      <a:headEnd type="none" w="med" len="med"/>
-                      <a:tailEnd type="none" w="med" len="med"/>
-                    </a:lnB>
-                  </a:tcPr>
-                </a:tc>
-                <a:tc>
-                  <a:txBody>
-                    <a:bodyPr/>
-                    <a:lstStyle/>
-                    <a:p>
-                      <a:pPr algn="r" fontAlgn="b"/>
-                      <a:r>
-                        <a:rPr lang="en-MY" sz="900" b="0" i="0" u="none" strike="noStrike">
-                          <a:solidFill>
-                            <a:srgbClr val="000000"/>
-                          </a:solidFill>
-                          <a:effectLst/>
-                          <a:latin typeface="Calibri" panose="020F0502020204030204" pitchFamily="34" charset="0"/>
-                        </a:rPr>
-                        <a:t>0.753601</a:t>
-                      </a:r>
-                    </a:p>
-                  </a:txBody>
-                  <a:tcPr marL="9525" marR="9525" marT="9525" marB="0" anchor="b">
-                    <a:lnL w="12700" cap="flat" cmpd="sng" algn="ctr">
-                      <a:solidFill>
-                        <a:schemeClr val="tx1"/>
-                      </a:solidFill>
-                      <a:prstDash val="solid"/>
-                      <a:round/>
-                      <a:headEnd type="none" w="med" len="med"/>
-                      <a:tailEnd type="none" w="med" len="med"/>
-                    </a:lnL>
-                    <a:lnR w="12700" cap="flat" cmpd="sng" algn="ctr">
-                      <a:solidFill>
-                        <a:schemeClr val="tx1"/>
-                      </a:solidFill>
-                      <a:prstDash val="solid"/>
-                      <a:round/>
-                      <a:headEnd type="none" w="med" len="med"/>
-                      <a:tailEnd type="none" w="med" len="med"/>
-                    </a:lnR>
-                    <a:lnT w="12700" cap="flat" cmpd="sng" algn="ctr">
-                      <a:solidFill>
-                        <a:schemeClr val="tx1"/>
-                      </a:solidFill>
-                      <a:prstDash val="solid"/>
-                      <a:round/>
-                      <a:headEnd type="none" w="med" len="med"/>
-                      <a:tailEnd type="none" w="med" len="med"/>
-                    </a:lnT>
-                    <a:lnB w="12700" cap="flat" cmpd="sng" algn="ctr">
-                      <a:solidFill>
-                        <a:schemeClr val="tx1"/>
-                      </a:solidFill>
-                      <a:prstDash val="solid"/>
-                      <a:round/>
-                      <a:headEnd type="none" w="med" len="med"/>
-                      <a:tailEnd type="none" w="med" len="med"/>
-                    </a:lnB>
-                  </a:tcPr>
-                </a:tc>
-                <a:tc>
-                  <a:txBody>
-                    <a:bodyPr/>
-                    <a:lstStyle/>
-                    <a:p>
-                      <a:pPr algn="r" fontAlgn="b"/>
-                      <a:r>
-                        <a:rPr lang="en-MY" sz="900" b="0" i="0" u="none" strike="noStrike">
-                          <a:solidFill>
-                            <a:srgbClr val="000000"/>
-                          </a:solidFill>
-                          <a:effectLst/>
-                          <a:latin typeface="Calibri" panose="020F0502020204030204" pitchFamily="34" charset="0"/>
-                        </a:rPr>
-                        <a:t>1</a:t>
-                      </a:r>
-                    </a:p>
-                  </a:txBody>
-                  <a:tcPr marL="9525" marR="9525" marT="9525" marB="0" anchor="b">
-                    <a:lnL w="12700" cap="flat" cmpd="sng" algn="ctr">
-                      <a:solidFill>
-                        <a:schemeClr val="tx1"/>
-                      </a:solidFill>
-                      <a:prstDash val="solid"/>
-                      <a:round/>
-                      <a:headEnd type="none" w="med" len="med"/>
-                      <a:tailEnd type="none" w="med" len="med"/>
-                    </a:lnL>
-                    <a:lnR w="12700" cap="flat" cmpd="sng" algn="ctr">
-                      <a:solidFill>
-                        <a:schemeClr val="tx1"/>
-                      </a:solidFill>
-                      <a:prstDash val="solid"/>
-                      <a:round/>
-                      <a:headEnd type="none" w="med" len="med"/>
-                      <a:tailEnd type="none" w="med" len="med"/>
-                    </a:lnR>
-                    <a:lnT w="12700" cap="flat" cmpd="sng" algn="ctr">
-                      <a:solidFill>
-                        <a:schemeClr val="tx1"/>
-                      </a:solidFill>
-                      <a:prstDash val="solid"/>
-                      <a:round/>
-                      <a:headEnd type="none" w="med" len="med"/>
-                      <a:tailEnd type="none" w="med" len="med"/>
-                    </a:lnT>
-                    <a:lnB w="12700" cap="flat" cmpd="sng" algn="ctr">
-                      <a:solidFill>
-                        <a:schemeClr val="tx1"/>
-                      </a:solidFill>
-                      <a:prstDash val="solid"/>
-                      <a:round/>
-                      <a:headEnd type="none" w="med" len="med"/>
-                      <a:tailEnd type="none" w="med" len="med"/>
-                    </a:lnB>
-                  </a:tcPr>
-                </a:tc>
-                <a:tc>
-                  <a:txBody>
-                    <a:bodyPr/>
-                    <a:lstStyle/>
-                    <a:p>
-                      <a:pPr algn="r" fontAlgn="b"/>
-                      <a:r>
-                        <a:rPr lang="en-MY" sz="900" b="0" i="0" u="none" strike="noStrike" dirty="0">
-                          <a:solidFill>
-                            <a:srgbClr val="000000"/>
-                          </a:solidFill>
-                          <a:effectLst/>
-                          <a:latin typeface="Calibri" panose="020F0502020204030204" pitchFamily="34" charset="0"/>
-                        </a:rPr>
-                        <a:t>0.774194</a:t>
-                      </a:r>
-                    </a:p>
-                  </a:txBody>
-                  <a:tcPr marL="9525" marR="9525" marT="9525" marB="0" anchor="b">
-                    <a:lnL w="12700" cap="flat" cmpd="sng" algn="ctr">
-                      <a:solidFill>
-                        <a:schemeClr val="tx1"/>
-                      </a:solidFill>
-                      <a:prstDash val="solid"/>
-                      <a:round/>
-                      <a:headEnd type="none" w="med" len="med"/>
-                      <a:tailEnd type="none" w="med" len="med"/>
-                    </a:lnL>
-                    <a:lnR w="12700" cap="flat" cmpd="sng" algn="ctr">
-                      <a:solidFill>
-                        <a:schemeClr val="tx1"/>
-                      </a:solidFill>
-                      <a:prstDash val="solid"/>
-                      <a:round/>
-                      <a:headEnd type="none" w="med" len="med"/>
-                      <a:tailEnd type="none" w="med" len="med"/>
-                    </a:lnR>
-                    <a:lnT w="12700" cap="flat" cmpd="sng" algn="ctr">
-                      <a:solidFill>
-                        <a:schemeClr val="tx1"/>
-                      </a:solidFill>
-                      <a:prstDash val="solid"/>
-                      <a:round/>
-                      <a:headEnd type="none" w="med" len="med"/>
-                      <a:tailEnd type="none" w="med" len="med"/>
-                    </a:lnT>
-                    <a:lnB w="12700" cap="flat" cmpd="sng" algn="ctr">
-                      <a:solidFill>
-                        <a:schemeClr val="tx1"/>
-                      </a:solidFill>
-                      <a:prstDash val="solid"/>
-                      <a:round/>
-                      <a:headEnd type="none" w="med" len="med"/>
-                      <a:tailEnd type="none" w="med" len="med"/>
-                    </a:lnB>
-                  </a:tcPr>
-                </a:tc>
-                <a:tc>
-                  <a:txBody>
-                    <a:bodyPr/>
-                    <a:lstStyle/>
-                    <a:p>
-                      <a:pPr algn="r" fontAlgn="b"/>
-                      <a:r>
-                        <a:rPr lang="en-MY" sz="900" b="0" i="0" u="none" strike="noStrike">
-                          <a:solidFill>
-                            <a:srgbClr val="000000"/>
-                          </a:solidFill>
-                          <a:effectLst/>
-                          <a:latin typeface="Calibri" panose="020F0502020204030204" pitchFamily="34" charset="0"/>
-                        </a:rPr>
-                        <a:t>57</a:t>
-                      </a:r>
-                    </a:p>
-                  </a:txBody>
-                  <a:tcPr marL="9525" marR="9525" marT="9525" marB="0" anchor="b">
-                    <a:lnL w="12700" cap="flat" cmpd="sng" algn="ctr">
-                      <a:solidFill>
-                        <a:schemeClr val="tx1"/>
-                      </a:solidFill>
-                      <a:prstDash val="solid"/>
-                      <a:round/>
-                      <a:headEnd type="none" w="med" len="med"/>
-                      <a:tailEnd type="none" w="med" len="med"/>
-                    </a:lnL>
-                    <a:lnR w="12700" cap="flat" cmpd="sng" algn="ctr">
-                      <a:solidFill>
-                        <a:schemeClr val="tx1"/>
-                      </a:solidFill>
-                      <a:prstDash val="solid"/>
-                      <a:round/>
-                      <a:headEnd type="none" w="med" len="med"/>
-                      <a:tailEnd type="none" w="med" len="med"/>
-                    </a:lnR>
-                    <a:lnT w="12700" cap="flat" cmpd="sng" algn="ctr">
-                      <a:solidFill>
-                        <a:schemeClr val="tx1"/>
-                      </a:solidFill>
-                      <a:prstDash val="solid"/>
-                      <a:round/>
-                      <a:headEnd type="none" w="med" len="med"/>
-                      <a:tailEnd type="none" w="med" len="med"/>
-                    </a:lnT>
-                    <a:lnB w="12700" cap="flat" cmpd="sng" algn="ctr">
-                      <a:solidFill>
-                        <a:schemeClr val="tx1"/>
-                      </a:solidFill>
-                      <a:prstDash val="solid"/>
-                      <a:round/>
-                      <a:headEnd type="none" w="med" len="med"/>
-                      <a:tailEnd type="none" w="med" len="med"/>
-                    </a:lnB>
-                  </a:tcPr>
-                </a:tc>
-                <a:tc>
-                  <a:txBody>
-                    <a:bodyPr/>
-                    <a:lstStyle/>
-                    <a:p>
-                      <a:pPr algn="r" fontAlgn="b"/>
-                      <a:r>
-                        <a:rPr lang="en-MY" sz="900" b="0" i="0" u="none" strike="noStrike">
-                          <a:solidFill>
-                            <a:srgbClr val="000000"/>
-                          </a:solidFill>
-                          <a:effectLst/>
-                          <a:latin typeface="Calibri" panose="020F0502020204030204" pitchFamily="34" charset="0"/>
-                        </a:rPr>
-                        <a:t>62</a:t>
-                      </a:r>
-                    </a:p>
-                  </a:txBody>
-                  <a:tcPr marL="9525" marR="9525" marT="9525" marB="0" anchor="b">
-                    <a:lnL w="12700" cap="flat" cmpd="sng" algn="ctr">
-                      <a:solidFill>
-                        <a:schemeClr val="tx1"/>
-                      </a:solidFill>
-                      <a:prstDash val="solid"/>
-                      <a:round/>
-                      <a:headEnd type="none" w="med" len="med"/>
-                      <a:tailEnd type="none" w="med" len="med"/>
-                    </a:lnL>
-                    <a:lnR w="12700" cap="flat" cmpd="sng" algn="ctr">
-                      <a:solidFill>
-                        <a:schemeClr val="tx1"/>
-                      </a:solidFill>
-                      <a:prstDash val="solid"/>
-                      <a:round/>
-                      <a:headEnd type="none" w="med" len="med"/>
-                      <a:tailEnd type="none" w="med" len="med"/>
-                    </a:lnR>
-                    <a:lnT w="12700" cap="flat" cmpd="sng" algn="ctr">
-                      <a:solidFill>
-                        <a:schemeClr val="tx1"/>
-                      </a:solidFill>
-                      <a:prstDash val="solid"/>
-                      <a:round/>
-                      <a:headEnd type="none" w="med" len="med"/>
-                      <a:tailEnd type="none" w="med" len="med"/>
-                    </a:lnT>
-                    <a:lnB w="12700" cap="flat" cmpd="sng" algn="ctr">
-                      <a:solidFill>
-                        <a:schemeClr val="tx1"/>
-                      </a:solidFill>
-                      <a:prstDash val="solid"/>
-                      <a:round/>
-                      <a:headEnd type="none" w="med" len="med"/>
-                      <a:tailEnd type="none" w="med" len="med"/>
-                    </a:lnB>
-                  </a:tcPr>
-                </a:tc>
-                <a:tc>
-                  <a:txBody>
-                    <a:bodyPr/>
-                    <a:lstStyle/>
-                    <a:p>
-                      <a:pPr algn="r" fontAlgn="b"/>
-                      <a:r>
-                        <a:rPr lang="en-MY" sz="900" b="0" i="0" u="none" strike="noStrike">
-                          <a:solidFill>
-                            <a:srgbClr val="000000"/>
-                          </a:solidFill>
-                          <a:effectLst/>
-                          <a:latin typeface="Calibri" panose="020F0502020204030204" pitchFamily="34" charset="0"/>
-                        </a:rPr>
-                        <a:t>204</a:t>
-                      </a:r>
-                    </a:p>
-                  </a:txBody>
-                  <a:tcPr marL="9525" marR="9525" marT="9525" marB="0" anchor="b">
-                    <a:lnL w="12700" cap="flat" cmpd="sng" algn="ctr">
-                      <a:solidFill>
-                        <a:schemeClr val="tx1"/>
-                      </a:solidFill>
-                      <a:prstDash val="solid"/>
-                      <a:round/>
-                      <a:headEnd type="none" w="med" len="med"/>
-                      <a:tailEnd type="none" w="med" len="med"/>
-                    </a:lnL>
-                    <a:lnR w="12700" cap="flat" cmpd="sng" algn="ctr">
-                      <a:solidFill>
-                        <a:schemeClr val="tx1"/>
-                      </a:solidFill>
-                      <a:prstDash val="solid"/>
-                      <a:round/>
-                      <a:headEnd type="none" w="med" len="med"/>
-                      <a:tailEnd type="none" w="med" len="med"/>
-                    </a:lnR>
-                    <a:lnT w="12700" cap="flat" cmpd="sng" algn="ctr">
-                      <a:solidFill>
-                        <a:schemeClr val="tx1"/>
-                      </a:solidFill>
-                      <a:prstDash val="solid"/>
-                      <a:round/>
-                      <a:headEnd type="none" w="med" len="med"/>
-                      <a:tailEnd type="none" w="med" len="med"/>
-                    </a:lnT>
-                    <a:lnB w="12700" cap="flat" cmpd="sng" algn="ctr">
-                      <a:solidFill>
-                        <a:schemeClr val="tx1"/>
-                      </a:solidFill>
-                      <a:prstDash val="solid"/>
-                      <a:round/>
-                      <a:headEnd type="none" w="med" len="med"/>
-                      <a:tailEnd type="none" w="med" len="med"/>
-                    </a:lnB>
-                  </a:tcPr>
-                </a:tc>
-                <a:tc>
-                  <a:txBody>
-                    <a:bodyPr/>
-                    <a:lstStyle/>
-                    <a:p>
-                      <a:pPr algn="r" fontAlgn="b"/>
-                      <a:r>
-                        <a:rPr lang="en-MY" sz="900" b="0" i="0" u="none" strike="noStrike">
-                          <a:solidFill>
-                            <a:srgbClr val="000000"/>
-                          </a:solidFill>
-                          <a:effectLst/>
-                          <a:latin typeface="Calibri" panose="020F0502020204030204" pitchFamily="34" charset="0"/>
-                        </a:rPr>
-                        <a:t>-1501000</a:t>
-                      </a:r>
-                    </a:p>
-                  </a:txBody>
-                  <a:tcPr marL="9525" marR="9525" marT="9525" marB="0" anchor="b">
-                    <a:lnL w="12700" cap="flat" cmpd="sng" algn="ctr">
-                      <a:solidFill>
-                        <a:schemeClr val="tx1"/>
-                      </a:solidFill>
-                      <a:prstDash val="solid"/>
-                      <a:round/>
-                      <a:headEnd type="none" w="med" len="med"/>
-                      <a:tailEnd type="none" w="med" len="med"/>
-                    </a:lnL>
-                    <a:lnR w="12700" cap="flat" cmpd="sng" algn="ctr">
-                      <a:solidFill>
-                        <a:schemeClr val="tx1"/>
-                      </a:solidFill>
-                      <a:prstDash val="solid"/>
-                      <a:round/>
-                      <a:headEnd type="none" w="med" len="med"/>
-                      <a:tailEnd type="none" w="med" len="med"/>
-                    </a:lnR>
-                    <a:lnT w="12700" cap="flat" cmpd="sng" algn="ctr">
-                      <a:solidFill>
-                        <a:schemeClr val="tx1"/>
-                      </a:solidFill>
-                      <a:prstDash val="solid"/>
-                      <a:round/>
-                      <a:headEnd type="none" w="med" len="med"/>
-                      <a:tailEnd type="none" w="med" len="med"/>
-                    </a:lnT>
-                    <a:lnB w="12700" cap="flat" cmpd="sng" algn="ctr">
-                      <a:solidFill>
-                        <a:schemeClr val="tx1"/>
-                      </a:solidFill>
-                      <a:prstDash val="solid"/>
-                      <a:round/>
-                      <a:headEnd type="none" w="med" len="med"/>
-                      <a:tailEnd type="none" w="med" len="med"/>
-                    </a:lnB>
-                  </a:tcPr>
-                </a:tc>
-                <a:tc>
-                  <a:txBody>
-                    <a:bodyPr/>
-                    <a:lstStyle/>
-                    <a:p>
-                      <a:pPr algn="r" fontAlgn="b"/>
-                      <a:r>
-                        <a:rPr lang="en-MY" sz="900" b="0" i="0" u="none" strike="noStrike">
-                          <a:solidFill>
-                            <a:srgbClr val="000000"/>
-                          </a:solidFill>
-                          <a:effectLst/>
-                          <a:latin typeface="Calibri" panose="020F0502020204030204" pitchFamily="34" charset="0"/>
-                        </a:rPr>
                         <a:t>7</a:t>
                       </a:r>
                     </a:p>
@@ -18450,818 +18580,7 @@
                     <a:p>
                       <a:pPr algn="l" fontAlgn="b"/>
                       <a:r>
-                        <a:rPr lang="en-MY" sz="900" b="1" i="0" u="none" strike="noStrike" dirty="0">
-                          <a:solidFill>
-                            <a:srgbClr val="000000"/>
-                          </a:solidFill>
-                          <a:effectLst/>
-                          <a:latin typeface="Calibri" panose="020F0502020204030204" pitchFamily="34" charset="0"/>
-                        </a:rPr>
-                        <a:t>XGBoostGridSearch</a:t>
-                      </a:r>
-                    </a:p>
-                  </a:txBody>
-                  <a:tcPr marL="9525" marR="9525" marT="9525" marB="0" anchor="b">
-                    <a:lnL w="12700" cap="flat" cmpd="sng" algn="ctr">
-                      <a:solidFill>
-                        <a:schemeClr val="tx1"/>
-                      </a:solidFill>
-                      <a:prstDash val="solid"/>
-                      <a:round/>
-                      <a:headEnd type="none" w="med" len="med"/>
-                      <a:tailEnd type="none" w="med" len="med"/>
-                    </a:lnL>
-                    <a:lnR w="12700" cap="flat" cmpd="sng" algn="ctr">
-                      <a:solidFill>
-                        <a:schemeClr val="tx1"/>
-                      </a:solidFill>
-                      <a:prstDash val="solid"/>
-                      <a:round/>
-                      <a:headEnd type="none" w="med" len="med"/>
-                      <a:tailEnd type="none" w="med" len="med"/>
-                    </a:lnR>
-                    <a:lnT w="12700" cap="flat" cmpd="sng" algn="ctr">
-                      <a:solidFill>
-                        <a:schemeClr val="tx1"/>
-                      </a:solidFill>
-                      <a:prstDash val="solid"/>
-                      <a:round/>
-                      <a:headEnd type="none" w="med" len="med"/>
-                      <a:tailEnd type="none" w="med" len="med"/>
-                    </a:lnT>
-                    <a:lnB w="12700" cap="flat" cmpd="sng" algn="ctr">
-                      <a:solidFill>
-                        <a:schemeClr val="tx1"/>
-                      </a:solidFill>
-                      <a:prstDash val="solid"/>
-                      <a:round/>
-                      <a:headEnd type="none" w="med" len="med"/>
-                      <a:tailEnd type="none" w="med" len="med"/>
-                    </a:lnB>
-                    <a:solidFill>
-                      <a:schemeClr val="accent4">
-                        <a:lumMod val="20000"/>
-                        <a:lumOff val="80000"/>
-                      </a:schemeClr>
-                    </a:solidFill>
-                  </a:tcPr>
-                </a:tc>
-                <a:tc>
-                  <a:txBody>
-                    <a:bodyPr/>
-                    <a:lstStyle/>
-                    <a:p>
-                      <a:pPr algn="r" fontAlgn="b"/>
-                      <a:r>
-                        <a:rPr lang="en-MY" sz="900" b="0" i="0" u="none" strike="noStrike">
-                          <a:solidFill>
-                            <a:srgbClr val="000000"/>
-                          </a:solidFill>
-                          <a:effectLst/>
-                          <a:latin typeface="Calibri" panose="020F0502020204030204" pitchFamily="34" charset="0"/>
-                        </a:rPr>
-                        <a:t>0.870693</a:t>
-                      </a:r>
-                    </a:p>
-                  </a:txBody>
-                  <a:tcPr marL="9525" marR="9525" marT="9525" marB="0" anchor="b">
-                    <a:lnL w="12700" cap="flat" cmpd="sng" algn="ctr">
-                      <a:solidFill>
-                        <a:schemeClr val="tx1"/>
-                      </a:solidFill>
-                      <a:prstDash val="solid"/>
-                      <a:round/>
-                      <a:headEnd type="none" w="med" len="med"/>
-                      <a:tailEnd type="none" w="med" len="med"/>
-                    </a:lnL>
-                    <a:lnR w="12700" cap="flat" cmpd="sng" algn="ctr">
-                      <a:solidFill>
-                        <a:schemeClr val="tx1"/>
-                      </a:solidFill>
-                      <a:prstDash val="solid"/>
-                      <a:round/>
-                      <a:headEnd type="none" w="med" len="med"/>
-                      <a:tailEnd type="none" w="med" len="med"/>
-                    </a:lnR>
-                    <a:lnT w="12700" cap="flat" cmpd="sng" algn="ctr">
-                      <a:solidFill>
-                        <a:schemeClr val="tx1"/>
-                      </a:solidFill>
-                      <a:prstDash val="solid"/>
-                      <a:round/>
-                      <a:headEnd type="none" w="med" len="med"/>
-                      <a:tailEnd type="none" w="med" len="med"/>
-                    </a:lnT>
-                    <a:lnB w="12700" cap="flat" cmpd="sng" algn="ctr">
-                      <a:solidFill>
-                        <a:schemeClr val="tx1"/>
-                      </a:solidFill>
-                      <a:prstDash val="solid"/>
-                      <a:round/>
-                      <a:headEnd type="none" w="med" len="med"/>
-                      <a:tailEnd type="none" w="med" len="med"/>
-                    </a:lnB>
-                  </a:tcPr>
-                </a:tc>
-                <a:tc>
-                  <a:txBody>
-                    <a:bodyPr/>
-                    <a:lstStyle/>
-                    <a:p>
-                      <a:pPr algn="r" fontAlgn="b"/>
-                      <a:r>
-                        <a:rPr lang="en-MY" sz="900" b="0" i="0" u="none" strike="noStrike">
-                          <a:solidFill>
-                            <a:srgbClr val="000000"/>
-                          </a:solidFill>
-                          <a:effectLst/>
-                          <a:latin typeface="Calibri" panose="020F0502020204030204" pitchFamily="34" charset="0"/>
-                        </a:rPr>
-                        <a:t>0.834718</a:t>
-                      </a:r>
-                    </a:p>
-                  </a:txBody>
-                  <a:tcPr marL="9525" marR="9525" marT="9525" marB="0" anchor="b">
-                    <a:lnL w="12700" cap="flat" cmpd="sng" algn="ctr">
-                      <a:solidFill>
-                        <a:schemeClr val="tx1"/>
-                      </a:solidFill>
-                      <a:prstDash val="solid"/>
-                      <a:round/>
-                      <a:headEnd type="none" w="med" len="med"/>
-                      <a:tailEnd type="none" w="med" len="med"/>
-                    </a:lnL>
-                    <a:lnR w="12700" cap="flat" cmpd="sng" algn="ctr">
-                      <a:solidFill>
-                        <a:schemeClr val="tx1"/>
-                      </a:solidFill>
-                      <a:prstDash val="solid"/>
-                      <a:round/>
-                      <a:headEnd type="none" w="med" len="med"/>
-                      <a:tailEnd type="none" w="med" len="med"/>
-                    </a:lnR>
-                    <a:lnT w="12700" cap="flat" cmpd="sng" algn="ctr">
-                      <a:solidFill>
-                        <a:schemeClr val="tx1"/>
-                      </a:solidFill>
-                      <a:prstDash val="solid"/>
-                      <a:round/>
-                      <a:headEnd type="none" w="med" len="med"/>
-                      <a:tailEnd type="none" w="med" len="med"/>
-                    </a:lnT>
-                    <a:lnB w="12700" cap="flat" cmpd="sng" algn="ctr">
-                      <a:solidFill>
-                        <a:schemeClr val="tx1"/>
-                      </a:solidFill>
-                      <a:prstDash val="solid"/>
-                      <a:round/>
-                      <a:headEnd type="none" w="med" len="med"/>
-                      <a:tailEnd type="none" w="med" len="med"/>
-                    </a:lnB>
-                  </a:tcPr>
-                </a:tc>
-                <a:tc>
-                  <a:txBody>
-                    <a:bodyPr/>
-                    <a:lstStyle/>
-                    <a:p>
-                      <a:pPr algn="r" fontAlgn="b"/>
-                      <a:r>
-                        <a:rPr lang="en-MY" sz="900" b="0" i="0" u="none" strike="noStrike">
-                          <a:solidFill>
-                            <a:srgbClr val="000000"/>
-                          </a:solidFill>
-                          <a:effectLst/>
-                          <a:latin typeface="Calibri" panose="020F0502020204030204" pitchFamily="34" charset="0"/>
-                        </a:rPr>
-                        <a:t>0.870693</a:t>
-                      </a:r>
-                    </a:p>
-                  </a:txBody>
-                  <a:tcPr marL="9525" marR="9525" marT="9525" marB="0" anchor="b">
-                    <a:lnL w="12700" cap="flat" cmpd="sng" algn="ctr">
-                      <a:solidFill>
-                        <a:schemeClr val="tx1"/>
-                      </a:solidFill>
-                      <a:prstDash val="solid"/>
-                      <a:round/>
-                      <a:headEnd type="none" w="med" len="med"/>
-                      <a:tailEnd type="none" w="med" len="med"/>
-                    </a:lnL>
-                    <a:lnR w="12700" cap="flat" cmpd="sng" algn="ctr">
-                      <a:solidFill>
-                        <a:schemeClr val="tx1"/>
-                      </a:solidFill>
-                      <a:prstDash val="solid"/>
-                      <a:round/>
-                      <a:headEnd type="none" w="med" len="med"/>
-                      <a:tailEnd type="none" w="med" len="med"/>
-                    </a:lnR>
-                    <a:lnT w="12700" cap="flat" cmpd="sng" algn="ctr">
-                      <a:solidFill>
-                        <a:schemeClr val="tx1"/>
-                      </a:solidFill>
-                      <a:prstDash val="solid"/>
-                      <a:round/>
-                      <a:headEnd type="none" w="med" len="med"/>
-                      <a:tailEnd type="none" w="med" len="med"/>
-                    </a:lnT>
-                    <a:lnB w="12700" cap="flat" cmpd="sng" algn="ctr">
-                      <a:solidFill>
-                        <a:schemeClr val="tx1"/>
-                      </a:solidFill>
-                      <a:prstDash val="solid"/>
-                      <a:round/>
-                      <a:headEnd type="none" w="med" len="med"/>
-                      <a:tailEnd type="none" w="med" len="med"/>
-                    </a:lnB>
-                  </a:tcPr>
-                </a:tc>
-                <a:tc>
-                  <a:txBody>
-                    <a:bodyPr/>
-                    <a:lstStyle/>
-                    <a:p>
-                      <a:pPr algn="r" fontAlgn="b"/>
-                      <a:r>
-                        <a:rPr lang="en-MY" sz="900" b="0" i="0" u="none" strike="noStrike">
-                          <a:solidFill>
-                            <a:srgbClr val="000000"/>
-                          </a:solidFill>
-                          <a:effectLst/>
-                          <a:latin typeface="Calibri" panose="020F0502020204030204" pitchFamily="34" charset="0"/>
-                        </a:rPr>
-                        <a:t>0.875437</a:t>
-                      </a:r>
-                    </a:p>
-                  </a:txBody>
-                  <a:tcPr marL="9525" marR="9525" marT="9525" marB="0" anchor="b">
-                    <a:lnL w="12700" cap="flat" cmpd="sng" algn="ctr">
-                      <a:solidFill>
-                        <a:schemeClr val="tx1"/>
-                      </a:solidFill>
-                      <a:prstDash val="solid"/>
-                      <a:round/>
-                      <a:headEnd type="none" w="med" len="med"/>
-                      <a:tailEnd type="none" w="med" len="med"/>
-                    </a:lnL>
-                    <a:lnR w="12700" cap="flat" cmpd="sng" algn="ctr">
-                      <a:solidFill>
-                        <a:schemeClr val="tx1"/>
-                      </a:solidFill>
-                      <a:prstDash val="solid"/>
-                      <a:round/>
-                      <a:headEnd type="none" w="med" len="med"/>
-                      <a:tailEnd type="none" w="med" len="med"/>
-                    </a:lnR>
-                    <a:lnT w="12700" cap="flat" cmpd="sng" algn="ctr">
-                      <a:solidFill>
-                        <a:schemeClr val="tx1"/>
-                      </a:solidFill>
-                      <a:prstDash val="solid"/>
-                      <a:round/>
-                      <a:headEnd type="none" w="med" len="med"/>
-                      <a:tailEnd type="none" w="med" len="med"/>
-                    </a:lnT>
-                    <a:lnB w="12700" cap="flat" cmpd="sng" algn="ctr">
-                      <a:solidFill>
-                        <a:schemeClr val="tx1"/>
-                      </a:solidFill>
-                      <a:prstDash val="solid"/>
-                      <a:round/>
-                      <a:headEnd type="none" w="med" len="med"/>
-                      <a:tailEnd type="none" w="med" len="med"/>
-                    </a:lnB>
-                  </a:tcPr>
-                </a:tc>
-                <a:tc>
-                  <a:txBody>
-                    <a:bodyPr/>
-                    <a:lstStyle/>
-                    <a:p>
-                      <a:pPr algn="r" fontAlgn="b"/>
-                      <a:r>
-                        <a:rPr lang="en-MY" sz="900" b="0" i="0" u="none" strike="noStrike">
-                          <a:solidFill>
-                            <a:srgbClr val="000000"/>
-                          </a:solidFill>
-                          <a:effectLst/>
-                          <a:latin typeface="Calibri" panose="020F0502020204030204" pitchFamily="34" charset="0"/>
-                        </a:rPr>
-                        <a:t>0.742191</a:t>
-                      </a:r>
-                    </a:p>
-                  </a:txBody>
-                  <a:tcPr marL="9525" marR="9525" marT="9525" marB="0" anchor="b">
-                    <a:lnL w="12700" cap="flat" cmpd="sng" algn="ctr">
-                      <a:solidFill>
-                        <a:schemeClr val="tx1"/>
-                      </a:solidFill>
-                      <a:prstDash val="solid"/>
-                      <a:round/>
-                      <a:headEnd type="none" w="med" len="med"/>
-                      <a:tailEnd type="none" w="med" len="med"/>
-                    </a:lnL>
-                    <a:lnR w="12700" cap="flat" cmpd="sng" algn="ctr">
-                      <a:solidFill>
-                        <a:schemeClr val="tx1"/>
-                      </a:solidFill>
-                      <a:prstDash val="solid"/>
-                      <a:round/>
-                      <a:headEnd type="none" w="med" len="med"/>
-                      <a:tailEnd type="none" w="med" len="med"/>
-                    </a:lnR>
-                    <a:lnT w="12700" cap="flat" cmpd="sng" algn="ctr">
-                      <a:solidFill>
-                        <a:schemeClr val="tx1"/>
-                      </a:solidFill>
-                      <a:prstDash val="solid"/>
-                      <a:round/>
-                      <a:headEnd type="none" w="med" len="med"/>
-                      <a:tailEnd type="none" w="med" len="med"/>
-                    </a:lnT>
-                    <a:lnB w="12700" cap="flat" cmpd="sng" algn="ctr">
-                      <a:solidFill>
-                        <a:schemeClr val="tx1"/>
-                      </a:solidFill>
-                      <a:prstDash val="solid"/>
-                      <a:round/>
-                      <a:headEnd type="none" w="med" len="med"/>
-                      <a:tailEnd type="none" w="med" len="med"/>
-                    </a:lnB>
-                  </a:tcPr>
-                </a:tc>
-                <a:tc>
-                  <a:txBody>
-                    <a:bodyPr/>
-                    <a:lstStyle/>
-                    <a:p>
-                      <a:pPr algn="r" fontAlgn="b"/>
-                      <a:r>
-                        <a:rPr lang="en-MY" sz="900" b="0" i="0" u="none" strike="noStrike">
-                          <a:solidFill>
-                            <a:srgbClr val="000000"/>
-                          </a:solidFill>
-                          <a:effectLst/>
-                          <a:latin typeface="Calibri" panose="020F0502020204030204" pitchFamily="34" charset="0"/>
-                        </a:rPr>
-                        <a:t>0.492475</a:t>
-                      </a:r>
-                    </a:p>
-                  </a:txBody>
-                  <a:tcPr marL="9525" marR="9525" marT="9525" marB="0" anchor="b">
-                    <a:lnL w="12700" cap="flat" cmpd="sng" algn="ctr">
-                      <a:solidFill>
-                        <a:schemeClr val="tx1"/>
-                      </a:solidFill>
-                      <a:prstDash val="solid"/>
-                      <a:round/>
-                      <a:headEnd type="none" w="med" len="med"/>
-                      <a:tailEnd type="none" w="med" len="med"/>
-                    </a:lnL>
-                    <a:lnR w="12700" cap="flat" cmpd="sng" algn="ctr">
-                      <a:solidFill>
-                        <a:schemeClr val="tx1"/>
-                      </a:solidFill>
-                      <a:prstDash val="solid"/>
-                      <a:round/>
-                      <a:headEnd type="none" w="med" len="med"/>
-                      <a:tailEnd type="none" w="med" len="med"/>
-                    </a:lnR>
-                    <a:lnT w="12700" cap="flat" cmpd="sng" algn="ctr">
-                      <a:solidFill>
-                        <a:schemeClr val="tx1"/>
-                      </a:solidFill>
-                      <a:prstDash val="solid"/>
-                      <a:round/>
-                      <a:headEnd type="none" w="med" len="med"/>
-                      <a:tailEnd type="none" w="med" len="med"/>
-                    </a:lnT>
-                    <a:lnB w="12700" cap="flat" cmpd="sng" algn="ctr">
-                      <a:solidFill>
-                        <a:schemeClr val="tx1"/>
-                      </a:solidFill>
-                      <a:prstDash val="solid"/>
-                      <a:round/>
-                      <a:headEnd type="none" w="med" len="med"/>
-                      <a:tailEnd type="none" w="med" len="med"/>
-                    </a:lnB>
-                  </a:tcPr>
-                </a:tc>
-                <a:tc>
-                  <a:txBody>
-                    <a:bodyPr/>
-                    <a:lstStyle/>
-                    <a:p>
-                      <a:pPr algn="r" fontAlgn="b"/>
-                      <a:r>
-                        <a:rPr lang="en-MY" sz="900" b="0" i="0" u="none" strike="noStrike">
-                          <a:solidFill>
-                            <a:srgbClr val="000000"/>
-                          </a:solidFill>
-                          <a:effectLst/>
-                          <a:latin typeface="Calibri" panose="020F0502020204030204" pitchFamily="34" charset="0"/>
-                        </a:rPr>
-                        <a:t>0.867613</a:t>
-                      </a:r>
-                    </a:p>
-                  </a:txBody>
-                  <a:tcPr marL="9525" marR="9525" marT="9525" marB="0" anchor="b">
-                    <a:lnL w="12700" cap="flat" cmpd="sng" algn="ctr">
-                      <a:solidFill>
-                        <a:schemeClr val="tx1"/>
-                      </a:solidFill>
-                      <a:prstDash val="solid"/>
-                      <a:round/>
-                      <a:headEnd type="none" w="med" len="med"/>
-                      <a:tailEnd type="none" w="med" len="med"/>
-                    </a:lnL>
-                    <a:lnR w="12700" cap="flat" cmpd="sng" algn="ctr">
-                      <a:solidFill>
-                        <a:schemeClr val="tx1"/>
-                      </a:solidFill>
-                      <a:prstDash val="solid"/>
-                      <a:round/>
-                      <a:headEnd type="none" w="med" len="med"/>
-                      <a:tailEnd type="none" w="med" len="med"/>
-                    </a:lnR>
-                    <a:lnT w="12700" cap="flat" cmpd="sng" algn="ctr">
-                      <a:solidFill>
-                        <a:schemeClr val="tx1"/>
-                      </a:solidFill>
-                      <a:prstDash val="solid"/>
-                      <a:round/>
-                      <a:headEnd type="none" w="med" len="med"/>
-                      <a:tailEnd type="none" w="med" len="med"/>
-                    </a:lnT>
-                    <a:lnB w="12700" cap="flat" cmpd="sng" algn="ctr">
-                      <a:solidFill>
-                        <a:schemeClr val="tx1"/>
-                      </a:solidFill>
-                      <a:prstDash val="solid"/>
-                      <a:round/>
-                      <a:headEnd type="none" w="med" len="med"/>
-                      <a:tailEnd type="none" w="med" len="med"/>
-                    </a:lnB>
-                  </a:tcPr>
-                </a:tc>
-                <a:tc>
-                  <a:txBody>
-                    <a:bodyPr/>
-                    <a:lstStyle/>
-                    <a:p>
-                      <a:pPr algn="r" fontAlgn="b"/>
-                      <a:r>
-                        <a:rPr lang="en-MY" sz="900" b="0" i="0" u="none" strike="noStrike">
-                          <a:solidFill>
-                            <a:srgbClr val="000000"/>
-                          </a:solidFill>
-                          <a:effectLst/>
-                          <a:latin typeface="Calibri" panose="020F0502020204030204" pitchFamily="34" charset="0"/>
-                        </a:rPr>
-                        <a:t>0.516049</a:t>
-                      </a:r>
-                    </a:p>
-                  </a:txBody>
-                  <a:tcPr marL="9525" marR="9525" marT="9525" marB="0" anchor="b">
-                    <a:lnL w="12700" cap="flat" cmpd="sng" algn="ctr">
-                      <a:solidFill>
-                        <a:schemeClr val="tx1"/>
-                      </a:solidFill>
-                      <a:prstDash val="solid"/>
-                      <a:round/>
-                      <a:headEnd type="none" w="med" len="med"/>
-                      <a:tailEnd type="none" w="med" len="med"/>
-                    </a:lnL>
-                    <a:lnR w="12700" cap="flat" cmpd="sng" algn="ctr">
-                      <a:solidFill>
-                        <a:schemeClr val="tx1"/>
-                      </a:solidFill>
-                      <a:prstDash val="solid"/>
-                      <a:round/>
-                      <a:headEnd type="none" w="med" len="med"/>
-                      <a:tailEnd type="none" w="med" len="med"/>
-                    </a:lnR>
-                    <a:lnT w="12700" cap="flat" cmpd="sng" algn="ctr">
-                      <a:solidFill>
-                        <a:schemeClr val="tx1"/>
-                      </a:solidFill>
-                      <a:prstDash val="solid"/>
-                      <a:round/>
-                      <a:headEnd type="none" w="med" len="med"/>
-                      <a:tailEnd type="none" w="med" len="med"/>
-                    </a:lnT>
-                    <a:lnB w="12700" cap="flat" cmpd="sng" algn="ctr">
-                      <a:solidFill>
-                        <a:schemeClr val="tx1"/>
-                      </a:solidFill>
-                      <a:prstDash val="solid"/>
-                      <a:round/>
-                      <a:headEnd type="none" w="med" len="med"/>
-                      <a:tailEnd type="none" w="med" len="med"/>
-                    </a:lnB>
-                  </a:tcPr>
-                </a:tc>
-                <a:tc>
-                  <a:txBody>
-                    <a:bodyPr/>
-                    <a:lstStyle/>
-                    <a:p>
-                      <a:pPr algn="r" fontAlgn="b"/>
-                      <a:r>
-                        <a:rPr lang="en-MY" sz="900" b="0" i="0" u="none" strike="noStrike" dirty="0">
-                          <a:solidFill>
-                            <a:srgbClr val="000000"/>
-                          </a:solidFill>
-                          <a:effectLst/>
-                          <a:latin typeface="Calibri" panose="020F0502020204030204" pitchFamily="34" charset="0"/>
-                        </a:rPr>
-                        <a:t>335</a:t>
-                      </a:r>
-                    </a:p>
-                  </a:txBody>
-                  <a:tcPr marL="9525" marR="9525" marT="9525" marB="0" anchor="b">
-                    <a:lnL w="12700" cap="flat" cmpd="sng" algn="ctr">
-                      <a:solidFill>
-                        <a:schemeClr val="tx1"/>
-                      </a:solidFill>
-                      <a:prstDash val="solid"/>
-                      <a:round/>
-                      <a:headEnd type="none" w="med" len="med"/>
-                      <a:tailEnd type="none" w="med" len="med"/>
-                    </a:lnL>
-                    <a:lnR w="12700" cap="flat" cmpd="sng" algn="ctr">
-                      <a:solidFill>
-                        <a:schemeClr val="tx1"/>
-                      </a:solidFill>
-                      <a:prstDash val="solid"/>
-                      <a:round/>
-                      <a:headEnd type="none" w="med" len="med"/>
-                      <a:tailEnd type="none" w="med" len="med"/>
-                    </a:lnR>
-                    <a:lnT w="12700" cap="flat" cmpd="sng" algn="ctr">
-                      <a:solidFill>
-                        <a:schemeClr val="tx1"/>
-                      </a:solidFill>
-                      <a:prstDash val="solid"/>
-                      <a:round/>
-                      <a:headEnd type="none" w="med" len="med"/>
-                      <a:tailEnd type="none" w="med" len="med"/>
-                    </a:lnT>
-                    <a:lnB w="12700" cap="flat" cmpd="sng" algn="ctr">
-                      <a:solidFill>
-                        <a:schemeClr val="tx1"/>
-                      </a:solidFill>
-                      <a:prstDash val="solid"/>
-                      <a:round/>
-                      <a:headEnd type="none" w="med" len="med"/>
-                      <a:tailEnd type="none" w="med" len="med"/>
-                    </a:lnB>
-                  </a:tcPr>
-                </a:tc>
-                <a:tc>
-                  <a:txBody>
-                    <a:bodyPr/>
-                    <a:lstStyle/>
-                    <a:p>
-                      <a:pPr algn="r" fontAlgn="b"/>
-                      <a:r>
-                        <a:rPr lang="en-MY" sz="900" b="0" i="0" u="none" strike="noStrike">
-                          <a:solidFill>
-                            <a:srgbClr val="000000"/>
-                          </a:solidFill>
-                          <a:effectLst/>
-                          <a:latin typeface="Calibri" panose="020F0502020204030204" pitchFamily="34" charset="0"/>
-                        </a:rPr>
-                        <a:t>57</a:t>
-                      </a:r>
-                    </a:p>
-                  </a:txBody>
-                  <a:tcPr marL="9525" marR="9525" marT="9525" marB="0" anchor="b">
-                    <a:lnL w="12700" cap="flat" cmpd="sng" algn="ctr">
-                      <a:solidFill>
-                        <a:schemeClr val="tx1"/>
-                      </a:solidFill>
-                      <a:prstDash val="solid"/>
-                      <a:round/>
-                      <a:headEnd type="none" w="med" len="med"/>
-                      <a:tailEnd type="none" w="med" len="med"/>
-                    </a:lnL>
-                    <a:lnR w="12700" cap="flat" cmpd="sng" algn="ctr">
-                      <a:solidFill>
-                        <a:schemeClr val="tx1"/>
-                      </a:solidFill>
-                      <a:prstDash val="solid"/>
-                      <a:round/>
-                      <a:headEnd type="none" w="med" len="med"/>
-                      <a:tailEnd type="none" w="med" len="med"/>
-                    </a:lnR>
-                    <a:lnT w="12700" cap="flat" cmpd="sng" algn="ctr">
-                      <a:solidFill>
-                        <a:schemeClr val="tx1"/>
-                      </a:solidFill>
-                      <a:prstDash val="solid"/>
-                      <a:round/>
-                      <a:headEnd type="none" w="med" len="med"/>
-                      <a:tailEnd type="none" w="med" len="med"/>
-                    </a:lnT>
-                    <a:lnB w="12700" cap="flat" cmpd="sng" algn="ctr">
-                      <a:solidFill>
-                        <a:schemeClr val="tx1"/>
-                      </a:solidFill>
-                      <a:prstDash val="solid"/>
-                      <a:round/>
-                      <a:headEnd type="none" w="med" len="med"/>
-                      <a:tailEnd type="none" w="med" len="med"/>
-                    </a:lnB>
-                  </a:tcPr>
-                </a:tc>
-                <a:tc>
-                  <a:txBody>
-                    <a:bodyPr/>
-                    <a:lstStyle/>
-                    <a:p>
-                      <a:pPr algn="r" fontAlgn="b"/>
-                      <a:r>
-                        <a:rPr lang="en-MY" sz="900" b="0" i="0" u="none" strike="noStrike">
-                          <a:solidFill>
-                            <a:srgbClr val="000000"/>
-                          </a:solidFill>
-                          <a:effectLst/>
-                          <a:latin typeface="Calibri" panose="020F0502020204030204" pitchFamily="34" charset="0"/>
-                        </a:rPr>
-                        <a:t>209</a:t>
-                      </a:r>
-                    </a:p>
-                  </a:txBody>
-                  <a:tcPr marL="9525" marR="9525" marT="9525" marB="0" anchor="b">
-                    <a:lnL w="12700" cap="flat" cmpd="sng" algn="ctr">
-                      <a:solidFill>
-                        <a:schemeClr val="tx1"/>
-                      </a:solidFill>
-                      <a:prstDash val="solid"/>
-                      <a:round/>
-                      <a:headEnd type="none" w="med" len="med"/>
-                      <a:tailEnd type="none" w="med" len="med"/>
-                    </a:lnL>
-                    <a:lnR w="12700" cap="flat" cmpd="sng" algn="ctr">
-                      <a:solidFill>
-                        <a:schemeClr val="tx1"/>
-                      </a:solidFill>
-                      <a:prstDash val="solid"/>
-                      <a:round/>
-                      <a:headEnd type="none" w="med" len="med"/>
-                      <a:tailEnd type="none" w="med" len="med"/>
-                    </a:lnR>
-                    <a:lnT w="12700" cap="flat" cmpd="sng" algn="ctr">
-                      <a:solidFill>
-                        <a:schemeClr val="tx1"/>
-                      </a:solidFill>
-                      <a:prstDash val="solid"/>
-                      <a:round/>
-                      <a:headEnd type="none" w="med" len="med"/>
-                      <a:tailEnd type="none" w="med" len="med"/>
-                    </a:lnT>
-                    <a:lnB w="12700" cap="flat" cmpd="sng" algn="ctr">
-                      <a:solidFill>
-                        <a:schemeClr val="tx1"/>
-                      </a:solidFill>
-                      <a:prstDash val="solid"/>
-                      <a:round/>
-                      <a:headEnd type="none" w="med" len="med"/>
-                      <a:tailEnd type="none" w="med" len="med"/>
-                    </a:lnB>
-                  </a:tcPr>
-                </a:tc>
-                <a:tc>
-                  <a:txBody>
-                    <a:bodyPr/>
-                    <a:lstStyle/>
-                    <a:p>
-                      <a:pPr algn="r" fontAlgn="b"/>
-                      <a:r>
-                        <a:rPr lang="en-MY" sz="900" b="0" i="0" u="none" strike="noStrike">
-                          <a:solidFill>
-                            <a:srgbClr val="000000"/>
-                          </a:solidFill>
-                          <a:effectLst/>
-                          <a:latin typeface="Calibri" panose="020F0502020204030204" pitchFamily="34" charset="0"/>
-                        </a:rPr>
-                        <a:t>-1684000</a:t>
-                      </a:r>
-                    </a:p>
-                  </a:txBody>
-                  <a:tcPr marL="9525" marR="9525" marT="9525" marB="0" anchor="b">
-                    <a:lnL w="12700" cap="flat" cmpd="sng" algn="ctr">
-                      <a:solidFill>
-                        <a:schemeClr val="tx1"/>
-                      </a:solidFill>
-                      <a:prstDash val="solid"/>
-                      <a:round/>
-                      <a:headEnd type="none" w="med" len="med"/>
-                      <a:tailEnd type="none" w="med" len="med"/>
-                    </a:lnL>
-                    <a:lnR w="12700" cap="flat" cmpd="sng" algn="ctr">
-                      <a:solidFill>
-                        <a:schemeClr val="tx1"/>
-                      </a:solidFill>
-                      <a:prstDash val="solid"/>
-                      <a:round/>
-                      <a:headEnd type="none" w="med" len="med"/>
-                      <a:tailEnd type="none" w="med" len="med"/>
-                    </a:lnR>
-                    <a:lnT w="12700" cap="flat" cmpd="sng" algn="ctr">
-                      <a:solidFill>
-                        <a:schemeClr val="tx1"/>
-                      </a:solidFill>
-                      <a:prstDash val="solid"/>
-                      <a:round/>
-                      <a:headEnd type="none" w="med" len="med"/>
-                      <a:tailEnd type="none" w="med" len="med"/>
-                    </a:lnT>
-                    <a:lnB w="12700" cap="flat" cmpd="sng" algn="ctr">
-                      <a:solidFill>
-                        <a:schemeClr val="tx1"/>
-                      </a:solidFill>
-                      <a:prstDash val="solid"/>
-                      <a:round/>
-                      <a:headEnd type="none" w="med" len="med"/>
-                      <a:tailEnd type="none" w="med" len="med"/>
-                    </a:lnB>
-                  </a:tcPr>
-                </a:tc>
-                <a:tc>
-                  <a:txBody>
-                    <a:bodyPr/>
-                    <a:lstStyle/>
-                    <a:p>
-                      <a:pPr algn="r" fontAlgn="b"/>
-                      <a:r>
-                        <a:rPr lang="en-MY" sz="900" b="0" i="0" u="none" strike="noStrike">
-                          <a:solidFill>
-                            <a:srgbClr val="000000"/>
-                          </a:solidFill>
-                          <a:effectLst/>
-                          <a:latin typeface="Calibri" panose="020F0502020204030204" pitchFamily="34" charset="0"/>
-                        </a:rPr>
-                        <a:t>8</a:t>
-                      </a:r>
-                    </a:p>
-                  </a:txBody>
-                  <a:tcPr marL="9525" marR="9525" marT="9525" marB="0" anchor="b">
-                    <a:lnL w="12700" cap="flat" cmpd="sng" algn="ctr">
-                      <a:solidFill>
-                        <a:schemeClr val="tx1"/>
-                      </a:solidFill>
-                      <a:prstDash val="solid"/>
-                      <a:round/>
-                      <a:headEnd type="none" w="med" len="med"/>
-                      <a:tailEnd type="none" w="med" len="med"/>
-                    </a:lnL>
-                    <a:lnR w="12700" cap="flat" cmpd="sng" algn="ctr">
-                      <a:solidFill>
-                        <a:schemeClr val="tx1"/>
-                      </a:solidFill>
-                      <a:prstDash val="solid"/>
-                      <a:round/>
-                      <a:headEnd type="none" w="med" len="med"/>
-                      <a:tailEnd type="none" w="med" len="med"/>
-                    </a:lnR>
-                    <a:lnT w="12700" cap="flat" cmpd="sng" algn="ctr">
-                      <a:solidFill>
-                        <a:schemeClr val="tx1"/>
-                      </a:solidFill>
-                      <a:prstDash val="solid"/>
-                      <a:round/>
-                      <a:headEnd type="none" w="med" len="med"/>
-                      <a:tailEnd type="none" w="med" len="med"/>
-                    </a:lnT>
-                    <a:lnB w="12700" cap="flat" cmpd="sng" algn="ctr">
-                      <a:solidFill>
-                        <a:schemeClr val="tx1"/>
-                      </a:solidFill>
-                      <a:prstDash val="solid"/>
-                      <a:round/>
-                      <a:headEnd type="none" w="med" len="med"/>
-                      <a:tailEnd type="none" w="med" len="med"/>
-                    </a:lnB>
-                  </a:tcPr>
-                </a:tc>
-                <a:extLst>
-                  <a:ext uri="{0D108BD9-81ED-4DB2-BD59-A6C34878D82A}">
-                    <a16:rowId xmlns:a16="http://schemas.microsoft.com/office/drawing/2014/main" val="3640809626"/>
-                  </a:ext>
-                </a:extLst>
-              </a:tr>
-              <a:tr h="211539">
-                <a:tc>
-                  <a:txBody>
-                    <a:bodyPr/>
-                    <a:lstStyle/>
-                    <a:p>
-                      <a:pPr algn="l" fontAlgn="b"/>
-                      <a:r>
-                        <a:rPr lang="en-MY" sz="900" b="1" i="0" u="none" strike="noStrike" dirty="0" err="1">
+                        <a:rPr lang="en-MY" sz="900" b="0" i="0" u="none" strike="noStrike" dirty="0" err="1">
                           <a:solidFill>
                             <a:srgbClr val="000000"/>
                           </a:solidFill>
@@ -19270,7 +18589,7 @@
                         </a:rPr>
                         <a:t>DecisionTree</a:t>
                       </a:r>
-                      <a:endParaRPr lang="en-MY" sz="900" b="1" i="0" u="none" strike="noStrike" dirty="0">
+                      <a:endParaRPr lang="en-MY" sz="900" b="0" i="0" u="none" strike="noStrike" dirty="0">
                         <a:solidFill>
                           <a:srgbClr val="000000"/>
                         </a:solidFill>
@@ -19317,7 +18636,7 @@
                       <a:tailEnd type="none" w="med" len="med"/>
                     </a:lnB>
                     <a:solidFill>
-                      <a:schemeClr val="accent4"/>
+                      <a:srgbClr val="FFC000"/>
                     </a:solidFill>
                   </a:tcPr>
                 </a:tc>
@@ -19670,7 +18989,7 @@
                     <a:p>
                       <a:pPr algn="r" fontAlgn="b"/>
                       <a:r>
-                        <a:rPr lang="en-MY" sz="900" b="0" i="0" u="none" strike="noStrike">
+                        <a:rPr lang="en-MY" sz="900" b="0" i="0" u="none" strike="noStrike" dirty="0">
                           <a:solidFill>
                             <a:srgbClr val="000000"/>
                           </a:solidFill>
@@ -19727,7 +19046,7 @@
                     <a:p>
                       <a:pPr algn="r" fontAlgn="b"/>
                       <a:r>
-                        <a:rPr lang="en-MY" sz="900" b="0" i="0" u="none" strike="noStrike">
+                        <a:rPr lang="en-MY" sz="900" b="0" i="0" u="none" strike="noStrike" dirty="0">
                           <a:solidFill>
                             <a:srgbClr val="000000"/>
                           </a:solidFill>
@@ -19841,7 +19160,7 @@
                     <a:p>
                       <a:pPr algn="r" fontAlgn="b"/>
                       <a:r>
-                        <a:rPr lang="en-MY" sz="900" b="0" i="0" u="none" strike="noStrike" dirty="0">
+                        <a:rPr lang="en-MY" sz="900" b="0" i="0" u="none" strike="noStrike">
                           <a:solidFill>
                             <a:srgbClr val="000000"/>
                           </a:solidFill>
@@ -19898,7 +19217,7 @@
                     <a:p>
                       <a:pPr algn="r" fontAlgn="b"/>
                       <a:r>
-                        <a:rPr lang="en-MY" sz="900" b="0" i="0" u="none" strike="noStrike">
+                        <a:rPr lang="en-MY" sz="900" b="0" i="0" u="none" strike="noStrike" dirty="0">
                           <a:solidFill>
                             <a:srgbClr val="000000"/>
                           </a:solidFill>
@@ -19955,7 +19274,7 @@
                     <a:p>
                       <a:pPr algn="r" fontAlgn="b"/>
                       <a:r>
-                        <a:rPr lang="en-MY" sz="900" b="0" i="0" u="none" strike="noStrike">
+                        <a:rPr lang="en-MY" sz="900" b="0" i="0" u="none" strike="noStrike" dirty="0">
                           <a:solidFill>
                             <a:srgbClr val="000000"/>
                           </a:solidFill>
@@ -20012,14 +19331,14 @@
                     <a:p>
                       <a:pPr algn="r" fontAlgn="b"/>
                       <a:r>
-                        <a:rPr lang="en-MY" sz="900" b="0" i="0" u="none" strike="noStrike">
+                        <a:rPr lang="en-MY" sz="900" b="0" i="0" u="none" strike="noStrike" dirty="0">
                           <a:solidFill>
                             <a:srgbClr val="000000"/>
                           </a:solidFill>
                           <a:effectLst/>
                           <a:latin typeface="Calibri" panose="020F0502020204030204" pitchFamily="34" charset="0"/>
                         </a:rPr>
-                        <a:t>9</a:t>
+                        <a:t>8</a:t>
                       </a:r>
                     </a:p>
                   </a:txBody>
@@ -20064,7 +19383,7 @@
                 </a:tc>
                 <a:extLst>
                   <a:ext uri="{0D108BD9-81ED-4DB2-BD59-A6C34878D82A}">
-                    <a16:rowId xmlns:a16="http://schemas.microsoft.com/office/drawing/2014/main" val="1994176752"/>
+                    <a16:rowId xmlns:a16="http://schemas.microsoft.com/office/drawing/2014/main" val="3640809626"/>
                   </a:ext>
                 </a:extLst>
               </a:tr>
@@ -20076,7 +19395,7 @@
                     <a:p>
                       <a:pPr algn="l" fontAlgn="b"/>
                       <a:r>
-                        <a:rPr lang="en-MY" sz="900" b="1" i="0" u="none" strike="noStrike" dirty="0" err="1">
+                        <a:rPr lang="en-MY" sz="900" b="0" i="0" u="none" strike="noStrike">
                           <a:solidFill>
                             <a:srgbClr val="000000"/>
                           </a:solidFill>
@@ -20085,13 +19404,6 @@
                         </a:rPr>
                         <a:t>SupportVectorMachine</a:t>
                       </a:r>
-                      <a:endParaRPr lang="en-MY" sz="900" b="1" i="0" u="none" strike="noStrike" dirty="0">
-                        <a:solidFill>
-                          <a:srgbClr val="000000"/>
-                        </a:solidFill>
-                        <a:effectLst/>
-                        <a:latin typeface="Calibri" panose="020F0502020204030204" pitchFamily="34" charset="0"/>
-                      </a:endParaRPr>
                     </a:p>
                   </a:txBody>
                   <a:tcPr marL="9525" marR="9525" marT="9525" marB="0" anchor="b">
@@ -20371,7 +19683,7 @@
                     <a:p>
                       <a:pPr algn="r" fontAlgn="b"/>
                       <a:r>
-                        <a:rPr lang="en-MY" sz="900" b="0" i="0" u="none" strike="noStrike">
+                        <a:rPr lang="en-MY" sz="900" b="0" i="0" u="none" strike="noStrike" dirty="0">
                           <a:solidFill>
                             <a:srgbClr val="000000"/>
                           </a:solidFill>
@@ -20428,7 +19740,7 @@
                     <a:p>
                       <a:pPr algn="r" fontAlgn="b"/>
                       <a:r>
-                        <a:rPr lang="en-MY" sz="900" b="0" i="0" u="none" strike="noStrike">
+                        <a:rPr lang="en-MY" sz="900" b="0" i="0" u="none" strike="noStrike" dirty="0">
                           <a:solidFill>
                             <a:srgbClr val="000000"/>
                           </a:solidFill>
@@ -20542,7 +19854,7 @@
                     <a:p>
                       <a:pPr algn="r" fontAlgn="b"/>
                       <a:r>
-                        <a:rPr lang="en-MY" sz="900" b="0" i="0" u="none" strike="noStrike">
+                        <a:rPr lang="en-MY" sz="900" b="0" i="0" u="none" strike="noStrike" dirty="0">
                           <a:solidFill>
                             <a:srgbClr val="000000"/>
                           </a:solidFill>
@@ -20656,7 +19968,7 @@
                     <a:p>
                       <a:pPr algn="r" fontAlgn="b"/>
                       <a:r>
-                        <a:rPr lang="en-MY" sz="900" b="0" i="0" u="none" strike="noStrike" dirty="0">
+                        <a:rPr lang="en-MY" sz="900" b="0" i="0" u="none" strike="noStrike">
                           <a:solidFill>
                             <a:srgbClr val="000000"/>
                           </a:solidFill>
@@ -20770,7 +20082,7 @@
                     <a:p>
                       <a:pPr algn="r" fontAlgn="b"/>
                       <a:r>
-                        <a:rPr lang="en-MY" sz="900" b="0" i="0" u="none" strike="noStrike">
+                        <a:rPr lang="en-MY" sz="900" b="0" i="0" u="none" strike="noStrike" dirty="0">
                           <a:solidFill>
                             <a:srgbClr val="000000"/>
                           </a:solidFill>
@@ -20827,14 +20139,14 @@
                     <a:p>
                       <a:pPr algn="r" fontAlgn="b"/>
                       <a:r>
-                        <a:rPr lang="en-MY" sz="900" b="0" i="0" u="none" strike="noStrike">
+                        <a:rPr lang="en-MY" sz="900" b="0" i="0" u="none" strike="noStrike" dirty="0">
                           <a:solidFill>
                             <a:srgbClr val="000000"/>
                           </a:solidFill>
                           <a:effectLst/>
                           <a:latin typeface="Calibri" panose="020F0502020204030204" pitchFamily="34" charset="0"/>
                         </a:rPr>
-                        <a:t>10</a:t>
+                        <a:t>9</a:t>
                       </a:r>
                     </a:p>
                   </a:txBody>
@@ -20879,7 +20191,7 @@
                 </a:tc>
                 <a:extLst>
                   <a:ext uri="{0D108BD9-81ED-4DB2-BD59-A6C34878D82A}">
-                    <a16:rowId xmlns:a16="http://schemas.microsoft.com/office/drawing/2014/main" val="2197108998"/>
+                    <a16:rowId xmlns:a16="http://schemas.microsoft.com/office/drawing/2014/main" val="1994176752"/>
                   </a:ext>
                 </a:extLst>
               </a:tr>
@@ -20891,7 +20203,7 @@
                     <a:p>
                       <a:pPr algn="l" fontAlgn="b"/>
                       <a:r>
-                        <a:rPr lang="en-MY" sz="900" b="1" i="0" u="none" strike="noStrike" dirty="0" err="1">
+                        <a:rPr lang="en-MY" sz="900" b="0" i="0" u="none" strike="noStrike">
                           <a:solidFill>
                             <a:srgbClr val="000000"/>
                           </a:solidFill>
@@ -20900,13 +20212,6 @@
                         </a:rPr>
                         <a:t>TensorflowMLP</a:t>
                       </a:r>
-                      <a:endParaRPr lang="en-MY" sz="900" b="1" i="0" u="none" strike="noStrike" dirty="0">
-                        <a:solidFill>
-                          <a:srgbClr val="000000"/>
-                        </a:solidFill>
-                        <a:effectLst/>
-                        <a:latin typeface="Calibri" panose="020F0502020204030204" pitchFamily="34" charset="0"/>
-                      </a:endParaRPr>
                     </a:p>
                   </a:txBody>
                   <a:tcPr marL="9525" marR="9525" marT="9525" marB="0" anchor="b">
@@ -21243,7 +20548,7 @@
                     <a:p>
                       <a:pPr algn="r" fontAlgn="b"/>
                       <a:r>
-                        <a:rPr lang="en-MY" sz="900" b="0" i="0" u="none" strike="noStrike">
+                        <a:rPr lang="en-MY" sz="900" b="0" i="0" u="none" strike="noStrike" dirty="0">
                           <a:solidFill>
                             <a:srgbClr val="000000"/>
                           </a:solidFill>
@@ -21649,7 +20954,7 @@
                           <a:effectLst/>
                           <a:latin typeface="Calibri" panose="020F0502020204030204" pitchFamily="34" charset="0"/>
                         </a:rPr>
-                        <a:t>11</a:t>
+                        <a:t>10</a:t>
                       </a:r>
                     </a:p>
                   </a:txBody>
@@ -21694,7 +20999,7 @@
                 </a:tc>
                 <a:extLst>
                   <a:ext uri="{0D108BD9-81ED-4DB2-BD59-A6C34878D82A}">
-                    <a16:rowId xmlns:a16="http://schemas.microsoft.com/office/drawing/2014/main" val="3767464674"/>
+                    <a16:rowId xmlns:a16="http://schemas.microsoft.com/office/drawing/2014/main" val="2197108998"/>
                   </a:ext>
                 </a:extLst>
               </a:tr>
@@ -21706,7 +21011,7 @@
                     <a:p>
                       <a:pPr algn="l" fontAlgn="b"/>
                       <a:r>
-                        <a:rPr lang="en-MY" sz="900" b="1" i="0" u="none" strike="noStrike" dirty="0" err="1">
+                        <a:rPr lang="en-MY" sz="900" b="0" i="0" u="none" strike="noStrike">
                           <a:solidFill>
                             <a:srgbClr val="000000"/>
                           </a:solidFill>
@@ -21715,13 +21020,6 @@
                         </a:rPr>
                         <a:t>LRegression</a:t>
                       </a:r>
-                      <a:endParaRPr lang="en-MY" sz="900" b="1" i="0" u="none" strike="noStrike" dirty="0">
-                        <a:solidFill>
-                          <a:srgbClr val="000000"/>
-                        </a:solidFill>
-                        <a:effectLst/>
-                        <a:latin typeface="Calibri" panose="020F0502020204030204" pitchFamily="34" charset="0"/>
-                      </a:endParaRPr>
                     </a:p>
                   </a:txBody>
                   <a:tcPr marL="9525" marR="9525" marT="9525" marB="0" anchor="b">
@@ -22172,7 +21470,7 @@
                     <a:p>
                       <a:pPr algn="r" fontAlgn="b"/>
                       <a:r>
-                        <a:rPr lang="en-MY" sz="900" b="0" i="0" u="none" strike="noStrike">
+                        <a:rPr lang="en-MY" sz="900" b="0" i="0" u="none" strike="noStrike" dirty="0">
                           <a:solidFill>
                             <a:srgbClr val="000000"/>
                           </a:solidFill>
@@ -22343,7 +21641,7 @@
                     <a:p>
                       <a:pPr algn="r" fontAlgn="b"/>
                       <a:r>
-                        <a:rPr lang="en-MY" sz="900" b="0" i="0" u="none" strike="noStrike">
+                        <a:rPr lang="en-MY" sz="900" b="0" i="0" u="none" strike="noStrike" dirty="0">
                           <a:solidFill>
                             <a:srgbClr val="000000"/>
                           </a:solidFill>
@@ -22464,7 +21762,7 @@
                           <a:effectLst/>
                           <a:latin typeface="Calibri" panose="020F0502020204030204" pitchFamily="34" charset="0"/>
                         </a:rPr>
-                        <a:t>12</a:t>
+                        <a:t>11</a:t>
                       </a:r>
                     </a:p>
                   </a:txBody>
@@ -22509,7 +21807,7 @@
                 </a:tc>
                 <a:extLst>
                   <a:ext uri="{0D108BD9-81ED-4DB2-BD59-A6C34878D82A}">
-                    <a16:rowId xmlns:a16="http://schemas.microsoft.com/office/drawing/2014/main" val="2761671601"/>
+                    <a16:rowId xmlns:a16="http://schemas.microsoft.com/office/drawing/2014/main" val="3767464674"/>
                   </a:ext>
                 </a:extLst>
               </a:tr>
@@ -22521,7 +21819,7 @@
                     <a:p>
                       <a:pPr algn="l" fontAlgn="b"/>
                       <a:r>
-                        <a:rPr lang="en-MY" sz="900" b="1" i="0" u="none" strike="noStrike" dirty="0" err="1">
+                        <a:rPr lang="en-MY" sz="900" b="0" i="0" u="none" strike="noStrike">
                           <a:solidFill>
                             <a:srgbClr val="000000"/>
                           </a:solidFill>
@@ -22530,13 +21828,6 @@
                         </a:rPr>
                         <a:t>NaiveBayesClassifier</a:t>
                       </a:r>
-                      <a:endParaRPr lang="en-MY" sz="900" b="1" i="0" u="none" strike="noStrike" dirty="0">
-                        <a:solidFill>
-                          <a:srgbClr val="000000"/>
-                        </a:solidFill>
-                        <a:effectLst/>
-                        <a:latin typeface="Calibri" panose="020F0502020204030204" pitchFamily="34" charset="0"/>
-                      </a:endParaRPr>
                     </a:p>
                   </a:txBody>
                   <a:tcPr marL="9525" marR="9525" marT="9525" marB="0" anchor="b">
@@ -22702,7 +21993,7 @@
                     <a:p>
                       <a:pPr algn="r" fontAlgn="b"/>
                       <a:r>
-                        <a:rPr lang="en-MY" sz="900" b="0" i="0" u="none" strike="noStrike">
+                        <a:rPr lang="en-MY" sz="900" b="0" i="0" u="none" strike="noStrike" dirty="0">
                           <a:solidFill>
                             <a:srgbClr val="000000"/>
                           </a:solidFill>
@@ -22987,7 +22278,7 @@
                     <a:p>
                       <a:pPr algn="r" fontAlgn="b"/>
                       <a:r>
-                        <a:rPr lang="en-MY" sz="900" b="0" i="0" u="none" strike="noStrike">
+                        <a:rPr lang="en-MY" sz="900" b="0" i="0" u="none" strike="noStrike" dirty="0">
                           <a:solidFill>
                             <a:srgbClr val="000000"/>
                           </a:solidFill>
@@ -23158,7 +22449,7 @@
                     <a:p>
                       <a:pPr algn="r" fontAlgn="b"/>
                       <a:r>
-                        <a:rPr lang="en-MY" sz="900" b="0" i="0" u="none" strike="noStrike">
+                        <a:rPr lang="en-MY" sz="900" b="0" i="0" u="none" strike="noStrike" dirty="0">
                           <a:solidFill>
                             <a:srgbClr val="000000"/>
                           </a:solidFill>
@@ -23279,7 +22570,7 @@
                           <a:effectLst/>
                           <a:latin typeface="Calibri" panose="020F0502020204030204" pitchFamily="34" charset="0"/>
                         </a:rPr>
-                        <a:t>13</a:t>
+                        <a:t>12</a:t>
                       </a:r>
                     </a:p>
                   </a:txBody>
@@ -23324,7 +22615,7 @@
                 </a:tc>
                 <a:extLst>
                   <a:ext uri="{0D108BD9-81ED-4DB2-BD59-A6C34878D82A}">
-                    <a16:rowId xmlns:a16="http://schemas.microsoft.com/office/drawing/2014/main" val="3183026010"/>
+                    <a16:rowId xmlns:a16="http://schemas.microsoft.com/office/drawing/2014/main" val="2761671601"/>
                   </a:ext>
                 </a:extLst>
               </a:tr>
@@ -23803,8 +23094,8 @@
         </p:nvSpPr>
         <p:spPr>
           <a:xfrm>
-            <a:off x="4208067" y="3531503"/>
-            <a:ext cx="7974934" cy="2308324"/>
+            <a:off x="4217066" y="3390003"/>
+            <a:ext cx="7974934" cy="1569660"/>
           </a:xfrm>
           <a:prstGeom prst="rect">
             <a:avLst/>
@@ -23819,40 +23110,7 @@
           <a:p>
             <a:r>
               <a:rPr lang="en-MY" sz="1200" dirty="0"/>
-              <a:t>The above table shows total of 13 models being ranked according to their cost (calculation shown on the left side). Since this is an imbalanced dataset, the evaluation matric should not be focusing on Accuracy as it is misleading with the high score as most ‘ok’ category being categorized successfully. Instead, we should look at Matthew Correlation score and F1 score since it penalize False Negatives and False Positives, therefore, a more meaningful gauge for misclassification.</a:t>
-            </a:r>
-          </a:p>
-          <a:p>
-            <a:endParaRPr lang="en-MY" sz="1200" dirty="0"/>
-          </a:p>
-          <a:p>
-            <a:r>
-              <a:rPr lang="en-MY" sz="1200" dirty="0"/>
-              <a:t>For the top 4 performing models, according to the accuracy, we can observed that they are overfitted whereby their Training accuracy &gt; Validation accuracy. Out of all, 2 of the models, i.e. </a:t>
-            </a:r>
-            <a:r>
-              <a:rPr lang="en-MY" sz="1200" i="1" dirty="0">
-                <a:solidFill>
-                  <a:srgbClr val="0070C0"/>
-                </a:solidFill>
-              </a:rPr>
-              <a:t>XGBoostGridSearch</a:t>
-            </a:r>
-            <a:r>
-              <a:rPr lang="en-MY" sz="1200" dirty="0"/>
-              <a:t> and </a:t>
-            </a:r>
-            <a:r>
-              <a:rPr lang="en-MY" sz="1200" i="1" dirty="0">
-                <a:solidFill>
-                  <a:srgbClr val="0070C0"/>
-                </a:solidFill>
-              </a:rPr>
-              <a:t>RandomForestGridSearch</a:t>
-            </a:r>
-            <a:r>
-              <a:rPr lang="en-MY" sz="1200" dirty="0"/>
-              <a:t> model have the tendency of not overfitting but having low Matthew Correlation score and F1 score as a trade-off. </a:t>
+              <a:t>The above table shows total of 12 models being ranked according to their cost (calculation shown on the left side). Since this is an imbalanced dataset, the evaluation matric should not be focusing on Accuracy as it is misleading with the high score as most ‘ok’ category being categorized successfully. Instead, we should look at Matthew Correlation score and F1 score since it penalize False Negatives and False Positives, therefore, a more meaningful gauge for misclassification.</a:t>
             </a:r>
           </a:p>
           <a:p>
@@ -23939,7 +23197,7 @@
         </p:nvSpPr>
         <p:spPr>
           <a:xfrm>
-            <a:off x="4217062" y="5814323"/>
+            <a:off x="4199997" y="4944962"/>
             <a:ext cx="1989221" cy="369332"/>
           </a:xfrm>
           <a:prstGeom prst="rect">
@@ -23974,7 +23232,7 @@
         </p:nvSpPr>
         <p:spPr>
           <a:xfrm>
-            <a:off x="4208067" y="6158151"/>
+            <a:off x="4191002" y="5288790"/>
             <a:ext cx="7737898" cy="646331"/>
           </a:xfrm>
           <a:prstGeom prst="rect">
@@ -23991,6 +23249,76 @@
             <a:r>
               <a:rPr lang="en-MY" sz="1200" dirty="0"/>
               <a:t>The model is being saved as a pickle file for reusability. The pickle file is then integrated into a flask RESTful API application,  and subsequently being deployed using docker. User Acceptance Test (UAT) should be conducted to test the scalability and reliability of the model through numerous iterations and different combination of datasets. </a:t>
+            </a:r>
+          </a:p>
+        </p:txBody>
+      </p:sp>
+      <p:sp>
+        <p:nvSpPr>
+          <p:cNvPr id="21" name="TextBox 20">
+            <a:extLst>
+              <a:ext uri="{FF2B5EF4-FFF2-40B4-BE49-F238E27FC236}">
+                <a16:creationId xmlns:a16="http://schemas.microsoft.com/office/drawing/2014/main" id="{A29329F7-AFE3-43A3-BA3D-460068CA1B79}"/>
+              </a:ext>
+            </a:extLst>
+          </p:cNvPr>
+          <p:cNvSpPr txBox="1"/>
+          <p:nvPr/>
+        </p:nvSpPr>
+        <p:spPr>
+          <a:xfrm>
+            <a:off x="4191002" y="5872302"/>
+            <a:ext cx="3565353" cy="369332"/>
+          </a:xfrm>
+          <a:prstGeom prst="rect">
+            <a:avLst/>
+          </a:prstGeom>
+          <a:noFill/>
+        </p:spPr>
+        <p:txBody>
+          <a:bodyPr wrap="square" rtlCol="0">
+            <a:spAutoFit/>
+          </a:bodyPr>
+          <a:lstStyle/>
+          <a:p>
+            <a:r>
+              <a:rPr lang="en-MY" b="1" u="sng" dirty="0"/>
+              <a:t>G. Implementation Issues</a:t>
+            </a:r>
+          </a:p>
+        </p:txBody>
+      </p:sp>
+      <p:sp>
+        <p:nvSpPr>
+          <p:cNvPr id="25" name="TextBox 24">
+            <a:extLst>
+              <a:ext uri="{FF2B5EF4-FFF2-40B4-BE49-F238E27FC236}">
+                <a16:creationId xmlns:a16="http://schemas.microsoft.com/office/drawing/2014/main" id="{899C2DC3-4C5E-4027-AC07-E0E45A2C9366}"/>
+              </a:ext>
+            </a:extLst>
+          </p:cNvPr>
+          <p:cNvSpPr txBox="1"/>
+          <p:nvPr/>
+        </p:nvSpPr>
+        <p:spPr>
+          <a:xfrm>
+            <a:off x="4191002" y="6178815"/>
+            <a:ext cx="7737898" cy="646331"/>
+          </a:xfrm>
+          <a:prstGeom prst="rect">
+            <a:avLst/>
+          </a:prstGeom>
+          <a:noFill/>
+        </p:spPr>
+        <p:txBody>
+          <a:bodyPr wrap="square" rtlCol="0">
+            <a:spAutoFit/>
+          </a:bodyPr>
+          <a:lstStyle/>
+          <a:p>
+            <a:r>
+              <a:rPr lang="en-MY" sz="1200" dirty="0"/>
+              <a:t>The model the team chosen will have high false positive rate, meaning it will detect a lot of ‘fraud’ cases even though the cases are ‘ok’. Thus, more time and money will be spend on investigating the fraud cases. Should the cost of undetected fraud decreases, the team may deploy alternate model balancing its lower false positive rate and lower cost.</a:t>
             </a:r>
           </a:p>
         </p:txBody>

--- a/consolidated_answers.pptx
+++ b/consolidated_answers.pptx
@@ -6833,7 +6833,7 @@
           <a:p>
             <a:fld id="{5B59738F-BA60-493E-818C-8226DE26E785}" type="datetimeFigureOut">
               <a:rPr lang="en-MY" smtClean="0"/>
-              <a:t>4/9/2020</a:t>
+              <a:t>7/9/2020</a:t>
             </a:fld>
             <a:endParaRPr lang="en-MY"/>
           </a:p>
@@ -7033,7 +7033,7 @@
           <a:p>
             <a:fld id="{5B59738F-BA60-493E-818C-8226DE26E785}" type="datetimeFigureOut">
               <a:rPr lang="en-MY" smtClean="0"/>
-              <a:t>4/9/2020</a:t>
+              <a:t>7/9/2020</a:t>
             </a:fld>
             <a:endParaRPr lang="en-MY"/>
           </a:p>
@@ -7243,7 +7243,7 @@
           <a:p>
             <a:fld id="{5B59738F-BA60-493E-818C-8226DE26E785}" type="datetimeFigureOut">
               <a:rPr lang="en-MY" smtClean="0"/>
-              <a:t>4/9/2020</a:t>
+              <a:t>7/9/2020</a:t>
             </a:fld>
             <a:endParaRPr lang="en-MY"/>
           </a:p>
@@ -7443,7 +7443,7 @@
           <a:p>
             <a:fld id="{5B59738F-BA60-493E-818C-8226DE26E785}" type="datetimeFigureOut">
               <a:rPr lang="en-MY" smtClean="0"/>
-              <a:t>4/9/2020</a:t>
+              <a:t>7/9/2020</a:t>
             </a:fld>
             <a:endParaRPr lang="en-MY"/>
           </a:p>
@@ -7719,7 +7719,7 @@
           <a:p>
             <a:fld id="{5B59738F-BA60-493E-818C-8226DE26E785}" type="datetimeFigureOut">
               <a:rPr lang="en-MY" smtClean="0"/>
-              <a:t>4/9/2020</a:t>
+              <a:t>7/9/2020</a:t>
             </a:fld>
             <a:endParaRPr lang="en-MY"/>
           </a:p>
@@ -7987,7 +7987,7 @@
           <a:p>
             <a:fld id="{5B59738F-BA60-493E-818C-8226DE26E785}" type="datetimeFigureOut">
               <a:rPr lang="en-MY" smtClean="0"/>
-              <a:t>4/9/2020</a:t>
+              <a:t>7/9/2020</a:t>
             </a:fld>
             <a:endParaRPr lang="en-MY"/>
           </a:p>
@@ -8402,7 +8402,7 @@
           <a:p>
             <a:fld id="{5B59738F-BA60-493E-818C-8226DE26E785}" type="datetimeFigureOut">
               <a:rPr lang="en-MY" smtClean="0"/>
-              <a:t>4/9/2020</a:t>
+              <a:t>7/9/2020</a:t>
             </a:fld>
             <a:endParaRPr lang="en-MY"/>
           </a:p>
@@ -8544,7 +8544,7 @@
           <a:p>
             <a:fld id="{5B59738F-BA60-493E-818C-8226DE26E785}" type="datetimeFigureOut">
               <a:rPr lang="en-MY" smtClean="0"/>
-              <a:t>4/9/2020</a:t>
+              <a:t>7/9/2020</a:t>
             </a:fld>
             <a:endParaRPr lang="en-MY"/>
           </a:p>
@@ -8657,7 +8657,7 @@
           <a:p>
             <a:fld id="{5B59738F-BA60-493E-818C-8226DE26E785}" type="datetimeFigureOut">
               <a:rPr lang="en-MY" smtClean="0"/>
-              <a:t>4/9/2020</a:t>
+              <a:t>7/9/2020</a:t>
             </a:fld>
             <a:endParaRPr lang="en-MY"/>
           </a:p>
@@ -8970,7 +8970,7 @@
           <a:p>
             <a:fld id="{5B59738F-BA60-493E-818C-8226DE26E785}" type="datetimeFigureOut">
               <a:rPr lang="en-MY" smtClean="0"/>
-              <a:t>4/9/2020</a:t>
+              <a:t>7/9/2020</a:t>
             </a:fld>
             <a:endParaRPr lang="en-MY"/>
           </a:p>
@@ -9259,7 +9259,7 @@
           <a:p>
             <a:fld id="{5B59738F-BA60-493E-818C-8226DE26E785}" type="datetimeFigureOut">
               <a:rPr lang="en-MY" smtClean="0"/>
-              <a:t>4/9/2020</a:t>
+              <a:t>7/9/2020</a:t>
             </a:fld>
             <a:endParaRPr lang="en-MY"/>
           </a:p>
@@ -9502,7 +9502,7 @@
           <a:p>
             <a:fld id="{5B59738F-BA60-493E-818C-8226DE26E785}" type="datetimeFigureOut">
               <a:rPr lang="en-MY" smtClean="0"/>
-              <a:t>4/9/2020</a:t>
+              <a:t>7/9/2020</a:t>
             </a:fld>
             <a:endParaRPr lang="en-MY"/>
           </a:p>
@@ -23095,7 +23095,7 @@
         <p:spPr>
           <a:xfrm>
             <a:off x="4217066" y="3390003"/>
-            <a:ext cx="7974934" cy="1569660"/>
+            <a:ext cx="7974934" cy="1277273"/>
           </a:xfrm>
           <a:prstGeom prst="rect">
             <a:avLst/>
@@ -23109,28 +23109,28 @@
           <a:lstStyle/>
           <a:p>
             <a:r>
-              <a:rPr lang="en-MY" sz="1200" dirty="0"/>
+              <a:rPr lang="en-MY" sz="1100" dirty="0"/>
               <a:t>The above table shows total of 12 models being ranked according to their cost (calculation shown on the left side). Since this is an imbalanced dataset, the evaluation matric should not be focusing on Accuracy as it is misleading with the high score as most ‘ok’ category being categorized successfully. Instead, we should look at Matthew Correlation score and F1 score since it penalize False Negatives and False Positives, therefore, a more meaningful gauge for misclassification.</a:t>
             </a:r>
           </a:p>
           <a:p>
-            <a:endParaRPr lang="en-MY" sz="1200" dirty="0"/>
+            <a:endParaRPr lang="en-MY" sz="1100" dirty="0"/>
           </a:p>
           <a:p>
             <a:r>
-              <a:rPr lang="en-MY" sz="1200" dirty="0"/>
+              <a:rPr lang="en-MY" sz="1100" dirty="0"/>
               <a:t>The model which incurred lesser cost to the company will be chosen to predict the datasets which column ‘Insp’ of ‘</a:t>
             </a:r>
             <a:r>
-              <a:rPr lang="en-MY" sz="1200" dirty="0" err="1"/>
+              <a:rPr lang="en-MY" sz="1100" dirty="0" err="1"/>
               <a:t>unkn</a:t>
             </a:r>
             <a:r>
-              <a:rPr lang="en-MY" sz="1200" dirty="0"/>
+              <a:rPr lang="en-MY" sz="1100" dirty="0"/>
               <a:t>’. Our team identified that using </a:t>
             </a:r>
             <a:r>
-              <a:rPr lang="en-MY" sz="1200" i="1" dirty="0" err="1">
+              <a:rPr lang="en-MY" sz="1100" i="1" dirty="0" err="1">
                 <a:solidFill>
                   <a:srgbClr val="0070C0"/>
                 </a:solidFill>
@@ -23138,7 +23138,7 @@
               <a:t>RandomForest</a:t>
             </a:r>
             <a:r>
-              <a:rPr lang="en-MY" sz="1200" dirty="0"/>
+              <a:rPr lang="en-MY" sz="1100" dirty="0"/>
               <a:t> model will incur the least cost and thus it was chosen to predict the Test dataset.</a:t>
             </a:r>
           </a:p>
@@ -23197,7 +23197,7 @@
         </p:nvSpPr>
         <p:spPr>
           <a:xfrm>
-            <a:off x="4199997" y="4944962"/>
+            <a:off x="4191002" y="4578521"/>
             <a:ext cx="1989221" cy="369332"/>
           </a:xfrm>
           <a:prstGeom prst="rect">
@@ -23232,8 +23232,8 @@
         </p:nvSpPr>
         <p:spPr>
           <a:xfrm>
-            <a:off x="4191002" y="5288790"/>
-            <a:ext cx="7737898" cy="646331"/>
+            <a:off x="4191002" y="4947853"/>
+            <a:ext cx="7737898" cy="600164"/>
           </a:xfrm>
           <a:prstGeom prst="rect">
             <a:avLst/>
@@ -23247,7 +23247,7 @@
           <a:lstStyle/>
           <a:p>
             <a:r>
-              <a:rPr lang="en-MY" sz="1200" dirty="0"/>
+              <a:rPr lang="en-MY" sz="1100" dirty="0"/>
               <a:t>The model is being saved as a pickle file for reusability. The pickle file is then integrated into a flask RESTful API application,  and subsequently being deployed using docker. User Acceptance Test (UAT) should be conducted to test the scalability and reliability of the model through numerous iterations and different combination of datasets. </a:t>
             </a:r>
           </a:p>
@@ -23267,7 +23267,7 @@
         </p:nvSpPr>
         <p:spPr>
           <a:xfrm>
-            <a:off x="4191002" y="5872302"/>
+            <a:off x="4191002" y="5459262"/>
             <a:ext cx="3565353" cy="369332"/>
           </a:xfrm>
           <a:prstGeom prst="rect">
@@ -23302,8 +23302,8 @@
         </p:nvSpPr>
         <p:spPr>
           <a:xfrm>
-            <a:off x="4191002" y="6178815"/>
-            <a:ext cx="7737898" cy="646331"/>
+            <a:off x="4247149" y="5787339"/>
+            <a:ext cx="7737898" cy="1107996"/>
           </a:xfrm>
           <a:prstGeom prst="rect">
             <a:avLst/>
@@ -23317,8 +23317,14 @@
           <a:lstStyle/>
           <a:p>
             <a:r>
-              <a:rPr lang="en-MY" sz="1200" dirty="0"/>
-              <a:t>The model the team chosen will have high false positive rate, meaning it will detect a lot of ‘fraud’ cases even though the cases are ‘ok’. Thus, more time and money will be spend on investigating the fraud cases. Should the cost of undetected fraud decreases, the team may deploy alternate model balancing its lower false positive rate and lower cost.</a:t>
+              <a:rPr lang="en-MY" sz="1100" dirty="0"/>
+              <a:t>a. The model the team chosen will have high false positive rate, meaning it will detect a lot of ‘fraud’ cases even though the cases are ‘ok’. Thus, more time and money will be spend on investigating the fraud cases. Should the cost of undetected fraud decreases, the team may deploy alternate model balancing its lower false positive rate and lower cost.</a:t>
+            </a:r>
+          </a:p>
+          <a:p>
+            <a:r>
+              <a:rPr lang="en-MY" sz="1100" dirty="0"/>
+              <a:t>b. The unlabelled data is more then labelled data. There still a lot of uncertainties in determining the robustness of the data in the long run. The team should labelled more of the datasets to test the model to determine whether the model needs further fine tuning.</a:t>
             </a:r>
           </a:p>
         </p:txBody>
